--- a/day2/lecture2_TMB_syntax_spa.pptx
+++ b/day2/lecture2_TMB_syntax_spa.pptx
@@ -737,7 +737,7 @@
           </a:ln>
           <a:extLst>
             <a:ext uri="{909E8E84-426E-40dd-AFC4-6F175D3DCCD1}">
-              <a14:hiddenFill xmlns:a14="http://schemas.microsoft.com/office/drawing/2010/main" xmlns="">
+              <a14:hiddenFill xmlns="" xmlns:a14="http://schemas.microsoft.com/office/drawing/2010/main">
                 <a:solidFill>
                   <a:srgbClr val="FFFFFF"/>
                 </a:solidFill>
@@ -780,7 +780,7 @@
           </a:ln>
           <a:extLst>
             <a:ext uri="{909E8E84-426E-40dd-AFC4-6F175D3DCCD1}">
-              <a14:hiddenFill xmlns:a14="http://schemas.microsoft.com/office/drawing/2010/main" xmlns="">
+              <a14:hiddenFill xmlns="" xmlns:a14="http://schemas.microsoft.com/office/drawing/2010/main">
                 <a:noFill/>
               </a14:hiddenFill>
             </a:ext>
@@ -2939,7 +2939,7 @@
           <p:cNvPr id="2" name="Title 1">
             <a:extLst>
               <a:ext uri="{FF2B5EF4-FFF2-40B4-BE49-F238E27FC236}">
-                <a16:creationId xmlns:a16="http://schemas.microsoft.com/office/drawing/2014/main" id="{B71CF23E-A9A7-4BC4-95F7-2EA1ABE46609}"/>
+                <a16:creationId xmlns:a16="http://schemas.microsoft.com/office/drawing/2014/main" xmlns="" id="{B71CF23E-A9A7-4BC4-95F7-2EA1ABE46609}"/>
               </a:ext>
             </a:extLst>
           </p:cNvPr>
@@ -2976,7 +2976,7 @@
           <p:cNvPr id="3" name="Subtitle 2">
             <a:extLst>
               <a:ext uri="{FF2B5EF4-FFF2-40B4-BE49-F238E27FC236}">
-                <a16:creationId xmlns:a16="http://schemas.microsoft.com/office/drawing/2014/main" id="{4C32A1A5-4A74-40DB-BD00-EF75DA641BC6}"/>
+                <a16:creationId xmlns:a16="http://schemas.microsoft.com/office/drawing/2014/main" xmlns="" id="{4C32A1A5-4A74-40DB-BD00-EF75DA641BC6}"/>
               </a:ext>
             </a:extLst>
           </p:cNvPr>
@@ -3046,7 +3046,7 @@
           <p:cNvPr id="4" name="Date Placeholder 3">
             <a:extLst>
               <a:ext uri="{FF2B5EF4-FFF2-40B4-BE49-F238E27FC236}">
-                <a16:creationId xmlns:a16="http://schemas.microsoft.com/office/drawing/2014/main" id="{283419CA-8552-4F7F-867A-9283C1BF6246}"/>
+                <a16:creationId xmlns:a16="http://schemas.microsoft.com/office/drawing/2014/main" xmlns="" id="{283419CA-8552-4F7F-867A-9283C1BF6246}"/>
               </a:ext>
             </a:extLst>
           </p:cNvPr>
@@ -3075,7 +3075,7 @@
           <p:cNvPr id="5" name="Footer Placeholder 4">
             <a:extLst>
               <a:ext uri="{FF2B5EF4-FFF2-40B4-BE49-F238E27FC236}">
-                <a16:creationId xmlns:a16="http://schemas.microsoft.com/office/drawing/2014/main" id="{CA087CF2-81DC-44AC-8C0F-EC75E3CC59FF}"/>
+                <a16:creationId xmlns:a16="http://schemas.microsoft.com/office/drawing/2014/main" xmlns="" id="{CA087CF2-81DC-44AC-8C0F-EC75E3CC59FF}"/>
               </a:ext>
             </a:extLst>
           </p:cNvPr>
@@ -3100,7 +3100,7 @@
           <p:cNvPr id="6" name="Slide Number Placeholder 5">
             <a:extLst>
               <a:ext uri="{FF2B5EF4-FFF2-40B4-BE49-F238E27FC236}">
-                <a16:creationId xmlns:a16="http://schemas.microsoft.com/office/drawing/2014/main" id="{EF921941-0701-4766-9DF8-5041E6E7EE80}"/>
+                <a16:creationId xmlns:a16="http://schemas.microsoft.com/office/drawing/2014/main" xmlns="" id="{EF921941-0701-4766-9DF8-5041E6E7EE80}"/>
               </a:ext>
             </a:extLst>
           </p:cNvPr>
@@ -3159,7 +3159,7 @@
           <p:cNvPr id="2" name="Title 1">
             <a:extLst>
               <a:ext uri="{FF2B5EF4-FFF2-40B4-BE49-F238E27FC236}">
-                <a16:creationId xmlns:a16="http://schemas.microsoft.com/office/drawing/2014/main" id="{37144697-D400-4CDB-A43C-6E8D7964504E}"/>
+                <a16:creationId xmlns:a16="http://schemas.microsoft.com/office/drawing/2014/main" xmlns="" id="{37144697-D400-4CDB-A43C-6E8D7964504E}"/>
               </a:ext>
             </a:extLst>
           </p:cNvPr>
@@ -3187,7 +3187,7 @@
           <p:cNvPr id="3" name="Content Placeholder 2">
             <a:extLst>
               <a:ext uri="{FF2B5EF4-FFF2-40B4-BE49-F238E27FC236}">
-                <a16:creationId xmlns:a16="http://schemas.microsoft.com/office/drawing/2014/main" id="{A8E3CC9E-3888-4503-A6F1-7DA0D3C5C807}"/>
+                <a16:creationId xmlns:a16="http://schemas.microsoft.com/office/drawing/2014/main" xmlns="" id="{A8E3CC9E-3888-4503-A6F1-7DA0D3C5C807}"/>
               </a:ext>
             </a:extLst>
           </p:cNvPr>
@@ -3244,7 +3244,7 @@
           <p:cNvPr id="4" name="Date Placeholder 3">
             <a:extLst>
               <a:ext uri="{FF2B5EF4-FFF2-40B4-BE49-F238E27FC236}">
-                <a16:creationId xmlns:a16="http://schemas.microsoft.com/office/drawing/2014/main" id="{26FBD3F8-CB83-4407-B13D-73FBB80A4FC3}"/>
+                <a16:creationId xmlns:a16="http://schemas.microsoft.com/office/drawing/2014/main" xmlns="" id="{26FBD3F8-CB83-4407-B13D-73FBB80A4FC3}"/>
               </a:ext>
             </a:extLst>
           </p:cNvPr>
@@ -3273,7 +3273,7 @@
           <p:cNvPr id="5" name="Footer Placeholder 4">
             <a:extLst>
               <a:ext uri="{FF2B5EF4-FFF2-40B4-BE49-F238E27FC236}">
-                <a16:creationId xmlns:a16="http://schemas.microsoft.com/office/drawing/2014/main" id="{CE023359-2BC0-481A-B7D1-6098718C6BB3}"/>
+                <a16:creationId xmlns:a16="http://schemas.microsoft.com/office/drawing/2014/main" xmlns="" id="{CE023359-2BC0-481A-B7D1-6098718C6BB3}"/>
               </a:ext>
             </a:extLst>
           </p:cNvPr>
@@ -3298,7 +3298,7 @@
           <p:cNvPr id="6" name="Slide Number Placeholder 5">
             <a:extLst>
               <a:ext uri="{FF2B5EF4-FFF2-40B4-BE49-F238E27FC236}">
-                <a16:creationId xmlns:a16="http://schemas.microsoft.com/office/drawing/2014/main" id="{A11A6E9F-88A0-4FDB-8BB3-E5DCE33152D0}"/>
+                <a16:creationId xmlns:a16="http://schemas.microsoft.com/office/drawing/2014/main" xmlns="" id="{A11A6E9F-88A0-4FDB-8BB3-E5DCE33152D0}"/>
               </a:ext>
             </a:extLst>
           </p:cNvPr>
@@ -3543,7 +3543,7 @@
           <p:cNvPr id="2" name="Title 1">
             <a:extLst>
               <a:ext uri="{FF2B5EF4-FFF2-40B4-BE49-F238E27FC236}">
-                <a16:creationId xmlns:a16="http://schemas.microsoft.com/office/drawing/2014/main" id="{9597F460-9CF5-48A5-9FD7-74130EA9D090}"/>
+                <a16:creationId xmlns:a16="http://schemas.microsoft.com/office/drawing/2014/main" xmlns="" id="{9597F460-9CF5-48A5-9FD7-74130EA9D090}"/>
               </a:ext>
             </a:extLst>
           </p:cNvPr>
@@ -3580,7 +3580,7 @@
           <p:cNvPr id="3" name="Text Placeholder 2">
             <a:extLst>
               <a:ext uri="{FF2B5EF4-FFF2-40B4-BE49-F238E27FC236}">
-                <a16:creationId xmlns:a16="http://schemas.microsoft.com/office/drawing/2014/main" id="{49B594AC-0301-497E-A865-3EDEB0455D95}"/>
+                <a16:creationId xmlns:a16="http://schemas.microsoft.com/office/drawing/2014/main" xmlns="" id="{49B594AC-0301-497E-A865-3EDEB0455D95}"/>
               </a:ext>
             </a:extLst>
           </p:cNvPr>
@@ -3705,7 +3705,7 @@
           <p:cNvPr id="4" name="Date Placeholder 3">
             <a:extLst>
               <a:ext uri="{FF2B5EF4-FFF2-40B4-BE49-F238E27FC236}">
-                <a16:creationId xmlns:a16="http://schemas.microsoft.com/office/drawing/2014/main" id="{B6867BF5-02FD-4E65-B262-D3B73E2566A5}"/>
+                <a16:creationId xmlns:a16="http://schemas.microsoft.com/office/drawing/2014/main" xmlns="" id="{B6867BF5-02FD-4E65-B262-D3B73E2566A5}"/>
               </a:ext>
             </a:extLst>
           </p:cNvPr>
@@ -3734,7 +3734,7 @@
           <p:cNvPr id="5" name="Footer Placeholder 4">
             <a:extLst>
               <a:ext uri="{FF2B5EF4-FFF2-40B4-BE49-F238E27FC236}">
-                <a16:creationId xmlns:a16="http://schemas.microsoft.com/office/drawing/2014/main" id="{6AF6E24C-4F7E-4A37-9ECF-4185FB257B04}"/>
+                <a16:creationId xmlns:a16="http://schemas.microsoft.com/office/drawing/2014/main" xmlns="" id="{6AF6E24C-4F7E-4A37-9ECF-4185FB257B04}"/>
               </a:ext>
             </a:extLst>
           </p:cNvPr>
@@ -3759,7 +3759,7 @@
           <p:cNvPr id="6" name="Slide Number Placeholder 5">
             <a:extLst>
               <a:ext uri="{FF2B5EF4-FFF2-40B4-BE49-F238E27FC236}">
-                <a16:creationId xmlns:a16="http://schemas.microsoft.com/office/drawing/2014/main" id="{9954B23E-ECBC-41AF-9940-EF8DAB4A2747}"/>
+                <a16:creationId xmlns:a16="http://schemas.microsoft.com/office/drawing/2014/main" xmlns="" id="{9954B23E-ECBC-41AF-9940-EF8DAB4A2747}"/>
               </a:ext>
             </a:extLst>
           </p:cNvPr>
@@ -3818,7 +3818,7 @@
           <p:cNvPr id="2" name="Title 1">
             <a:extLst>
               <a:ext uri="{FF2B5EF4-FFF2-40B4-BE49-F238E27FC236}">
-                <a16:creationId xmlns:a16="http://schemas.microsoft.com/office/drawing/2014/main" id="{7E648D9B-6755-402A-B462-934F4C9F2307}"/>
+                <a16:creationId xmlns:a16="http://schemas.microsoft.com/office/drawing/2014/main" xmlns="" id="{7E648D9B-6755-402A-B462-934F4C9F2307}"/>
               </a:ext>
             </a:extLst>
           </p:cNvPr>
@@ -3846,7 +3846,7 @@
           <p:cNvPr id="3" name="Content Placeholder 2">
             <a:extLst>
               <a:ext uri="{FF2B5EF4-FFF2-40B4-BE49-F238E27FC236}">
-                <a16:creationId xmlns:a16="http://schemas.microsoft.com/office/drawing/2014/main" id="{5DEDB74C-C673-4D78-B6B9-AAB707E00E97}"/>
+                <a16:creationId xmlns:a16="http://schemas.microsoft.com/office/drawing/2014/main" xmlns="" id="{5DEDB74C-C673-4D78-B6B9-AAB707E00E97}"/>
               </a:ext>
             </a:extLst>
           </p:cNvPr>
@@ -3908,7 +3908,7 @@
           <p:cNvPr id="4" name="Content Placeholder 3">
             <a:extLst>
               <a:ext uri="{FF2B5EF4-FFF2-40B4-BE49-F238E27FC236}">
-                <a16:creationId xmlns:a16="http://schemas.microsoft.com/office/drawing/2014/main" id="{17DDD626-EE52-4003-BDB2-6B58FFF5C929}"/>
+                <a16:creationId xmlns:a16="http://schemas.microsoft.com/office/drawing/2014/main" xmlns="" id="{17DDD626-EE52-4003-BDB2-6B58FFF5C929}"/>
               </a:ext>
             </a:extLst>
           </p:cNvPr>
@@ -3970,7 +3970,7 @@
           <p:cNvPr id="5" name="Date Placeholder 4">
             <a:extLst>
               <a:ext uri="{FF2B5EF4-FFF2-40B4-BE49-F238E27FC236}">
-                <a16:creationId xmlns:a16="http://schemas.microsoft.com/office/drawing/2014/main" id="{D866BB07-37B0-4ADE-BDD5-8BAA1538618B}"/>
+                <a16:creationId xmlns:a16="http://schemas.microsoft.com/office/drawing/2014/main" xmlns="" id="{D866BB07-37B0-4ADE-BDD5-8BAA1538618B}"/>
               </a:ext>
             </a:extLst>
           </p:cNvPr>
@@ -3999,7 +3999,7 @@
           <p:cNvPr id="6" name="Footer Placeholder 5">
             <a:extLst>
               <a:ext uri="{FF2B5EF4-FFF2-40B4-BE49-F238E27FC236}">
-                <a16:creationId xmlns:a16="http://schemas.microsoft.com/office/drawing/2014/main" id="{78F672CB-A11B-472F-A155-3344D8C8E4A2}"/>
+                <a16:creationId xmlns:a16="http://schemas.microsoft.com/office/drawing/2014/main" xmlns="" id="{78F672CB-A11B-472F-A155-3344D8C8E4A2}"/>
               </a:ext>
             </a:extLst>
           </p:cNvPr>
@@ -4024,7 +4024,7 @@
           <p:cNvPr id="7" name="Slide Number Placeholder 6">
             <a:extLst>
               <a:ext uri="{FF2B5EF4-FFF2-40B4-BE49-F238E27FC236}">
-                <a16:creationId xmlns:a16="http://schemas.microsoft.com/office/drawing/2014/main" id="{1C546685-E2C5-46D3-ACAC-21A6CA6486F6}"/>
+                <a16:creationId xmlns:a16="http://schemas.microsoft.com/office/drawing/2014/main" xmlns="" id="{1C546685-E2C5-46D3-ACAC-21A6CA6486F6}"/>
               </a:ext>
             </a:extLst>
           </p:cNvPr>
@@ -4083,7 +4083,7 @@
           <p:cNvPr id="2" name="Title 1">
             <a:extLst>
               <a:ext uri="{FF2B5EF4-FFF2-40B4-BE49-F238E27FC236}">
-                <a16:creationId xmlns:a16="http://schemas.microsoft.com/office/drawing/2014/main" id="{76DEACA0-C1EC-487A-84B2-69DD9ADE4C9C}"/>
+                <a16:creationId xmlns:a16="http://schemas.microsoft.com/office/drawing/2014/main" xmlns="" id="{76DEACA0-C1EC-487A-84B2-69DD9ADE4C9C}"/>
               </a:ext>
             </a:extLst>
           </p:cNvPr>
@@ -4116,7 +4116,7 @@
           <p:cNvPr id="3" name="Text Placeholder 2">
             <a:extLst>
               <a:ext uri="{FF2B5EF4-FFF2-40B4-BE49-F238E27FC236}">
-                <a16:creationId xmlns:a16="http://schemas.microsoft.com/office/drawing/2014/main" id="{AF8CEDCD-0CC8-48BB-9699-3781791AF447}"/>
+                <a16:creationId xmlns:a16="http://schemas.microsoft.com/office/drawing/2014/main" xmlns="" id="{AF8CEDCD-0CC8-48BB-9699-3781791AF447}"/>
               </a:ext>
             </a:extLst>
           </p:cNvPr>
@@ -4187,7 +4187,7 @@
           <p:cNvPr id="4" name="Content Placeholder 3">
             <a:extLst>
               <a:ext uri="{FF2B5EF4-FFF2-40B4-BE49-F238E27FC236}">
-                <a16:creationId xmlns:a16="http://schemas.microsoft.com/office/drawing/2014/main" id="{E1830633-47E7-41AC-A121-C21895B2EB24}"/>
+                <a16:creationId xmlns:a16="http://schemas.microsoft.com/office/drawing/2014/main" xmlns="" id="{E1830633-47E7-41AC-A121-C21895B2EB24}"/>
               </a:ext>
             </a:extLst>
           </p:cNvPr>
@@ -4249,7 +4249,7 @@
           <p:cNvPr id="5" name="Text Placeholder 4">
             <a:extLst>
               <a:ext uri="{FF2B5EF4-FFF2-40B4-BE49-F238E27FC236}">
-                <a16:creationId xmlns:a16="http://schemas.microsoft.com/office/drawing/2014/main" id="{D8ACB11A-174F-47B0-983E-3E7592BC0703}"/>
+                <a16:creationId xmlns:a16="http://schemas.microsoft.com/office/drawing/2014/main" xmlns="" id="{D8ACB11A-174F-47B0-983E-3E7592BC0703}"/>
               </a:ext>
             </a:extLst>
           </p:cNvPr>
@@ -4320,7 +4320,7 @@
           <p:cNvPr id="6" name="Content Placeholder 5">
             <a:extLst>
               <a:ext uri="{FF2B5EF4-FFF2-40B4-BE49-F238E27FC236}">
-                <a16:creationId xmlns:a16="http://schemas.microsoft.com/office/drawing/2014/main" id="{F2F071EE-91A7-4BE7-9409-DD7276114AC8}"/>
+                <a16:creationId xmlns:a16="http://schemas.microsoft.com/office/drawing/2014/main" xmlns="" id="{F2F071EE-91A7-4BE7-9409-DD7276114AC8}"/>
               </a:ext>
             </a:extLst>
           </p:cNvPr>
@@ -4382,7 +4382,7 @@
           <p:cNvPr id="7" name="Date Placeholder 6">
             <a:extLst>
               <a:ext uri="{FF2B5EF4-FFF2-40B4-BE49-F238E27FC236}">
-                <a16:creationId xmlns:a16="http://schemas.microsoft.com/office/drawing/2014/main" id="{D0ABC714-9731-444C-8013-F80E6109DA69}"/>
+                <a16:creationId xmlns:a16="http://schemas.microsoft.com/office/drawing/2014/main" xmlns="" id="{D0ABC714-9731-444C-8013-F80E6109DA69}"/>
               </a:ext>
             </a:extLst>
           </p:cNvPr>
@@ -4411,7 +4411,7 @@
           <p:cNvPr id="8" name="Footer Placeholder 7">
             <a:extLst>
               <a:ext uri="{FF2B5EF4-FFF2-40B4-BE49-F238E27FC236}">
-                <a16:creationId xmlns:a16="http://schemas.microsoft.com/office/drawing/2014/main" id="{0A983215-7901-4E23-9BE9-F424DB84F36C}"/>
+                <a16:creationId xmlns:a16="http://schemas.microsoft.com/office/drawing/2014/main" xmlns="" id="{0A983215-7901-4E23-9BE9-F424DB84F36C}"/>
               </a:ext>
             </a:extLst>
           </p:cNvPr>
@@ -4436,7 +4436,7 @@
           <p:cNvPr id="9" name="Slide Number Placeholder 8">
             <a:extLst>
               <a:ext uri="{FF2B5EF4-FFF2-40B4-BE49-F238E27FC236}">
-                <a16:creationId xmlns:a16="http://schemas.microsoft.com/office/drawing/2014/main" id="{3A1A8C8B-16EB-4115-966F-B4347ECC472E}"/>
+                <a16:creationId xmlns:a16="http://schemas.microsoft.com/office/drawing/2014/main" xmlns="" id="{3A1A8C8B-16EB-4115-966F-B4347ECC472E}"/>
               </a:ext>
             </a:extLst>
           </p:cNvPr>
@@ -4495,7 +4495,7 @@
           <p:cNvPr id="2" name="Title 1">
             <a:extLst>
               <a:ext uri="{FF2B5EF4-FFF2-40B4-BE49-F238E27FC236}">
-                <a16:creationId xmlns:a16="http://schemas.microsoft.com/office/drawing/2014/main" id="{A4F1025E-5822-42E0-8A19-6DFE9EAC2E94}"/>
+                <a16:creationId xmlns:a16="http://schemas.microsoft.com/office/drawing/2014/main" xmlns="" id="{A4F1025E-5822-42E0-8A19-6DFE9EAC2E94}"/>
               </a:ext>
             </a:extLst>
           </p:cNvPr>
@@ -4523,7 +4523,7 @@
           <p:cNvPr id="3" name="Date Placeholder 2">
             <a:extLst>
               <a:ext uri="{FF2B5EF4-FFF2-40B4-BE49-F238E27FC236}">
-                <a16:creationId xmlns:a16="http://schemas.microsoft.com/office/drawing/2014/main" id="{80AF88F7-02A4-4DBA-B4EB-E2FF563297A1}"/>
+                <a16:creationId xmlns:a16="http://schemas.microsoft.com/office/drawing/2014/main" xmlns="" id="{80AF88F7-02A4-4DBA-B4EB-E2FF563297A1}"/>
               </a:ext>
             </a:extLst>
           </p:cNvPr>
@@ -4552,7 +4552,7 @@
           <p:cNvPr id="4" name="Footer Placeholder 3">
             <a:extLst>
               <a:ext uri="{FF2B5EF4-FFF2-40B4-BE49-F238E27FC236}">
-                <a16:creationId xmlns:a16="http://schemas.microsoft.com/office/drawing/2014/main" id="{4B4ED349-B37A-4E90-B039-D7D1F2B23015}"/>
+                <a16:creationId xmlns:a16="http://schemas.microsoft.com/office/drawing/2014/main" xmlns="" id="{4B4ED349-B37A-4E90-B039-D7D1F2B23015}"/>
               </a:ext>
             </a:extLst>
           </p:cNvPr>
@@ -4577,7 +4577,7 @@
           <p:cNvPr id="5" name="Slide Number Placeholder 4">
             <a:extLst>
               <a:ext uri="{FF2B5EF4-FFF2-40B4-BE49-F238E27FC236}">
-                <a16:creationId xmlns:a16="http://schemas.microsoft.com/office/drawing/2014/main" id="{5600B865-824C-45DB-8122-4C939F4944F9}"/>
+                <a16:creationId xmlns:a16="http://schemas.microsoft.com/office/drawing/2014/main" xmlns="" id="{5600B865-824C-45DB-8122-4C939F4944F9}"/>
               </a:ext>
             </a:extLst>
           </p:cNvPr>
@@ -4636,7 +4636,7 @@
           <p:cNvPr id="2" name="Date Placeholder 1">
             <a:extLst>
               <a:ext uri="{FF2B5EF4-FFF2-40B4-BE49-F238E27FC236}">
-                <a16:creationId xmlns:a16="http://schemas.microsoft.com/office/drawing/2014/main" id="{EBABE242-634C-4950-B70C-8C537D364796}"/>
+                <a16:creationId xmlns:a16="http://schemas.microsoft.com/office/drawing/2014/main" xmlns="" id="{EBABE242-634C-4950-B70C-8C537D364796}"/>
               </a:ext>
             </a:extLst>
           </p:cNvPr>
@@ -4665,7 +4665,7 @@
           <p:cNvPr id="3" name="Footer Placeholder 2">
             <a:extLst>
               <a:ext uri="{FF2B5EF4-FFF2-40B4-BE49-F238E27FC236}">
-                <a16:creationId xmlns:a16="http://schemas.microsoft.com/office/drawing/2014/main" id="{E958B604-E8F5-4273-819D-CC3830298EF7}"/>
+                <a16:creationId xmlns:a16="http://schemas.microsoft.com/office/drawing/2014/main" xmlns="" id="{E958B604-E8F5-4273-819D-CC3830298EF7}"/>
               </a:ext>
             </a:extLst>
           </p:cNvPr>
@@ -4690,7 +4690,7 @@
           <p:cNvPr id="4" name="Slide Number Placeholder 3">
             <a:extLst>
               <a:ext uri="{FF2B5EF4-FFF2-40B4-BE49-F238E27FC236}">
-                <a16:creationId xmlns:a16="http://schemas.microsoft.com/office/drawing/2014/main" id="{4E5EBED1-4677-4031-969E-5915F2AAD53B}"/>
+                <a16:creationId xmlns:a16="http://schemas.microsoft.com/office/drawing/2014/main" xmlns="" id="{4E5EBED1-4677-4031-969E-5915F2AAD53B}"/>
               </a:ext>
             </a:extLst>
           </p:cNvPr>
@@ -4749,7 +4749,7 @@
           <p:cNvPr id="2" name="Title 1">
             <a:extLst>
               <a:ext uri="{FF2B5EF4-FFF2-40B4-BE49-F238E27FC236}">
-                <a16:creationId xmlns:a16="http://schemas.microsoft.com/office/drawing/2014/main" id="{07D936E9-08C7-47C0-BD96-353FAA990D82}"/>
+                <a16:creationId xmlns:a16="http://schemas.microsoft.com/office/drawing/2014/main" xmlns="" id="{07D936E9-08C7-47C0-BD96-353FAA990D82}"/>
               </a:ext>
             </a:extLst>
           </p:cNvPr>
@@ -4786,7 +4786,7 @@
           <p:cNvPr id="3" name="Content Placeholder 2">
             <a:extLst>
               <a:ext uri="{FF2B5EF4-FFF2-40B4-BE49-F238E27FC236}">
-                <a16:creationId xmlns:a16="http://schemas.microsoft.com/office/drawing/2014/main" id="{5EBB73FE-7E18-48BB-A545-90CB076EF7AC}"/>
+                <a16:creationId xmlns:a16="http://schemas.microsoft.com/office/drawing/2014/main" xmlns="" id="{5EBB73FE-7E18-48BB-A545-90CB076EF7AC}"/>
               </a:ext>
             </a:extLst>
           </p:cNvPr>
@@ -4876,7 +4876,7 @@
           <p:cNvPr id="4" name="Text Placeholder 3">
             <a:extLst>
               <a:ext uri="{FF2B5EF4-FFF2-40B4-BE49-F238E27FC236}">
-                <a16:creationId xmlns:a16="http://schemas.microsoft.com/office/drawing/2014/main" id="{3CEF9F8C-D354-49FD-8F14-3C18D6E572E7}"/>
+                <a16:creationId xmlns:a16="http://schemas.microsoft.com/office/drawing/2014/main" xmlns="" id="{3CEF9F8C-D354-49FD-8F14-3C18D6E572E7}"/>
               </a:ext>
             </a:extLst>
           </p:cNvPr>
@@ -4947,7 +4947,7 @@
           <p:cNvPr id="5" name="Date Placeholder 4">
             <a:extLst>
               <a:ext uri="{FF2B5EF4-FFF2-40B4-BE49-F238E27FC236}">
-                <a16:creationId xmlns:a16="http://schemas.microsoft.com/office/drawing/2014/main" id="{DE65EC15-438C-473E-96BD-0BE4552D2788}"/>
+                <a16:creationId xmlns:a16="http://schemas.microsoft.com/office/drawing/2014/main" xmlns="" id="{DE65EC15-438C-473E-96BD-0BE4552D2788}"/>
               </a:ext>
             </a:extLst>
           </p:cNvPr>
@@ -4976,7 +4976,7 @@
           <p:cNvPr id="6" name="Footer Placeholder 5">
             <a:extLst>
               <a:ext uri="{FF2B5EF4-FFF2-40B4-BE49-F238E27FC236}">
-                <a16:creationId xmlns:a16="http://schemas.microsoft.com/office/drawing/2014/main" id="{92F080FD-E9F8-4564-B8C0-4AAB35D63AA9}"/>
+                <a16:creationId xmlns:a16="http://schemas.microsoft.com/office/drawing/2014/main" xmlns="" id="{92F080FD-E9F8-4564-B8C0-4AAB35D63AA9}"/>
               </a:ext>
             </a:extLst>
           </p:cNvPr>
@@ -5001,7 +5001,7 @@
           <p:cNvPr id="7" name="Slide Number Placeholder 6">
             <a:extLst>
               <a:ext uri="{FF2B5EF4-FFF2-40B4-BE49-F238E27FC236}">
-                <a16:creationId xmlns:a16="http://schemas.microsoft.com/office/drawing/2014/main" id="{8706D68F-A4CA-430C-BAB2-E258EB227FE7}"/>
+                <a16:creationId xmlns:a16="http://schemas.microsoft.com/office/drawing/2014/main" xmlns="" id="{8706D68F-A4CA-430C-BAB2-E258EB227FE7}"/>
               </a:ext>
             </a:extLst>
           </p:cNvPr>
@@ -5060,7 +5060,7 @@
           <p:cNvPr id="2" name="Title 1">
             <a:extLst>
               <a:ext uri="{FF2B5EF4-FFF2-40B4-BE49-F238E27FC236}">
-                <a16:creationId xmlns:a16="http://schemas.microsoft.com/office/drawing/2014/main" id="{7098EBB4-0062-4889-9433-AAC7FA7B7D6A}"/>
+                <a16:creationId xmlns:a16="http://schemas.microsoft.com/office/drawing/2014/main" xmlns="" id="{7098EBB4-0062-4889-9433-AAC7FA7B7D6A}"/>
               </a:ext>
             </a:extLst>
           </p:cNvPr>
@@ -5097,7 +5097,7 @@
           <p:cNvPr id="3" name="Picture Placeholder 2">
             <a:extLst>
               <a:ext uri="{FF2B5EF4-FFF2-40B4-BE49-F238E27FC236}">
-                <a16:creationId xmlns:a16="http://schemas.microsoft.com/office/drawing/2014/main" id="{1C400772-7027-4884-9CD9-4A219863C1E2}"/>
+                <a16:creationId xmlns:a16="http://schemas.microsoft.com/office/drawing/2014/main" xmlns="" id="{1C400772-7027-4884-9CD9-4A219863C1E2}"/>
               </a:ext>
             </a:extLst>
           </p:cNvPr>
@@ -5167,7 +5167,7 @@
           <p:cNvPr id="4" name="Text Placeholder 3">
             <a:extLst>
               <a:ext uri="{FF2B5EF4-FFF2-40B4-BE49-F238E27FC236}">
-                <a16:creationId xmlns:a16="http://schemas.microsoft.com/office/drawing/2014/main" id="{C3B411AD-925A-4BAE-B2CE-4F85BC15E78A}"/>
+                <a16:creationId xmlns:a16="http://schemas.microsoft.com/office/drawing/2014/main" xmlns="" id="{C3B411AD-925A-4BAE-B2CE-4F85BC15E78A}"/>
               </a:ext>
             </a:extLst>
           </p:cNvPr>
@@ -5238,7 +5238,7 @@
           <p:cNvPr id="5" name="Date Placeholder 4">
             <a:extLst>
               <a:ext uri="{FF2B5EF4-FFF2-40B4-BE49-F238E27FC236}">
-                <a16:creationId xmlns:a16="http://schemas.microsoft.com/office/drawing/2014/main" id="{6B2982EE-AC11-403C-B236-0A476D5C01C4}"/>
+                <a16:creationId xmlns:a16="http://schemas.microsoft.com/office/drawing/2014/main" xmlns="" id="{6B2982EE-AC11-403C-B236-0A476D5C01C4}"/>
               </a:ext>
             </a:extLst>
           </p:cNvPr>
@@ -5267,7 +5267,7 @@
           <p:cNvPr id="6" name="Footer Placeholder 5">
             <a:extLst>
               <a:ext uri="{FF2B5EF4-FFF2-40B4-BE49-F238E27FC236}">
-                <a16:creationId xmlns:a16="http://schemas.microsoft.com/office/drawing/2014/main" id="{78A355E8-8203-40C9-A22B-6CB5A40EF81B}"/>
+                <a16:creationId xmlns:a16="http://schemas.microsoft.com/office/drawing/2014/main" xmlns="" id="{78A355E8-8203-40C9-A22B-6CB5A40EF81B}"/>
               </a:ext>
             </a:extLst>
           </p:cNvPr>
@@ -5292,7 +5292,7 @@
           <p:cNvPr id="7" name="Slide Number Placeholder 6">
             <a:extLst>
               <a:ext uri="{FF2B5EF4-FFF2-40B4-BE49-F238E27FC236}">
-                <a16:creationId xmlns:a16="http://schemas.microsoft.com/office/drawing/2014/main" id="{4FBB88B4-2D6E-4D3B-B1EB-D691F50B66C9}"/>
+                <a16:creationId xmlns:a16="http://schemas.microsoft.com/office/drawing/2014/main" xmlns="" id="{4FBB88B4-2D6E-4D3B-B1EB-D691F50B66C9}"/>
               </a:ext>
             </a:extLst>
           </p:cNvPr>
@@ -5351,7 +5351,7 @@
           <p:cNvPr id="2" name="Title 1">
             <a:extLst>
               <a:ext uri="{FF2B5EF4-FFF2-40B4-BE49-F238E27FC236}">
-                <a16:creationId xmlns:a16="http://schemas.microsoft.com/office/drawing/2014/main" id="{4516646B-DBF3-4537-B7BB-C5AD7D02C146}"/>
+                <a16:creationId xmlns:a16="http://schemas.microsoft.com/office/drawing/2014/main" xmlns="" id="{4516646B-DBF3-4537-B7BB-C5AD7D02C146}"/>
               </a:ext>
             </a:extLst>
           </p:cNvPr>
@@ -5379,7 +5379,7 @@
           <p:cNvPr id="3" name="Vertical Text Placeholder 2">
             <a:extLst>
               <a:ext uri="{FF2B5EF4-FFF2-40B4-BE49-F238E27FC236}">
-                <a16:creationId xmlns:a16="http://schemas.microsoft.com/office/drawing/2014/main" id="{D65F0328-C978-42EE-97AC-ADF1B72655A3}"/>
+                <a16:creationId xmlns:a16="http://schemas.microsoft.com/office/drawing/2014/main" xmlns="" id="{D65F0328-C978-42EE-97AC-ADF1B72655A3}"/>
               </a:ext>
             </a:extLst>
           </p:cNvPr>
@@ -5436,7 +5436,7 @@
           <p:cNvPr id="4" name="Date Placeholder 3">
             <a:extLst>
               <a:ext uri="{FF2B5EF4-FFF2-40B4-BE49-F238E27FC236}">
-                <a16:creationId xmlns:a16="http://schemas.microsoft.com/office/drawing/2014/main" id="{65ABF4C2-B7BC-46D5-B8E5-661CDC9DCCCA}"/>
+                <a16:creationId xmlns:a16="http://schemas.microsoft.com/office/drawing/2014/main" xmlns="" id="{65ABF4C2-B7BC-46D5-B8E5-661CDC9DCCCA}"/>
               </a:ext>
             </a:extLst>
           </p:cNvPr>
@@ -5465,7 +5465,7 @@
           <p:cNvPr id="5" name="Footer Placeholder 4">
             <a:extLst>
               <a:ext uri="{FF2B5EF4-FFF2-40B4-BE49-F238E27FC236}">
-                <a16:creationId xmlns:a16="http://schemas.microsoft.com/office/drawing/2014/main" id="{5EE512C7-19E7-4C14-BBB7-7115169E8427}"/>
+                <a16:creationId xmlns:a16="http://schemas.microsoft.com/office/drawing/2014/main" xmlns="" id="{5EE512C7-19E7-4C14-BBB7-7115169E8427}"/>
               </a:ext>
             </a:extLst>
           </p:cNvPr>
@@ -5490,7 +5490,7 @@
           <p:cNvPr id="6" name="Slide Number Placeholder 5">
             <a:extLst>
               <a:ext uri="{FF2B5EF4-FFF2-40B4-BE49-F238E27FC236}">
-                <a16:creationId xmlns:a16="http://schemas.microsoft.com/office/drawing/2014/main" id="{8C52DAA0-AA4F-4B51-857F-720798E68772}"/>
+                <a16:creationId xmlns:a16="http://schemas.microsoft.com/office/drawing/2014/main" xmlns="" id="{8C52DAA0-AA4F-4B51-857F-720798E68772}"/>
               </a:ext>
             </a:extLst>
           </p:cNvPr>
@@ -5549,7 +5549,7 @@
           <p:cNvPr id="2" name="Vertical Title 1">
             <a:extLst>
               <a:ext uri="{FF2B5EF4-FFF2-40B4-BE49-F238E27FC236}">
-                <a16:creationId xmlns:a16="http://schemas.microsoft.com/office/drawing/2014/main" id="{4A870EA1-91A5-4CAF-8DB6-F0D1DD4AC418}"/>
+                <a16:creationId xmlns:a16="http://schemas.microsoft.com/office/drawing/2014/main" xmlns="" id="{4A870EA1-91A5-4CAF-8DB6-F0D1DD4AC418}"/>
               </a:ext>
             </a:extLst>
           </p:cNvPr>
@@ -5582,7 +5582,7 @@
           <p:cNvPr id="3" name="Vertical Text Placeholder 2">
             <a:extLst>
               <a:ext uri="{FF2B5EF4-FFF2-40B4-BE49-F238E27FC236}">
-                <a16:creationId xmlns:a16="http://schemas.microsoft.com/office/drawing/2014/main" id="{ABC6231E-F72A-4CED-ACF2-1487F38BA927}"/>
+                <a16:creationId xmlns:a16="http://schemas.microsoft.com/office/drawing/2014/main" xmlns="" id="{ABC6231E-F72A-4CED-ACF2-1487F38BA927}"/>
               </a:ext>
             </a:extLst>
           </p:cNvPr>
@@ -5644,7 +5644,7 @@
           <p:cNvPr id="4" name="Date Placeholder 3">
             <a:extLst>
               <a:ext uri="{FF2B5EF4-FFF2-40B4-BE49-F238E27FC236}">
-                <a16:creationId xmlns:a16="http://schemas.microsoft.com/office/drawing/2014/main" id="{6FEBF11A-D22A-4DB1-AA6C-010D53E90FB3}"/>
+                <a16:creationId xmlns:a16="http://schemas.microsoft.com/office/drawing/2014/main" xmlns="" id="{6FEBF11A-D22A-4DB1-AA6C-010D53E90FB3}"/>
               </a:ext>
             </a:extLst>
           </p:cNvPr>
@@ -5673,7 +5673,7 @@
           <p:cNvPr id="5" name="Footer Placeholder 4">
             <a:extLst>
               <a:ext uri="{FF2B5EF4-FFF2-40B4-BE49-F238E27FC236}">
-                <a16:creationId xmlns:a16="http://schemas.microsoft.com/office/drawing/2014/main" id="{FDFF3968-7838-4A9F-B3C3-CEA2351F91B2}"/>
+                <a16:creationId xmlns:a16="http://schemas.microsoft.com/office/drawing/2014/main" xmlns="" id="{FDFF3968-7838-4A9F-B3C3-CEA2351F91B2}"/>
               </a:ext>
             </a:extLst>
           </p:cNvPr>
@@ -5698,7 +5698,7 @@
           <p:cNvPr id="6" name="Slide Number Placeholder 5">
             <a:extLst>
               <a:ext uri="{FF2B5EF4-FFF2-40B4-BE49-F238E27FC236}">
-                <a16:creationId xmlns:a16="http://schemas.microsoft.com/office/drawing/2014/main" id="{9DD48EDB-B641-44D2-B9B8-353D622A04A1}"/>
+                <a16:creationId xmlns:a16="http://schemas.microsoft.com/office/drawing/2014/main" xmlns="" id="{9DD48EDB-B641-44D2-B9B8-353D622A04A1}"/>
               </a:ext>
             </a:extLst>
           </p:cNvPr>
@@ -7553,17 +7553,17 @@
           </a:ln>
           <a:extLst>
             <a:ext uri="{FAA26D3D-D897-4be2-8F04-BA451C77F1D7}">
-              <ma14:placeholderFlag xmlns:ma14="http://schemas.microsoft.com/office/mac/drawingml/2011/main" xmlns="" val="1"/>
+              <ma14:placeholderFlag xmlns="" xmlns:ma14="http://schemas.microsoft.com/office/mac/drawingml/2011/main" val="1"/>
             </a:ext>
             <a:ext uri="{909E8E84-426E-40dd-AFC4-6F175D3DCCD1}">
-              <a14:hiddenFill xmlns:a14="http://schemas.microsoft.com/office/drawing/2010/main" xmlns="">
+              <a14:hiddenFill xmlns="" xmlns:a14="http://schemas.microsoft.com/office/drawing/2010/main">
                 <a:solidFill>
                   <a:srgbClr val="FFFFFF"/>
                 </a:solidFill>
               </a14:hiddenFill>
             </a:ext>
             <a:ext uri="{91240B29-F687-4f45-9708-019B960494DF}">
-              <a14:hiddenLine xmlns:a14="http://schemas.microsoft.com/office/drawing/2010/main" xmlns="" w="9525">
+              <a14:hiddenLine xmlns="" xmlns:a14="http://schemas.microsoft.com/office/drawing/2010/main" w="9525">
                 <a:solidFill>
                   <a:srgbClr val="000000"/>
                 </a:solidFill>
@@ -7615,17 +7615,17 @@
           </a:ln>
           <a:extLst>
             <a:ext uri="{FAA26D3D-D897-4be2-8F04-BA451C77F1D7}">
-              <ma14:placeholderFlag xmlns:ma14="http://schemas.microsoft.com/office/mac/drawingml/2011/main" xmlns="" val="1"/>
+              <ma14:placeholderFlag xmlns="" xmlns:ma14="http://schemas.microsoft.com/office/mac/drawingml/2011/main" val="1"/>
             </a:ext>
             <a:ext uri="{909E8E84-426E-40dd-AFC4-6F175D3DCCD1}">
-              <a14:hiddenFill xmlns:a14="http://schemas.microsoft.com/office/drawing/2010/main" xmlns="">
+              <a14:hiddenFill xmlns="" xmlns:a14="http://schemas.microsoft.com/office/drawing/2010/main">
                 <a:solidFill>
                   <a:srgbClr val="FFFFFF"/>
                 </a:solidFill>
               </a14:hiddenFill>
             </a:ext>
             <a:ext uri="{91240B29-F687-4f45-9708-019B960494DF}">
-              <a14:hiddenLine xmlns:a14="http://schemas.microsoft.com/office/drawing/2010/main" xmlns="" w="9525">
+              <a14:hiddenLine xmlns="" xmlns:a14="http://schemas.microsoft.com/office/drawing/2010/main" w="9525">
                 <a:solidFill>
                   <a:srgbClr val="000000"/>
                 </a:solidFill>
@@ -7893,7 +7893,7 @@
           </a:ln>
           <a:extLst>
             <a:ext uri="{909E8E84-426E-40dd-AFC4-6F175D3DCCD1}">
-              <a14:hiddenFill xmlns:a14="http://schemas.microsoft.com/office/drawing/2010/main" xmlns="">
+              <a14:hiddenFill xmlns="" xmlns:a14="http://schemas.microsoft.com/office/drawing/2010/main">
                 <a:solidFill>
                   <a:srgbClr val="FFFFFF"/>
                 </a:solidFill>
@@ -7936,7 +7936,7 @@
           </a:ln>
           <a:extLst>
             <a:ext uri="{909E8E84-426E-40dd-AFC4-6F175D3DCCD1}">
-              <a14:hiddenFill xmlns:a14="http://schemas.microsoft.com/office/drawing/2010/main" xmlns="">
+              <a14:hiddenFill xmlns="" xmlns:a14="http://schemas.microsoft.com/office/drawing/2010/main">
                 <a:noFill/>
               </a14:hiddenFill>
             </a:ext>
@@ -8431,7 +8431,7 @@
           <p:cNvPr id="2" name="Title Placeholder 1">
             <a:extLst>
               <a:ext uri="{FF2B5EF4-FFF2-40B4-BE49-F238E27FC236}">
-                <a16:creationId xmlns:a16="http://schemas.microsoft.com/office/drawing/2014/main" id="{296C5558-15DC-4528-8E20-9E180A6A4627}"/>
+                <a16:creationId xmlns:a16="http://schemas.microsoft.com/office/drawing/2014/main" xmlns="" id="{296C5558-15DC-4528-8E20-9E180A6A4627}"/>
               </a:ext>
             </a:extLst>
           </p:cNvPr>
@@ -8469,7 +8469,7 @@
           <p:cNvPr id="3" name="Text Placeholder 2">
             <a:extLst>
               <a:ext uri="{FF2B5EF4-FFF2-40B4-BE49-F238E27FC236}">
-                <a16:creationId xmlns:a16="http://schemas.microsoft.com/office/drawing/2014/main" id="{ABD2EAD3-4252-4F82-89C4-7C479A4ADC74}"/>
+                <a16:creationId xmlns:a16="http://schemas.microsoft.com/office/drawing/2014/main" xmlns="" id="{ABD2EAD3-4252-4F82-89C4-7C479A4ADC74}"/>
               </a:ext>
             </a:extLst>
           </p:cNvPr>
@@ -8536,7 +8536,7 @@
           <p:cNvPr id="4" name="Date Placeholder 3">
             <a:extLst>
               <a:ext uri="{FF2B5EF4-FFF2-40B4-BE49-F238E27FC236}">
-                <a16:creationId xmlns:a16="http://schemas.microsoft.com/office/drawing/2014/main" id="{34B3C388-9C51-4D3D-950A-74CD986E8CF5}"/>
+                <a16:creationId xmlns:a16="http://schemas.microsoft.com/office/drawing/2014/main" xmlns="" id="{34B3C388-9C51-4D3D-950A-74CD986E8CF5}"/>
               </a:ext>
             </a:extLst>
           </p:cNvPr>
@@ -8583,7 +8583,7 @@
           <p:cNvPr id="5" name="Footer Placeholder 4">
             <a:extLst>
               <a:ext uri="{FF2B5EF4-FFF2-40B4-BE49-F238E27FC236}">
-                <a16:creationId xmlns:a16="http://schemas.microsoft.com/office/drawing/2014/main" id="{7A7D25AA-5510-4ABE-A141-CB68C3A03B4F}"/>
+                <a16:creationId xmlns:a16="http://schemas.microsoft.com/office/drawing/2014/main" xmlns="" id="{7A7D25AA-5510-4ABE-A141-CB68C3A03B4F}"/>
               </a:ext>
             </a:extLst>
           </p:cNvPr>
@@ -8626,7 +8626,7 @@
           <p:cNvPr id="6" name="Slide Number Placeholder 5">
             <a:extLst>
               <a:ext uri="{FF2B5EF4-FFF2-40B4-BE49-F238E27FC236}">
-                <a16:creationId xmlns:a16="http://schemas.microsoft.com/office/drawing/2014/main" id="{F5295BED-63AC-4CA7-AA50-B02C4EBCBF27}"/>
+                <a16:creationId xmlns:a16="http://schemas.microsoft.com/office/drawing/2014/main" xmlns="" id="{F5295BED-63AC-4CA7-AA50-B02C4EBCBF27}"/>
               </a:ext>
             </a:extLst>
           </p:cNvPr>
@@ -8995,7 +8995,7 @@
           <p:cNvPr id="2" name="Title 1">
             <a:extLst>
               <a:ext uri="{FF2B5EF4-FFF2-40B4-BE49-F238E27FC236}">
-                <a16:creationId xmlns:a16="http://schemas.microsoft.com/office/drawing/2014/main" id="{4819A39B-28BB-4873-9914-8FEE18891DD4}"/>
+                <a16:creationId xmlns:a16="http://schemas.microsoft.com/office/drawing/2014/main" xmlns="" id="{4819A39B-28BB-4873-9914-8FEE18891DD4}"/>
               </a:ext>
             </a:extLst>
           </p:cNvPr>
@@ -9012,21 +9012,14 @@
           <a:lstStyle/>
           <a:p>
             <a:r>
-              <a:rPr lang="en-US" dirty="0" err="1"/>
+              <a:rPr lang="es-419" dirty="0" err="1" smtClean="0"/>
               <a:t>Constuyendo</a:t>
             </a:r>
             <a:r>
-              <a:rPr lang="en-US" dirty="0"/>
-              <a:t> </a:t>
-            </a:r>
-            <a:r>
-              <a:rPr lang="en-US" dirty="0" err="1"/>
-              <a:t>modelos</a:t>
-            </a:r>
-            <a:r>
-              <a:rPr lang="en-US" dirty="0"/>
-              <a:t> con TMB</a:t>
-            </a:r>
+              <a:rPr lang="es-419" noProof="0" dirty="0" smtClean="0"/>
+              <a:t> modelos con TMB</a:t>
+            </a:r>
+            <a:endParaRPr lang="es-419" noProof="0" dirty="0"/>
           </a:p>
         </p:txBody>
       </p:sp>
@@ -9035,7 +9028,7 @@
           <p:cNvPr id="3" name="Subtitle 2">
             <a:extLst>
               <a:ext uri="{FF2B5EF4-FFF2-40B4-BE49-F238E27FC236}">
-                <a16:creationId xmlns:a16="http://schemas.microsoft.com/office/drawing/2014/main" id="{8921B2C9-77B2-47CA-8040-DD5192390075}"/>
+                <a16:creationId xmlns:a16="http://schemas.microsoft.com/office/drawing/2014/main" xmlns="" id="{8921B2C9-77B2-47CA-8040-DD5192390075}"/>
               </a:ext>
             </a:extLst>
           </p:cNvPr>
@@ -9057,32 +9050,68 @@
           <a:lstStyle/>
           <a:p>
             <a:r>
-              <a:rPr lang="en-US" dirty="0"/>
-              <a:t>Fitting hierarchical models with TMB</a:t>
-            </a:r>
-          </a:p>
-          <a:p>
-            <a:r>
-              <a:rPr lang="en-US" dirty="0"/>
-              <a:t>10-14 January, 2022</a:t>
-            </a:r>
-          </a:p>
-          <a:p>
-            <a:r>
-              <a:rPr lang="en-US" dirty="0"/>
-              <a:t>University of Concepción, Chile</a:t>
-            </a:r>
-          </a:p>
-          <a:p>
-            <a:r>
-              <a:rPr lang="en-US" dirty="0"/>
-              <a:t>Dr. Cole </a:t>
-            </a:r>
-            <a:r>
-              <a:rPr lang="en-US" dirty="0" err="1"/>
-              <a:t>Monnahan</a:t>
-            </a:r>
-            <a:endParaRPr lang="en-US" dirty="0"/>
+              <a:rPr lang="es-419" noProof="0" dirty="0" err="1" smtClean="0"/>
+              <a:t>Fitting</a:t>
+            </a:r>
+            <a:r>
+              <a:rPr lang="es-419" noProof="0" dirty="0" smtClean="0"/>
+              <a:t> </a:t>
+            </a:r>
+            <a:r>
+              <a:rPr lang="es-419" noProof="0" dirty="0" err="1" smtClean="0"/>
+              <a:t>hierarchical</a:t>
+            </a:r>
+            <a:r>
+              <a:rPr lang="es-419" noProof="0" dirty="0" smtClean="0"/>
+              <a:t> </a:t>
+            </a:r>
+            <a:r>
+              <a:rPr lang="es-419" noProof="0" dirty="0" err="1" smtClean="0"/>
+              <a:t>models</a:t>
+            </a:r>
+            <a:r>
+              <a:rPr lang="es-419" noProof="0" dirty="0" smtClean="0"/>
+              <a:t> </a:t>
+            </a:r>
+            <a:r>
+              <a:rPr lang="es-419" noProof="0" dirty="0" err="1" smtClean="0"/>
+              <a:t>with</a:t>
+            </a:r>
+            <a:r>
+              <a:rPr lang="es-419" noProof="0" dirty="0" smtClean="0"/>
+              <a:t> TMB</a:t>
+            </a:r>
+          </a:p>
+          <a:p>
+            <a:r>
+              <a:rPr lang="es-419" noProof="0" dirty="0" smtClean="0"/>
+              <a:t>10-14 </a:t>
+            </a:r>
+            <a:r>
+              <a:rPr lang="es-419" noProof="0" dirty="0" err="1" smtClean="0"/>
+              <a:t>January</a:t>
+            </a:r>
+            <a:r>
+              <a:rPr lang="es-419" noProof="0" dirty="0" smtClean="0"/>
+              <a:t>, 2022</a:t>
+            </a:r>
+          </a:p>
+          <a:p>
+            <a:r>
+              <a:rPr lang="es-419" noProof="0" dirty="0" err="1" smtClean="0"/>
+              <a:t>University</a:t>
+            </a:r>
+            <a:r>
+              <a:rPr lang="es-419" noProof="0" dirty="0" smtClean="0"/>
+              <a:t> of Concepción, Chile</a:t>
+            </a:r>
+          </a:p>
+          <a:p>
+            <a:r>
+              <a:rPr lang="es-419" noProof="0" dirty="0" smtClean="0"/>
+              <a:t>Dr. Cole Monnahan</a:t>
+            </a:r>
+            <a:endParaRPr lang="es-419" noProof="0" dirty="0"/>
           </a:p>
         </p:txBody>
       </p:sp>
@@ -9121,7 +9150,7 @@
           <p:cNvPr id="2" name="Title 1">
             <a:extLst>
               <a:ext uri="{FF2B5EF4-FFF2-40B4-BE49-F238E27FC236}">
-                <a16:creationId xmlns:a16="http://schemas.microsoft.com/office/drawing/2014/main" id="{9CCD5DDA-C20C-4CA8-A1C2-30BC4351FC42}"/>
+                <a16:creationId xmlns:a16="http://schemas.microsoft.com/office/drawing/2014/main" xmlns="" id="{9CCD5DDA-C20C-4CA8-A1C2-30BC4351FC42}"/>
               </a:ext>
             </a:extLst>
           </p:cNvPr>
@@ -9138,33 +9167,10 @@
           <a:lstStyle/>
           <a:p>
             <a:r>
-              <a:rPr lang="en-US" dirty="0"/>
-              <a:t>DATA: </a:t>
-            </a:r>
-            <a:r>
-              <a:rPr lang="en-US" dirty="0" err="1"/>
-              <a:t>Importando</a:t>
-            </a:r>
-            <a:r>
-              <a:rPr lang="en-US" dirty="0"/>
-              <a:t> </a:t>
-            </a:r>
-            <a:r>
-              <a:rPr lang="en-US" dirty="0" err="1"/>
-              <a:t>datos</a:t>
-            </a:r>
-            <a:r>
-              <a:rPr lang="en-US" dirty="0"/>
-              <a:t> </a:t>
-            </a:r>
-            <a:r>
-              <a:rPr lang="en-US" dirty="0" err="1"/>
-              <a:t>desde</a:t>
-            </a:r>
-            <a:r>
-              <a:rPr lang="en-US" dirty="0"/>
-              <a:t> R</a:t>
-            </a:r>
+              <a:rPr lang="es-419" noProof="0" dirty="0" smtClean="0"/>
+              <a:t>DATA: Importando datos desde R</a:t>
+            </a:r>
+            <a:endParaRPr lang="es-419" noProof="0" dirty="0"/>
           </a:p>
         </p:txBody>
       </p:sp>
@@ -9173,7 +9179,7 @@
           <p:cNvPr id="3" name="Content Placeholder 2">
             <a:extLst>
               <a:ext uri="{FF2B5EF4-FFF2-40B4-BE49-F238E27FC236}">
-                <a16:creationId xmlns:a16="http://schemas.microsoft.com/office/drawing/2014/main" id="{12812331-415C-4F86-A2EE-61441F75C262}"/>
+                <a16:creationId xmlns:a16="http://schemas.microsoft.com/office/drawing/2014/main" xmlns="" id="{12812331-415C-4F86-A2EE-61441F75C262}"/>
               </a:ext>
             </a:extLst>
           </p:cNvPr>
@@ -9195,56 +9201,24 @@
           <a:lstStyle/>
           <a:p>
             <a:r>
-              <a:rPr lang="en-US" dirty="0" err="1"/>
-              <a:t>Pase</a:t>
-            </a:r>
-            <a:r>
-              <a:rPr lang="en-US" dirty="0"/>
-              <a:t> los </a:t>
-            </a:r>
-            <a:r>
-              <a:rPr lang="en-US" dirty="0" err="1"/>
-              <a:t>datos</a:t>
-            </a:r>
-            <a:r>
-              <a:rPr lang="en-US" dirty="0"/>
-              <a:t> al </a:t>
-            </a:r>
-            <a:r>
-              <a:rPr lang="en-US" dirty="0" err="1"/>
-              <a:t>templete</a:t>
-            </a:r>
-            <a:r>
-              <a:rPr lang="en-US" dirty="0"/>
-              <a:t> con </a:t>
-            </a:r>
-            <a:r>
-              <a:rPr lang="en-US" dirty="0" err="1"/>
-              <a:t>estos</a:t>
-            </a:r>
-            <a:r>
-              <a:rPr lang="en-US" dirty="0"/>
-              <a:t> “macros”</a:t>
-            </a:r>
-          </a:p>
-          <a:p>
-            <a:r>
-              <a:rPr lang="en-US" dirty="0"/>
-              <a:t>Note: no </a:t>
-            </a:r>
-            <a:r>
-              <a:rPr lang="en-US" dirty="0" err="1"/>
-              <a:t>especifique</a:t>
-            </a:r>
-            <a:r>
-              <a:rPr lang="en-US" dirty="0"/>
-              <a:t> la dimension del </a:t>
-            </a:r>
-            <a:r>
-              <a:rPr lang="en-US" dirty="0" err="1"/>
-              <a:t>objeto</a:t>
-            </a:r>
-            <a:endParaRPr lang="en-US" dirty="0"/>
+              <a:rPr lang="es-419" noProof="0" dirty="0" smtClean="0"/>
+              <a:t>Pase los datos al templete con estos “macros”</a:t>
+            </a:r>
+          </a:p>
+          <a:p>
+            <a:r>
+              <a:rPr lang="es-419" noProof="0" dirty="0" smtClean="0"/>
+              <a:t>Note: no especifique la </a:t>
+            </a:r>
+            <a:r>
+              <a:rPr lang="es-419" noProof="0" dirty="0" err="1" smtClean="0"/>
+              <a:t>dimension</a:t>
+            </a:r>
+            <a:r>
+              <a:rPr lang="es-419" noProof="0" dirty="0" smtClean="0"/>
+              <a:t> del objeto</a:t>
+            </a:r>
+            <a:endParaRPr lang="es-419" noProof="0" dirty="0"/>
           </a:p>
         </p:txBody>
       </p:sp>
@@ -9253,7 +9227,7 @@
           <p:cNvPr id="8" name="Slide Number Placeholder 7">
             <a:extLst>
               <a:ext uri="{FF2B5EF4-FFF2-40B4-BE49-F238E27FC236}">
-                <a16:creationId xmlns:a16="http://schemas.microsoft.com/office/drawing/2014/main" id="{24736B7C-1305-4950-8FE2-A3263A62C935}"/>
+                <a16:creationId xmlns:a16="http://schemas.microsoft.com/office/drawing/2014/main" xmlns="" id="{24736B7C-1305-4950-8FE2-A3263A62C935}"/>
               </a:ext>
             </a:extLst>
           </p:cNvPr>
@@ -9282,7 +9256,7 @@
           <p:cNvPr id="6" name="Content Placeholder 4">
             <a:extLst>
               <a:ext uri="{FF2B5EF4-FFF2-40B4-BE49-F238E27FC236}">
-                <a16:creationId xmlns:a16="http://schemas.microsoft.com/office/drawing/2014/main" id="{0D132CF2-D297-4483-96E6-7D337CB05B81}"/>
+                <a16:creationId xmlns:a16="http://schemas.microsoft.com/office/drawing/2014/main" xmlns="" id="{0D132CF2-D297-4483-96E6-7D337CB05B81}"/>
               </a:ext>
             </a:extLst>
           </p:cNvPr>
@@ -9311,21 +9285,21 @@
                 <a:gridCol w="2766484">
                   <a:extLst>
                     <a:ext uri="{9D8B030D-6E8A-4147-A177-3AD203B41FA5}">
-                      <a16:colId xmlns:a16="http://schemas.microsoft.com/office/drawing/2014/main" val="2607990275"/>
+                      <a16:colId xmlns:a16="http://schemas.microsoft.com/office/drawing/2014/main" xmlns="" val="2607990275"/>
                     </a:ext>
                   </a:extLst>
                 </a:gridCol>
                 <a:gridCol w="3412066">
                   <a:extLst>
                     <a:ext uri="{9D8B030D-6E8A-4147-A177-3AD203B41FA5}">
-                      <a16:colId xmlns:a16="http://schemas.microsoft.com/office/drawing/2014/main" val="1365872361"/>
+                      <a16:colId xmlns:a16="http://schemas.microsoft.com/office/drawing/2014/main" xmlns="" val="1365872361"/>
                     </a:ext>
                   </a:extLst>
                 </a:gridCol>
                 <a:gridCol w="1708150">
                   <a:extLst>
                     <a:ext uri="{9D8B030D-6E8A-4147-A177-3AD203B41FA5}">
-                      <a16:colId xmlns:a16="http://schemas.microsoft.com/office/drawing/2014/main" val="1827454946"/>
+                      <a16:colId xmlns:a16="http://schemas.microsoft.com/office/drawing/2014/main" xmlns="" val="1827454946"/>
                     </a:ext>
                   </a:extLst>
                 </a:gridCol>
@@ -9393,7 +9367,7 @@
                 </a:tc>
                 <a:extLst>
                   <a:ext uri="{0D108BD9-81ED-4DB2-BD59-A6C34878D82A}">
-                    <a16:rowId xmlns:a16="http://schemas.microsoft.com/office/drawing/2014/main" val="3684681011"/>
+                    <a16:rowId xmlns:a16="http://schemas.microsoft.com/office/drawing/2014/main" xmlns="" val="3684681011"/>
                   </a:ext>
                 </a:extLst>
               </a:tr>
@@ -9474,7 +9448,7 @@
                 </a:tc>
                 <a:extLst>
                   <a:ext uri="{0D108BD9-81ED-4DB2-BD59-A6C34878D82A}">
-                    <a16:rowId xmlns:a16="http://schemas.microsoft.com/office/drawing/2014/main" val="2303311640"/>
+                    <a16:rowId xmlns:a16="http://schemas.microsoft.com/office/drawing/2014/main" xmlns="" val="2303311640"/>
                   </a:ext>
                 </a:extLst>
               </a:tr>
@@ -9555,7 +9529,7 @@
                 </a:tc>
                 <a:extLst>
                   <a:ext uri="{0D108BD9-81ED-4DB2-BD59-A6C34878D82A}">
-                    <a16:rowId xmlns:a16="http://schemas.microsoft.com/office/drawing/2014/main" val="4051991159"/>
+                    <a16:rowId xmlns:a16="http://schemas.microsoft.com/office/drawing/2014/main" xmlns="" val="4051991159"/>
                   </a:ext>
                 </a:extLst>
               </a:tr>
@@ -9636,7 +9610,7 @@
                 </a:tc>
                 <a:extLst>
                   <a:ext uri="{0D108BD9-81ED-4DB2-BD59-A6C34878D82A}">
-                    <a16:rowId xmlns:a16="http://schemas.microsoft.com/office/drawing/2014/main" val="2666314454"/>
+                    <a16:rowId xmlns:a16="http://schemas.microsoft.com/office/drawing/2014/main" xmlns="" val="2666314454"/>
                   </a:ext>
                 </a:extLst>
               </a:tr>
@@ -9725,7 +9699,7 @@
                 </a:tc>
                 <a:extLst>
                   <a:ext uri="{0D108BD9-81ED-4DB2-BD59-A6C34878D82A}">
-                    <a16:rowId xmlns:a16="http://schemas.microsoft.com/office/drawing/2014/main" val="1921762319"/>
+                    <a16:rowId xmlns:a16="http://schemas.microsoft.com/office/drawing/2014/main" xmlns="" val="1921762319"/>
                   </a:ext>
                 </a:extLst>
               </a:tr>
@@ -9806,7 +9780,7 @@
                 </a:tc>
                 <a:extLst>
                   <a:ext uri="{0D108BD9-81ED-4DB2-BD59-A6C34878D82A}">
-                    <a16:rowId xmlns:a16="http://schemas.microsoft.com/office/drawing/2014/main" val="2298110092"/>
+                    <a16:rowId xmlns:a16="http://schemas.microsoft.com/office/drawing/2014/main" xmlns="" val="2298110092"/>
                   </a:ext>
                 </a:extLst>
               </a:tr>
@@ -9887,7 +9861,7 @@
                 </a:tc>
                 <a:extLst>
                   <a:ext uri="{0D108BD9-81ED-4DB2-BD59-A6C34878D82A}">
-                    <a16:rowId xmlns:a16="http://schemas.microsoft.com/office/drawing/2014/main" val="3995358450"/>
+                    <a16:rowId xmlns:a16="http://schemas.microsoft.com/office/drawing/2014/main" xmlns="" val="3995358450"/>
                   </a:ext>
                 </a:extLst>
               </a:tr>
@@ -9998,7 +9972,7 @@
                 </a:tc>
                 <a:extLst>
                   <a:ext uri="{0D108BD9-81ED-4DB2-BD59-A6C34878D82A}">
-                    <a16:rowId xmlns:a16="http://schemas.microsoft.com/office/drawing/2014/main" val="1660097941"/>
+                    <a16:rowId xmlns:a16="http://schemas.microsoft.com/office/drawing/2014/main" xmlns="" val="1660097941"/>
                   </a:ext>
                 </a:extLst>
               </a:tr>
@@ -10011,7 +9985,7 @@
           <p:cNvPr id="7" name="TextBox 6">
             <a:extLst>
               <a:ext uri="{FF2B5EF4-FFF2-40B4-BE49-F238E27FC236}">
-                <a16:creationId xmlns:a16="http://schemas.microsoft.com/office/drawing/2014/main" id="{97D3AA22-DB49-4A99-9558-879C965A59FF}"/>
+                <a16:creationId xmlns:a16="http://schemas.microsoft.com/office/drawing/2014/main" xmlns="" id="{97D3AA22-DB49-4A99-9558-879C965A59FF}"/>
               </a:ext>
             </a:extLst>
           </p:cNvPr>
@@ -10076,7 +10050,7 @@
           <p:cNvPr id="2" name="Title 1">
             <a:extLst>
               <a:ext uri="{FF2B5EF4-FFF2-40B4-BE49-F238E27FC236}">
-                <a16:creationId xmlns:a16="http://schemas.microsoft.com/office/drawing/2014/main" id="{5561B436-6710-4547-8923-8F9A49A43B99}"/>
+                <a16:creationId xmlns:a16="http://schemas.microsoft.com/office/drawing/2014/main" xmlns="" id="{5561B436-6710-4547-8923-8F9A49A43B99}"/>
               </a:ext>
             </a:extLst>
           </p:cNvPr>
@@ -10093,33 +10067,10 @@
           <a:lstStyle/>
           <a:p>
             <a:r>
-              <a:rPr lang="en-US" dirty="0"/>
-              <a:t>DATA: </a:t>
-            </a:r>
-            <a:r>
-              <a:rPr lang="en-US" dirty="0" err="1"/>
-              <a:t>Importando</a:t>
-            </a:r>
-            <a:r>
-              <a:rPr lang="en-US" dirty="0"/>
-              <a:t> </a:t>
-            </a:r>
-            <a:r>
-              <a:rPr lang="en-US" dirty="0" err="1"/>
-              <a:t>datos</a:t>
-            </a:r>
-            <a:r>
-              <a:rPr lang="en-US" dirty="0"/>
-              <a:t> </a:t>
-            </a:r>
-            <a:r>
-              <a:rPr lang="en-US" dirty="0" err="1"/>
-              <a:t>desde</a:t>
-            </a:r>
-            <a:r>
-              <a:rPr lang="en-US" dirty="0"/>
-              <a:t> R</a:t>
-            </a:r>
+              <a:rPr lang="es-419" noProof="0" dirty="0" smtClean="0"/>
+              <a:t>DATA: Importando datos desde R</a:t>
+            </a:r>
+            <a:endParaRPr lang="es-419" noProof="0" dirty="0"/>
           </a:p>
         </p:txBody>
       </p:sp>
@@ -10128,7 +10079,7 @@
           <p:cNvPr id="8" name="Content Placeholder 7">
             <a:extLst>
               <a:ext uri="{FF2B5EF4-FFF2-40B4-BE49-F238E27FC236}">
-                <a16:creationId xmlns:a16="http://schemas.microsoft.com/office/drawing/2014/main" id="{FF1A00CB-5851-4EEA-94F4-0C17562D71AD}"/>
+                <a16:creationId xmlns:a16="http://schemas.microsoft.com/office/drawing/2014/main" xmlns="" id="{FF1A00CB-5851-4EEA-94F4-0C17562D71AD}"/>
               </a:ext>
             </a:extLst>
           </p:cNvPr>
@@ -10150,21 +10101,22 @@
           <a:lstStyle/>
           <a:p>
             <a:r>
-              <a:rPr lang="en-US" dirty="0" err="1"/>
-              <a:t>Ejemplo</a:t>
-            </a:r>
-            <a:r>
-              <a:rPr lang="en-US" dirty="0"/>
-              <a:t> de </a:t>
-            </a:r>
-            <a:r>
-              <a:rPr lang="en-US" dirty="0" err="1"/>
+              <a:rPr lang="es-419" noProof="0" dirty="0" smtClean="0"/>
+              <a:t>Ejemplo de </a:t>
+            </a:r>
+            <a:r>
+              <a:rPr lang="es-419" noProof="0" dirty="0" err="1" smtClean="0"/>
               <a:t>big_orange</a:t>
             </a:r>
             <a:r>
-              <a:rPr lang="en-US" dirty="0"/>
-              <a:t> model</a:t>
-            </a:r>
+              <a:rPr lang="es-419" noProof="0" dirty="0" smtClean="0"/>
+              <a:t> </a:t>
+            </a:r>
+            <a:r>
+              <a:rPr lang="es-419" noProof="0" dirty="0" err="1" smtClean="0"/>
+              <a:t>model</a:t>
+            </a:r>
+            <a:endParaRPr lang="es-419" noProof="0" dirty="0"/>
           </a:p>
         </p:txBody>
       </p:sp>
@@ -10173,7 +10125,7 @@
           <p:cNvPr id="6" name="Slide Number Placeholder 5">
             <a:extLst>
               <a:ext uri="{FF2B5EF4-FFF2-40B4-BE49-F238E27FC236}">
-                <a16:creationId xmlns:a16="http://schemas.microsoft.com/office/drawing/2014/main" id="{FA8709EA-E130-47C0-BAE7-2AE1F4ABD25A}"/>
+                <a16:creationId xmlns:a16="http://schemas.microsoft.com/office/drawing/2014/main" xmlns="" id="{FA8709EA-E130-47C0-BAE7-2AE1F4ABD25A}"/>
               </a:ext>
             </a:extLst>
           </p:cNvPr>
@@ -10207,7 +10159,7 @@
           <p:cNvPr id="9" name="TextBox 8">
             <a:extLst>
               <a:ext uri="{FF2B5EF4-FFF2-40B4-BE49-F238E27FC236}">
-                <a16:creationId xmlns:a16="http://schemas.microsoft.com/office/drawing/2014/main" id="{7FB2B748-C337-4F61-A6D9-6EE267F2356C}"/>
+                <a16:creationId xmlns:a16="http://schemas.microsoft.com/office/drawing/2014/main" xmlns="" id="{7FB2B748-C337-4F61-A6D9-6EE267F2356C}"/>
               </a:ext>
             </a:extLst>
           </p:cNvPr>
@@ -10473,7 +10425,7 @@
           <p:cNvPr id="10" name="TextBox 9">
             <a:extLst>
               <a:ext uri="{FF2B5EF4-FFF2-40B4-BE49-F238E27FC236}">
-                <a16:creationId xmlns:a16="http://schemas.microsoft.com/office/drawing/2014/main" id="{E83C741C-D768-438E-A48B-9AA4F74E6FFA}"/>
+                <a16:creationId xmlns:a16="http://schemas.microsoft.com/office/drawing/2014/main" xmlns="" id="{E83C741C-D768-438E-A48B-9AA4F74E6FFA}"/>
               </a:ext>
             </a:extLst>
           </p:cNvPr>
@@ -10556,7 +10508,7 @@
           <p:cNvPr id="11" name="TextBox 10">
             <a:extLst>
               <a:ext uri="{FF2B5EF4-FFF2-40B4-BE49-F238E27FC236}">
-                <a16:creationId xmlns:a16="http://schemas.microsoft.com/office/drawing/2014/main" id="{4823AFAC-BC8A-4632-8E32-2FD7328D8AF2}"/>
+                <a16:creationId xmlns:a16="http://schemas.microsoft.com/office/drawing/2014/main" xmlns="" id="{4823AFAC-BC8A-4632-8E32-2FD7328D8AF2}"/>
               </a:ext>
             </a:extLst>
           </p:cNvPr>
@@ -10635,7 +10587,7 @@
           <p:cNvPr id="13" name="Straight Arrow Connector 12">
             <a:extLst>
               <a:ext uri="{FF2B5EF4-FFF2-40B4-BE49-F238E27FC236}">
-                <a16:creationId xmlns:a16="http://schemas.microsoft.com/office/drawing/2014/main" id="{44354954-9185-410B-BDC6-D6B639BC55C0}"/>
+                <a16:creationId xmlns:a16="http://schemas.microsoft.com/office/drawing/2014/main" xmlns="" id="{44354954-9185-410B-BDC6-D6B639BC55C0}"/>
               </a:ext>
             </a:extLst>
           </p:cNvPr>
@@ -10676,7 +10628,7 @@
           <p:cNvPr id="14" name="Straight Arrow Connector 13">
             <a:extLst>
               <a:ext uri="{FF2B5EF4-FFF2-40B4-BE49-F238E27FC236}">
-                <a16:creationId xmlns:a16="http://schemas.microsoft.com/office/drawing/2014/main" id="{B614C94E-7DC9-4262-ADAE-5FA7F43AAC12}"/>
+                <a16:creationId xmlns:a16="http://schemas.microsoft.com/office/drawing/2014/main" xmlns="" id="{B614C94E-7DC9-4262-ADAE-5FA7F43AAC12}"/>
               </a:ext>
             </a:extLst>
           </p:cNvPr>
@@ -10717,7 +10669,7 @@
           <p:cNvPr id="18" name="TextBox 17">
             <a:extLst>
               <a:ext uri="{FF2B5EF4-FFF2-40B4-BE49-F238E27FC236}">
-                <a16:creationId xmlns:a16="http://schemas.microsoft.com/office/drawing/2014/main" id="{8BF97AA5-4016-48B2-8C42-DE153884050F}"/>
+                <a16:creationId xmlns:a16="http://schemas.microsoft.com/office/drawing/2014/main" xmlns="" id="{8BF97AA5-4016-48B2-8C42-DE153884050F}"/>
               </a:ext>
             </a:extLst>
           </p:cNvPr>
@@ -10760,7 +10712,7 @@
           <p:cNvPr id="19" name="TextBox 18">
             <a:extLst>
               <a:ext uri="{FF2B5EF4-FFF2-40B4-BE49-F238E27FC236}">
-                <a16:creationId xmlns:a16="http://schemas.microsoft.com/office/drawing/2014/main" id="{86253B2F-3DFB-4169-8490-0576774B2BFA}"/>
+                <a16:creationId xmlns:a16="http://schemas.microsoft.com/office/drawing/2014/main" xmlns="" id="{86253B2F-3DFB-4169-8490-0576774B2BFA}"/>
               </a:ext>
             </a:extLst>
           </p:cNvPr>
@@ -10838,7 +10790,7 @@
           <p:cNvPr id="2" name="Title 1">
             <a:extLst>
               <a:ext uri="{FF2B5EF4-FFF2-40B4-BE49-F238E27FC236}">
-                <a16:creationId xmlns:a16="http://schemas.microsoft.com/office/drawing/2014/main" id="{33157AD2-CB8F-44D6-AC8E-F99EE34CBB78}"/>
+                <a16:creationId xmlns:a16="http://schemas.microsoft.com/office/drawing/2014/main" xmlns="" id="{33157AD2-CB8F-44D6-AC8E-F99EE34CBB78}"/>
               </a:ext>
             </a:extLst>
           </p:cNvPr>
@@ -10855,29 +10807,14 @@
           <a:lstStyle/>
           <a:p>
             <a:r>
-              <a:rPr lang="en-US" dirty="0" err="1"/>
-              <a:t>Declarando</a:t>
-            </a:r>
-            <a:r>
-              <a:rPr lang="en-US" dirty="0"/>
-              <a:t> los </a:t>
-            </a:r>
-            <a:r>
-              <a:rPr lang="en-US" dirty="0" err="1"/>
-              <a:t>parámetros</a:t>
-            </a:r>
-            <a:r>
-              <a:rPr lang="en-US" dirty="0"/>
-              <a:t> del </a:t>
-            </a:r>
-            <a:r>
-              <a:rPr lang="en-US" dirty="0" err="1"/>
-              <a:t>modelo</a:t>
-            </a:r>
-            <a:r>
-              <a:rPr lang="en-US" dirty="0"/>
-              <a:t> PARAMETERs</a:t>
-            </a:r>
+              <a:rPr lang="es-419" noProof="0" dirty="0" smtClean="0"/>
+              <a:t>Declarando los parámetros del modelo </a:t>
+            </a:r>
+            <a:r>
+              <a:rPr lang="es-419" noProof="0" dirty="0" err="1" smtClean="0"/>
+              <a:t>PARAMETERs</a:t>
+            </a:r>
+            <a:endParaRPr lang="es-419" noProof="0" dirty="0"/>
           </a:p>
         </p:txBody>
       </p:sp>
@@ -10886,7 +10823,7 @@
           <p:cNvPr id="5" name="Content Placeholder 4">
             <a:extLst>
               <a:ext uri="{FF2B5EF4-FFF2-40B4-BE49-F238E27FC236}">
-                <a16:creationId xmlns:a16="http://schemas.microsoft.com/office/drawing/2014/main" id="{840AE4DF-16C4-4797-8BDC-877169786820}"/>
+                <a16:creationId xmlns:a16="http://schemas.microsoft.com/office/drawing/2014/main" xmlns="" id="{840AE4DF-16C4-4797-8BDC-877169786820}"/>
               </a:ext>
             </a:extLst>
           </p:cNvPr>
@@ -10916,21 +10853,21 @@
                 <a:gridCol w="3575797">
                   <a:extLst>
                     <a:ext uri="{9D8B030D-6E8A-4147-A177-3AD203B41FA5}">
-                      <a16:colId xmlns:a16="http://schemas.microsoft.com/office/drawing/2014/main" val="4090777618"/>
+                      <a16:colId xmlns:a16="http://schemas.microsoft.com/office/drawing/2014/main" xmlns="" val="4090777618"/>
                     </a:ext>
                   </a:extLst>
                 </a:gridCol>
                 <a:gridCol w="2467286">
                   <a:extLst>
                     <a:ext uri="{9D8B030D-6E8A-4147-A177-3AD203B41FA5}">
-                      <a16:colId xmlns:a16="http://schemas.microsoft.com/office/drawing/2014/main" val="4185175916"/>
+                      <a16:colId xmlns:a16="http://schemas.microsoft.com/office/drawing/2014/main" xmlns="" val="4185175916"/>
                     </a:ext>
                   </a:extLst>
                 </a:gridCol>
                 <a:gridCol w="1843617">
                   <a:extLst>
                     <a:ext uri="{9D8B030D-6E8A-4147-A177-3AD203B41FA5}">
-                      <a16:colId xmlns:a16="http://schemas.microsoft.com/office/drawing/2014/main" val="1472533611"/>
+                      <a16:colId xmlns:a16="http://schemas.microsoft.com/office/drawing/2014/main" xmlns="" val="1472533611"/>
                     </a:ext>
                   </a:extLst>
                 </a:gridCol>
@@ -10998,7 +10935,7 @@
                 </a:tc>
                 <a:extLst>
                   <a:ext uri="{0D108BD9-81ED-4DB2-BD59-A6C34878D82A}">
-                    <a16:rowId xmlns:a16="http://schemas.microsoft.com/office/drawing/2014/main" val="3265212038"/>
+                    <a16:rowId xmlns:a16="http://schemas.microsoft.com/office/drawing/2014/main" xmlns="" val="3265212038"/>
                   </a:ext>
                 </a:extLst>
               </a:tr>
@@ -11079,7 +11016,7 @@
                 </a:tc>
                 <a:extLst>
                   <a:ext uri="{0D108BD9-81ED-4DB2-BD59-A6C34878D82A}">
-                    <a16:rowId xmlns:a16="http://schemas.microsoft.com/office/drawing/2014/main" val="2941887981"/>
+                    <a16:rowId xmlns:a16="http://schemas.microsoft.com/office/drawing/2014/main" xmlns="" val="2941887981"/>
                   </a:ext>
                 </a:extLst>
               </a:tr>
@@ -11160,7 +11097,7 @@
                 </a:tc>
                 <a:extLst>
                   <a:ext uri="{0D108BD9-81ED-4DB2-BD59-A6C34878D82A}">
-                    <a16:rowId xmlns:a16="http://schemas.microsoft.com/office/drawing/2014/main" val="2036558494"/>
+                    <a16:rowId xmlns:a16="http://schemas.microsoft.com/office/drawing/2014/main" xmlns="" val="2036558494"/>
                   </a:ext>
                 </a:extLst>
               </a:tr>
@@ -11225,7 +11162,7 @@
                     <a:p>
                       <a:pPr algn="l" fontAlgn="b"/>
                       <a:r>
-                        <a:rPr lang="en-US" sz="2400" b="0" i="0" u="none" strike="noStrike">
+                        <a:rPr lang="en-US" sz="2400" b="0" i="0" u="none" strike="noStrike" dirty="0">
                           <a:solidFill>
                             <a:srgbClr val="000000"/>
                           </a:solidFill>
@@ -11241,7 +11178,7 @@
                 </a:tc>
                 <a:extLst>
                   <a:ext uri="{0D108BD9-81ED-4DB2-BD59-A6C34878D82A}">
-                    <a16:rowId xmlns:a16="http://schemas.microsoft.com/office/drawing/2014/main" val="969450988"/>
+                    <a16:rowId xmlns:a16="http://schemas.microsoft.com/office/drawing/2014/main" xmlns="" val="969450988"/>
                   </a:ext>
                 </a:extLst>
               </a:tr>
@@ -11322,7 +11259,7 @@
                 </a:tc>
                 <a:extLst>
                   <a:ext uri="{0D108BD9-81ED-4DB2-BD59-A6C34878D82A}">
-                    <a16:rowId xmlns:a16="http://schemas.microsoft.com/office/drawing/2014/main" val="2350159445"/>
+                    <a16:rowId xmlns:a16="http://schemas.microsoft.com/office/drawing/2014/main" xmlns="" val="2350159445"/>
                   </a:ext>
                 </a:extLst>
               </a:tr>
@@ -11335,7 +11272,7 @@
           <p:cNvPr id="4" name="Slide Number Placeholder 3">
             <a:extLst>
               <a:ext uri="{FF2B5EF4-FFF2-40B4-BE49-F238E27FC236}">
-                <a16:creationId xmlns:a16="http://schemas.microsoft.com/office/drawing/2014/main" id="{A4AC0FA5-87A4-4772-955B-03936958A49B}"/>
+                <a16:creationId xmlns:a16="http://schemas.microsoft.com/office/drawing/2014/main" xmlns="" id="{A4AC0FA5-87A4-4772-955B-03936958A49B}"/>
               </a:ext>
             </a:extLst>
           </p:cNvPr>
@@ -11364,7 +11301,7 @@
           <p:cNvPr id="7" name="Content Placeholder 2">
             <a:extLst>
               <a:ext uri="{FF2B5EF4-FFF2-40B4-BE49-F238E27FC236}">
-                <a16:creationId xmlns:a16="http://schemas.microsoft.com/office/drawing/2014/main" id="{E013ACE5-4A4F-4286-A5C3-21CF74FD47D1}"/>
+                <a16:creationId xmlns:a16="http://schemas.microsoft.com/office/drawing/2014/main" xmlns="" id="{E013ACE5-4A4F-4286-A5C3-21CF74FD47D1}"/>
               </a:ext>
             </a:extLst>
           </p:cNvPr>
@@ -11375,7 +11312,7 @@
         </p:nvSpPr>
         <p:spPr>
           <a:xfrm>
-            <a:off x="628650" y="1417638"/>
+            <a:off x="457200" y="1660048"/>
             <a:ext cx="7886700" cy="1322388"/>
           </a:xfrm>
           <a:prstGeom prst="rect">
@@ -11652,7 +11589,7 @@
           <p:cNvPr id="2" name="Title 1">
             <a:extLst>
               <a:ext uri="{FF2B5EF4-FFF2-40B4-BE49-F238E27FC236}">
-                <a16:creationId xmlns:a16="http://schemas.microsoft.com/office/drawing/2014/main" id="{5561B436-6710-4547-8923-8F9A49A43B99}"/>
+                <a16:creationId xmlns:a16="http://schemas.microsoft.com/office/drawing/2014/main" xmlns="" id="{5561B436-6710-4547-8923-8F9A49A43B99}"/>
               </a:ext>
             </a:extLst>
           </p:cNvPr>
@@ -11671,29 +11608,14 @@
           <a:lstStyle/>
           <a:p>
             <a:r>
-              <a:rPr lang="en-US" dirty="0" err="1"/>
-              <a:t>Declarando</a:t>
-            </a:r>
-            <a:r>
-              <a:rPr lang="en-US" dirty="0"/>
-              <a:t> los </a:t>
-            </a:r>
-            <a:r>
-              <a:rPr lang="en-US" dirty="0" err="1"/>
-              <a:t>parámetros</a:t>
-            </a:r>
-            <a:r>
-              <a:rPr lang="en-US" dirty="0"/>
-              <a:t> del </a:t>
-            </a:r>
-            <a:r>
-              <a:rPr lang="en-US" dirty="0" err="1"/>
-              <a:t>modelo</a:t>
-            </a:r>
-            <a:r>
-              <a:rPr lang="en-US" dirty="0"/>
-              <a:t> PARAMETERs</a:t>
-            </a:r>
+              <a:rPr lang="es-419" noProof="0" dirty="0" smtClean="0"/>
+              <a:t>Declarando los parámetros del modelo </a:t>
+            </a:r>
+            <a:r>
+              <a:rPr lang="es-419" noProof="0" dirty="0" err="1" smtClean="0"/>
+              <a:t>PARAMETERs</a:t>
+            </a:r>
+            <a:endParaRPr lang="es-419" noProof="0" dirty="0"/>
           </a:p>
         </p:txBody>
       </p:sp>
@@ -11702,7 +11624,7 @@
           <p:cNvPr id="8" name="Content Placeholder 7">
             <a:extLst>
               <a:ext uri="{FF2B5EF4-FFF2-40B4-BE49-F238E27FC236}">
-                <a16:creationId xmlns:a16="http://schemas.microsoft.com/office/drawing/2014/main" id="{FF1A00CB-5851-4EEA-94F4-0C17562D71AD}"/>
+                <a16:creationId xmlns:a16="http://schemas.microsoft.com/office/drawing/2014/main" xmlns="" id="{FF1A00CB-5851-4EEA-94F4-0C17562D71AD}"/>
               </a:ext>
             </a:extLst>
           </p:cNvPr>
@@ -11724,26 +11646,14 @@
           <a:lstStyle/>
           <a:p>
             <a:r>
-              <a:rPr lang="en-US" dirty="0" err="1"/>
-              <a:t>Ejemplo</a:t>
-            </a:r>
-            <a:r>
-              <a:rPr lang="en-US" dirty="0"/>
-              <a:t> del </a:t>
-            </a:r>
-            <a:r>
-              <a:rPr lang="en-US" dirty="0" err="1"/>
-              <a:t>modelo</a:t>
-            </a:r>
-            <a:r>
-              <a:rPr lang="en-US" dirty="0"/>
-              <a:t> </a:t>
-            </a:r>
-            <a:r>
-              <a:rPr lang="en-US" dirty="0" err="1"/>
+              <a:rPr lang="es-419" noProof="0" dirty="0" smtClean="0"/>
+              <a:t>Ejemplo del modelo </a:t>
+            </a:r>
+            <a:r>
+              <a:rPr lang="es-419" noProof="0" dirty="0" err="1" smtClean="0"/>
               <a:t>big_orange</a:t>
             </a:r>
-            <a:endParaRPr lang="en-US" dirty="0"/>
+            <a:endParaRPr lang="es-419" noProof="0" dirty="0"/>
           </a:p>
         </p:txBody>
       </p:sp>
@@ -11752,7 +11662,7 @@
           <p:cNvPr id="6" name="Slide Number Placeholder 5">
             <a:extLst>
               <a:ext uri="{FF2B5EF4-FFF2-40B4-BE49-F238E27FC236}">
-                <a16:creationId xmlns:a16="http://schemas.microsoft.com/office/drawing/2014/main" id="{FA8709EA-E130-47C0-BAE7-2AE1F4ABD25A}"/>
+                <a16:creationId xmlns:a16="http://schemas.microsoft.com/office/drawing/2014/main" xmlns="" id="{FA8709EA-E130-47C0-BAE7-2AE1F4ABD25A}"/>
               </a:ext>
             </a:extLst>
           </p:cNvPr>
@@ -11781,7 +11691,7 @@
           <p:cNvPr id="9" name="TextBox 8">
             <a:extLst>
               <a:ext uri="{FF2B5EF4-FFF2-40B4-BE49-F238E27FC236}">
-                <a16:creationId xmlns:a16="http://schemas.microsoft.com/office/drawing/2014/main" id="{7FB2B748-C337-4F61-A6D9-6EE267F2356C}"/>
+                <a16:creationId xmlns:a16="http://schemas.microsoft.com/office/drawing/2014/main" xmlns="" id="{7FB2B748-C337-4F61-A6D9-6EE267F2356C}"/>
               </a:ext>
             </a:extLst>
           </p:cNvPr>
@@ -11859,7 +11769,7 @@
           <p:cNvPr id="10" name="TextBox 9">
             <a:extLst>
               <a:ext uri="{FF2B5EF4-FFF2-40B4-BE49-F238E27FC236}">
-                <a16:creationId xmlns:a16="http://schemas.microsoft.com/office/drawing/2014/main" id="{E83C741C-D768-438E-A48B-9AA4F74E6FFA}"/>
+                <a16:creationId xmlns:a16="http://schemas.microsoft.com/office/drawing/2014/main" xmlns="" id="{E83C741C-D768-438E-A48B-9AA4F74E6FFA}"/>
               </a:ext>
             </a:extLst>
           </p:cNvPr>
@@ -11933,7 +11843,7 @@
           <p:cNvPr id="11" name="TextBox 10">
             <a:extLst>
               <a:ext uri="{FF2B5EF4-FFF2-40B4-BE49-F238E27FC236}">
-                <a16:creationId xmlns:a16="http://schemas.microsoft.com/office/drawing/2014/main" id="{4823AFAC-BC8A-4632-8E32-2FD7328D8AF2}"/>
+                <a16:creationId xmlns:a16="http://schemas.microsoft.com/office/drawing/2014/main" xmlns="" id="{4823AFAC-BC8A-4632-8E32-2FD7328D8AF2}"/>
               </a:ext>
             </a:extLst>
           </p:cNvPr>
@@ -12012,7 +11922,7 @@
           <p:cNvPr id="13" name="Straight Arrow Connector 12">
             <a:extLst>
               <a:ext uri="{FF2B5EF4-FFF2-40B4-BE49-F238E27FC236}">
-                <a16:creationId xmlns:a16="http://schemas.microsoft.com/office/drawing/2014/main" id="{44354954-9185-410B-BDC6-D6B639BC55C0}"/>
+                <a16:creationId xmlns:a16="http://schemas.microsoft.com/office/drawing/2014/main" xmlns="" id="{44354954-9185-410B-BDC6-D6B639BC55C0}"/>
               </a:ext>
             </a:extLst>
           </p:cNvPr>
@@ -12053,7 +11963,7 @@
           <p:cNvPr id="14" name="Straight Arrow Connector 13">
             <a:extLst>
               <a:ext uri="{FF2B5EF4-FFF2-40B4-BE49-F238E27FC236}">
-                <a16:creationId xmlns:a16="http://schemas.microsoft.com/office/drawing/2014/main" id="{B614C94E-7DC9-4262-ADAE-5FA7F43AAC12}"/>
+                <a16:creationId xmlns:a16="http://schemas.microsoft.com/office/drawing/2014/main" xmlns="" id="{B614C94E-7DC9-4262-ADAE-5FA7F43AAC12}"/>
               </a:ext>
             </a:extLst>
           </p:cNvPr>
@@ -12094,7 +12004,7 @@
           <p:cNvPr id="18" name="TextBox 17">
             <a:extLst>
               <a:ext uri="{FF2B5EF4-FFF2-40B4-BE49-F238E27FC236}">
-                <a16:creationId xmlns:a16="http://schemas.microsoft.com/office/drawing/2014/main" id="{8BF97AA5-4016-48B2-8C42-DE153884050F}"/>
+                <a16:creationId xmlns:a16="http://schemas.microsoft.com/office/drawing/2014/main" xmlns="" id="{8BF97AA5-4016-48B2-8C42-DE153884050F}"/>
               </a:ext>
             </a:extLst>
           </p:cNvPr>
@@ -12145,7 +12055,7 @@
           <p:cNvPr id="19" name="TextBox 18">
             <a:extLst>
               <a:ext uri="{FF2B5EF4-FFF2-40B4-BE49-F238E27FC236}">
-                <a16:creationId xmlns:a16="http://schemas.microsoft.com/office/drawing/2014/main" id="{86253B2F-3DFB-4169-8490-0576774B2BFA}"/>
+                <a16:creationId xmlns:a16="http://schemas.microsoft.com/office/drawing/2014/main" xmlns="" id="{86253B2F-3DFB-4169-8490-0576774B2BFA}"/>
               </a:ext>
             </a:extLst>
           </p:cNvPr>
@@ -12218,7 +12128,7 @@
           <p:cNvPr id="2" name="Title 1">
             <a:extLst>
               <a:ext uri="{FF2B5EF4-FFF2-40B4-BE49-F238E27FC236}">
-                <a16:creationId xmlns:a16="http://schemas.microsoft.com/office/drawing/2014/main" id="{3D779D2F-2B2B-4FB4-9651-73662093CB48}"/>
+                <a16:creationId xmlns:a16="http://schemas.microsoft.com/office/drawing/2014/main" xmlns="" id="{3D779D2F-2B2B-4FB4-9651-73662093CB48}"/>
               </a:ext>
             </a:extLst>
           </p:cNvPr>
@@ -12240,22 +12150,10 @@
           <a:lstStyle/>
           <a:p>
             <a:r>
-              <a:rPr lang="en-US" dirty="0"/>
-              <a:t>Demo1: </a:t>
-            </a:r>
-            <a:r>
-              <a:rPr lang="en-US" dirty="0" err="1"/>
-              <a:t>Agregando</a:t>
-            </a:r>
-            <a:r>
-              <a:rPr lang="en-US" dirty="0"/>
-              <a:t> un nuevo </a:t>
-            </a:r>
-            <a:r>
-              <a:rPr lang="en-US" dirty="0" err="1"/>
-              <a:t>parámetro</a:t>
-            </a:r>
-            <a:endParaRPr lang="en-US" dirty="0"/>
+              <a:rPr lang="es-419" noProof="0" dirty="0" smtClean="0"/>
+              <a:t>Demo1: Agregando un nuevo parámetro</a:t>
+            </a:r>
+            <a:endParaRPr lang="es-419" noProof="0" dirty="0"/>
           </a:p>
         </p:txBody>
       </p:sp>
@@ -12264,7 +12162,7 @@
           <p:cNvPr id="3" name="Content Placeholder 2">
             <a:extLst>
               <a:ext uri="{FF2B5EF4-FFF2-40B4-BE49-F238E27FC236}">
-                <a16:creationId xmlns:a16="http://schemas.microsoft.com/office/drawing/2014/main" id="{6CC5BAF3-9AEC-4B1B-902D-6D2C721DBEEC}"/>
+                <a16:creationId xmlns:a16="http://schemas.microsoft.com/office/drawing/2014/main" xmlns="" id="{6CC5BAF3-9AEC-4B1B-902D-6D2C721DBEEC}"/>
               </a:ext>
             </a:extLst>
           </p:cNvPr>
@@ -12275,192 +12173,75 @@
             <p:ph idx="1"/>
           </p:nvPr>
         </p:nvSpPr>
-        <p:spPr/>
+        <p:spPr>
+          <a:xfrm>
+            <a:off x="563336" y="1012371"/>
+            <a:ext cx="8229600" cy="4530725"/>
+          </a:xfrm>
+        </p:spPr>
         <p:txBody>
           <a:bodyPr/>
           <a:lstStyle/>
           <a:p>
             <a:r>
-              <a:rPr lang="en-US" dirty="0" err="1"/>
-              <a:t>Guarde</a:t>
-            </a:r>
-            <a:r>
-              <a:rPr lang="en-US" dirty="0"/>
-              <a:t> una </a:t>
-            </a:r>
-            <a:r>
-              <a:rPr lang="en-US" dirty="0" err="1"/>
-              <a:t>copia</a:t>
-            </a:r>
-            <a:r>
-              <a:rPr lang="en-US" dirty="0"/>
-              <a:t> de bevholt.cpp </a:t>
-            </a:r>
-            <a:r>
-              <a:rPr lang="en-US" dirty="0" err="1"/>
-              <a:t>como</a:t>
-            </a:r>
-            <a:r>
-              <a:rPr lang="en-US" dirty="0"/>
-              <a:t> bevholt2.cpp</a:t>
-            </a:r>
-          </a:p>
-          <a:p>
-            <a:r>
-              <a:rPr lang="en-US" dirty="0" err="1"/>
-              <a:t>Agregue</a:t>
-            </a:r>
-            <a:r>
-              <a:rPr lang="en-US" dirty="0"/>
-              <a:t> un </a:t>
-            </a:r>
-            <a:r>
-              <a:rPr lang="en-US" dirty="0" err="1"/>
-              <a:t>parámetro</a:t>
-            </a:r>
-            <a:r>
-              <a:rPr lang="en-US" dirty="0"/>
-              <a:t> “</a:t>
-            </a:r>
-            <a:r>
-              <a:rPr lang="en-US" dirty="0" err="1"/>
+              <a:rPr lang="es-419" noProof="0" dirty="0" smtClean="0"/>
+              <a:t>Guarde una copia de bevholt.cpp como bevholt2.cpp</a:t>
+            </a:r>
+          </a:p>
+          <a:p>
+            <a:r>
+              <a:rPr lang="es-419" noProof="0" dirty="0" smtClean="0"/>
+              <a:t>Agregue un parámetro “</a:t>
+            </a:r>
+            <a:r>
+              <a:rPr lang="es-419" noProof="0" dirty="0" err="1" smtClean="0"/>
               <a:t>logsigma</a:t>
             </a:r>
             <a:r>
-              <a:rPr lang="en-US" dirty="0"/>
-              <a:t>”, </a:t>
-            </a:r>
-            <a:r>
-              <a:rPr lang="en-US" dirty="0" err="1"/>
-              <a:t>usando</a:t>
-            </a:r>
-            <a:r>
-              <a:rPr lang="en-US" dirty="0"/>
-              <a:t> exp para </a:t>
-            </a:r>
-            <a:r>
-              <a:rPr lang="en-US" dirty="0" err="1"/>
-              <a:t>mantenerlo</a:t>
-            </a:r>
-            <a:r>
-              <a:rPr lang="en-US" dirty="0"/>
-              <a:t> </a:t>
-            </a:r>
-            <a:r>
-              <a:rPr lang="en-US" dirty="0" err="1"/>
-              <a:t>positivo</a:t>
-            </a:r>
-            <a:endParaRPr lang="en-US" dirty="0"/>
-          </a:p>
-          <a:p>
-            <a:r>
-              <a:rPr lang="en-US" dirty="0" err="1"/>
-              <a:t>Modifique</a:t>
-            </a:r>
-            <a:r>
-              <a:rPr lang="en-US" dirty="0"/>
-              <a:t> </a:t>
-            </a:r>
-            <a:r>
-              <a:rPr lang="en-US" dirty="0" err="1"/>
-              <a:t>el</a:t>
-            </a:r>
-            <a:r>
-              <a:rPr lang="en-US" dirty="0"/>
-              <a:t> </a:t>
-            </a:r>
-            <a:r>
-              <a:rPr lang="en-US" dirty="0" err="1"/>
-              <a:t>templete</a:t>
-            </a:r>
-            <a:r>
-              <a:rPr lang="en-US" dirty="0"/>
-              <a:t> la </a:t>
-            </a:r>
-            <a:r>
-              <a:rPr lang="en-US" dirty="0" err="1"/>
-              <a:t>lista</a:t>
-            </a:r>
-            <a:r>
-              <a:rPr lang="en-US" dirty="0"/>
-              <a:t> de </a:t>
-            </a:r>
-            <a:r>
-              <a:rPr lang="en-US" dirty="0" err="1"/>
+              <a:rPr lang="es-419" noProof="0" dirty="0" smtClean="0"/>
+              <a:t>”, usando </a:t>
+            </a:r>
+            <a:r>
+              <a:rPr lang="es-419" noProof="0" dirty="0" err="1" smtClean="0"/>
+              <a:t>exp</a:t>
+            </a:r>
+            <a:r>
+              <a:rPr lang="es-419" noProof="0" dirty="0" smtClean="0"/>
+              <a:t> para mantenerlo positivo</a:t>
+            </a:r>
+          </a:p>
+          <a:p>
+            <a:r>
+              <a:rPr lang="es-419" noProof="0" dirty="0" smtClean="0"/>
+              <a:t>Modifique el templete la lista de </a:t>
+            </a:r>
+            <a:r>
+              <a:rPr lang="es-419" noProof="0" dirty="0" err="1" smtClean="0"/>
               <a:t>parametros</a:t>
             </a:r>
             <a:r>
-              <a:rPr lang="en-US" dirty="0"/>
-              <a:t> </a:t>
-            </a:r>
-            <a:r>
-              <a:rPr lang="en-US" dirty="0" err="1"/>
-              <a:t>en</a:t>
-            </a:r>
-            <a:r>
-              <a:rPr lang="en-US" dirty="0"/>
-              <a:t> R</a:t>
-            </a:r>
-          </a:p>
-          <a:p>
-            <a:r>
-              <a:rPr lang="en-US" dirty="0"/>
-              <a:t>Compile, </a:t>
-            </a:r>
-            <a:r>
-              <a:rPr lang="en-US" dirty="0" err="1"/>
-              <a:t>ligue</a:t>
-            </a:r>
-            <a:r>
-              <a:rPr lang="en-US" dirty="0"/>
-              <a:t>, y </a:t>
-            </a:r>
-            <a:r>
-              <a:rPr lang="en-US" dirty="0" err="1"/>
-              <a:t>ajuste</a:t>
-            </a:r>
-            <a:r>
-              <a:rPr lang="en-US" dirty="0"/>
-              <a:t> </a:t>
-            </a:r>
-            <a:r>
-              <a:rPr lang="en-US" dirty="0" err="1"/>
-              <a:t>el</a:t>
-            </a:r>
-            <a:r>
-              <a:rPr lang="en-US" dirty="0"/>
-              <a:t> </a:t>
-            </a:r>
-            <a:r>
-              <a:rPr lang="en-US" dirty="0" err="1"/>
-              <a:t>modelo</a:t>
-            </a:r>
-            <a:endParaRPr lang="en-US" dirty="0"/>
-          </a:p>
-          <a:p>
-            <a:r>
-              <a:rPr lang="en-US" dirty="0" err="1"/>
-              <a:t>Debiera</a:t>
-            </a:r>
-            <a:r>
-              <a:rPr lang="en-US" dirty="0"/>
-              <a:t> </a:t>
-            </a:r>
-            <a:r>
-              <a:rPr lang="en-US" dirty="0" err="1"/>
-              <a:t>obtener</a:t>
-            </a:r>
-            <a:r>
-              <a:rPr lang="en-US" dirty="0"/>
-              <a:t> </a:t>
-            </a:r>
-            <a:r>
-              <a:rPr lang="en-US" dirty="0" err="1"/>
-              <a:t>estos</a:t>
-            </a:r>
-            <a:r>
-              <a:rPr lang="en-US" dirty="0"/>
-              <a:t> MLEs:</a:t>
+              <a:rPr lang="es-419" noProof="0" dirty="0" smtClean="0"/>
+              <a:t> en R</a:t>
+            </a:r>
+          </a:p>
+          <a:p>
+            <a:r>
+              <a:rPr lang="es-419" noProof="0" dirty="0" smtClean="0"/>
+              <a:t>Compile, ligue, y ajuste el modelo</a:t>
+            </a:r>
+          </a:p>
+          <a:p>
+            <a:r>
+              <a:rPr lang="es-419" noProof="0" dirty="0" smtClean="0"/>
+              <a:t>Debiera obtener estos </a:t>
+            </a:r>
+            <a:r>
+              <a:rPr lang="es-419" noProof="0" dirty="0" err="1" smtClean="0"/>
+              <a:t>MLEs</a:t>
+            </a:r>
+            <a:r>
+              <a:rPr lang="es-419" noProof="0" dirty="0" smtClean="0"/>
+              <a:t>:</a:t>
             </a:r>
           </a:p>
           <a:p>
@@ -12468,46 +12249,46 @@
               <a:buNone/>
             </a:pPr>
             <a:r>
-              <a:rPr lang="en-US" dirty="0"/>
+              <a:rPr lang="es-419" noProof="0" dirty="0" smtClean="0"/>
               <a:t>      </a:t>
             </a:r>
             <a:r>
-              <a:rPr lang="en-US" dirty="0" err="1">
+              <a:rPr lang="es-419" noProof="0" dirty="0" err="1" smtClean="0">
                 <a:latin typeface="Courier New" panose="02070309020205020404" pitchFamily="49" charset="0"/>
                 <a:cs typeface="Courier New" panose="02070309020205020404" pitchFamily="49" charset="0"/>
               </a:rPr>
               <a:t>logA</a:t>
             </a:r>
             <a:r>
-              <a:rPr lang="en-US" dirty="0">
+              <a:rPr lang="es-419" noProof="0" dirty="0" smtClean="0">
                 <a:latin typeface="Courier New" panose="02070309020205020404" pitchFamily="49" charset="0"/>
                 <a:cs typeface="Courier New" panose="02070309020205020404" pitchFamily="49" charset="0"/>
               </a:rPr>
               <a:t>       </a:t>
             </a:r>
             <a:r>
-              <a:rPr lang="en-US" dirty="0" err="1">
+              <a:rPr lang="es-419" noProof="0" dirty="0" err="1" smtClean="0">
                 <a:latin typeface="Courier New" panose="02070309020205020404" pitchFamily="49" charset="0"/>
                 <a:cs typeface="Courier New" panose="02070309020205020404" pitchFamily="49" charset="0"/>
               </a:rPr>
               <a:t>logB</a:t>
             </a:r>
             <a:r>
-              <a:rPr lang="en-US" dirty="0">
+              <a:rPr lang="es-419" noProof="0" dirty="0" smtClean="0">
                 <a:latin typeface="Courier New" panose="02070309020205020404" pitchFamily="49" charset="0"/>
                 <a:cs typeface="Courier New" panose="02070309020205020404" pitchFamily="49" charset="0"/>
               </a:rPr>
               <a:t>   </a:t>
             </a:r>
             <a:r>
-              <a:rPr lang="en-US" dirty="0" err="1">
+              <a:rPr lang="es-419" noProof="0" dirty="0" err="1" smtClean="0">
                 <a:latin typeface="Courier New" panose="02070309020205020404" pitchFamily="49" charset="0"/>
                 <a:cs typeface="Courier New" panose="02070309020205020404" pitchFamily="49" charset="0"/>
               </a:rPr>
               <a:t>logsigma</a:t>
             </a:r>
             <a:r>
-              <a:rPr lang="en-US" dirty="0">
+              <a:rPr lang="es-419" noProof="0" dirty="0" smtClean="0">
                 <a:latin typeface="Courier New" panose="02070309020205020404" pitchFamily="49" charset="0"/>
                 <a:cs typeface="Courier New" panose="02070309020205020404" pitchFamily="49" charset="0"/>
               </a:rPr>
@@ -12519,7 +12300,7 @@
               <a:buNone/>
             </a:pPr>
             <a:r>
-              <a:rPr lang="en-US" dirty="0">
+              <a:rPr lang="es-419" noProof="0" dirty="0" smtClean="0">
                 <a:latin typeface="Courier New" panose="02070309020205020404" pitchFamily="49" charset="0"/>
                 <a:cs typeface="Courier New" panose="02070309020205020404" pitchFamily="49" charset="0"/>
               </a:rPr>
@@ -12530,7 +12311,7 @@
             <a:pPr marL="0" indent="0">
               <a:buNone/>
             </a:pPr>
-            <a:endParaRPr lang="en-US" dirty="0"/>
+            <a:endParaRPr lang="es-419" noProof="0" dirty="0"/>
           </a:p>
         </p:txBody>
       </p:sp>
@@ -12539,7 +12320,7 @@
           <p:cNvPr id="4" name="Slide Number Placeholder 3">
             <a:extLst>
               <a:ext uri="{FF2B5EF4-FFF2-40B4-BE49-F238E27FC236}">
-                <a16:creationId xmlns:a16="http://schemas.microsoft.com/office/drawing/2014/main" id="{6DD24A46-DA33-4F77-AE46-55A03145B932}"/>
+                <a16:creationId xmlns:a16="http://schemas.microsoft.com/office/drawing/2014/main" xmlns="" id="{6DD24A46-DA33-4F77-AE46-55A03145B932}"/>
               </a:ext>
             </a:extLst>
           </p:cNvPr>
@@ -12598,7 +12379,7 @@
           <p:cNvPr id="4" name="Slide Number Placeholder 3">
             <a:extLst>
               <a:ext uri="{FF2B5EF4-FFF2-40B4-BE49-F238E27FC236}">
-                <a16:creationId xmlns:a16="http://schemas.microsoft.com/office/drawing/2014/main" id="{0E3BC761-1C97-415A-834F-DB0D202E7DA8}"/>
+                <a16:creationId xmlns:a16="http://schemas.microsoft.com/office/drawing/2014/main" xmlns="" id="{0E3BC761-1C97-415A-834F-DB0D202E7DA8}"/>
               </a:ext>
             </a:extLst>
           </p:cNvPr>
@@ -12627,7 +12408,7 @@
           <p:cNvPr id="5" name="Rectangle 4">
             <a:extLst>
               <a:ext uri="{FF2B5EF4-FFF2-40B4-BE49-F238E27FC236}">
-                <a16:creationId xmlns:a16="http://schemas.microsoft.com/office/drawing/2014/main" id="{0F9C4304-51AA-47A0-9278-543E04377F4A}"/>
+                <a16:creationId xmlns:a16="http://schemas.microsoft.com/office/drawing/2014/main" xmlns="" id="{0F9C4304-51AA-47A0-9278-543E04377F4A}"/>
               </a:ext>
             </a:extLst>
           </p:cNvPr>
@@ -12664,7 +12445,7 @@
           <p:cNvPr id="6" name="Title 1">
             <a:extLst>
               <a:ext uri="{FF2B5EF4-FFF2-40B4-BE49-F238E27FC236}">
-                <a16:creationId xmlns:a16="http://schemas.microsoft.com/office/drawing/2014/main" id="{20BB71A8-4BCE-40C5-80EA-D7E2397AAB31}"/>
+                <a16:creationId xmlns:a16="http://schemas.microsoft.com/office/drawing/2014/main" xmlns="" id="{20BB71A8-4BCE-40C5-80EA-D7E2397AAB31}"/>
               </a:ext>
             </a:extLst>
           </p:cNvPr>
@@ -12730,7 +12511,7 @@
           <p:cNvPr id="9" name="Content Placeholder 2">
             <a:extLst>
               <a:ext uri="{FF2B5EF4-FFF2-40B4-BE49-F238E27FC236}">
-                <a16:creationId xmlns:a16="http://schemas.microsoft.com/office/drawing/2014/main" id="{4267464E-B97B-4CAD-9A59-6714BB7BFCFA}"/>
+                <a16:creationId xmlns:a16="http://schemas.microsoft.com/office/drawing/2014/main" xmlns="" id="{4267464E-B97B-4CAD-9A59-6714BB7BFCFA}"/>
               </a:ext>
             </a:extLst>
           </p:cNvPr>
@@ -13108,7 +12889,7 @@
           <p:cNvPr id="10" name="TextBox 9">
             <a:extLst>
               <a:ext uri="{FF2B5EF4-FFF2-40B4-BE49-F238E27FC236}">
-                <a16:creationId xmlns:a16="http://schemas.microsoft.com/office/drawing/2014/main" id="{A4238E83-F776-49BB-B5A1-AA30AB725648}"/>
+                <a16:creationId xmlns:a16="http://schemas.microsoft.com/office/drawing/2014/main" xmlns="" id="{A4238E83-F776-49BB-B5A1-AA30AB725648}"/>
               </a:ext>
             </a:extLst>
           </p:cNvPr>
@@ -13612,7 +13393,7 @@
           <p:cNvPr id="11" name="TextBox 10">
             <a:extLst>
               <a:ext uri="{FF2B5EF4-FFF2-40B4-BE49-F238E27FC236}">
-                <a16:creationId xmlns:a16="http://schemas.microsoft.com/office/drawing/2014/main" id="{0C604A62-658E-4A53-ABC4-FE22BA20719A}"/>
+                <a16:creationId xmlns:a16="http://schemas.microsoft.com/office/drawing/2014/main" xmlns="" id="{0C604A62-658E-4A53-ABC4-FE22BA20719A}"/>
               </a:ext>
             </a:extLst>
           </p:cNvPr>
@@ -13725,7 +13506,7 @@
           <p:cNvPr id="3" name="Content Placeholder 2">
             <a:extLst>
               <a:ext uri="{FF2B5EF4-FFF2-40B4-BE49-F238E27FC236}">
-                <a16:creationId xmlns:a16="http://schemas.microsoft.com/office/drawing/2014/main" id="{5F5BFB50-8C46-4E3C-B9C7-C4133E3574E7}"/>
+                <a16:creationId xmlns:a16="http://schemas.microsoft.com/office/drawing/2014/main" xmlns="" id="{5F5BFB50-8C46-4E3C-B9C7-C4133E3574E7}"/>
               </a:ext>
             </a:extLst>
           </p:cNvPr>
@@ -13757,7 +13538,7 @@
               <a:buNone/>
             </a:pPr>
             <a:r>
-              <a:rPr lang="pt-BR" sz="2000" dirty="0">
+              <a:rPr lang="es-419" sz="2000" noProof="0" dirty="0" smtClean="0">
                 <a:solidFill>
                   <a:srgbClr val="000000"/>
                 </a:solidFill>
@@ -13766,7 +13547,7 @@
               <a:t>DATA_VECTOR</a:t>
             </a:r>
             <a:r>
-              <a:rPr lang="pt-BR" sz="2000" b="1" dirty="0">
+              <a:rPr lang="es-419" sz="2000" b="1" noProof="0" dirty="0" smtClean="0">
                 <a:solidFill>
                   <a:srgbClr val="000080"/>
                 </a:solidFill>
@@ -13775,7 +13556,7 @@
               <a:t>(</a:t>
             </a:r>
             <a:r>
-              <a:rPr lang="pt-BR" sz="2000" dirty="0">
+              <a:rPr lang="es-419" sz="2000" noProof="0" dirty="0" smtClean="0">
                 <a:solidFill>
                   <a:srgbClr val="000000"/>
                 </a:solidFill>
@@ -13784,7 +13565,7 @@
               <a:t>v1</a:t>
             </a:r>
             <a:r>
-              <a:rPr lang="pt-BR" sz="2000" b="1" dirty="0">
+              <a:rPr lang="es-419" sz="2000" b="1" noProof="0" dirty="0" smtClean="0">
                 <a:solidFill>
                   <a:srgbClr val="000080"/>
                 </a:solidFill>
@@ -13793,7 +13574,7 @@
               <a:t>);</a:t>
             </a:r>
             <a:r>
-              <a:rPr lang="pt-BR" sz="2000" dirty="0">
+              <a:rPr lang="es-419" sz="2000" noProof="0" dirty="0" smtClean="0">
                 <a:solidFill>
                   <a:srgbClr val="000000"/>
                 </a:solidFill>
@@ -13802,7 +13583,7 @@
               <a:t> DATA_VECTOR</a:t>
             </a:r>
             <a:r>
-              <a:rPr lang="pt-BR" sz="2000" b="1" dirty="0">
+              <a:rPr lang="es-419" sz="2000" b="1" noProof="0" dirty="0" smtClean="0">
                 <a:solidFill>
                   <a:srgbClr val="000080"/>
                 </a:solidFill>
@@ -13811,7 +13592,7 @@
               <a:t>(</a:t>
             </a:r>
             <a:r>
-              <a:rPr lang="pt-BR" sz="2000" dirty="0">
+              <a:rPr lang="es-419" sz="2000" noProof="0" dirty="0" smtClean="0">
                 <a:solidFill>
                   <a:srgbClr val="000000"/>
                 </a:solidFill>
@@ -13820,7 +13601,7 @@
               <a:t>v2</a:t>
             </a:r>
             <a:r>
-              <a:rPr lang="pt-BR" sz="2000" b="1" dirty="0">
+              <a:rPr lang="es-419" sz="2000" b="1" noProof="0" dirty="0" smtClean="0">
                 <a:solidFill>
                   <a:srgbClr val="000080"/>
                 </a:solidFill>
@@ -13828,7 +13609,7 @@
               </a:rPr>
               <a:t>);</a:t>
             </a:r>
-            <a:endParaRPr lang="pt-BR" sz="2000" dirty="0">
+            <a:endParaRPr lang="es-419" sz="2000" noProof="0" dirty="0" smtClean="0">
               <a:solidFill>
                 <a:srgbClr val="000000"/>
               </a:solidFill>
@@ -13840,7 +13621,7 @@
               <a:buNone/>
             </a:pPr>
             <a:r>
-              <a:rPr lang="en-US" sz="2000" dirty="0" err="1">
+              <a:rPr lang="es-419" sz="2000" noProof="0" dirty="0" err="1" smtClean="0">
                 <a:solidFill>
                   <a:srgbClr val="8000FF"/>
                 </a:solidFill>
@@ -13849,7 +13630,7 @@
               <a:t>int</a:t>
             </a:r>
             <a:r>
-              <a:rPr lang="en-US" sz="2000" dirty="0">
+              <a:rPr lang="es-419" sz="2000" noProof="0" dirty="0" smtClean="0">
                 <a:solidFill>
                   <a:srgbClr val="000000"/>
                 </a:solidFill>
@@ -13858,7 +13639,7 @@
               <a:t> v1_size </a:t>
             </a:r>
             <a:r>
-              <a:rPr lang="en-US" sz="2000" b="1" dirty="0">
+              <a:rPr lang="es-419" sz="2000" b="1" noProof="0" dirty="0" smtClean="0">
                 <a:solidFill>
                   <a:srgbClr val="000080"/>
                 </a:solidFill>
@@ -13867,7 +13648,7 @@
               <a:t>=</a:t>
             </a:r>
             <a:r>
-              <a:rPr lang="en-US" sz="2000" dirty="0">
+              <a:rPr lang="es-419" sz="2000" noProof="0" dirty="0" smtClean="0">
                 <a:solidFill>
                   <a:srgbClr val="000000"/>
                 </a:solidFill>
@@ -13876,7 +13657,7 @@
               <a:t> v1</a:t>
             </a:r>
             <a:r>
-              <a:rPr lang="en-US" sz="2000" b="1" dirty="0">
+              <a:rPr lang="es-419" sz="2000" b="1" noProof="0" dirty="0" smtClean="0">
                 <a:solidFill>
                   <a:srgbClr val="000080"/>
                 </a:solidFill>
@@ -13885,7 +13666,7 @@
               <a:t>.</a:t>
             </a:r>
             <a:r>
-              <a:rPr lang="en-US" sz="2000" dirty="0">
+              <a:rPr lang="es-419" sz="2000" noProof="0" dirty="0" smtClean="0">
                 <a:solidFill>
                   <a:srgbClr val="000000"/>
                 </a:solidFill>
@@ -13894,7 +13675,7 @@
               <a:t>size</a:t>
             </a:r>
             <a:r>
-              <a:rPr lang="en-US" sz="2000" b="1" dirty="0">
+              <a:rPr lang="es-419" sz="2000" b="1" noProof="0" dirty="0" smtClean="0">
                 <a:solidFill>
                   <a:srgbClr val="000080"/>
                 </a:solidFill>
@@ -13903,7 +13684,7 @@
               <a:t>();</a:t>
             </a:r>
             <a:r>
-              <a:rPr lang="en-US" sz="2000" dirty="0">
+              <a:rPr lang="es-419" sz="2000" noProof="0" dirty="0" smtClean="0">
                 <a:solidFill>
                   <a:srgbClr val="000000"/>
                 </a:solidFill>
@@ -13912,13 +13693,31 @@
               <a:t> </a:t>
             </a:r>
             <a:r>
-              <a:rPr lang="en-US" sz="2000" dirty="0">
+              <a:rPr lang="es-419" sz="2000" noProof="0" dirty="0" smtClean="0">
                 <a:solidFill>
                   <a:srgbClr val="008000"/>
                 </a:solidFill>
                 <a:latin typeface="Courier New" panose="02070309020205020404" pitchFamily="49" charset="0"/>
               </a:rPr>
-              <a:t>// Length of v1 </a:t>
+              <a:t>// </a:t>
+            </a:r>
+            <a:r>
+              <a:rPr lang="es-419" sz="2000" noProof="0" dirty="0" err="1" smtClean="0">
+                <a:solidFill>
+                  <a:srgbClr val="008000"/>
+                </a:solidFill>
+                <a:latin typeface="Courier New" panose="02070309020205020404" pitchFamily="49" charset="0"/>
+              </a:rPr>
+              <a:t>Length</a:t>
+            </a:r>
+            <a:r>
+              <a:rPr lang="es-419" sz="2000" noProof="0" dirty="0" smtClean="0">
+                <a:solidFill>
+                  <a:srgbClr val="008000"/>
+                </a:solidFill>
+                <a:latin typeface="Courier New" panose="02070309020205020404" pitchFamily="49" charset="0"/>
+              </a:rPr>
+              <a:t> of v1 </a:t>
             </a:r>
           </a:p>
           <a:p>
@@ -13926,13 +13725,49 @@
               <a:buNone/>
             </a:pPr>
             <a:r>
-              <a:rPr lang="en-US" sz="2000" dirty="0">
+              <a:rPr lang="es-419" sz="2000" noProof="0" dirty="0" smtClean="0">
                 <a:solidFill>
                   <a:srgbClr val="008000"/>
                 </a:solidFill>
                 <a:latin typeface="Courier New" panose="02070309020205020404" pitchFamily="49" charset="0"/>
               </a:rPr>
-              <a:t>// First 2 elements of v2:</a:t>
+              <a:t>// </a:t>
+            </a:r>
+            <a:r>
+              <a:rPr lang="es-419" sz="2000" noProof="0" dirty="0" err="1" smtClean="0">
+                <a:solidFill>
+                  <a:srgbClr val="008000"/>
+                </a:solidFill>
+                <a:latin typeface="Courier New" panose="02070309020205020404" pitchFamily="49" charset="0"/>
+              </a:rPr>
+              <a:t>First</a:t>
+            </a:r>
+            <a:r>
+              <a:rPr lang="es-419" sz="2000" noProof="0" dirty="0" smtClean="0">
+                <a:solidFill>
+                  <a:srgbClr val="008000"/>
+                </a:solidFill>
+                <a:latin typeface="Courier New" panose="02070309020205020404" pitchFamily="49" charset="0"/>
+              </a:rPr>
+              <a:t> 2 </a:t>
+            </a:r>
+            <a:r>
+              <a:rPr lang="es-419" sz="2000" noProof="0" dirty="0" err="1" smtClean="0">
+                <a:solidFill>
+                  <a:srgbClr val="008000"/>
+                </a:solidFill>
+                <a:latin typeface="Courier New" panose="02070309020205020404" pitchFamily="49" charset="0"/>
+              </a:rPr>
+              <a:t>elements</a:t>
+            </a:r>
+            <a:r>
+              <a:rPr lang="es-419" sz="2000" noProof="0" dirty="0" smtClean="0">
+                <a:solidFill>
+                  <a:srgbClr val="008000"/>
+                </a:solidFill>
+                <a:latin typeface="Courier New" panose="02070309020205020404" pitchFamily="49" charset="0"/>
+              </a:rPr>
+              <a:t> of v2:</a:t>
             </a:r>
           </a:p>
           <a:p>
@@ -13940,7 +13775,7 @@
               <a:buNone/>
             </a:pPr>
             <a:r>
-              <a:rPr lang="en-US" sz="2000" dirty="0">
+              <a:rPr lang="es-419" sz="2000" noProof="0" dirty="0" smtClean="0">
                 <a:solidFill>
                   <a:srgbClr val="000000"/>
                 </a:solidFill>
@@ -13949,7 +13784,7 @@
               <a:t>vector</a:t>
             </a:r>
             <a:r>
-              <a:rPr lang="en-US" sz="2000" b="1" dirty="0">
+              <a:rPr lang="es-419" sz="2000" b="1" noProof="0" dirty="0" smtClean="0">
                 <a:solidFill>
                   <a:srgbClr val="000080"/>
                 </a:solidFill>
@@ -13958,7 +13793,7 @@
               <a:t>&lt;</a:t>
             </a:r>
             <a:r>
-              <a:rPr lang="en-US" sz="2000" dirty="0">
+              <a:rPr lang="es-419" sz="2000" noProof="0" dirty="0" err="1" smtClean="0">
                 <a:solidFill>
                   <a:srgbClr val="000000"/>
                 </a:solidFill>
@@ -13967,7 +13802,7 @@
               <a:t>Type</a:t>
             </a:r>
             <a:r>
-              <a:rPr lang="en-US" sz="2000" b="1" dirty="0">
+              <a:rPr lang="es-419" sz="2000" b="1" noProof="0" dirty="0" smtClean="0">
                 <a:solidFill>
                   <a:srgbClr val="000080"/>
                 </a:solidFill>
@@ -13976,7 +13811,7 @@
               <a:t>&gt;</a:t>
             </a:r>
             <a:r>
-              <a:rPr lang="en-US" sz="2000" dirty="0">
+              <a:rPr lang="es-419" sz="2000" noProof="0" dirty="0" smtClean="0">
                 <a:solidFill>
                   <a:srgbClr val="000000"/>
                 </a:solidFill>
@@ -13985,7 +13820,7 @@
               <a:t> a </a:t>
             </a:r>
             <a:r>
-              <a:rPr lang="en-US" sz="2000" b="1" dirty="0">
+              <a:rPr lang="es-419" sz="2000" b="1" noProof="0" dirty="0" smtClean="0">
                 <a:solidFill>
                   <a:srgbClr val="000080"/>
                 </a:solidFill>
@@ -13994,7 +13829,7 @@
               <a:t>=</a:t>
             </a:r>
             <a:r>
-              <a:rPr lang="en-US" sz="2000" dirty="0">
+              <a:rPr lang="es-419" sz="2000" noProof="0" dirty="0" smtClean="0">
                 <a:solidFill>
                   <a:srgbClr val="000000"/>
                 </a:solidFill>
@@ -14003,7 +13838,7 @@
               <a:t> v2</a:t>
             </a:r>
             <a:r>
-              <a:rPr lang="en-US" sz="2000" b="1" dirty="0">
+              <a:rPr lang="es-419" sz="2000" b="1" noProof="0" dirty="0" smtClean="0">
                 <a:solidFill>
                   <a:srgbClr val="000080"/>
                 </a:solidFill>
@@ -14012,7 +13847,7 @@
               <a:t>.</a:t>
             </a:r>
             <a:r>
-              <a:rPr lang="en-US" sz="2000" dirty="0">
+              <a:rPr lang="es-419" sz="2000" noProof="0" dirty="0" smtClean="0">
                 <a:solidFill>
                   <a:srgbClr val="000000"/>
                 </a:solidFill>
@@ -14021,7 +13856,7 @@
               <a:t>head</a:t>
             </a:r>
             <a:r>
-              <a:rPr lang="en-US" sz="2000" b="1" dirty="0">
+              <a:rPr lang="es-419" sz="2000" b="1" noProof="0" dirty="0" smtClean="0">
                 <a:solidFill>
                   <a:srgbClr val="000080"/>
                 </a:solidFill>
@@ -14030,7 +13865,7 @@
               <a:t>(</a:t>
             </a:r>
             <a:r>
-              <a:rPr lang="en-US" sz="2000" dirty="0">
+              <a:rPr lang="es-419" sz="2000" noProof="0" dirty="0" smtClean="0">
                 <a:solidFill>
                   <a:srgbClr val="FF8000"/>
                 </a:solidFill>
@@ -14039,7 +13874,7 @@
               <a:t>2</a:t>
             </a:r>
             <a:r>
-              <a:rPr lang="en-US" sz="2000" b="1" dirty="0">
+              <a:rPr lang="es-419" sz="2000" b="1" noProof="0" dirty="0" smtClean="0">
                 <a:solidFill>
                   <a:srgbClr val="000080"/>
                 </a:solidFill>
@@ -14048,7 +13883,7 @@
               <a:t>);</a:t>
             </a:r>
             <a:r>
-              <a:rPr lang="en-US" sz="2000" dirty="0">
+              <a:rPr lang="es-419" sz="2000" noProof="0" dirty="0" smtClean="0">
                 <a:solidFill>
                   <a:srgbClr val="000000"/>
                 </a:solidFill>
@@ -14062,13 +13897,49 @@
               <a:buNone/>
             </a:pPr>
             <a:r>
-              <a:rPr lang="en-US" sz="2000" dirty="0">
+              <a:rPr lang="es-419" sz="2000" noProof="0" dirty="0" smtClean="0">
                 <a:solidFill>
                   <a:srgbClr val="008000"/>
                 </a:solidFill>
                 <a:latin typeface="Courier New" panose="02070309020205020404" pitchFamily="49" charset="0"/>
               </a:rPr>
-              <a:t>//segment of 3 elements: </a:t>
+              <a:t>//</a:t>
+            </a:r>
+            <a:r>
+              <a:rPr lang="es-419" sz="2000" noProof="0" dirty="0" err="1" smtClean="0">
+                <a:solidFill>
+                  <a:srgbClr val="008000"/>
+                </a:solidFill>
+                <a:latin typeface="Courier New" panose="02070309020205020404" pitchFamily="49" charset="0"/>
+              </a:rPr>
+              <a:t>segment</a:t>
+            </a:r>
+            <a:r>
+              <a:rPr lang="es-419" sz="2000" noProof="0" dirty="0" smtClean="0">
+                <a:solidFill>
+                  <a:srgbClr val="008000"/>
+                </a:solidFill>
+                <a:latin typeface="Courier New" panose="02070309020205020404" pitchFamily="49" charset="0"/>
+              </a:rPr>
+              <a:t> of 3 </a:t>
+            </a:r>
+            <a:r>
+              <a:rPr lang="es-419" sz="2000" noProof="0" dirty="0" err="1" smtClean="0">
+                <a:solidFill>
+                  <a:srgbClr val="008000"/>
+                </a:solidFill>
+                <a:latin typeface="Courier New" panose="02070309020205020404" pitchFamily="49" charset="0"/>
+              </a:rPr>
+              <a:t>elements</a:t>
+            </a:r>
+            <a:r>
+              <a:rPr lang="es-419" sz="2000" noProof="0" dirty="0" smtClean="0">
+                <a:solidFill>
+                  <a:srgbClr val="008000"/>
+                </a:solidFill>
+                <a:latin typeface="Courier New" panose="02070309020205020404" pitchFamily="49" charset="0"/>
+              </a:rPr>
+              <a:t>: </a:t>
             </a:r>
           </a:p>
           <a:p>
@@ -14076,7 +13947,7 @@
               <a:buNone/>
             </a:pPr>
             <a:r>
-              <a:rPr lang="en-US" sz="2000" dirty="0">
+              <a:rPr lang="es-419" sz="2000" noProof="0" dirty="0" smtClean="0">
                 <a:solidFill>
                   <a:srgbClr val="000000"/>
                 </a:solidFill>
@@ -14085,7 +13956,7 @@
               <a:t>vector</a:t>
             </a:r>
             <a:r>
-              <a:rPr lang="en-US" sz="2000" b="1" dirty="0">
+              <a:rPr lang="es-419" sz="2000" b="1" noProof="0" dirty="0" smtClean="0">
                 <a:solidFill>
                   <a:srgbClr val="000080"/>
                 </a:solidFill>
@@ -14094,7 +13965,7 @@
               <a:t>&lt;</a:t>
             </a:r>
             <a:r>
-              <a:rPr lang="en-US" sz="2000" dirty="0">
+              <a:rPr lang="es-419" sz="2000" noProof="0" dirty="0" err="1" smtClean="0">
                 <a:solidFill>
                   <a:srgbClr val="000000"/>
                 </a:solidFill>
@@ -14103,7 +13974,7 @@
               <a:t>Type</a:t>
             </a:r>
             <a:r>
-              <a:rPr lang="en-US" sz="2000" b="1" dirty="0">
+              <a:rPr lang="es-419" sz="2000" b="1" noProof="0" dirty="0" smtClean="0">
                 <a:solidFill>
                   <a:srgbClr val="000080"/>
                 </a:solidFill>
@@ -14112,7 +13983,7 @@
               <a:t>&gt;</a:t>
             </a:r>
             <a:r>
-              <a:rPr lang="en-US" sz="2000" dirty="0">
+              <a:rPr lang="es-419" sz="2000" noProof="0" dirty="0" smtClean="0">
                 <a:solidFill>
                   <a:srgbClr val="000000"/>
                 </a:solidFill>
@@ -14121,7 +13992,7 @@
               <a:t> b </a:t>
             </a:r>
             <a:r>
-              <a:rPr lang="en-US" sz="2000" b="1" dirty="0">
+              <a:rPr lang="es-419" sz="2000" b="1" noProof="0" dirty="0" smtClean="0">
                 <a:solidFill>
                   <a:srgbClr val="000080"/>
                 </a:solidFill>
@@ -14130,7 +14001,7 @@
               <a:t>=</a:t>
             </a:r>
             <a:r>
-              <a:rPr lang="en-US" sz="2000" dirty="0">
+              <a:rPr lang="es-419" sz="2000" noProof="0" dirty="0" smtClean="0">
                 <a:solidFill>
                   <a:srgbClr val="000000"/>
                 </a:solidFill>
@@ -14139,7 +14010,7 @@
               <a:t> v3</a:t>
             </a:r>
             <a:r>
-              <a:rPr lang="en-US" sz="2000" b="1" dirty="0">
+              <a:rPr lang="es-419" sz="2000" b="1" noProof="0" dirty="0" smtClean="0">
                 <a:solidFill>
                   <a:srgbClr val="000080"/>
                 </a:solidFill>
@@ -14148,7 +14019,7 @@
               <a:t>.</a:t>
             </a:r>
             <a:r>
-              <a:rPr lang="en-US" sz="2000" dirty="0">
+              <a:rPr lang="es-419" sz="2000" noProof="0" dirty="0" smtClean="0">
                 <a:solidFill>
                   <a:srgbClr val="000000"/>
                 </a:solidFill>
@@ -14157,7 +14028,7 @@
               <a:t>segment</a:t>
             </a:r>
             <a:r>
-              <a:rPr lang="en-US" sz="2000" b="1" dirty="0">
+              <a:rPr lang="es-419" sz="2000" b="1" noProof="0" dirty="0" smtClean="0">
                 <a:solidFill>
                   <a:srgbClr val="000080"/>
                 </a:solidFill>
@@ -14166,7 +14037,7 @@
               <a:t>(</a:t>
             </a:r>
             <a:r>
-              <a:rPr lang="en-US" sz="2000" dirty="0">
+              <a:rPr lang="es-419" sz="2000" noProof="0" dirty="0" smtClean="0">
                 <a:solidFill>
                   <a:srgbClr val="FF8000"/>
                 </a:solidFill>
@@ -14175,7 +14046,7 @@
               <a:t>2</a:t>
             </a:r>
             <a:r>
-              <a:rPr lang="en-US" sz="2000" b="1" dirty="0">
+              <a:rPr lang="es-419" sz="2000" b="1" noProof="0" dirty="0" smtClean="0">
                 <a:solidFill>
                   <a:srgbClr val="000080"/>
                 </a:solidFill>
@@ -14184,7 +14055,7 @@
               <a:t>,</a:t>
             </a:r>
             <a:r>
-              <a:rPr lang="en-US" sz="2000" dirty="0">
+              <a:rPr lang="es-419" sz="2000" noProof="0" dirty="0" smtClean="0">
                 <a:solidFill>
                   <a:srgbClr val="FF8000"/>
                 </a:solidFill>
@@ -14193,7 +14064,7 @@
               <a:t>3</a:t>
             </a:r>
             <a:r>
-              <a:rPr lang="en-US" sz="2000" b="1" dirty="0">
+              <a:rPr lang="es-419" sz="2000" b="1" noProof="0" dirty="0" smtClean="0">
                 <a:solidFill>
                   <a:srgbClr val="000080"/>
                 </a:solidFill>
@@ -14202,7 +14073,7 @@
               <a:t>);</a:t>
             </a:r>
             <a:r>
-              <a:rPr lang="en-US" sz="2000" dirty="0">
+              <a:rPr lang="es-419" sz="2000" noProof="0" dirty="0" smtClean="0">
                 <a:solidFill>
                   <a:srgbClr val="000000"/>
                 </a:solidFill>
@@ -14216,16 +14087,25 @@
               <a:buNone/>
             </a:pPr>
             <a:r>
-              <a:rPr lang="en-US" sz="2000" dirty="0">
+              <a:rPr lang="es-419" sz="2000" noProof="0" dirty="0" err="1" smtClean="0">
                 <a:solidFill>
                   <a:srgbClr val="000000"/>
                 </a:solidFill>
                 <a:latin typeface="Courier New" panose="02070309020205020404" pitchFamily="49" charset="0"/>
               </a:rPr>
-              <a:t>Type c </a:t>
-            </a:r>
-            <a:r>
-              <a:rPr lang="en-US" sz="2000" b="1" dirty="0">
+              <a:t>Type</a:t>
+            </a:r>
+            <a:r>
+              <a:rPr lang="es-419" sz="2000" noProof="0" dirty="0" smtClean="0">
+                <a:solidFill>
+                  <a:srgbClr val="000000"/>
+                </a:solidFill>
+                <a:latin typeface="Courier New" panose="02070309020205020404" pitchFamily="49" charset="0"/>
+              </a:rPr>
+              <a:t> c </a:t>
+            </a:r>
+            <a:r>
+              <a:rPr lang="es-419" sz="2000" b="1" noProof="0" dirty="0" smtClean="0">
                 <a:solidFill>
                   <a:srgbClr val="000080"/>
                 </a:solidFill>
@@ -14234,7 +14114,7 @@
               <a:t>=</a:t>
             </a:r>
             <a:r>
-              <a:rPr lang="en-US" sz="2000" dirty="0">
+              <a:rPr lang="es-419" sz="2000" noProof="0" dirty="0" smtClean="0">
                 <a:solidFill>
                   <a:srgbClr val="000000"/>
                 </a:solidFill>
@@ -14243,7 +14123,7 @@
               <a:t> v1</a:t>
             </a:r>
             <a:r>
-              <a:rPr lang="en-US" sz="2000" b="1" dirty="0">
+              <a:rPr lang="es-419" sz="2000" b="1" noProof="0" dirty="0" smtClean="0">
                 <a:solidFill>
                   <a:srgbClr val="000080"/>
                 </a:solidFill>
@@ -14252,7 +14132,7 @@
               <a:t>.</a:t>
             </a:r>
             <a:r>
-              <a:rPr lang="en-US" sz="2000" dirty="0">
+              <a:rPr lang="es-419" sz="2000" noProof="0" dirty="0" smtClean="0">
                 <a:solidFill>
                   <a:srgbClr val="000000"/>
                 </a:solidFill>
@@ -14261,7 +14141,7 @@
               <a:t>sum</a:t>
             </a:r>
             <a:r>
-              <a:rPr lang="en-US" sz="2000" b="1" dirty="0">
+              <a:rPr lang="es-419" sz="2000" b="1" noProof="0" dirty="0" smtClean="0">
                 <a:solidFill>
                   <a:srgbClr val="000080"/>
                 </a:solidFill>
@@ -14270,7 +14150,7 @@
               <a:t>();</a:t>
             </a:r>
             <a:r>
-              <a:rPr lang="en-US" sz="2000" dirty="0">
+              <a:rPr lang="es-419" sz="2000" noProof="0" dirty="0" smtClean="0">
                 <a:solidFill>
                   <a:srgbClr val="000000"/>
                 </a:solidFill>
@@ -14279,13 +14159,49 @@
               <a:t> </a:t>
             </a:r>
             <a:r>
-              <a:rPr lang="en-US" sz="2000" dirty="0">
+              <a:rPr lang="es-419" sz="2000" noProof="0" dirty="0" smtClean="0">
                 <a:solidFill>
                   <a:srgbClr val="008000"/>
                 </a:solidFill>
                 <a:latin typeface="Courier New" panose="02070309020205020404" pitchFamily="49" charset="0"/>
               </a:rPr>
-              <a:t>// sum of all cells in v1 </a:t>
+              <a:t>// sum of </a:t>
+            </a:r>
+            <a:r>
+              <a:rPr lang="es-419" sz="2000" noProof="0" dirty="0" err="1" smtClean="0">
+                <a:solidFill>
+                  <a:srgbClr val="008000"/>
+                </a:solidFill>
+                <a:latin typeface="Courier New" panose="02070309020205020404" pitchFamily="49" charset="0"/>
+              </a:rPr>
+              <a:t>all</a:t>
+            </a:r>
+            <a:r>
+              <a:rPr lang="es-419" sz="2000" noProof="0" dirty="0" smtClean="0">
+                <a:solidFill>
+                  <a:srgbClr val="008000"/>
+                </a:solidFill>
+                <a:latin typeface="Courier New" panose="02070309020205020404" pitchFamily="49" charset="0"/>
+              </a:rPr>
+              <a:t> </a:t>
+            </a:r>
+            <a:r>
+              <a:rPr lang="es-419" sz="2000" noProof="0" dirty="0" err="1" smtClean="0">
+                <a:solidFill>
+                  <a:srgbClr val="008000"/>
+                </a:solidFill>
+                <a:latin typeface="Courier New" panose="02070309020205020404" pitchFamily="49" charset="0"/>
+              </a:rPr>
+              <a:t>cells</a:t>
+            </a:r>
+            <a:r>
+              <a:rPr lang="es-419" sz="2000" noProof="0" dirty="0" smtClean="0">
+                <a:solidFill>
+                  <a:srgbClr val="008000"/>
+                </a:solidFill>
+                <a:latin typeface="Courier New" panose="02070309020205020404" pitchFamily="49" charset="0"/>
+              </a:rPr>
+              <a:t> in v1 </a:t>
             </a:r>
           </a:p>
           <a:p>
@@ -14293,16 +14209,25 @@
               <a:buNone/>
             </a:pPr>
             <a:r>
-              <a:rPr lang="en-US" sz="2000" dirty="0">
+              <a:rPr lang="es-419" sz="2000" noProof="0" dirty="0" err="1" smtClean="0">
                 <a:solidFill>
                   <a:srgbClr val="000000"/>
                 </a:solidFill>
                 <a:latin typeface="Courier New" panose="02070309020205020404" pitchFamily="49" charset="0"/>
               </a:rPr>
-              <a:t>Type d </a:t>
-            </a:r>
-            <a:r>
-              <a:rPr lang="en-US" sz="2000" b="1" dirty="0">
+              <a:t>Type</a:t>
+            </a:r>
+            <a:r>
+              <a:rPr lang="es-419" sz="2000" noProof="0" dirty="0" smtClean="0">
+                <a:solidFill>
+                  <a:srgbClr val="000000"/>
+                </a:solidFill>
+                <a:latin typeface="Courier New" panose="02070309020205020404" pitchFamily="49" charset="0"/>
+              </a:rPr>
+              <a:t> d </a:t>
+            </a:r>
+            <a:r>
+              <a:rPr lang="es-419" sz="2000" b="1" noProof="0" dirty="0" smtClean="0">
                 <a:solidFill>
                   <a:srgbClr val="000080"/>
                 </a:solidFill>
@@ -14311,7 +14236,7 @@
               <a:t>=</a:t>
             </a:r>
             <a:r>
-              <a:rPr lang="en-US" sz="2000" dirty="0">
+              <a:rPr lang="es-419" sz="2000" noProof="0" dirty="0" smtClean="0">
                 <a:solidFill>
                   <a:srgbClr val="000000"/>
                 </a:solidFill>
@@ -14320,7 +14245,7 @@
               <a:t> sum</a:t>
             </a:r>
             <a:r>
-              <a:rPr lang="en-US" sz="2000" b="1" dirty="0">
+              <a:rPr lang="es-419" sz="2000" b="1" noProof="0" dirty="0" smtClean="0">
                 <a:solidFill>
                   <a:srgbClr val="000080"/>
                 </a:solidFill>
@@ -14329,7 +14254,7 @@
               <a:t>(</a:t>
             </a:r>
             <a:r>
-              <a:rPr lang="en-US" sz="2000" dirty="0">
+              <a:rPr lang="es-419" sz="2000" noProof="0" dirty="0" smtClean="0">
                 <a:solidFill>
                   <a:srgbClr val="000000"/>
                 </a:solidFill>
@@ -14338,7 +14263,7 @@
               <a:t>v1</a:t>
             </a:r>
             <a:r>
-              <a:rPr lang="en-US" sz="2000" b="1" dirty="0">
+              <a:rPr lang="es-419" sz="2000" b="1" noProof="0" dirty="0" smtClean="0">
                 <a:solidFill>
                   <a:srgbClr val="000080"/>
                 </a:solidFill>
@@ -14347,7 +14272,7 @@
               <a:t>);</a:t>
             </a:r>
             <a:r>
-              <a:rPr lang="en-US" sz="2000" dirty="0">
+              <a:rPr lang="es-419" sz="2000" noProof="0" dirty="0" smtClean="0">
                 <a:solidFill>
                   <a:srgbClr val="000000"/>
                 </a:solidFill>
@@ -14356,13 +14281,49 @@
               <a:t> </a:t>
             </a:r>
             <a:r>
-              <a:rPr lang="en-US" sz="2000" dirty="0">
+              <a:rPr lang="es-419" sz="2000" noProof="0" dirty="0" smtClean="0">
                 <a:solidFill>
                   <a:srgbClr val="008000"/>
                 </a:solidFill>
                 <a:latin typeface="Courier New" panose="02070309020205020404" pitchFamily="49" charset="0"/>
               </a:rPr>
-              <a:t>// alternative summation </a:t>
+              <a:t>// </a:t>
+            </a:r>
+            <a:r>
+              <a:rPr lang="es-419" sz="2000" noProof="0" dirty="0" err="1" smtClean="0">
+                <a:solidFill>
+                  <a:srgbClr val="008000"/>
+                </a:solidFill>
+                <a:latin typeface="Courier New" panose="02070309020205020404" pitchFamily="49" charset="0"/>
+              </a:rPr>
+              <a:t>alternative</a:t>
+            </a:r>
+            <a:r>
+              <a:rPr lang="es-419" sz="2000" noProof="0" dirty="0" smtClean="0">
+                <a:solidFill>
+                  <a:srgbClr val="008000"/>
+                </a:solidFill>
+                <a:latin typeface="Courier New" panose="02070309020205020404" pitchFamily="49" charset="0"/>
+              </a:rPr>
+              <a:t> </a:t>
+            </a:r>
+            <a:r>
+              <a:rPr lang="es-419" sz="2000" noProof="0" dirty="0" err="1" smtClean="0">
+                <a:solidFill>
+                  <a:srgbClr val="008000"/>
+                </a:solidFill>
+                <a:latin typeface="Courier New" panose="02070309020205020404" pitchFamily="49" charset="0"/>
+              </a:rPr>
+              <a:t>summation</a:t>
+            </a:r>
+            <a:r>
+              <a:rPr lang="es-419" sz="2000" noProof="0" dirty="0" smtClean="0">
+                <a:solidFill>
+                  <a:srgbClr val="008000"/>
+                </a:solidFill>
+                <a:latin typeface="Courier New" panose="02070309020205020404" pitchFamily="49" charset="0"/>
+              </a:rPr>
+              <a:t> </a:t>
             </a:r>
           </a:p>
           <a:p>
@@ -14370,16 +14331,25 @@
               <a:buNone/>
             </a:pPr>
             <a:r>
-              <a:rPr lang="en-US" sz="2000" dirty="0">
+              <a:rPr lang="es-419" sz="2000" noProof="0" dirty="0" err="1" smtClean="0">
                 <a:solidFill>
                   <a:srgbClr val="000000"/>
                 </a:solidFill>
                 <a:latin typeface="Courier New" panose="02070309020205020404" pitchFamily="49" charset="0"/>
               </a:rPr>
-              <a:t>Type e </a:t>
-            </a:r>
-            <a:r>
-              <a:rPr lang="en-US" sz="2000" b="1" dirty="0">
+              <a:t>Type</a:t>
+            </a:r>
+            <a:r>
+              <a:rPr lang="es-419" sz="2000" noProof="0" dirty="0" smtClean="0">
+                <a:solidFill>
+                  <a:srgbClr val="000000"/>
+                </a:solidFill>
+                <a:latin typeface="Courier New" panose="02070309020205020404" pitchFamily="49" charset="0"/>
+              </a:rPr>
+              <a:t> e </a:t>
+            </a:r>
+            <a:r>
+              <a:rPr lang="es-419" sz="2000" b="1" noProof="0" dirty="0" smtClean="0">
                 <a:solidFill>
                   <a:srgbClr val="000080"/>
                 </a:solidFill>
@@ -14388,7 +14358,7 @@
               <a:t>=</a:t>
             </a:r>
             <a:r>
-              <a:rPr lang="en-US" sz="2000" dirty="0">
+              <a:rPr lang="es-419" sz="2000" noProof="0" dirty="0" smtClean="0">
                 <a:solidFill>
                   <a:srgbClr val="000000"/>
                 </a:solidFill>
@@ -14397,7 +14367,7 @@
               <a:t> v1</a:t>
             </a:r>
             <a:r>
-              <a:rPr lang="en-US" sz="2000" b="1" dirty="0">
+              <a:rPr lang="es-419" sz="2000" b="1" noProof="0" dirty="0" smtClean="0">
                 <a:solidFill>
                   <a:srgbClr val="000080"/>
                 </a:solidFill>
@@ -14406,7 +14376,7 @@
               <a:t>.</a:t>
             </a:r>
             <a:r>
-              <a:rPr lang="en-US" sz="2000" dirty="0">
+              <a:rPr lang="es-419" sz="2000" noProof="0" dirty="0" smtClean="0">
                 <a:solidFill>
                   <a:srgbClr val="000000"/>
                 </a:solidFill>
@@ -14415,7 +14385,7 @@
               <a:t>prod</a:t>
             </a:r>
             <a:r>
-              <a:rPr lang="en-US" sz="2000" b="1" dirty="0">
+              <a:rPr lang="es-419" sz="2000" b="1" noProof="0" dirty="0" smtClean="0">
                 <a:solidFill>
                   <a:srgbClr val="000080"/>
                 </a:solidFill>
@@ -14424,7 +14394,7 @@
               <a:t>();</a:t>
             </a:r>
             <a:r>
-              <a:rPr lang="en-US" sz="2000" dirty="0">
+              <a:rPr lang="es-419" sz="2000" noProof="0" dirty="0" smtClean="0">
                 <a:solidFill>
                   <a:srgbClr val="000000"/>
                 </a:solidFill>
@@ -14433,13 +14403,67 @@
               <a:t> </a:t>
             </a:r>
             <a:r>
-              <a:rPr lang="en-US" sz="2000" dirty="0">
+              <a:rPr lang="es-419" sz="2000" noProof="0" dirty="0" smtClean="0">
                 <a:solidFill>
                   <a:srgbClr val="008000"/>
                 </a:solidFill>
                 <a:latin typeface="Courier New" panose="02070309020205020404" pitchFamily="49" charset="0"/>
               </a:rPr>
-              <a:t>// product of all cells in v1 </a:t>
+              <a:t>// </a:t>
+            </a:r>
+            <a:r>
+              <a:rPr lang="es-419" sz="2000" noProof="0" dirty="0" err="1" smtClean="0">
+                <a:solidFill>
+                  <a:srgbClr val="008000"/>
+                </a:solidFill>
+                <a:latin typeface="Courier New" panose="02070309020205020404" pitchFamily="49" charset="0"/>
+              </a:rPr>
+              <a:t>product</a:t>
+            </a:r>
+            <a:r>
+              <a:rPr lang="es-419" sz="2000" noProof="0" dirty="0" smtClean="0">
+                <a:solidFill>
+                  <a:srgbClr val="008000"/>
+                </a:solidFill>
+                <a:latin typeface="Courier New" panose="02070309020205020404" pitchFamily="49" charset="0"/>
+              </a:rPr>
+              <a:t> of </a:t>
+            </a:r>
+            <a:r>
+              <a:rPr lang="es-419" sz="2000" noProof="0" dirty="0" err="1" smtClean="0">
+                <a:solidFill>
+                  <a:srgbClr val="008000"/>
+                </a:solidFill>
+                <a:latin typeface="Courier New" panose="02070309020205020404" pitchFamily="49" charset="0"/>
+              </a:rPr>
+              <a:t>all</a:t>
+            </a:r>
+            <a:r>
+              <a:rPr lang="es-419" sz="2000" noProof="0" dirty="0" smtClean="0">
+                <a:solidFill>
+                  <a:srgbClr val="008000"/>
+                </a:solidFill>
+                <a:latin typeface="Courier New" panose="02070309020205020404" pitchFamily="49" charset="0"/>
+              </a:rPr>
+              <a:t> </a:t>
+            </a:r>
+            <a:r>
+              <a:rPr lang="es-419" sz="2000" noProof="0" dirty="0" err="1" smtClean="0">
+                <a:solidFill>
+                  <a:srgbClr val="008000"/>
+                </a:solidFill>
+                <a:latin typeface="Courier New" panose="02070309020205020404" pitchFamily="49" charset="0"/>
+              </a:rPr>
+              <a:t>cells</a:t>
+            </a:r>
+            <a:r>
+              <a:rPr lang="es-419" sz="2000" noProof="0" dirty="0" smtClean="0">
+                <a:solidFill>
+                  <a:srgbClr val="008000"/>
+                </a:solidFill>
+                <a:latin typeface="Courier New" panose="02070309020205020404" pitchFamily="49" charset="0"/>
+              </a:rPr>
+              <a:t> in v1 </a:t>
             </a:r>
           </a:p>
           <a:p>
@@ -14447,7 +14471,7 @@
               <a:buNone/>
             </a:pPr>
             <a:r>
-              <a:rPr lang="en-US" sz="2000" dirty="0">
+              <a:rPr lang="es-419" sz="2000" noProof="0" dirty="0" smtClean="0">
                 <a:solidFill>
                   <a:srgbClr val="000000"/>
                 </a:solidFill>
@@ -14456,7 +14480,7 @@
               <a:t>vector</a:t>
             </a:r>
             <a:r>
-              <a:rPr lang="en-US" sz="2000" b="1" dirty="0">
+              <a:rPr lang="es-419" sz="2000" b="1" noProof="0" dirty="0" smtClean="0">
                 <a:solidFill>
                   <a:srgbClr val="000080"/>
                 </a:solidFill>
@@ -14465,7 +14489,7 @@
               <a:t>&lt;</a:t>
             </a:r>
             <a:r>
-              <a:rPr lang="en-US" sz="2000" dirty="0">
+              <a:rPr lang="es-419" sz="2000" noProof="0" dirty="0" err="1" smtClean="0">
                 <a:solidFill>
                   <a:srgbClr val="000000"/>
                 </a:solidFill>
@@ -14474,7 +14498,7 @@
               <a:t>Type</a:t>
             </a:r>
             <a:r>
-              <a:rPr lang="en-US" sz="2000" b="1" dirty="0">
+              <a:rPr lang="es-419" sz="2000" b="1" noProof="0" dirty="0" smtClean="0">
                 <a:solidFill>
                   <a:srgbClr val="000080"/>
                 </a:solidFill>
@@ -14483,7 +14507,7 @@
               <a:t>&gt;</a:t>
             </a:r>
             <a:r>
-              <a:rPr lang="en-US" sz="2000" dirty="0">
+              <a:rPr lang="es-419" sz="2000" noProof="0" dirty="0" smtClean="0">
                 <a:solidFill>
                   <a:srgbClr val="000000"/>
                 </a:solidFill>
@@ -14492,7 +14516,7 @@
               <a:t> f </a:t>
             </a:r>
             <a:r>
-              <a:rPr lang="en-US" sz="2000" b="1" dirty="0">
+              <a:rPr lang="es-419" sz="2000" b="1" noProof="0" dirty="0" smtClean="0">
                 <a:solidFill>
                   <a:srgbClr val="000080"/>
                 </a:solidFill>
@@ -14501,7 +14525,7 @@
               <a:t>=</a:t>
             </a:r>
             <a:r>
-              <a:rPr lang="en-US" sz="2000" dirty="0">
+              <a:rPr lang="es-419" sz="2000" noProof="0" dirty="0" smtClean="0">
                 <a:solidFill>
                   <a:srgbClr val="000000"/>
                 </a:solidFill>
@@ -14510,7 +14534,7 @@
               <a:t> v1 </a:t>
             </a:r>
             <a:r>
-              <a:rPr lang="en-US" sz="2000" b="1" dirty="0">
+              <a:rPr lang="es-419" sz="2000" b="1" noProof="0" dirty="0" smtClean="0">
                 <a:solidFill>
                   <a:srgbClr val="000080"/>
                 </a:solidFill>
@@ -14519,7 +14543,7 @@
               <a:t>+</a:t>
             </a:r>
             <a:r>
-              <a:rPr lang="en-US" sz="2000" dirty="0">
+              <a:rPr lang="es-419" sz="2000" noProof="0" dirty="0" smtClean="0">
                 <a:solidFill>
                   <a:srgbClr val="000000"/>
                 </a:solidFill>
@@ -14528,7 +14552,7 @@
               <a:t> v1</a:t>
             </a:r>
             <a:r>
-              <a:rPr lang="en-US" sz="2000" b="1" dirty="0">
+              <a:rPr lang="es-419" sz="2000" b="1" noProof="0" dirty="0" smtClean="0">
                 <a:solidFill>
                   <a:srgbClr val="000080"/>
                 </a:solidFill>
@@ -14537,7 +14561,7 @@
               <a:t>;</a:t>
             </a:r>
             <a:r>
-              <a:rPr lang="en-US" sz="2000" dirty="0">
+              <a:rPr lang="es-419" sz="2000" noProof="0" dirty="0" smtClean="0">
                 <a:solidFill>
                   <a:srgbClr val="000000"/>
                 </a:solidFill>
@@ -14546,13 +14570,49 @@
               <a:t> </a:t>
             </a:r>
             <a:r>
-              <a:rPr lang="en-US" sz="2000" dirty="0">
+              <a:rPr lang="es-419" sz="2000" noProof="0" dirty="0" smtClean="0">
                 <a:solidFill>
                   <a:srgbClr val="008000"/>
                 </a:solidFill>
                 <a:latin typeface="Courier New" panose="02070309020205020404" pitchFamily="49" charset="0"/>
               </a:rPr>
-              <a:t>// elementwise addition </a:t>
+              <a:t>// </a:t>
+            </a:r>
+            <a:r>
+              <a:rPr lang="es-419" sz="2000" noProof="0" dirty="0" err="1" smtClean="0">
+                <a:solidFill>
+                  <a:srgbClr val="008000"/>
+                </a:solidFill>
+                <a:latin typeface="Courier New" panose="02070309020205020404" pitchFamily="49" charset="0"/>
+              </a:rPr>
+              <a:t>elementwise</a:t>
+            </a:r>
+            <a:r>
+              <a:rPr lang="es-419" sz="2000" noProof="0" dirty="0" smtClean="0">
+                <a:solidFill>
+                  <a:srgbClr val="008000"/>
+                </a:solidFill>
+                <a:latin typeface="Courier New" panose="02070309020205020404" pitchFamily="49" charset="0"/>
+              </a:rPr>
+              <a:t> </a:t>
+            </a:r>
+            <a:r>
+              <a:rPr lang="es-419" sz="2000" noProof="0" dirty="0" err="1" smtClean="0">
+                <a:solidFill>
+                  <a:srgbClr val="008000"/>
+                </a:solidFill>
+                <a:latin typeface="Courier New" panose="02070309020205020404" pitchFamily="49" charset="0"/>
+              </a:rPr>
+              <a:t>addition</a:t>
+            </a:r>
+            <a:r>
+              <a:rPr lang="es-419" sz="2000" noProof="0" dirty="0" smtClean="0">
+                <a:solidFill>
+                  <a:srgbClr val="008000"/>
+                </a:solidFill>
+                <a:latin typeface="Courier New" panose="02070309020205020404" pitchFamily="49" charset="0"/>
+              </a:rPr>
+              <a:t> </a:t>
             </a:r>
           </a:p>
           <a:p>
@@ -14560,16 +14620,25 @@
               <a:buNone/>
             </a:pPr>
             <a:r>
-              <a:rPr lang="en-US" sz="2000" dirty="0">
+              <a:rPr lang="es-419" sz="2000" noProof="0" dirty="0" err="1" smtClean="0">
                 <a:solidFill>
                   <a:srgbClr val="000000"/>
                 </a:solidFill>
                 <a:latin typeface="Courier New" panose="02070309020205020404" pitchFamily="49" charset="0"/>
               </a:rPr>
-              <a:t>Type g </a:t>
-            </a:r>
-            <a:r>
-              <a:rPr lang="en-US" sz="2000" b="1" dirty="0">
+              <a:t>Type</a:t>
+            </a:r>
+            <a:r>
+              <a:rPr lang="es-419" sz="2000" noProof="0" dirty="0" smtClean="0">
+                <a:solidFill>
+                  <a:srgbClr val="000000"/>
+                </a:solidFill>
+                <a:latin typeface="Courier New" panose="02070309020205020404" pitchFamily="49" charset="0"/>
+              </a:rPr>
+              <a:t> g </a:t>
+            </a:r>
+            <a:r>
+              <a:rPr lang="es-419" sz="2000" b="1" noProof="0" dirty="0" smtClean="0">
                 <a:solidFill>
                   <a:srgbClr val="000080"/>
                 </a:solidFill>
@@ -14578,7 +14647,7 @@
               <a:t>=</a:t>
             </a:r>
             <a:r>
-              <a:rPr lang="en-US" sz="2000" dirty="0">
+              <a:rPr lang="es-419" sz="2000" noProof="0" dirty="0" smtClean="0">
                 <a:solidFill>
                   <a:srgbClr val="000000"/>
                 </a:solidFill>
@@ -14587,7 +14656,7 @@
               <a:t> </a:t>
             </a:r>
             <a:r>
-              <a:rPr lang="en-US" sz="2000" b="1" dirty="0">
+              <a:rPr lang="es-419" sz="2000" b="1" noProof="0" dirty="0" smtClean="0">
                 <a:solidFill>
                   <a:srgbClr val="000080"/>
                 </a:solidFill>
@@ -14596,7 +14665,7 @@
               <a:t>(</a:t>
             </a:r>
             <a:r>
-              <a:rPr lang="en-US" sz="2000" dirty="0">
+              <a:rPr lang="es-419" sz="2000" noProof="0" dirty="0" smtClean="0">
                 <a:solidFill>
                   <a:srgbClr val="000000"/>
                 </a:solidFill>
@@ -14605,7 +14674,7 @@
               <a:t>v1</a:t>
             </a:r>
             <a:r>
-              <a:rPr lang="en-US" sz="2000" b="1" dirty="0">
+              <a:rPr lang="es-419" sz="2000" b="1" noProof="0" dirty="0" smtClean="0">
                 <a:solidFill>
                   <a:srgbClr val="000080"/>
                 </a:solidFill>
@@ -14614,7 +14683,7 @@
               <a:t>*</a:t>
             </a:r>
             <a:r>
-              <a:rPr lang="en-US" sz="2000" dirty="0">
+              <a:rPr lang="es-419" sz="2000" noProof="0" dirty="0" smtClean="0">
                 <a:solidFill>
                   <a:srgbClr val="000000"/>
                 </a:solidFill>
@@ -14623,7 +14692,7 @@
               <a:t>v1</a:t>
             </a:r>
             <a:r>
-              <a:rPr lang="en-US" sz="2000" b="1" dirty="0">
+              <a:rPr lang="es-419" sz="2000" b="1" noProof="0" dirty="0" smtClean="0">
                 <a:solidFill>
                   <a:srgbClr val="000080"/>
                 </a:solidFill>
@@ -14632,7 +14701,7 @@
               <a:t>).</a:t>
             </a:r>
             <a:r>
-              <a:rPr lang="en-US" sz="2000" dirty="0">
+              <a:rPr lang="es-419" sz="2000" noProof="0" dirty="0" smtClean="0">
                 <a:solidFill>
                   <a:srgbClr val="000000"/>
                 </a:solidFill>
@@ -14641,7 +14710,7 @@
               <a:t>sum</a:t>
             </a:r>
             <a:r>
-              <a:rPr lang="en-US" sz="2000" b="1" dirty="0">
+              <a:rPr lang="es-419" sz="2000" b="1" noProof="0" dirty="0" smtClean="0">
                 <a:solidFill>
                   <a:srgbClr val="000080"/>
                 </a:solidFill>
@@ -14650,7 +14719,7 @@
               <a:t>();</a:t>
             </a:r>
             <a:r>
-              <a:rPr lang="en-US" sz="2000" dirty="0">
+              <a:rPr lang="es-419" sz="2000" noProof="0" dirty="0" smtClean="0">
                 <a:solidFill>
                   <a:srgbClr val="000000"/>
                 </a:solidFill>
@@ -14659,13 +14728,49 @@
               <a:t> </a:t>
             </a:r>
             <a:r>
-              <a:rPr lang="en-US" sz="2000" dirty="0">
+              <a:rPr lang="es-419" sz="2000" noProof="0" dirty="0" smtClean="0">
                 <a:solidFill>
                   <a:srgbClr val="008000"/>
                 </a:solidFill>
                 <a:latin typeface="Courier New" panose="02070309020205020404" pitchFamily="49" charset="0"/>
               </a:rPr>
-              <a:t>// inner product </a:t>
+              <a:t>// </a:t>
+            </a:r>
+            <a:r>
+              <a:rPr lang="es-419" sz="2000" noProof="0" dirty="0" err="1" smtClean="0">
+                <a:solidFill>
+                  <a:srgbClr val="008000"/>
+                </a:solidFill>
+                <a:latin typeface="Courier New" panose="02070309020205020404" pitchFamily="49" charset="0"/>
+              </a:rPr>
+              <a:t>inner</a:t>
+            </a:r>
+            <a:r>
+              <a:rPr lang="es-419" sz="2000" noProof="0" dirty="0" smtClean="0">
+                <a:solidFill>
+                  <a:srgbClr val="008000"/>
+                </a:solidFill>
+                <a:latin typeface="Courier New" panose="02070309020205020404" pitchFamily="49" charset="0"/>
+              </a:rPr>
+              <a:t> </a:t>
+            </a:r>
+            <a:r>
+              <a:rPr lang="es-419" sz="2000" noProof="0" dirty="0" err="1" smtClean="0">
+                <a:solidFill>
+                  <a:srgbClr val="008000"/>
+                </a:solidFill>
+                <a:latin typeface="Courier New" panose="02070309020205020404" pitchFamily="49" charset="0"/>
+              </a:rPr>
+              <a:t>product</a:t>
+            </a:r>
+            <a:r>
+              <a:rPr lang="es-419" sz="2000" noProof="0" dirty="0" smtClean="0">
+                <a:solidFill>
+                  <a:srgbClr val="008000"/>
+                </a:solidFill>
+                <a:latin typeface="Courier New" panose="02070309020205020404" pitchFamily="49" charset="0"/>
+              </a:rPr>
+              <a:t> </a:t>
             </a:r>
           </a:p>
           <a:p>
@@ -14673,7 +14778,7 @@
               <a:buNone/>
             </a:pPr>
             <a:r>
-              <a:rPr lang="en-US" sz="2000" dirty="0">
+              <a:rPr lang="es-419" sz="2000" noProof="0" dirty="0" smtClean="0">
                 <a:solidFill>
                   <a:srgbClr val="000000"/>
                 </a:solidFill>
@@ -14682,7 +14787,7 @@
               <a:t>vector</a:t>
             </a:r>
             <a:r>
-              <a:rPr lang="en-US" sz="2000" b="1" dirty="0">
+              <a:rPr lang="es-419" sz="2000" b="1" noProof="0" dirty="0" smtClean="0">
                 <a:solidFill>
                   <a:srgbClr val="000080"/>
                 </a:solidFill>
@@ -14691,7 +14796,7 @@
               <a:t>&lt;</a:t>
             </a:r>
             <a:r>
-              <a:rPr lang="en-US" sz="2000" dirty="0">
+              <a:rPr lang="es-419" sz="2000" noProof="0" dirty="0" err="1" smtClean="0">
                 <a:solidFill>
                   <a:srgbClr val="000000"/>
                 </a:solidFill>
@@ -14700,7 +14805,7 @@
               <a:t>Type</a:t>
             </a:r>
             <a:r>
-              <a:rPr lang="en-US" sz="2000" b="1" dirty="0">
+              <a:rPr lang="es-419" sz="2000" b="1" noProof="0" dirty="0" smtClean="0">
                 <a:solidFill>
                   <a:srgbClr val="000080"/>
                 </a:solidFill>
@@ -14709,7 +14814,7 @@
               <a:t>&gt;</a:t>
             </a:r>
             <a:r>
-              <a:rPr lang="en-US" sz="2000" dirty="0">
+              <a:rPr lang="es-419" sz="2000" noProof="0" dirty="0" smtClean="0">
                 <a:solidFill>
                   <a:srgbClr val="000000"/>
                 </a:solidFill>
@@ -14718,7 +14823,7 @@
               <a:t> h </a:t>
             </a:r>
             <a:r>
-              <a:rPr lang="en-US" sz="2000" b="1" dirty="0">
+              <a:rPr lang="es-419" sz="2000" b="1" noProof="0" dirty="0" smtClean="0">
                 <a:solidFill>
                   <a:srgbClr val="000080"/>
                 </a:solidFill>
@@ -14727,7 +14832,7 @@
               <a:t>=</a:t>
             </a:r>
             <a:r>
-              <a:rPr lang="en-US" sz="2000" dirty="0">
+              <a:rPr lang="es-419" sz="2000" noProof="0" dirty="0" smtClean="0">
                 <a:solidFill>
                   <a:srgbClr val="000000"/>
                 </a:solidFill>
@@ -14736,7 +14841,7 @@
               <a:t> </a:t>
             </a:r>
             <a:r>
-              <a:rPr lang="en-US" sz="2000" dirty="0" err="1">
+              <a:rPr lang="es-419" sz="2000" noProof="0" dirty="0" err="1" smtClean="0">
                 <a:solidFill>
                   <a:srgbClr val="000000"/>
                 </a:solidFill>
@@ -14745,7 +14850,7 @@
               <a:t>exp</a:t>
             </a:r>
             <a:r>
-              <a:rPr lang="en-US" sz="2000" b="1" dirty="0">
+              <a:rPr lang="es-419" sz="2000" b="1" noProof="0" dirty="0" smtClean="0">
                 <a:solidFill>
                   <a:srgbClr val="000080"/>
                 </a:solidFill>
@@ -14754,7 +14859,7 @@
               <a:t>(</a:t>
             </a:r>
             <a:r>
-              <a:rPr lang="en-US" sz="2000" dirty="0">
+              <a:rPr lang="es-419" sz="2000" noProof="0" dirty="0" smtClean="0">
                 <a:solidFill>
                   <a:srgbClr val="000000"/>
                 </a:solidFill>
@@ -14763,7 +14868,7 @@
               <a:t>v1</a:t>
             </a:r>
             <a:r>
-              <a:rPr lang="en-US" sz="2000" b="1" dirty="0">
+              <a:rPr lang="es-419" sz="2000" b="1" noProof="0" dirty="0" smtClean="0">
                 <a:solidFill>
                   <a:srgbClr val="000080"/>
                 </a:solidFill>
@@ -14772,7 +14877,7 @@
               <a:t>);</a:t>
             </a:r>
             <a:r>
-              <a:rPr lang="en-US" sz="2000" dirty="0">
+              <a:rPr lang="es-419" sz="2000" noProof="0" dirty="0" smtClean="0">
                 <a:solidFill>
                   <a:srgbClr val="000000"/>
                 </a:solidFill>
@@ -14781,7 +14886,7 @@
               <a:t> </a:t>
             </a:r>
             <a:r>
-              <a:rPr lang="en-US" sz="2000" dirty="0">
+              <a:rPr lang="es-419" sz="2000" noProof="0" dirty="0" smtClean="0">
                 <a:solidFill>
                   <a:srgbClr val="008000"/>
                 </a:solidFill>
@@ -14790,7 +14895,7 @@
               <a:t>// </a:t>
             </a:r>
             <a:r>
-              <a:rPr lang="en-US" sz="2000" dirty="0" err="1">
+              <a:rPr lang="es-419" sz="2000" noProof="0" dirty="0" err="1" smtClean="0">
                 <a:solidFill>
                   <a:srgbClr val="008000"/>
                 </a:solidFill>
@@ -14799,15 +14904,33 @@
               <a:t>exp</a:t>
             </a:r>
             <a:r>
-              <a:rPr lang="en-US" sz="2000" dirty="0">
+              <a:rPr lang="es-419" sz="2000" noProof="0" dirty="0" smtClean="0">
                 <a:solidFill>
                   <a:srgbClr val="008000"/>
                 </a:solidFill>
                 <a:latin typeface="Courier New" panose="02070309020205020404" pitchFamily="49" charset="0"/>
               </a:rPr>
-              <a:t> of v1 (also log) </a:t>
-            </a:r>
-            <a:endParaRPr lang="en-US" sz="2000" dirty="0"/>
+              <a:t> of v1 (</a:t>
+            </a:r>
+            <a:r>
+              <a:rPr lang="es-419" sz="2000" noProof="0" dirty="0" err="1" smtClean="0">
+                <a:solidFill>
+                  <a:srgbClr val="008000"/>
+                </a:solidFill>
+                <a:latin typeface="Courier New" panose="02070309020205020404" pitchFamily="49" charset="0"/>
+              </a:rPr>
+              <a:t>also</a:t>
+            </a:r>
+            <a:r>
+              <a:rPr lang="es-419" sz="2000" noProof="0" dirty="0" smtClean="0">
+                <a:solidFill>
+                  <a:srgbClr val="008000"/>
+                </a:solidFill>
+                <a:latin typeface="Courier New" panose="02070309020205020404" pitchFamily="49" charset="0"/>
+              </a:rPr>
+              <a:t> log) </a:t>
+            </a:r>
+            <a:endParaRPr lang="es-419" sz="2000" noProof="0" dirty="0"/>
           </a:p>
         </p:txBody>
       </p:sp>
@@ -14816,7 +14939,7 @@
           <p:cNvPr id="4" name="Slide Number Placeholder 3">
             <a:extLst>
               <a:ext uri="{FF2B5EF4-FFF2-40B4-BE49-F238E27FC236}">
-                <a16:creationId xmlns:a16="http://schemas.microsoft.com/office/drawing/2014/main" id="{0E3BC761-1C97-415A-834F-DB0D202E7DA8}"/>
+                <a16:creationId xmlns:a16="http://schemas.microsoft.com/office/drawing/2014/main" xmlns="" id="{0E3BC761-1C97-415A-834F-DB0D202E7DA8}"/>
               </a:ext>
             </a:extLst>
           </p:cNvPr>
@@ -14845,7 +14968,7 @@
           <p:cNvPr id="5" name="Rectangle 4">
             <a:extLst>
               <a:ext uri="{FF2B5EF4-FFF2-40B4-BE49-F238E27FC236}">
-                <a16:creationId xmlns:a16="http://schemas.microsoft.com/office/drawing/2014/main" id="{0F9C4304-51AA-47A0-9278-543E04377F4A}"/>
+                <a16:creationId xmlns:a16="http://schemas.microsoft.com/office/drawing/2014/main" xmlns="" id="{0F9C4304-51AA-47A0-9278-543E04377F4A}"/>
               </a:ext>
             </a:extLst>
           </p:cNvPr>
@@ -14882,7 +15005,7 @@
           <p:cNvPr id="6" name="Title 1">
             <a:extLst>
               <a:ext uri="{FF2B5EF4-FFF2-40B4-BE49-F238E27FC236}">
-                <a16:creationId xmlns:a16="http://schemas.microsoft.com/office/drawing/2014/main" id="{20BB71A8-4BCE-40C5-80EA-D7E2397AAB31}"/>
+                <a16:creationId xmlns:a16="http://schemas.microsoft.com/office/drawing/2014/main" xmlns="" id="{20BB71A8-4BCE-40C5-80EA-D7E2397AAB31}"/>
               </a:ext>
             </a:extLst>
           </p:cNvPr>
@@ -14978,7 +15101,7 @@
           <p:cNvPr id="3" name="Content Placeholder 2">
             <a:extLst>
               <a:ext uri="{FF2B5EF4-FFF2-40B4-BE49-F238E27FC236}">
-                <a16:creationId xmlns:a16="http://schemas.microsoft.com/office/drawing/2014/main" id="{BEFE63AA-2FCE-4092-916A-23E9294069B2}"/>
+                <a16:creationId xmlns:a16="http://schemas.microsoft.com/office/drawing/2014/main" xmlns="" id="{BEFE63AA-2FCE-4092-916A-23E9294069B2}"/>
               </a:ext>
             </a:extLst>
           </p:cNvPr>
@@ -15002,28 +15125,16 @@
           <a:lstStyle/>
           <a:p>
             <a:r>
-              <a:rPr lang="en-US" dirty="0" err="1"/>
-              <a:t>Ciclos</a:t>
-            </a:r>
-            <a:r>
-              <a:rPr lang="en-US" dirty="0"/>
-              <a:t> “For” son </a:t>
-            </a:r>
-            <a:r>
-              <a:rPr lang="en-US" dirty="0" err="1"/>
-              <a:t>usados</a:t>
-            </a:r>
-            <a:r>
-              <a:rPr lang="en-US" dirty="0"/>
-              <a:t> con </a:t>
-            </a:r>
-            <a:r>
-              <a:rPr lang="en-US" dirty="0" err="1"/>
-              <a:t>frecuencia</a:t>
-            </a:r>
-            <a:r>
-              <a:rPr lang="en-US" dirty="0"/>
-              <a:t>:</a:t>
+              <a:rPr lang="es-419" noProof="0" dirty="0" smtClean="0"/>
+              <a:t>Ciclos “</a:t>
+            </a:r>
+            <a:r>
+              <a:rPr lang="es-419" noProof="0" dirty="0" err="1" smtClean="0"/>
+              <a:t>For</a:t>
+            </a:r>
+            <a:r>
+              <a:rPr lang="es-419" noProof="0" dirty="0" smtClean="0"/>
+              <a:t>” son usados con frecuencia:</a:t>
             </a:r>
           </a:p>
           <a:p>
@@ -15031,7 +15142,7 @@
               <a:buNone/>
             </a:pPr>
             <a:r>
-              <a:rPr lang="nn-NO" sz="2000" b="1" dirty="0">
+              <a:rPr lang="es-419" sz="2000" b="1" noProof="0" dirty="0" err="1" smtClean="0">
                 <a:solidFill>
                   <a:srgbClr val="0000FF"/>
                 </a:solidFill>
@@ -15040,7 +15151,7 @@
               <a:t>for</a:t>
             </a:r>
             <a:r>
-              <a:rPr lang="nn-NO" sz="2000" b="1" dirty="0">
+              <a:rPr lang="es-419" sz="2000" b="1" noProof="0" dirty="0" smtClean="0">
                 <a:solidFill>
                   <a:srgbClr val="000080"/>
                 </a:solidFill>
@@ -15049,7 +15160,7 @@
               <a:t>(</a:t>
             </a:r>
             <a:r>
-              <a:rPr lang="nn-NO" sz="2000" dirty="0">
+              <a:rPr lang="es-419" sz="2000" noProof="0" dirty="0" err="1" smtClean="0">
                 <a:solidFill>
                   <a:srgbClr val="8000FF"/>
                 </a:solidFill>
@@ -15058,7 +15169,7 @@
               <a:t>int</a:t>
             </a:r>
             <a:r>
-              <a:rPr lang="nn-NO" sz="2000" dirty="0">
+              <a:rPr lang="es-419" sz="2000" noProof="0" dirty="0" smtClean="0">
                 <a:solidFill>
                   <a:srgbClr val="000000"/>
                 </a:solidFill>
@@ -15067,7 +15178,7 @@
               <a:t> i</a:t>
             </a:r>
             <a:r>
-              <a:rPr lang="nn-NO" sz="2000" b="1" dirty="0">
+              <a:rPr lang="es-419" sz="2000" b="1" noProof="0" dirty="0" smtClean="0">
                 <a:solidFill>
                   <a:srgbClr val="000080"/>
                 </a:solidFill>
@@ -15076,7 +15187,7 @@
               <a:t>=</a:t>
             </a:r>
             <a:r>
-              <a:rPr lang="nn-NO" sz="2000" dirty="0">
+              <a:rPr lang="es-419" sz="2000" noProof="0" dirty="0" smtClean="0">
                 <a:solidFill>
                   <a:srgbClr val="FF8000"/>
                 </a:solidFill>
@@ -15085,7 +15196,7 @@
               <a:t>0</a:t>
             </a:r>
             <a:r>
-              <a:rPr lang="nn-NO" sz="2000" b="1" dirty="0">
+              <a:rPr lang="es-419" sz="2000" b="1" noProof="0" dirty="0" smtClean="0">
                 <a:solidFill>
                   <a:srgbClr val="000080"/>
                 </a:solidFill>
@@ -15094,7 +15205,7 @@
               <a:t>;</a:t>
             </a:r>
             <a:r>
-              <a:rPr lang="nn-NO" sz="2000" dirty="0">
+              <a:rPr lang="es-419" sz="2000" noProof="0" dirty="0" smtClean="0">
                 <a:solidFill>
                   <a:srgbClr val="000000"/>
                 </a:solidFill>
@@ -15103,7 +15214,7 @@
               <a:t> i</a:t>
             </a:r>
             <a:r>
-              <a:rPr lang="nn-NO" sz="2000" b="1" dirty="0">
+              <a:rPr lang="es-419" sz="2000" b="1" noProof="0" dirty="0" smtClean="0">
                 <a:solidFill>
                   <a:srgbClr val="000080"/>
                 </a:solidFill>
@@ -15112,7 +15223,7 @@
               <a:t>&lt;</a:t>
             </a:r>
             <a:r>
-              <a:rPr lang="nn-NO" sz="2000" dirty="0">
+              <a:rPr lang="es-419" sz="2000" noProof="0" dirty="0" smtClean="0">
                 <a:solidFill>
                   <a:srgbClr val="000000"/>
                 </a:solidFill>
@@ -15121,7 +15232,7 @@
               <a:t>N</a:t>
             </a:r>
             <a:r>
-              <a:rPr lang="nn-NO" sz="2000" b="1" dirty="0">
+              <a:rPr lang="es-419" sz="2000" b="1" noProof="0" dirty="0" smtClean="0">
                 <a:solidFill>
                   <a:srgbClr val="000080"/>
                 </a:solidFill>
@@ -15130,7 +15241,7 @@
               <a:t>;</a:t>
             </a:r>
             <a:r>
-              <a:rPr lang="nn-NO" sz="2000" dirty="0">
+              <a:rPr lang="es-419" sz="2000" noProof="0" dirty="0" smtClean="0">
                 <a:solidFill>
                   <a:srgbClr val="000000"/>
                 </a:solidFill>
@@ -15139,7 +15250,7 @@
               <a:t> i</a:t>
             </a:r>
             <a:r>
-              <a:rPr lang="nn-NO" sz="2000" b="1" dirty="0">
+              <a:rPr lang="es-419" sz="2000" b="1" noProof="0" dirty="0" smtClean="0">
                 <a:solidFill>
                   <a:srgbClr val="000080"/>
                 </a:solidFill>
@@ -15148,7 +15259,7 @@
               <a:t>++){</a:t>
             </a:r>
             <a:r>
-              <a:rPr lang="nn-NO" sz="2000" dirty="0">
+              <a:rPr lang="es-419" sz="2000" noProof="0" dirty="0" smtClean="0">
                 <a:solidFill>
                   <a:srgbClr val="000000"/>
                 </a:solidFill>
@@ -15162,16 +15273,25 @@
               <a:buNone/>
             </a:pPr>
             <a:r>
-              <a:rPr lang="nn-NO" sz="2000" dirty="0">
+              <a:rPr lang="es-419" sz="2000" noProof="0" dirty="0" smtClean="0">
                 <a:solidFill>
                   <a:srgbClr val="000000"/>
                 </a:solidFill>
                 <a:latin typeface="Courier New" panose="02070309020205020404" pitchFamily="49" charset="0"/>
               </a:rPr>
-              <a:t>  pred</a:t>
-            </a:r>
-            <a:r>
-              <a:rPr lang="nn-NO" sz="2000" b="1" dirty="0">
+              <a:t>  </a:t>
+            </a:r>
+            <a:r>
+              <a:rPr lang="es-419" sz="2000" noProof="0" dirty="0" err="1" smtClean="0">
+                <a:solidFill>
+                  <a:srgbClr val="000000"/>
+                </a:solidFill>
+                <a:latin typeface="Courier New" panose="02070309020205020404" pitchFamily="49" charset="0"/>
+              </a:rPr>
+              <a:t>pred</a:t>
+            </a:r>
+            <a:r>
+              <a:rPr lang="es-419" sz="2000" b="1" noProof="0" dirty="0" smtClean="0">
                 <a:solidFill>
                   <a:srgbClr val="000080"/>
                 </a:solidFill>
@@ -15180,7 +15300,7 @@
               <a:t>(</a:t>
             </a:r>
             <a:r>
-              <a:rPr lang="nn-NO" sz="2000" dirty="0">
+              <a:rPr lang="es-419" sz="2000" noProof="0" dirty="0" smtClean="0">
                 <a:solidFill>
                   <a:srgbClr val="000000"/>
                 </a:solidFill>
@@ -15189,7 +15309,7 @@
               <a:t>i</a:t>
             </a:r>
             <a:r>
-              <a:rPr lang="nn-NO" sz="2000" b="1" dirty="0">
+              <a:rPr lang="es-419" sz="2000" b="1" noProof="0" dirty="0" smtClean="0">
                 <a:solidFill>
                   <a:srgbClr val="000080"/>
                 </a:solidFill>
@@ -15198,7 +15318,7 @@
               <a:t>)=</a:t>
             </a:r>
             <a:r>
-              <a:rPr lang="nn-NO" sz="2000" dirty="0">
+              <a:rPr lang="es-419" sz="2000" noProof="0" dirty="0" err="1" smtClean="0">
                 <a:solidFill>
                   <a:srgbClr val="000000"/>
                 </a:solidFill>
@@ -15207,7 +15327,7 @@
               <a:t>logA</a:t>
             </a:r>
             <a:r>
-              <a:rPr lang="nn-NO" sz="2000" b="1" dirty="0">
+              <a:rPr lang="es-419" sz="2000" b="1" noProof="0" dirty="0" err="1" smtClean="0">
                 <a:solidFill>
                   <a:srgbClr val="000080"/>
                 </a:solidFill>
@@ -15216,7 +15336,7 @@
               <a:t>+</a:t>
             </a:r>
             <a:r>
-              <a:rPr lang="nn-NO" sz="2000" dirty="0">
+              <a:rPr lang="es-419" sz="2000" noProof="0" dirty="0" err="1" smtClean="0">
                 <a:solidFill>
                   <a:srgbClr val="000000"/>
                 </a:solidFill>
@@ -15225,7 +15345,7 @@
               <a:t>log</a:t>
             </a:r>
             <a:r>
-              <a:rPr lang="nn-NO" sz="2000" b="1" dirty="0">
+              <a:rPr lang="es-419" sz="2000" b="1" noProof="0" dirty="0" smtClean="0">
                 <a:solidFill>
                   <a:srgbClr val="000080"/>
                 </a:solidFill>
@@ -15234,7 +15354,7 @@
               <a:t>(</a:t>
             </a:r>
             <a:r>
-              <a:rPr lang="nn-NO" sz="2000" dirty="0">
+              <a:rPr lang="es-419" sz="2000" noProof="0" dirty="0" smtClean="0">
                 <a:solidFill>
                   <a:srgbClr val="000000"/>
                 </a:solidFill>
@@ -15243,7 +15363,7 @@
               <a:t>SSB</a:t>
             </a:r>
             <a:r>
-              <a:rPr lang="nn-NO" sz="2000" b="1" dirty="0">
+              <a:rPr lang="es-419" sz="2000" b="1" noProof="0" dirty="0" smtClean="0">
                 <a:solidFill>
                   <a:srgbClr val="000080"/>
                 </a:solidFill>
@@ -15252,7 +15372,7 @@
               <a:t>(</a:t>
             </a:r>
             <a:r>
-              <a:rPr lang="nn-NO" sz="2000" dirty="0">
+              <a:rPr lang="es-419" sz="2000" noProof="0" dirty="0" smtClean="0">
                 <a:solidFill>
                   <a:srgbClr val="000000"/>
                 </a:solidFill>
@@ -15261,7 +15381,7 @@
               <a:t>i</a:t>
             </a:r>
             <a:r>
-              <a:rPr lang="nn-NO" sz="2000" b="1" dirty="0">
+              <a:rPr lang="es-419" sz="2000" b="1" noProof="0" dirty="0" smtClean="0">
                 <a:solidFill>
                   <a:srgbClr val="000080"/>
                 </a:solidFill>
@@ -15270,7 +15390,7 @@
               <a:t>))-</a:t>
             </a:r>
             <a:r>
-              <a:rPr lang="nn-NO" sz="2000" dirty="0">
+              <a:rPr lang="es-419" sz="2000" noProof="0" dirty="0" smtClean="0">
                 <a:solidFill>
                   <a:srgbClr val="000000"/>
                 </a:solidFill>
@@ -15279,7 +15399,7 @@
               <a:t>log</a:t>
             </a:r>
             <a:r>
-              <a:rPr lang="nn-NO" sz="2000" b="1" dirty="0">
+              <a:rPr lang="es-419" sz="2000" b="1" noProof="0" dirty="0" smtClean="0">
                 <a:solidFill>
                   <a:srgbClr val="000080"/>
                 </a:solidFill>
@@ -15288,7 +15408,7 @@
               <a:t>(</a:t>
             </a:r>
             <a:r>
-              <a:rPr lang="nn-NO" sz="2000" dirty="0">
+              <a:rPr lang="es-419" sz="2000" noProof="0" dirty="0" err="1" smtClean="0">
                 <a:solidFill>
                   <a:srgbClr val="000000"/>
                 </a:solidFill>
@@ -15297,7 +15417,7 @@
               <a:t>Type</a:t>
             </a:r>
             <a:r>
-              <a:rPr lang="nn-NO" sz="2000" b="1" dirty="0">
+              <a:rPr lang="es-419" sz="2000" b="1" noProof="0" dirty="0" smtClean="0">
                 <a:solidFill>
                   <a:srgbClr val="000080"/>
                 </a:solidFill>
@@ -15306,7 +15426,7 @@
               <a:t>(</a:t>
             </a:r>
             <a:r>
-              <a:rPr lang="nn-NO" sz="2000" dirty="0">
+              <a:rPr lang="es-419" sz="2000" noProof="0" dirty="0" smtClean="0">
                 <a:solidFill>
                   <a:srgbClr val="FF8000"/>
                 </a:solidFill>
@@ -15315,7 +15435,7 @@
               <a:t>1</a:t>
             </a:r>
             <a:r>
-              <a:rPr lang="nn-NO" sz="2000" b="1" dirty="0">
+              <a:rPr lang="es-419" sz="2000" b="1" noProof="0" dirty="0" smtClean="0">
                 <a:solidFill>
                   <a:srgbClr val="000080"/>
                 </a:solidFill>
@@ -15324,7 +15444,7 @@
               <a:t>)+</a:t>
             </a:r>
             <a:r>
-              <a:rPr lang="nn-NO" sz="2000" dirty="0">
+              <a:rPr lang="es-419" sz="2000" noProof="0" dirty="0" smtClean="0">
                 <a:solidFill>
                   <a:srgbClr val="000000"/>
                 </a:solidFill>
@@ -15333,7 +15453,7 @@
               <a:t>B</a:t>
             </a:r>
             <a:r>
-              <a:rPr lang="nn-NO" sz="2000" b="1" dirty="0">
+              <a:rPr lang="es-419" sz="2000" b="1" noProof="0" dirty="0" smtClean="0">
                 <a:solidFill>
                   <a:srgbClr val="000080"/>
                 </a:solidFill>
@@ -15342,7 +15462,7 @@
               <a:t>*</a:t>
             </a:r>
             <a:r>
-              <a:rPr lang="nn-NO" sz="2000" dirty="0">
+              <a:rPr lang="es-419" sz="2000" noProof="0" dirty="0" smtClean="0">
                 <a:solidFill>
                   <a:srgbClr val="000000"/>
                 </a:solidFill>
@@ -15351,7 +15471,7 @@
               <a:t>SSB</a:t>
             </a:r>
             <a:r>
-              <a:rPr lang="nn-NO" sz="2000" b="1" dirty="0">
+              <a:rPr lang="es-419" sz="2000" b="1" noProof="0" dirty="0" smtClean="0">
                 <a:solidFill>
                   <a:srgbClr val="000080"/>
                 </a:solidFill>
@@ -15360,7 +15480,7 @@
               <a:t>(</a:t>
             </a:r>
             <a:r>
-              <a:rPr lang="nn-NO" sz="2000" dirty="0">
+              <a:rPr lang="es-419" sz="2000" noProof="0" dirty="0" smtClean="0">
                 <a:solidFill>
                   <a:srgbClr val="000000"/>
                 </a:solidFill>
@@ -15369,7 +15489,7 @@
               <a:t>i</a:t>
             </a:r>
             <a:r>
-              <a:rPr lang="nn-NO" sz="2000" b="1" dirty="0">
+              <a:rPr lang="es-419" sz="2000" b="1" noProof="0" dirty="0" smtClean="0">
                 <a:solidFill>
                   <a:srgbClr val="000080"/>
                 </a:solidFill>
@@ -15378,7 +15498,7 @@
               <a:t>));</a:t>
             </a:r>
             <a:r>
-              <a:rPr lang="nn-NO" sz="2000" dirty="0">
+              <a:rPr lang="es-419" sz="2000" noProof="0" dirty="0" smtClean="0">
                 <a:solidFill>
                   <a:srgbClr val="000000"/>
                 </a:solidFill>
@@ -15392,7 +15512,7 @@
               <a:buNone/>
             </a:pPr>
             <a:r>
-              <a:rPr lang="nn-NO" sz="2000" b="1" dirty="0">
+              <a:rPr lang="es-419" sz="2000" b="1" noProof="0" dirty="0" smtClean="0">
                 <a:solidFill>
                   <a:srgbClr val="000080"/>
                 </a:solidFill>
@@ -15400,7 +15520,7 @@
               </a:rPr>
               <a:t>}</a:t>
             </a:r>
-            <a:endParaRPr lang="nn-NO" sz="2000" dirty="0">
+            <a:endParaRPr lang="es-419" sz="2000" noProof="0" dirty="0" smtClean="0">
               <a:solidFill>
                 <a:srgbClr val="000000"/>
               </a:solidFill>
@@ -15409,28 +15529,8 @@
           </a:p>
           <a:p>
             <a:r>
-              <a:rPr lang="en-US" dirty="0" err="1"/>
-              <a:t>En</a:t>
-            </a:r>
-            <a:r>
-              <a:rPr lang="en-US" dirty="0"/>
-              <a:t> R </a:t>
-            </a:r>
-            <a:r>
-              <a:rPr lang="en-US" dirty="0" err="1"/>
-              <a:t>esto</a:t>
-            </a:r>
-            <a:r>
-              <a:rPr lang="en-US" dirty="0"/>
-              <a:t> </a:t>
-            </a:r>
-            <a:r>
-              <a:rPr lang="en-US" dirty="0" err="1"/>
-              <a:t>sería</a:t>
-            </a:r>
-            <a:r>
-              <a:rPr lang="en-US" dirty="0"/>
-              <a:t>:</a:t>
+              <a:rPr lang="es-419" noProof="0" dirty="0" smtClean="0"/>
+              <a:t>En R esto sería:</a:t>
             </a:r>
           </a:p>
           <a:p>
@@ -15438,7 +15538,7 @@
               <a:buNone/>
             </a:pPr>
             <a:r>
-              <a:rPr lang="nn-NO" sz="2000" b="1" dirty="0">
+              <a:rPr lang="es-419" sz="2000" b="1" noProof="0" dirty="0" err="1" smtClean="0">
                 <a:solidFill>
                   <a:srgbClr val="0000FF"/>
                 </a:solidFill>
@@ -15447,7 +15547,7 @@
               <a:t>for</a:t>
             </a:r>
             <a:r>
-              <a:rPr lang="nn-NO" sz="2000" b="1" dirty="0">
+              <a:rPr lang="es-419" sz="2000" b="1" noProof="0" dirty="0" smtClean="0">
                 <a:solidFill>
                   <a:srgbClr val="000080"/>
                 </a:solidFill>
@@ -15456,7 +15556,7 @@
               <a:t>(</a:t>
             </a:r>
             <a:r>
-              <a:rPr lang="nn-NO" sz="2000" dirty="0">
+              <a:rPr lang="es-419" sz="2000" noProof="0" dirty="0" smtClean="0">
                 <a:solidFill>
                   <a:srgbClr val="000000"/>
                 </a:solidFill>
@@ -15465,7 +15565,7 @@
               <a:t>i </a:t>
             </a:r>
             <a:r>
-              <a:rPr lang="nn-NO" sz="2000" b="1" dirty="0">
+              <a:rPr lang="es-419" sz="2000" b="1" noProof="0" dirty="0" smtClean="0">
                 <a:solidFill>
                   <a:srgbClr val="0000FF"/>
                 </a:solidFill>
@@ -15474,7 +15574,7 @@
               <a:t>in</a:t>
             </a:r>
             <a:r>
-              <a:rPr lang="nn-NO" sz="2000" dirty="0">
+              <a:rPr lang="es-419" sz="2000" noProof="0" dirty="0" smtClean="0">
                 <a:solidFill>
                   <a:srgbClr val="000000"/>
                 </a:solidFill>
@@ -15483,7 +15583,7 @@
               <a:t> </a:t>
             </a:r>
             <a:r>
-              <a:rPr lang="nn-NO" sz="2000" dirty="0">
+              <a:rPr lang="es-419" sz="2000" noProof="0" dirty="0" smtClean="0">
                 <a:solidFill>
                   <a:srgbClr val="FF8000"/>
                 </a:solidFill>
@@ -15492,7 +15592,7 @@
               <a:t>1</a:t>
             </a:r>
             <a:r>
-              <a:rPr lang="nn-NO" sz="2000" b="1" dirty="0">
+              <a:rPr lang="es-419" sz="2000" b="1" noProof="0" dirty="0" smtClean="0">
                 <a:solidFill>
                   <a:srgbClr val="000080"/>
                 </a:solidFill>
@@ -15501,7 +15601,7 @@
               <a:t>:</a:t>
             </a:r>
             <a:r>
-              <a:rPr lang="nn-NO" sz="2000" dirty="0">
+              <a:rPr lang="es-419" sz="2000" noProof="0" dirty="0" smtClean="0">
                 <a:solidFill>
                   <a:srgbClr val="000000"/>
                 </a:solidFill>
@@ -15510,7 +15610,7 @@
               <a:t>N</a:t>
             </a:r>
             <a:r>
-              <a:rPr lang="nn-NO" sz="2000" b="1" dirty="0">
+              <a:rPr lang="es-419" sz="2000" b="1" noProof="0" dirty="0" smtClean="0">
                 <a:solidFill>
                   <a:srgbClr val="000080"/>
                 </a:solidFill>
@@ -15519,7 +15619,7 @@
               <a:t>){</a:t>
             </a:r>
             <a:r>
-              <a:rPr lang="nn-NO" sz="2000" dirty="0">
+              <a:rPr lang="es-419" sz="2000" noProof="0" dirty="0" smtClean="0">
                 <a:solidFill>
                   <a:srgbClr val="000000"/>
                 </a:solidFill>
@@ -15533,16 +15633,25 @@
               <a:buNone/>
             </a:pPr>
             <a:r>
-              <a:rPr lang="nn-NO" sz="2000" dirty="0">
+              <a:rPr lang="es-419" sz="2000" noProof="0" dirty="0" smtClean="0">
                 <a:solidFill>
                   <a:srgbClr val="000000"/>
                 </a:solidFill>
                 <a:latin typeface="Courier New" panose="02070309020205020404" pitchFamily="49" charset="0"/>
               </a:rPr>
-              <a:t> pred</a:t>
-            </a:r>
-            <a:r>
-              <a:rPr lang="nn-NO" sz="2000" b="1" dirty="0">
+              <a:t> </a:t>
+            </a:r>
+            <a:r>
+              <a:rPr lang="es-419" sz="2000" noProof="0" dirty="0" err="1" smtClean="0">
+                <a:solidFill>
+                  <a:srgbClr val="000000"/>
+                </a:solidFill>
+                <a:latin typeface="Courier New" panose="02070309020205020404" pitchFamily="49" charset="0"/>
+              </a:rPr>
+              <a:t>pred</a:t>
+            </a:r>
+            <a:r>
+              <a:rPr lang="es-419" sz="2000" b="1" noProof="0" dirty="0" smtClean="0">
                 <a:solidFill>
                   <a:srgbClr val="000080"/>
                 </a:solidFill>
@@ -15551,7 +15660,7 @@
               <a:t>[</a:t>
             </a:r>
             <a:r>
-              <a:rPr lang="nn-NO" sz="2000" dirty="0">
+              <a:rPr lang="es-419" sz="2000" noProof="0" dirty="0" smtClean="0">
                 <a:solidFill>
                   <a:srgbClr val="000000"/>
                 </a:solidFill>
@@ -15560,7 +15669,7 @@
               <a:t>i</a:t>
             </a:r>
             <a:r>
-              <a:rPr lang="nn-NO" sz="2000" b="1" dirty="0">
+              <a:rPr lang="es-419" sz="2000" b="1" noProof="0" dirty="0" smtClean="0">
                 <a:solidFill>
                   <a:srgbClr val="000080"/>
                 </a:solidFill>
@@ -15569,7 +15678,7 @@
               <a:t>]=</a:t>
             </a:r>
             <a:r>
-              <a:rPr lang="nn-NO" sz="2000" dirty="0">
+              <a:rPr lang="es-419" sz="2000" noProof="0" dirty="0" err="1" smtClean="0">
                 <a:solidFill>
                   <a:srgbClr val="000000"/>
                 </a:solidFill>
@@ -15578,7 +15687,7 @@
               <a:t>logA</a:t>
             </a:r>
             <a:r>
-              <a:rPr lang="nn-NO" sz="2000" b="1" dirty="0">
+              <a:rPr lang="es-419" sz="2000" b="1" noProof="0" dirty="0" err="1" smtClean="0">
                 <a:solidFill>
                   <a:srgbClr val="000080"/>
                 </a:solidFill>
@@ -15587,7 +15696,7 @@
               <a:t>+</a:t>
             </a:r>
             <a:r>
-              <a:rPr lang="nn-NO" sz="2000" dirty="0">
+              <a:rPr lang="es-419" sz="2000" noProof="0" dirty="0" err="1" smtClean="0">
                 <a:solidFill>
                   <a:srgbClr val="8000FF"/>
                 </a:solidFill>
@@ -15596,7 +15705,7 @@
               <a:t>log</a:t>
             </a:r>
             <a:r>
-              <a:rPr lang="nn-NO" sz="2000" b="1" dirty="0">
+              <a:rPr lang="es-419" sz="2000" b="1" noProof="0" dirty="0" smtClean="0">
                 <a:solidFill>
                   <a:srgbClr val="000080"/>
                 </a:solidFill>
@@ -15605,7 +15714,7 @@
               <a:t>(</a:t>
             </a:r>
             <a:r>
-              <a:rPr lang="nn-NO" sz="2000" dirty="0">
+              <a:rPr lang="es-419" sz="2000" noProof="0" dirty="0" smtClean="0">
                 <a:solidFill>
                   <a:srgbClr val="000000"/>
                 </a:solidFill>
@@ -15614,7 +15723,7 @@
               <a:t>SSB</a:t>
             </a:r>
             <a:r>
-              <a:rPr lang="nn-NO" sz="2000" b="1" dirty="0">
+              <a:rPr lang="es-419" sz="2000" b="1" noProof="0" dirty="0" smtClean="0">
                 <a:solidFill>
                   <a:srgbClr val="000080"/>
                 </a:solidFill>
@@ -15623,7 +15732,7 @@
               <a:t>[</a:t>
             </a:r>
             <a:r>
-              <a:rPr lang="nn-NO" sz="2000" dirty="0">
+              <a:rPr lang="es-419" sz="2000" noProof="0" dirty="0" smtClean="0">
                 <a:solidFill>
                   <a:srgbClr val="000000"/>
                 </a:solidFill>
@@ -15632,7 +15741,7 @@
               <a:t>i</a:t>
             </a:r>
             <a:r>
-              <a:rPr lang="nn-NO" sz="2000" b="1" dirty="0">
+              <a:rPr lang="es-419" sz="2000" b="1" noProof="0" dirty="0" smtClean="0">
                 <a:solidFill>
                   <a:srgbClr val="000080"/>
                 </a:solidFill>
@@ -15641,7 +15750,7 @@
               <a:t>])-</a:t>
             </a:r>
             <a:r>
-              <a:rPr lang="nn-NO" sz="2000" dirty="0">
+              <a:rPr lang="es-419" sz="2000" noProof="0" dirty="0" smtClean="0">
                 <a:solidFill>
                   <a:srgbClr val="8000FF"/>
                 </a:solidFill>
@@ -15650,7 +15759,7 @@
               <a:t>log</a:t>
             </a:r>
             <a:r>
-              <a:rPr lang="nn-NO" sz="2000" b="1" dirty="0">
+              <a:rPr lang="es-419" sz="2000" b="1" noProof="0" dirty="0" smtClean="0">
                 <a:solidFill>
                   <a:srgbClr val="000080"/>
                 </a:solidFill>
@@ -15659,7 +15768,7 @@
               <a:t>(</a:t>
             </a:r>
             <a:r>
-              <a:rPr lang="nn-NO" sz="2000" dirty="0">
+              <a:rPr lang="es-419" sz="2000" noProof="0" dirty="0" smtClean="0">
                 <a:solidFill>
                   <a:srgbClr val="FF8000"/>
                 </a:solidFill>
@@ -15668,7 +15777,7 @@
               <a:t>1</a:t>
             </a:r>
             <a:r>
-              <a:rPr lang="nn-NO" sz="2000" b="1" dirty="0">
+              <a:rPr lang="es-419" sz="2000" b="1" noProof="0" dirty="0" smtClean="0">
                 <a:solidFill>
                   <a:srgbClr val="000080"/>
                 </a:solidFill>
@@ -15677,7 +15786,7 @@
               <a:t>+</a:t>
             </a:r>
             <a:r>
-              <a:rPr lang="nn-NO" sz="2000" dirty="0">
+              <a:rPr lang="es-419" sz="2000" noProof="0" dirty="0" smtClean="0">
                 <a:solidFill>
                   <a:srgbClr val="000000"/>
                 </a:solidFill>
@@ -15686,7 +15795,7 @@
               <a:t>B</a:t>
             </a:r>
             <a:r>
-              <a:rPr lang="nn-NO" sz="2000" b="1" dirty="0">
+              <a:rPr lang="es-419" sz="2000" b="1" noProof="0" dirty="0" smtClean="0">
                 <a:solidFill>
                   <a:srgbClr val="000080"/>
                 </a:solidFill>
@@ -15695,7 +15804,7 @@
               <a:t>*</a:t>
             </a:r>
             <a:r>
-              <a:rPr lang="nn-NO" sz="2000" dirty="0">
+              <a:rPr lang="es-419" sz="2000" noProof="0" dirty="0" smtClean="0">
                 <a:solidFill>
                   <a:srgbClr val="000000"/>
                 </a:solidFill>
@@ -15704,7 +15813,7 @@
               <a:t>SSB</a:t>
             </a:r>
             <a:r>
-              <a:rPr lang="nn-NO" sz="2000" b="1" dirty="0">
+              <a:rPr lang="es-419" sz="2000" b="1" noProof="0" dirty="0" smtClean="0">
                 <a:solidFill>
                   <a:srgbClr val="000080"/>
                 </a:solidFill>
@@ -15713,7 +15822,7 @@
               <a:t>[</a:t>
             </a:r>
             <a:r>
-              <a:rPr lang="nn-NO" sz="2000" dirty="0">
+              <a:rPr lang="es-419" sz="2000" noProof="0" dirty="0" smtClean="0">
                 <a:solidFill>
                   <a:srgbClr val="000000"/>
                 </a:solidFill>
@@ -15722,7 +15831,7 @@
               <a:t>i</a:t>
             </a:r>
             <a:r>
-              <a:rPr lang="nn-NO" sz="2000" b="1" dirty="0">
+              <a:rPr lang="es-419" sz="2000" b="1" noProof="0" dirty="0" smtClean="0">
                 <a:solidFill>
                   <a:srgbClr val="000080"/>
                 </a:solidFill>
@@ -15731,7 +15840,7 @@
               <a:t>])</a:t>
             </a:r>
             <a:r>
-              <a:rPr lang="nn-NO" sz="2000" dirty="0">
+              <a:rPr lang="es-419" sz="2000" noProof="0" dirty="0" smtClean="0">
                 <a:solidFill>
                   <a:srgbClr val="000000"/>
                 </a:solidFill>
@@ -15745,7 +15854,7 @@
               <a:buNone/>
             </a:pPr>
             <a:r>
-              <a:rPr lang="nn-NO" sz="2000" b="1" dirty="0">
+              <a:rPr lang="es-419" sz="2000" b="1" noProof="0" dirty="0" smtClean="0">
                 <a:solidFill>
                   <a:srgbClr val="000080"/>
                 </a:solidFill>
@@ -15753,84 +15862,36 @@
               </a:rPr>
               <a:t>}</a:t>
             </a:r>
-            <a:endParaRPr lang="nn-NO" sz="2000" dirty="0"/>
-          </a:p>
-          <a:p>
-            <a:r>
-              <a:rPr lang="en-US" dirty="0"/>
-              <a:t>Los </a:t>
-            </a:r>
-            <a:r>
-              <a:rPr lang="en-US" dirty="0" err="1"/>
-              <a:t>ciclos</a:t>
-            </a:r>
-            <a:r>
-              <a:rPr lang="en-US" dirty="0"/>
-              <a:t> con </a:t>
-            </a:r>
-            <a:r>
-              <a:rPr lang="en-US" dirty="0" err="1"/>
-              <a:t>rápidos</a:t>
-            </a:r>
-            <a:r>
-              <a:rPr lang="en-US" dirty="0"/>
-              <a:t> </a:t>
-            </a:r>
-            <a:r>
-              <a:rPr lang="en-US" dirty="0" err="1"/>
-              <a:t>en</a:t>
-            </a:r>
-            <a:r>
-              <a:rPr lang="en-US" dirty="0"/>
-              <a:t> TMB, </a:t>
-            </a:r>
-            <a:r>
-              <a:rPr lang="en-US" dirty="0" err="1"/>
-              <a:t>pero</a:t>
-            </a:r>
-            <a:r>
-              <a:rPr lang="en-US" dirty="0"/>
-              <a:t> </a:t>
-            </a:r>
-            <a:r>
-              <a:rPr lang="en-US" dirty="0" err="1"/>
+            <a:endParaRPr lang="es-419" sz="2000" noProof="0" dirty="0" smtClean="0"/>
+          </a:p>
+          <a:p>
+            <a:r>
+              <a:rPr lang="es-419" noProof="0" dirty="0" smtClean="0"/>
+              <a:t>Los ciclos con rápidos en TMB, pero </a:t>
+            </a:r>
+            <a:r>
+              <a:rPr lang="es-419" noProof="0" dirty="0" err="1" smtClean="0"/>
               <a:t>vectorice</a:t>
             </a:r>
             <a:r>
-              <a:rPr lang="en-US" dirty="0"/>
-              <a:t> para </a:t>
-            </a:r>
-            <a:r>
-              <a:rPr lang="en-US" dirty="0" err="1"/>
-              <a:t>facilitar</a:t>
-            </a:r>
-            <a:r>
-              <a:rPr lang="en-US" dirty="0"/>
-              <a:t> la </a:t>
-            </a:r>
-            <a:r>
-              <a:rPr lang="en-US" dirty="0" err="1"/>
-              <a:t>lectura</a:t>
-            </a:r>
-            <a:r>
-              <a:rPr lang="en-US" dirty="0"/>
-              <a:t> del </a:t>
-            </a:r>
-            <a:r>
-              <a:rPr lang="en-US" dirty="0" err="1"/>
-              <a:t>código</a:t>
-            </a:r>
-            <a:endParaRPr lang="en-US" dirty="0"/>
-          </a:p>
-          <a:p>
-            <a:r>
-              <a:rPr lang="en-US" dirty="0" err="1"/>
-              <a:t>Recuerde</a:t>
-            </a:r>
-            <a:r>
-              <a:rPr lang="en-US" dirty="0"/>
-              <a:t>: Indices van de 0 a (N-1)</a:t>
-            </a:r>
+              <a:rPr lang="es-419" noProof="0" dirty="0" smtClean="0"/>
+              <a:t> para facilitar la lectura del código</a:t>
+            </a:r>
+          </a:p>
+          <a:p>
+            <a:r>
+              <a:rPr lang="es-419" noProof="0" dirty="0" smtClean="0"/>
+              <a:t>Recuerde: </a:t>
+            </a:r>
+            <a:r>
+              <a:rPr lang="es-419" noProof="0" dirty="0" err="1" smtClean="0"/>
+              <a:t>Indices</a:t>
+            </a:r>
+            <a:r>
+              <a:rPr lang="es-419" noProof="0" dirty="0" smtClean="0"/>
+              <a:t> van de 0 a (N-1)</a:t>
+            </a:r>
+            <a:endParaRPr lang="es-419" noProof="0" dirty="0"/>
           </a:p>
         </p:txBody>
       </p:sp>
@@ -15839,7 +15900,7 @@
           <p:cNvPr id="4" name="Slide Number Placeholder 3">
             <a:extLst>
               <a:ext uri="{FF2B5EF4-FFF2-40B4-BE49-F238E27FC236}">
-                <a16:creationId xmlns:a16="http://schemas.microsoft.com/office/drawing/2014/main" id="{92EF13B0-A221-4341-B259-C019FD4C1CE1}"/>
+                <a16:creationId xmlns:a16="http://schemas.microsoft.com/office/drawing/2014/main" xmlns="" id="{92EF13B0-A221-4341-B259-C019FD4C1CE1}"/>
               </a:ext>
             </a:extLst>
           </p:cNvPr>
@@ -15868,7 +15929,7 @@
           <p:cNvPr id="7" name="Title 1">
             <a:extLst>
               <a:ext uri="{FF2B5EF4-FFF2-40B4-BE49-F238E27FC236}">
-                <a16:creationId xmlns:a16="http://schemas.microsoft.com/office/drawing/2014/main" id="{76FFE61B-B50E-468E-9F42-5EF7D17E830E}"/>
+                <a16:creationId xmlns:a16="http://schemas.microsoft.com/office/drawing/2014/main" xmlns="" id="{76FFE61B-B50E-468E-9F42-5EF7D17E830E}"/>
               </a:ext>
             </a:extLst>
           </p:cNvPr>
@@ -15942,7 +16003,7 @@
           <p:cNvPr id="2" name="Rectangle 1">
             <a:extLst>
               <a:ext uri="{FF2B5EF4-FFF2-40B4-BE49-F238E27FC236}">
-                <a16:creationId xmlns:a16="http://schemas.microsoft.com/office/drawing/2014/main" id="{385805E5-899C-43E3-B9E4-63DA833B96FF}"/>
+                <a16:creationId xmlns:a16="http://schemas.microsoft.com/office/drawing/2014/main" xmlns="" id="{385805E5-899C-43E3-B9E4-63DA833B96FF}"/>
               </a:ext>
             </a:extLst>
           </p:cNvPr>
@@ -15994,7 +16055,7 @@
           <p:cNvPr id="6" name="Rectangle 5">
             <a:extLst>
               <a:ext uri="{FF2B5EF4-FFF2-40B4-BE49-F238E27FC236}">
-                <a16:creationId xmlns:a16="http://schemas.microsoft.com/office/drawing/2014/main" id="{6682D64B-91A5-4913-97EA-B4BDBD5550B3}"/>
+                <a16:creationId xmlns:a16="http://schemas.microsoft.com/office/drawing/2014/main" xmlns="" id="{6682D64B-91A5-4913-97EA-B4BDBD5550B3}"/>
               </a:ext>
             </a:extLst>
           </p:cNvPr>
@@ -16076,7 +16137,7 @@
           <p:cNvPr id="2" name="Title 1">
             <a:extLst>
               <a:ext uri="{FF2B5EF4-FFF2-40B4-BE49-F238E27FC236}">
-                <a16:creationId xmlns:a16="http://schemas.microsoft.com/office/drawing/2014/main" id="{A8F9086C-AD3B-4324-A85C-DBEEFF721CBC}"/>
+                <a16:creationId xmlns:a16="http://schemas.microsoft.com/office/drawing/2014/main" xmlns="" id="{A8F9086C-AD3B-4324-A85C-DBEEFF721CBC}"/>
               </a:ext>
             </a:extLst>
           </p:cNvPr>
@@ -16093,29 +16154,14 @@
           <a:lstStyle/>
           <a:p>
             <a:r>
-              <a:rPr lang="en-US" dirty="0" err="1"/>
+              <a:rPr lang="es-419" noProof="0" dirty="0" err="1" smtClean="0"/>
               <a:t>REPORTando</a:t>
             </a:r>
             <a:r>
-              <a:rPr lang="en-US" dirty="0"/>
-              <a:t> </a:t>
-            </a:r>
-            <a:r>
-              <a:rPr lang="en-US" dirty="0" err="1"/>
-              <a:t>objetos</a:t>
-            </a:r>
-            <a:r>
-              <a:rPr lang="en-US" dirty="0"/>
-              <a:t> de </a:t>
-            </a:r>
-            <a:r>
-              <a:rPr lang="en-US" dirty="0" err="1"/>
-              <a:t>regreso</a:t>
-            </a:r>
-            <a:r>
-              <a:rPr lang="en-US" dirty="0"/>
-              <a:t> a R</a:t>
-            </a:r>
+              <a:rPr lang="es-419" noProof="0" dirty="0" smtClean="0"/>
+              <a:t> objetos de regreso a R</a:t>
+            </a:r>
+            <a:endParaRPr lang="es-419" noProof="0" dirty="0"/>
           </a:p>
         </p:txBody>
       </p:sp>
@@ -16124,7 +16170,7 @@
           <p:cNvPr id="3" name="Content Placeholder 2">
             <a:extLst>
               <a:ext uri="{FF2B5EF4-FFF2-40B4-BE49-F238E27FC236}">
-                <a16:creationId xmlns:a16="http://schemas.microsoft.com/office/drawing/2014/main" id="{6B3B426D-AF16-4095-ACE4-E30E04F6EE9A}"/>
+                <a16:creationId xmlns:a16="http://schemas.microsoft.com/office/drawing/2014/main" xmlns="" id="{6B3B426D-AF16-4095-ACE4-E30E04F6EE9A}"/>
               </a:ext>
             </a:extLst>
           </p:cNvPr>
@@ -16148,36 +16194,24 @@
           <a:lstStyle/>
           <a:p>
             <a:r>
-              <a:rPr lang="en-US" dirty="0" err="1"/>
-              <a:t>Puede</a:t>
-            </a:r>
-            <a:r>
-              <a:rPr lang="en-US" dirty="0"/>
-              <a:t> </a:t>
-            </a:r>
-            <a:r>
-              <a:rPr lang="en-US" dirty="0" err="1"/>
+              <a:rPr lang="es-419" noProof="0" dirty="0" smtClean="0"/>
+              <a:t>Puede </a:t>
+            </a:r>
+            <a:r>
+              <a:rPr lang="es-419" noProof="0" dirty="0" err="1" smtClean="0"/>
               <a:t>retonar</a:t>
             </a:r>
             <a:r>
-              <a:rPr lang="en-US" dirty="0"/>
-              <a:t> </a:t>
-            </a:r>
-            <a:r>
-              <a:rPr lang="en-US" dirty="0" err="1"/>
-              <a:t>objetos</a:t>
-            </a:r>
-            <a:r>
-              <a:rPr lang="en-US" dirty="0"/>
-              <a:t> a R via </a:t>
-            </a:r>
-            <a:r>
-              <a:rPr lang="en-US" dirty="0" err="1"/>
-              <a:t>el</a:t>
-            </a:r>
-            <a:r>
-              <a:rPr lang="en-US" dirty="0"/>
-              <a:t> macro REPORT() :</a:t>
+              <a:rPr lang="es-419" noProof="0" dirty="0" smtClean="0"/>
+              <a:t> objetos a R </a:t>
+            </a:r>
+            <a:r>
+              <a:rPr lang="es-419" noProof="0" dirty="0" err="1" smtClean="0"/>
+              <a:t>via</a:t>
+            </a:r>
+            <a:r>
+              <a:rPr lang="es-419" noProof="0" dirty="0" smtClean="0"/>
+              <a:t> el macro REPORT() :</a:t>
             </a:r>
           </a:p>
           <a:p>
@@ -16185,7 +16219,7 @@
               <a:buNone/>
             </a:pPr>
             <a:r>
-              <a:rPr lang="en-US" dirty="0">
+              <a:rPr lang="es-419" noProof="0" dirty="0" smtClean="0">
                 <a:solidFill>
                   <a:srgbClr val="000000"/>
                 </a:solidFill>
@@ -16194,7 +16228,7 @@
               <a:t>REPORT</a:t>
             </a:r>
             <a:r>
-              <a:rPr lang="en-US" b="1" dirty="0">
+              <a:rPr lang="es-419" b="1" noProof="0" dirty="0" smtClean="0">
                 <a:solidFill>
                   <a:srgbClr val="000080"/>
                 </a:solidFill>
@@ -16203,7 +16237,7 @@
               <a:t>(</a:t>
             </a:r>
             <a:r>
-              <a:rPr lang="en-US" dirty="0" err="1">
+              <a:rPr lang="es-419" noProof="0" dirty="0" err="1" smtClean="0">
                 <a:solidFill>
                   <a:srgbClr val="000000"/>
                 </a:solidFill>
@@ -16212,7 +16246,7 @@
               <a:t>pred</a:t>
             </a:r>
             <a:r>
-              <a:rPr lang="en-US" b="1" dirty="0">
+              <a:rPr lang="es-419" b="1" noProof="0" dirty="0" smtClean="0">
                 <a:solidFill>
                   <a:srgbClr val="000080"/>
                 </a:solidFill>
@@ -16220,7 +16254,7 @@
               </a:rPr>
               <a:t>);</a:t>
             </a:r>
-            <a:endParaRPr lang="en-US" dirty="0">
+            <a:endParaRPr lang="es-419" noProof="0" dirty="0" smtClean="0">
               <a:solidFill>
                 <a:srgbClr val="000000"/>
               </a:solidFill>
@@ -16229,20 +16263,8 @@
           </a:p>
           <a:p>
             <a:r>
-              <a:rPr lang="en-US" dirty="0" err="1"/>
-              <a:t>Luego</a:t>
-            </a:r>
-            <a:r>
-              <a:rPr lang="en-US" dirty="0"/>
-              <a:t> </a:t>
-            </a:r>
-            <a:r>
-              <a:rPr lang="en-US" dirty="0" err="1"/>
-              <a:t>en</a:t>
-            </a:r>
-            <a:r>
-              <a:rPr lang="en-US" dirty="0"/>
-              <a:t> R:</a:t>
+              <a:rPr lang="es-419" noProof="0" dirty="0" smtClean="0"/>
+              <a:t>Luego en R:</a:t>
             </a:r>
           </a:p>
           <a:p>
@@ -16250,7 +16272,7 @@
               <a:buNone/>
             </a:pPr>
             <a:r>
-              <a:rPr lang="en-US" dirty="0" err="1">
+              <a:rPr lang="es-419" noProof="0" dirty="0" err="1" smtClean="0">
                 <a:solidFill>
                   <a:srgbClr val="000000"/>
                 </a:solidFill>
@@ -16259,7 +16281,7 @@
               <a:t>obj</a:t>
             </a:r>
             <a:r>
-              <a:rPr lang="en-US" b="1" dirty="0" err="1">
+              <a:rPr lang="es-419" b="1" noProof="0" dirty="0" err="1" smtClean="0">
                 <a:solidFill>
                   <a:srgbClr val="000080"/>
                 </a:solidFill>
@@ -16268,7 +16290,7 @@
               <a:t>$</a:t>
             </a:r>
             <a:r>
-              <a:rPr lang="en-US" dirty="0" err="1">
+              <a:rPr lang="es-419" noProof="0" dirty="0" err="1" smtClean="0">
                 <a:solidFill>
                   <a:srgbClr val="000000"/>
                 </a:solidFill>
@@ -16277,7 +16299,7 @@
               <a:t>report</a:t>
             </a:r>
             <a:r>
-              <a:rPr lang="en-US" b="1" dirty="0">
+              <a:rPr lang="es-419" b="1" noProof="0" dirty="0" smtClean="0">
                 <a:solidFill>
                   <a:srgbClr val="000080"/>
                 </a:solidFill>
@@ -16285,69 +16307,28 @@
               </a:rPr>
               <a:t>()</a:t>
             </a:r>
-            <a:endParaRPr lang="en-US" dirty="0"/>
-          </a:p>
-          <a:p>
-            <a:r>
-              <a:rPr lang="en-US" dirty="0" err="1"/>
-              <a:t>Esto</a:t>
-            </a:r>
-            <a:r>
-              <a:rPr lang="en-US" dirty="0"/>
-              <a:t> </a:t>
-            </a:r>
-            <a:r>
-              <a:rPr lang="en-US" dirty="0" err="1"/>
-              <a:t>reporta</a:t>
-            </a:r>
-            <a:r>
-              <a:rPr lang="en-US" dirty="0"/>
-              <a:t> los </a:t>
-            </a:r>
-            <a:r>
-              <a:rPr lang="en-US" dirty="0" err="1"/>
-              <a:t>últimos</a:t>
-            </a:r>
-            <a:r>
-              <a:rPr lang="en-US" dirty="0"/>
-              <a:t> </a:t>
-            </a:r>
-            <a:r>
-              <a:rPr lang="en-US" dirty="0" err="1"/>
-              <a:t>parámetros</a:t>
-            </a:r>
-            <a:r>
-              <a:rPr lang="en-US" dirty="0"/>
-              <a:t>, o </a:t>
-            </a:r>
-            <a:r>
-              <a:rPr lang="en-US" dirty="0" err="1"/>
+            <a:endParaRPr lang="es-419" noProof="0" dirty="0" smtClean="0"/>
+          </a:p>
+          <a:p>
+            <a:r>
+              <a:rPr lang="es-419" noProof="0" dirty="0" smtClean="0"/>
+              <a:t>Esto reporta los últimos parámetros, o </a:t>
+            </a:r>
+            <a:r>
+              <a:rPr lang="es-419" noProof="0" dirty="0" err="1" smtClean="0"/>
               <a:t>Ud</a:t>
             </a:r>
             <a:r>
-              <a:rPr lang="en-US" dirty="0"/>
-              <a:t> </a:t>
-            </a:r>
-            <a:r>
-              <a:rPr lang="en-US" dirty="0" err="1"/>
-              <a:t>puede</a:t>
-            </a:r>
-            <a:r>
-              <a:rPr lang="en-US" dirty="0"/>
-              <a:t> pasar sus </a:t>
-            </a:r>
-            <a:r>
-              <a:rPr lang="en-US" dirty="0" err="1"/>
-              <a:t>propios</a:t>
-            </a:r>
-            <a:endParaRPr lang="en-US" dirty="0"/>
+              <a:rPr lang="es-419" noProof="0" dirty="0" smtClean="0"/>
+              <a:t> puede pasar sus propios</a:t>
+            </a:r>
           </a:p>
           <a:p>
             <a:pPr marL="0" indent="0">
               <a:buNone/>
             </a:pPr>
             <a:r>
-              <a:rPr lang="en-US" dirty="0" err="1">
+              <a:rPr lang="es-419" noProof="0" dirty="0" err="1" smtClean="0">
                 <a:solidFill>
                   <a:srgbClr val="000000"/>
                 </a:solidFill>
@@ -16356,7 +16337,7 @@
               <a:t>obj</a:t>
             </a:r>
             <a:r>
-              <a:rPr lang="en-US" b="1" dirty="0" err="1">
+              <a:rPr lang="es-419" b="1" noProof="0" dirty="0" err="1" smtClean="0">
                 <a:solidFill>
                   <a:srgbClr val="000080"/>
                 </a:solidFill>
@@ -16365,7 +16346,7 @@
               <a:t>$</a:t>
             </a:r>
             <a:r>
-              <a:rPr lang="en-US" dirty="0" err="1">
+              <a:rPr lang="es-419" noProof="0" dirty="0" err="1" smtClean="0">
                 <a:solidFill>
                   <a:srgbClr val="000000"/>
                 </a:solidFill>
@@ -16374,7 +16355,7 @@
               <a:t>report</a:t>
             </a:r>
             <a:r>
-              <a:rPr lang="en-US" dirty="0">
+              <a:rPr lang="es-419" noProof="0" dirty="0" smtClean="0">
                 <a:solidFill>
                   <a:srgbClr val="000080"/>
                 </a:solidFill>
@@ -16382,56 +16363,20 @@
               </a:rPr>
               <a:t>(par)</a:t>
             </a:r>
-            <a:endParaRPr lang="en-US" dirty="0"/>
-          </a:p>
-          <a:p>
-            <a:r>
-              <a:rPr lang="en-US" dirty="0" err="1"/>
-              <a:t>Útil</a:t>
-            </a:r>
-            <a:r>
-              <a:rPr lang="en-US" dirty="0"/>
-              <a:t> para </a:t>
-            </a:r>
-            <a:r>
-              <a:rPr lang="en-US" dirty="0" err="1"/>
-              <a:t>hacer</a:t>
-            </a:r>
-            <a:r>
-              <a:rPr lang="en-US" dirty="0"/>
-              <a:t> </a:t>
-            </a:r>
-            <a:r>
-              <a:rPr lang="en-US" dirty="0" err="1"/>
-              <a:t>inferencia</a:t>
-            </a:r>
-            <a:r>
-              <a:rPr lang="en-US" dirty="0"/>
-              <a:t> y para </a:t>
-            </a:r>
-            <a:r>
-              <a:rPr lang="en-US" dirty="0" err="1"/>
-              <a:t>depurar</a:t>
-            </a:r>
-            <a:endParaRPr lang="en-US" dirty="0"/>
-          </a:p>
-          <a:p>
-            <a:r>
-              <a:rPr lang="en-US" dirty="0" err="1"/>
-              <a:t>Pueden</a:t>
-            </a:r>
-            <a:r>
-              <a:rPr lang="en-US" dirty="0"/>
-              <a:t> ser </a:t>
-            </a:r>
-            <a:r>
-              <a:rPr lang="en-US" dirty="0" err="1"/>
-              <a:t>vectores</a:t>
-            </a:r>
-            <a:r>
-              <a:rPr lang="en-US" dirty="0"/>
-              <a:t>, matrices, etc.</a:t>
-            </a:r>
+            <a:endParaRPr lang="es-419" noProof="0" dirty="0" smtClean="0"/>
+          </a:p>
+          <a:p>
+            <a:r>
+              <a:rPr lang="es-419" noProof="0" dirty="0" smtClean="0"/>
+              <a:t>Útil para hacer inferencia y para depurar</a:t>
+            </a:r>
+          </a:p>
+          <a:p>
+            <a:r>
+              <a:rPr lang="es-419" noProof="0" dirty="0" smtClean="0"/>
+              <a:t>Pueden ser vectores, matrices, etc.</a:t>
+            </a:r>
+            <a:endParaRPr lang="es-419" noProof="0" dirty="0"/>
           </a:p>
         </p:txBody>
       </p:sp>
@@ -16440,7 +16385,7 @@
           <p:cNvPr id="5" name="Slide Number Placeholder 4">
             <a:extLst>
               <a:ext uri="{FF2B5EF4-FFF2-40B4-BE49-F238E27FC236}">
-                <a16:creationId xmlns:a16="http://schemas.microsoft.com/office/drawing/2014/main" id="{7CF0D5AC-3B3B-422E-89E6-4CF54A94B293}"/>
+                <a16:creationId xmlns:a16="http://schemas.microsoft.com/office/drawing/2014/main" xmlns="" id="{7CF0D5AC-3B3B-422E-89E6-4CF54A94B293}"/>
               </a:ext>
             </a:extLst>
           </p:cNvPr>
@@ -16499,7 +16444,7 @@
           <p:cNvPr id="2" name="Title 1">
             <a:extLst>
               <a:ext uri="{FF2B5EF4-FFF2-40B4-BE49-F238E27FC236}">
-                <a16:creationId xmlns:a16="http://schemas.microsoft.com/office/drawing/2014/main" id="{68ED1289-E0AD-40D6-A866-743F9C8923AC}"/>
+                <a16:creationId xmlns:a16="http://schemas.microsoft.com/office/drawing/2014/main" xmlns="" id="{68ED1289-E0AD-40D6-A866-743F9C8923AC}"/>
               </a:ext>
             </a:extLst>
           </p:cNvPr>
@@ -16516,18 +16461,10 @@
           <a:lstStyle/>
           <a:p>
             <a:r>
-              <a:rPr lang="en-US" dirty="0" err="1"/>
-              <a:t>Calcula</a:t>
-            </a:r>
-            <a:r>
-              <a:rPr lang="en-US" dirty="0"/>
-              <a:t> la –log-</a:t>
-            </a:r>
-            <a:r>
-              <a:rPr lang="en-US" dirty="0" err="1"/>
-              <a:t>verosimilitud</a:t>
-            </a:r>
-            <a:endParaRPr lang="en-US" dirty="0"/>
+              <a:rPr lang="es-419" noProof="0" dirty="0" smtClean="0"/>
+              <a:t>Calcula la –log-verosimilitud</a:t>
+            </a:r>
+            <a:endParaRPr lang="es-419" noProof="0" dirty="0"/>
           </a:p>
         </p:txBody>
       </p:sp>
@@ -16536,7 +16473,7 @@
           <p:cNvPr id="3" name="Content Placeholder 2">
             <a:extLst>
               <a:ext uri="{FF2B5EF4-FFF2-40B4-BE49-F238E27FC236}">
-                <a16:creationId xmlns:a16="http://schemas.microsoft.com/office/drawing/2014/main" id="{30394B4B-B251-4D3B-B982-133F30B922F3}"/>
+                <a16:creationId xmlns:a16="http://schemas.microsoft.com/office/drawing/2014/main" xmlns="" id="{30394B4B-B251-4D3B-B982-133F30B922F3}"/>
               </a:ext>
             </a:extLst>
           </p:cNvPr>
@@ -16560,85 +16497,25 @@
           <a:lstStyle/>
           <a:p>
             <a:r>
-              <a:rPr lang="en-US" dirty="0" err="1"/>
-              <a:t>Después</a:t>
-            </a:r>
-            <a:r>
-              <a:rPr lang="en-US" dirty="0"/>
-              <a:t> de </a:t>
-            </a:r>
-            <a:r>
-              <a:rPr lang="en-US" dirty="0" err="1"/>
-              <a:t>hacer</a:t>
-            </a:r>
-            <a:r>
-              <a:rPr lang="en-US" dirty="0"/>
-              <a:t> </a:t>
-            </a:r>
-            <a:r>
-              <a:rPr lang="en-US" dirty="0" err="1"/>
-              <a:t>predicciones</a:t>
-            </a:r>
-            <a:r>
-              <a:rPr lang="en-US" dirty="0"/>
-              <a:t>, </a:t>
-            </a:r>
-            <a:r>
-              <a:rPr lang="en-US" dirty="0" err="1"/>
-              <a:t>calcule</a:t>
-            </a:r>
-            <a:r>
-              <a:rPr lang="en-US" dirty="0"/>
-              <a:t> las </a:t>
-            </a:r>
-            <a:r>
-              <a:rPr lang="en-US" dirty="0" err="1"/>
-              <a:t>verosimilitudes</a:t>
-            </a:r>
-            <a:r>
-              <a:rPr lang="en-US" dirty="0"/>
-              <a:t> </a:t>
-            </a:r>
-            <a:r>
-              <a:rPr lang="en-US" dirty="0" err="1"/>
-              <a:t>usando</a:t>
-            </a:r>
-            <a:r>
-              <a:rPr lang="en-US" dirty="0"/>
-              <a:t> </a:t>
-            </a:r>
-            <a:r>
-              <a:rPr lang="en-US" dirty="0" err="1"/>
-              <a:t>funciones</a:t>
-            </a:r>
-            <a:r>
-              <a:rPr lang="en-US" dirty="0"/>
-              <a:t> </a:t>
-            </a:r>
-            <a:r>
-              <a:rPr lang="en-US" dirty="0" err="1"/>
-              <a:t>disponibles</a:t>
-            </a:r>
-            <a:r>
-              <a:rPr lang="en-US" dirty="0"/>
-              <a:t>, </a:t>
-            </a:r>
-            <a:r>
-              <a:rPr lang="en-US" dirty="0" err="1"/>
+              <a:rPr lang="es-419" noProof="0" dirty="0" smtClean="0"/>
+              <a:t>Después de hacer predicciones, calcule las verosimilitudes usando funciones disponibles, </a:t>
+            </a:r>
+            <a:r>
+              <a:rPr lang="es-419" noProof="0" dirty="0" err="1" smtClean="0"/>
               <a:t>e.g</a:t>
             </a:r>
             <a:r>
-              <a:rPr lang="en-US" dirty="0"/>
+              <a:rPr lang="es-419" noProof="0" dirty="0" smtClean="0"/>
               <a:t>,. </a:t>
             </a:r>
             <a:r>
-              <a:rPr lang="en-US" dirty="0" err="1">
+              <a:rPr lang="es-419" noProof="0" dirty="0" err="1" smtClean="0">
                 <a:latin typeface="Courier New" panose="02070309020205020404" pitchFamily="49" charset="0"/>
                 <a:cs typeface="Courier New" panose="02070309020205020404" pitchFamily="49" charset="0"/>
               </a:rPr>
               <a:t>dnorm</a:t>
             </a:r>
-            <a:endParaRPr lang="en-US" dirty="0">
+            <a:endParaRPr lang="es-419" noProof="0" dirty="0" smtClean="0">
               <a:latin typeface="Courier New" panose="02070309020205020404" pitchFamily="49" charset="0"/>
               <a:cs typeface="Courier New" panose="02070309020205020404" pitchFamily="49" charset="0"/>
             </a:endParaRPr>
@@ -16648,7 +16525,7 @@
               <a:buNone/>
             </a:pPr>
             <a:r>
-              <a:rPr lang="en-US" sz="2400" dirty="0" err="1">
+              <a:rPr lang="es-419" sz="2400" noProof="0" dirty="0" err="1" smtClean="0">
                 <a:solidFill>
                   <a:srgbClr val="000000"/>
                 </a:solidFill>
@@ -16657,7 +16534,7 @@
               <a:t>nll</a:t>
             </a:r>
             <a:r>
-              <a:rPr lang="en-US" sz="2400" b="1" dirty="0">
+              <a:rPr lang="es-419" sz="2400" b="1" noProof="0" dirty="0" smtClean="0">
                 <a:solidFill>
                   <a:srgbClr val="000080"/>
                 </a:solidFill>
@@ -16666,7 +16543,7 @@
               <a:t>= -</a:t>
             </a:r>
             <a:r>
-              <a:rPr lang="en-US" sz="2400" dirty="0" err="1">
+              <a:rPr lang="es-419" sz="2400" noProof="0" dirty="0" err="1" smtClean="0">
                 <a:solidFill>
                   <a:srgbClr val="000000"/>
                 </a:solidFill>
@@ -16675,7 +16552,7 @@
               <a:t>dnorm</a:t>
             </a:r>
             <a:r>
-              <a:rPr lang="en-US" sz="2400" b="1" dirty="0">
+              <a:rPr lang="es-419" sz="2400" b="1" noProof="0" dirty="0" smtClean="0">
                 <a:solidFill>
                   <a:srgbClr val="000080"/>
                 </a:solidFill>
@@ -16684,7 +16561,7 @@
               <a:t>(</a:t>
             </a:r>
             <a:r>
-              <a:rPr lang="en-US" sz="2400" dirty="0" err="1">
+              <a:rPr lang="es-419" sz="2400" noProof="0" dirty="0" err="1" smtClean="0">
                 <a:solidFill>
                   <a:srgbClr val="000000"/>
                 </a:solidFill>
@@ -16693,7 +16570,7 @@
               <a:t>logR</a:t>
             </a:r>
             <a:r>
-              <a:rPr lang="en-US" sz="2400" b="1" dirty="0" err="1">
+              <a:rPr lang="es-419" sz="2400" b="1" noProof="0" dirty="0" err="1" smtClean="0">
                 <a:solidFill>
                   <a:srgbClr val="000080"/>
                 </a:solidFill>
@@ -16702,7 +16579,7 @@
               <a:t>,</a:t>
             </a:r>
             <a:r>
-              <a:rPr lang="en-US" sz="2400" dirty="0" err="1">
+              <a:rPr lang="es-419" sz="2400" noProof="0" dirty="0" err="1" smtClean="0">
                 <a:solidFill>
                   <a:srgbClr val="000000"/>
                 </a:solidFill>
@@ -16711,7 +16588,7 @@
               <a:t>pred</a:t>
             </a:r>
             <a:r>
-              <a:rPr lang="en-US" sz="2400" b="1" dirty="0" err="1">
+              <a:rPr lang="es-419" sz="2400" b="1" noProof="0" dirty="0" err="1" smtClean="0">
                 <a:solidFill>
                   <a:srgbClr val="000080"/>
                 </a:solidFill>
@@ -16720,7 +16597,7 @@
               <a:t>,</a:t>
             </a:r>
             <a:r>
-              <a:rPr lang="en-US" sz="2400" dirty="0" err="1">
+              <a:rPr lang="es-419" sz="2400" noProof="0" dirty="0" err="1" smtClean="0">
                 <a:solidFill>
                   <a:srgbClr val="000000"/>
                 </a:solidFill>
@@ -16729,7 +16606,7 @@
               <a:t>sigma</a:t>
             </a:r>
             <a:r>
-              <a:rPr lang="en-US" sz="2400" b="1" dirty="0" err="1">
+              <a:rPr lang="es-419" sz="2400" b="1" noProof="0" dirty="0" err="1" smtClean="0">
                 <a:solidFill>
                   <a:srgbClr val="000080"/>
                 </a:solidFill>
@@ -16738,7 +16615,7 @@
               <a:t>,</a:t>
             </a:r>
             <a:r>
-              <a:rPr lang="en-US" sz="2400" b="1" dirty="0" err="1">
+              <a:rPr lang="es-419" sz="2400" b="1" noProof="0" dirty="0" err="1" smtClean="0">
                 <a:solidFill>
                   <a:srgbClr val="0000FF"/>
                 </a:solidFill>
@@ -16747,7 +16624,7 @@
               <a:t>true</a:t>
             </a:r>
             <a:r>
-              <a:rPr lang="en-US" sz="2400" b="1" dirty="0">
+              <a:rPr lang="es-419" sz="2400" b="1" noProof="0" dirty="0" smtClean="0">
                 <a:solidFill>
                   <a:srgbClr val="000080"/>
                 </a:solidFill>
@@ -16756,7 +16633,7 @@
               <a:t>).</a:t>
             </a:r>
             <a:r>
-              <a:rPr lang="en-US" sz="2400" dirty="0">
+              <a:rPr lang="es-419" sz="2400" noProof="0" dirty="0" smtClean="0">
                 <a:solidFill>
                   <a:srgbClr val="000000"/>
                 </a:solidFill>
@@ -16765,7 +16642,7 @@
               <a:t>sum</a:t>
             </a:r>
             <a:r>
-              <a:rPr lang="en-US" sz="2400" b="1" dirty="0">
+              <a:rPr lang="es-419" sz="2400" b="1" noProof="0" dirty="0" smtClean="0">
                 <a:solidFill>
                   <a:srgbClr val="000080"/>
                 </a:solidFill>
@@ -16773,7 +16650,7 @@
               </a:rPr>
               <a:t>();</a:t>
             </a:r>
-            <a:endParaRPr lang="en-US" dirty="0">
+            <a:endParaRPr lang="es-419" noProof="0" dirty="0" smtClean="0">
               <a:solidFill>
                 <a:srgbClr val="000000"/>
               </a:solidFill>
@@ -16782,165 +16659,77 @@
           </a:p>
           <a:p>
             <a:r>
-              <a:rPr lang="en-US" dirty="0" err="1"/>
-              <a:t>Asúrese</a:t>
-            </a:r>
-            <a:r>
-              <a:rPr lang="en-US" dirty="0"/>
-              <a:t> de  </a:t>
-            </a:r>
-            <a:r>
-              <a:rPr lang="en-US" dirty="0">
+              <a:rPr lang="es-419" noProof="0" dirty="0" smtClean="0"/>
+              <a:t>Asúrese de  </a:t>
+            </a:r>
+            <a:r>
+              <a:rPr lang="es-419" noProof="0" dirty="0" smtClean="0">
                 <a:latin typeface="Courier New" panose="02070309020205020404" pitchFamily="49" charset="0"/>
                 <a:cs typeface="Courier New" panose="02070309020205020404" pitchFamily="49" charset="0"/>
               </a:rPr>
               <a:t>.sum()</a:t>
             </a:r>
             <a:r>
-              <a:rPr lang="en-US" dirty="0"/>
+              <a:rPr lang="es-419" noProof="0" dirty="0" smtClean="0"/>
+              <a:t> vectores!</a:t>
+            </a:r>
+          </a:p>
+          <a:p>
+            <a:r>
+              <a:rPr lang="es-419" noProof="0" dirty="0" smtClean="0"/>
+              <a:t>Aquí hay un vínculo hacia  </a:t>
+            </a:r>
+            <a:r>
+              <a:rPr lang="es-419" noProof="0" dirty="0" smtClean="0">
+                <a:hlinkClick r:id="rId2"/>
+              </a:rPr>
+              <a:t>más ejemplos</a:t>
+            </a:r>
+            <a:r>
+              <a:rPr lang="es-419" noProof="0" dirty="0" smtClean="0"/>
+              <a:t>.</a:t>
+            </a:r>
+          </a:p>
+          <a:p>
+            <a:r>
+              <a:rPr lang="es-419" noProof="0" dirty="0" smtClean="0"/>
+              <a:t>Asegúrese de retornar el negativo!</a:t>
+            </a:r>
+          </a:p>
+          <a:p>
+            <a:r>
+              <a:rPr lang="es-419" noProof="0" dirty="0" smtClean="0"/>
+              <a:t>La última línea de C++ debe ser </a:t>
+            </a:r>
+            <a:r>
+              <a:rPr lang="es-419" b="1" noProof="0" dirty="0" err="1" smtClean="0">
+                <a:solidFill>
+                  <a:srgbClr val="0000FF"/>
+                </a:solidFill>
+                <a:latin typeface="Courier New" panose="02070309020205020404" pitchFamily="49" charset="0"/>
+              </a:rPr>
+              <a:t>return</a:t>
+            </a:r>
+            <a:r>
+              <a:rPr lang="es-419" noProof="0" dirty="0" smtClean="0">
+                <a:solidFill>
+                  <a:srgbClr val="000000"/>
+                </a:solidFill>
+                <a:latin typeface="Courier New" panose="02070309020205020404" pitchFamily="49" charset="0"/>
+              </a:rPr>
               <a:t> </a:t>
             </a:r>
             <a:r>
-              <a:rPr lang="en-US" dirty="0" err="1"/>
-              <a:t>vectores</a:t>
-            </a:r>
-            <a:r>
-              <a:rPr lang="en-US" dirty="0"/>
-              <a:t>!</a:t>
-            </a:r>
-          </a:p>
-          <a:p>
-            <a:r>
-              <a:rPr lang="en-US" dirty="0" err="1"/>
-              <a:t>Aquí</a:t>
-            </a:r>
-            <a:r>
-              <a:rPr lang="en-US" dirty="0"/>
-              <a:t> hay un </a:t>
-            </a:r>
-            <a:r>
-              <a:rPr lang="en-US" dirty="0" err="1"/>
-              <a:t>vínculo</a:t>
-            </a:r>
-            <a:r>
-              <a:rPr lang="en-US" dirty="0"/>
-              <a:t> </a:t>
-            </a:r>
-            <a:r>
-              <a:rPr lang="en-US" dirty="0" err="1"/>
-              <a:t>hacia</a:t>
-            </a:r>
-            <a:r>
-              <a:rPr lang="en-US" dirty="0"/>
-              <a:t>  </a:t>
-            </a:r>
-            <a:r>
-              <a:rPr lang="en-US" dirty="0" err="1">
-                <a:hlinkClick r:id="rId2"/>
-              </a:rPr>
-              <a:t>más</a:t>
-            </a:r>
-            <a:r>
-              <a:rPr lang="en-US" dirty="0">
-                <a:hlinkClick r:id="rId2"/>
-              </a:rPr>
-              <a:t> </a:t>
-            </a:r>
-            <a:r>
-              <a:rPr lang="en-US" dirty="0" err="1">
-                <a:hlinkClick r:id="rId2"/>
-              </a:rPr>
-              <a:t>ejemplos</a:t>
-            </a:r>
-            <a:r>
-              <a:rPr lang="en-US" dirty="0"/>
-              <a:t>.</a:t>
-            </a:r>
-          </a:p>
-          <a:p>
-            <a:r>
-              <a:rPr lang="en-US" dirty="0" err="1"/>
-              <a:t>Asegúrese</a:t>
-            </a:r>
-            <a:r>
-              <a:rPr lang="en-US" dirty="0"/>
-              <a:t> de </a:t>
-            </a:r>
-            <a:r>
-              <a:rPr lang="en-US" dirty="0" err="1"/>
-              <a:t>retornar</a:t>
-            </a:r>
-            <a:r>
-              <a:rPr lang="en-US" dirty="0"/>
-              <a:t> </a:t>
-            </a:r>
-            <a:r>
-              <a:rPr lang="en-US" dirty="0" err="1"/>
-              <a:t>el</a:t>
-            </a:r>
-            <a:r>
-              <a:rPr lang="en-US" dirty="0"/>
-              <a:t> </a:t>
-            </a:r>
-            <a:r>
-              <a:rPr lang="en-US" dirty="0" err="1"/>
-              <a:t>negativo</a:t>
-            </a:r>
-            <a:r>
-              <a:rPr lang="en-US" dirty="0"/>
-              <a:t>!</a:t>
-            </a:r>
-          </a:p>
-          <a:p>
-            <a:r>
-              <a:rPr lang="en-US" dirty="0"/>
-              <a:t>La </a:t>
-            </a:r>
-            <a:r>
-              <a:rPr lang="en-US" dirty="0" err="1"/>
-              <a:t>última</a:t>
-            </a:r>
-            <a:r>
-              <a:rPr lang="en-US" dirty="0"/>
-              <a:t> </a:t>
-            </a:r>
-            <a:r>
-              <a:rPr lang="en-US" dirty="0" err="1"/>
-              <a:t>línea</a:t>
-            </a:r>
-            <a:r>
-              <a:rPr lang="en-US" dirty="0"/>
-              <a:t> de C++ debe ser </a:t>
-            </a:r>
-            <a:r>
-              <a:rPr lang="en-US" b="1" dirty="0">
-                <a:solidFill>
-                  <a:srgbClr val="0000FF"/>
-                </a:solidFill>
-                <a:latin typeface="Courier New" panose="02070309020205020404" pitchFamily="49" charset="0"/>
-              </a:rPr>
-              <a:t>return</a:t>
-            </a:r>
-            <a:r>
-              <a:rPr lang="en-US" dirty="0">
+              <a:rPr lang="es-419" noProof="0" dirty="0" err="1" smtClean="0">
                 <a:solidFill>
                   <a:srgbClr val="000000"/>
                 </a:solidFill>
                 <a:latin typeface="Courier New" panose="02070309020205020404" pitchFamily="49" charset="0"/>
               </a:rPr>
-              <a:t> </a:t>
-            </a:r>
-            <a:r>
-              <a:rPr lang="en-US" dirty="0" err="1">
-                <a:solidFill>
-                  <a:srgbClr val="000000"/>
-                </a:solidFill>
-                <a:latin typeface="Courier New" panose="02070309020205020404" pitchFamily="49" charset="0"/>
-              </a:rPr>
               <a:t>nll</a:t>
             </a:r>
             <a:r>
-              <a:rPr lang="en-US" b="1" dirty="0">
+              <a:rPr lang="es-419" b="1" noProof="0" dirty="0" smtClean="0">
                 <a:solidFill>
                   <a:srgbClr val="000080"/>
                 </a:solidFill>
@@ -16951,38 +16740,30 @@
           </a:p>
           <a:p>
             <a:r>
-              <a:rPr lang="en-US" dirty="0" err="1">
+              <a:rPr lang="es-419" noProof="0" dirty="0" err="1" smtClean="0">
                 <a:latin typeface="Courier New" panose="02070309020205020404" pitchFamily="49" charset="0"/>
                 <a:cs typeface="Courier New" panose="02070309020205020404" pitchFamily="49" charset="0"/>
               </a:rPr>
               <a:t>nll</a:t>
             </a:r>
             <a:r>
-              <a:rPr lang="en-US" dirty="0"/>
-              <a:t> debe ser una variable </a:t>
-            </a:r>
-            <a:r>
-              <a:rPr lang="en-US" dirty="0" err="1"/>
-              <a:t>escalar</a:t>
-            </a:r>
-            <a:r>
-              <a:rPr lang="en-US" dirty="0"/>
-              <a:t> </a:t>
-            </a:r>
-            <a:r>
-              <a:rPr lang="en-US" dirty="0">
+              <a:rPr lang="es-419" noProof="0" dirty="0" smtClean="0"/>
+              <a:t> debe ser una variable escalar </a:t>
+            </a:r>
+            <a:r>
+              <a:rPr lang="es-419" noProof="0" dirty="0" err="1" smtClean="0">
                 <a:latin typeface="Courier New" panose="02070309020205020404" pitchFamily="49" charset="0"/>
                 <a:cs typeface="Courier New" panose="02070309020205020404" pitchFamily="49" charset="0"/>
               </a:rPr>
               <a:t>Type</a:t>
             </a:r>
-            <a:endParaRPr lang="en-US" dirty="0"/>
+            <a:endParaRPr lang="es-419" noProof="0" dirty="0" smtClean="0"/>
           </a:p>
           <a:p>
             <a:pPr marL="0" indent="0">
               <a:buNone/>
             </a:pPr>
-            <a:endParaRPr lang="en-US" dirty="0"/>
+            <a:endParaRPr lang="es-419" noProof="0" dirty="0"/>
           </a:p>
         </p:txBody>
       </p:sp>
@@ -16991,7 +16772,7 @@
           <p:cNvPr id="6" name="Slide Number Placeholder 5">
             <a:extLst>
               <a:ext uri="{FF2B5EF4-FFF2-40B4-BE49-F238E27FC236}">
-                <a16:creationId xmlns:a16="http://schemas.microsoft.com/office/drawing/2014/main" id="{11A7F03A-60D3-4E01-B2A5-6B2427B93834}"/>
+                <a16:creationId xmlns:a16="http://schemas.microsoft.com/office/drawing/2014/main" xmlns="" id="{11A7F03A-60D3-4E01-B2A5-6B2427B93834}"/>
               </a:ext>
             </a:extLst>
           </p:cNvPr>
@@ -17061,29 +16842,10 @@
           <a:lstStyle/>
           <a:p>
             <a:r>
-              <a:rPr lang="en-US" dirty="0" err="1"/>
-              <a:t>Revisión</a:t>
-            </a:r>
-            <a:r>
-              <a:rPr lang="en-US" dirty="0"/>
-              <a:t> de la </a:t>
-            </a:r>
-            <a:r>
-              <a:rPr lang="en-US" dirty="0" err="1"/>
-              <a:t>modelación</a:t>
-            </a:r>
-            <a:r>
-              <a:rPr lang="en-US" dirty="0"/>
-              <a:t> </a:t>
-            </a:r>
-            <a:r>
-              <a:rPr lang="en-US" dirty="0" err="1"/>
-              <a:t>en</a:t>
-            </a:r>
-            <a:r>
-              <a:rPr lang="en-US" dirty="0"/>
-              <a:t> TMB</a:t>
-            </a:r>
+              <a:rPr lang="es-419" noProof="0" dirty="0" smtClean="0"/>
+              <a:t>Revisión de la modelación en TMB</a:t>
+            </a:r>
+            <a:endParaRPr lang="es-419" noProof="0" dirty="0"/>
           </a:p>
         </p:txBody>
       </p:sp>
@@ -17108,229 +16870,79 @@
           <a:lstStyle/>
           <a:p>
             <a:r>
-              <a:rPr lang="en-US" dirty="0"/>
-              <a:t>Un </a:t>
-            </a:r>
-            <a:r>
-              <a:rPr lang="en-US" dirty="0" err="1"/>
-              <a:t>modelo</a:t>
-            </a:r>
-            <a:r>
-              <a:rPr lang="en-US" dirty="0"/>
-              <a:t> TMB es un </a:t>
-            </a:r>
-            <a:r>
-              <a:rPr lang="en-US" dirty="0" err="1"/>
-              <a:t>archivo</a:t>
-            </a:r>
-            <a:r>
-              <a:rPr lang="en-US" dirty="0"/>
-              <a:t> C++ (.</a:t>
-            </a:r>
-            <a:r>
-              <a:rPr lang="en-US" dirty="0" err="1"/>
+              <a:rPr lang="es-419" noProof="0" dirty="0" smtClean="0"/>
+              <a:t>Un modelo TMB es un archivo C++ (.</a:t>
+            </a:r>
+            <a:r>
+              <a:rPr lang="es-419" noProof="0" dirty="0" err="1" smtClean="0"/>
               <a:t>cpp</a:t>
             </a:r>
             <a:r>
-              <a:rPr lang="en-US" dirty="0"/>
+              <a:rPr lang="es-419" noProof="0" dirty="0" smtClean="0"/>
               <a:t>)</a:t>
             </a:r>
           </a:p>
           <a:p>
             <a:r>
-              <a:rPr lang="en-US" dirty="0"/>
-              <a:t>C++ es un </a:t>
-            </a:r>
-            <a:r>
-              <a:rPr lang="en-US" dirty="0" err="1"/>
-              <a:t>lenguaje</a:t>
-            </a:r>
-            <a:r>
-              <a:rPr lang="en-US" dirty="0"/>
-              <a:t> de </a:t>
-            </a:r>
-            <a:r>
-              <a:rPr lang="en-US" dirty="0" err="1"/>
-              <a:t>programación</a:t>
-            </a:r>
-            <a:r>
-              <a:rPr lang="en-US" dirty="0"/>
-              <a:t> maduro, </a:t>
-            </a:r>
-            <a:r>
-              <a:rPr lang="en-US" dirty="0" err="1"/>
-              <a:t>rápido</a:t>
-            </a:r>
-            <a:r>
-              <a:rPr lang="en-US" dirty="0"/>
-              <a:t>, </a:t>
-            </a:r>
-            <a:r>
-              <a:rPr lang="en-US" dirty="0" err="1"/>
-              <a:t>potente</a:t>
-            </a:r>
-            <a:endParaRPr lang="en-US" dirty="0"/>
+              <a:rPr lang="es-419" noProof="0" dirty="0" smtClean="0"/>
+              <a:t>C++ es un lenguaje de programación maduro, rápido, potente</a:t>
+            </a:r>
           </a:p>
           <a:p>
             <a:pPr lvl="1"/>
             <a:r>
-              <a:rPr lang="en-US" dirty="0"/>
+              <a:rPr lang="es-419" noProof="0" dirty="0" smtClean="0"/>
               <a:t>.</a:t>
             </a:r>
             <a:r>
-              <a:rPr lang="en-US" dirty="0" err="1"/>
+              <a:rPr lang="es-419" noProof="0" dirty="0" err="1" smtClean="0"/>
               <a:t>cpp</a:t>
             </a:r>
             <a:r>
-              <a:rPr lang="en-US" dirty="0"/>
-              <a:t> </a:t>
-            </a:r>
-            <a:r>
-              <a:rPr lang="en-US" dirty="0" err="1"/>
-              <a:t>compila</a:t>
-            </a:r>
-            <a:r>
-              <a:rPr lang="en-US" dirty="0"/>
-              <a:t> </a:t>
-            </a:r>
-            <a:r>
-              <a:rPr lang="en-US" dirty="0" err="1"/>
-              <a:t>hacia</a:t>
-            </a:r>
-            <a:r>
-              <a:rPr lang="en-US" dirty="0"/>
-              <a:t> un .</a:t>
-            </a:r>
-            <a:r>
-              <a:rPr lang="en-US" dirty="0" err="1"/>
+              <a:rPr lang="es-419" noProof="0" dirty="0" smtClean="0"/>
+              <a:t> compila hacia un .</a:t>
+            </a:r>
+            <a:r>
+              <a:rPr lang="es-419" noProof="0" dirty="0" err="1" smtClean="0"/>
               <a:t>dll</a:t>
             </a:r>
-            <a:endParaRPr lang="en-US" dirty="0"/>
-          </a:p>
-          <a:p>
-            <a:r>
-              <a:rPr lang="en-US" dirty="0" err="1"/>
-              <a:t>Uso</a:t>
-            </a:r>
-            <a:r>
-              <a:rPr lang="en-US" dirty="0"/>
-              <a:t> de TMB </a:t>
-            </a:r>
-            <a:r>
-              <a:rPr lang="en-US" dirty="0" err="1"/>
-              <a:t>requiere</a:t>
-            </a:r>
-            <a:r>
-              <a:rPr lang="en-US" dirty="0"/>
-              <a:t> (algo) de </a:t>
-            </a:r>
-            <a:r>
-              <a:rPr lang="en-US" dirty="0" err="1"/>
+            <a:endParaRPr lang="es-419" noProof="0" dirty="0" smtClean="0"/>
+          </a:p>
+          <a:p>
+            <a:r>
+              <a:rPr lang="es-419" noProof="0" dirty="0" smtClean="0"/>
+              <a:t>Uso de TMB requiere (algo) de </a:t>
+            </a:r>
+            <a:r>
+              <a:rPr lang="es-419" noProof="0" dirty="0" err="1" smtClean="0"/>
               <a:t>sintáxis</a:t>
             </a:r>
             <a:r>
-              <a:rPr lang="en-US" dirty="0"/>
+              <a:rPr lang="es-419" noProof="0" dirty="0" smtClean="0"/>
               <a:t> C++</a:t>
             </a:r>
           </a:p>
           <a:p>
             <a:r>
-              <a:rPr lang="en-US" dirty="0" err="1"/>
-              <a:t>Esto</a:t>
-            </a:r>
-            <a:r>
-              <a:rPr lang="en-US" dirty="0"/>
-              <a:t> es </a:t>
-            </a:r>
-            <a:r>
-              <a:rPr lang="en-US" dirty="0" err="1"/>
-              <a:t>habitualmente</a:t>
-            </a:r>
-            <a:r>
-              <a:rPr lang="en-US" dirty="0"/>
-              <a:t> la </a:t>
-            </a:r>
-            <a:r>
-              <a:rPr lang="en-US" dirty="0" err="1"/>
-              <a:t>parte</a:t>
-            </a:r>
-            <a:r>
-              <a:rPr lang="en-US" dirty="0"/>
-              <a:t> </a:t>
-            </a:r>
-            <a:r>
-              <a:rPr lang="en-US" dirty="0" err="1"/>
-              <a:t>más</a:t>
-            </a:r>
-            <a:r>
-              <a:rPr lang="en-US" dirty="0"/>
-              <a:t> </a:t>
-            </a:r>
-            <a:r>
-              <a:rPr lang="en-US" dirty="0" err="1"/>
-              <a:t>difícil</a:t>
-            </a:r>
-            <a:r>
-              <a:rPr lang="en-US" dirty="0"/>
-              <a:t>  de </a:t>
-            </a:r>
-            <a:r>
-              <a:rPr lang="en-US" dirty="0" err="1"/>
-              <a:t>aprender</a:t>
-            </a:r>
-            <a:r>
-              <a:rPr lang="en-US" dirty="0"/>
-              <a:t> TMB</a:t>
+              <a:rPr lang="es-419" noProof="0" dirty="0" smtClean="0"/>
+              <a:t>Esto es habitualmente la parte más difícil  de aprender TMB</a:t>
             </a:r>
           </a:p>
           <a:p>
             <a:pPr lvl="1"/>
             <a:r>
-              <a:rPr lang="en-US" dirty="0" err="1"/>
-              <a:t>Puede</a:t>
-            </a:r>
-            <a:r>
-              <a:rPr lang="en-US" dirty="0"/>
-              <a:t> ser </a:t>
-            </a:r>
-            <a:r>
-              <a:rPr lang="en-US" dirty="0" err="1"/>
-              <a:t>frustrante</a:t>
-            </a:r>
-            <a:r>
-              <a:rPr lang="en-US" dirty="0"/>
-              <a:t> </a:t>
-            </a:r>
-            <a:r>
-              <a:rPr lang="en-US" dirty="0" err="1"/>
-              <a:t>cuando</a:t>
-            </a:r>
-            <a:r>
-              <a:rPr lang="en-US" dirty="0"/>
-              <a:t> no </a:t>
-            </a:r>
-            <a:r>
-              <a:rPr lang="en-US" dirty="0" err="1"/>
-              <a:t>funciona</a:t>
-            </a:r>
-            <a:endParaRPr lang="en-US" dirty="0"/>
-          </a:p>
-          <a:p>
-            <a:r>
-              <a:rPr lang="en-US" dirty="0"/>
-              <a:t>Pero vale la </a:t>
-            </a:r>
-            <a:r>
-              <a:rPr lang="en-US" dirty="0" err="1"/>
-              <a:t>pena</a:t>
-            </a:r>
-            <a:r>
-              <a:rPr lang="en-US" dirty="0"/>
-              <a:t>!</a:t>
-            </a:r>
-          </a:p>
-          <a:p>
-            <a:endParaRPr lang="en-US" dirty="0"/>
+              <a:rPr lang="es-419" noProof="0" dirty="0" smtClean="0"/>
+              <a:t>Puede ser frustrante cuando no funciona</a:t>
+            </a:r>
+          </a:p>
+          <a:p>
+            <a:r>
+              <a:rPr lang="es-419" noProof="0" dirty="0" smtClean="0"/>
+              <a:t>Pero vale la pena!</a:t>
+            </a:r>
+          </a:p>
+          <a:p>
+            <a:endParaRPr lang="es-419" noProof="0" dirty="0"/>
           </a:p>
         </p:txBody>
       </p:sp>
@@ -17392,7 +17004,7 @@
           <p:cNvPr id="2" name="Title 1">
             <a:extLst>
               <a:ext uri="{FF2B5EF4-FFF2-40B4-BE49-F238E27FC236}">
-                <a16:creationId xmlns:a16="http://schemas.microsoft.com/office/drawing/2014/main" id="{4A3AFD99-5EC9-4170-980F-5DC4F7A5005E}"/>
+                <a16:creationId xmlns:a16="http://schemas.microsoft.com/office/drawing/2014/main" xmlns="" id="{4A3AFD99-5EC9-4170-980F-5DC4F7A5005E}"/>
               </a:ext>
             </a:extLst>
           </p:cNvPr>
@@ -17414,26 +17026,10 @@
           <a:lstStyle/>
           <a:p>
             <a:r>
-              <a:rPr lang="en-US" dirty="0" err="1"/>
-              <a:t>Depuración</a:t>
-            </a:r>
-            <a:r>
-              <a:rPr lang="en-US" dirty="0"/>
-              <a:t> I: </a:t>
-            </a:r>
-            <a:r>
-              <a:rPr lang="en-US" dirty="0" err="1"/>
-              <a:t>Tipos</a:t>
-            </a:r>
-            <a:r>
-              <a:rPr lang="en-US" dirty="0"/>
-              <a:t> de </a:t>
-            </a:r>
-            <a:r>
-              <a:rPr lang="en-US" dirty="0" err="1"/>
-              <a:t>errores</a:t>
-            </a:r>
-            <a:endParaRPr lang="en-US" dirty="0"/>
+              <a:rPr lang="es-419" noProof="0" dirty="0" smtClean="0"/>
+              <a:t>Depuración I: Tipos de errores</a:t>
+            </a:r>
+            <a:endParaRPr lang="es-419" noProof="0" dirty="0"/>
           </a:p>
         </p:txBody>
       </p:sp>
@@ -17442,7 +17038,7 @@
           <p:cNvPr id="3" name="Content Placeholder 2">
             <a:extLst>
               <a:ext uri="{FF2B5EF4-FFF2-40B4-BE49-F238E27FC236}">
-                <a16:creationId xmlns:a16="http://schemas.microsoft.com/office/drawing/2014/main" id="{08AE225E-52FD-45B5-AC76-227D50F42E6C}"/>
+                <a16:creationId xmlns:a16="http://schemas.microsoft.com/office/drawing/2014/main" xmlns="" id="{08AE225E-52FD-45B5-AC76-227D50F42E6C}"/>
               </a:ext>
             </a:extLst>
           </p:cNvPr>
@@ -17461,410 +17057,395 @@
         </p:spPr>
         <p:txBody>
           <a:bodyPr>
-            <a:normAutofit/>
+            <a:normAutofit fontScale="92500" lnSpcReduction="20000"/>
           </a:bodyPr>
           <a:lstStyle/>
           <a:p>
             <a:r>
-              <a:rPr lang="en-US" sz="2400" dirty="0" err="1"/>
-              <a:t>Errores</a:t>
-            </a:r>
+              <a:rPr lang="es-419" sz="2400" noProof="0" dirty="0" smtClean="0"/>
+              <a:t>Errores de compilación</a:t>
+            </a:r>
+          </a:p>
+          <a:p>
+            <a:pPr lvl="1"/>
+            <a:r>
+              <a:rPr lang="es-419" sz="2000" noProof="0" dirty="0" smtClean="0"/>
+              <a:t>Falla con errores al compilar</a:t>
+            </a:r>
+          </a:p>
+          <a:p>
+            <a:pPr lvl="1"/>
+            <a:r>
+              <a:rPr lang="es-419" sz="2000" noProof="0" dirty="0" err="1" smtClean="0"/>
+              <a:t>E.g</a:t>
+            </a:r>
+            <a:r>
+              <a:rPr lang="es-419" sz="2000" noProof="0" dirty="0" smtClean="0"/>
+              <a:t>., falta ‘)’ </a:t>
+            </a:r>
+            <a:r>
+              <a:rPr lang="es-419" sz="2000" noProof="0" dirty="0" err="1" smtClean="0"/>
+              <a:t>or</a:t>
+            </a:r>
+            <a:r>
+              <a:rPr lang="es-419" sz="2000" noProof="0" dirty="0" smtClean="0"/>
+              <a:t> ‘;’ o ‘</a:t>
+            </a:r>
+            <a:r>
+              <a:rPr lang="es-419" sz="2000" noProof="0" dirty="0" err="1" smtClean="0"/>
+              <a:t>Pred</a:t>
+            </a:r>
+            <a:r>
+              <a:rPr lang="es-419" sz="2000" noProof="0" dirty="0" smtClean="0"/>
+              <a:t>’ en vez de ‘</a:t>
+            </a:r>
+            <a:r>
+              <a:rPr lang="es-419" sz="2000" noProof="0" dirty="0" err="1" smtClean="0"/>
+              <a:t>pred</a:t>
+            </a:r>
+            <a:r>
+              <a:rPr lang="es-419" sz="2000" noProof="0" dirty="0" smtClean="0"/>
+              <a:t>’</a:t>
+            </a:r>
+          </a:p>
+          <a:p>
+            <a:pPr lvl="1"/>
+            <a:r>
+              <a:rPr lang="es-419" sz="2000" noProof="0" dirty="0" smtClean="0"/>
+              <a:t>Uso de un tipo inadecuado: </a:t>
+            </a:r>
+            <a:r>
+              <a:rPr lang="es-419" sz="2000" noProof="0" dirty="0" err="1" smtClean="0"/>
+              <a:t>int</a:t>
+            </a:r>
+            <a:r>
+              <a:rPr lang="es-419" sz="2000" noProof="0" dirty="0" smtClean="0"/>
+              <a:t> en vez de </a:t>
+            </a:r>
+            <a:r>
+              <a:rPr lang="es-419" sz="2000" noProof="0" dirty="0" err="1" smtClean="0"/>
+              <a:t>Type</a:t>
+            </a:r>
+            <a:endParaRPr lang="es-419" sz="2000" noProof="0" dirty="0" smtClean="0"/>
+          </a:p>
+          <a:p>
+            <a:r>
+              <a:rPr lang="es-419" sz="2400" noProof="0" dirty="0" smtClean="0"/>
+              <a:t>Errores de ejecución</a:t>
+            </a:r>
+          </a:p>
+          <a:p>
+            <a:pPr lvl="1"/>
+            <a:r>
+              <a:rPr lang="es-419" sz="2000" noProof="0" dirty="0" smtClean="0"/>
+              <a:t>Compila, pero falla en </a:t>
+            </a:r>
+            <a:r>
+              <a:rPr lang="es-419" sz="2000" noProof="0" dirty="0" err="1" smtClean="0"/>
+              <a:t>MakeADFun</a:t>
+            </a:r>
+            <a:endParaRPr lang="es-419" sz="2000" noProof="0" dirty="0" smtClean="0"/>
+          </a:p>
+          <a:p>
+            <a:pPr lvl="1"/>
+            <a:r>
+              <a:rPr lang="es-419" sz="2000" noProof="0" dirty="0" err="1" smtClean="0"/>
+              <a:t>E.g</a:t>
+            </a:r>
+            <a:r>
+              <a:rPr lang="es-419" sz="2000" noProof="0" dirty="0" smtClean="0"/>
+              <a:t>, pasa datos/</a:t>
+            </a:r>
+            <a:r>
+              <a:rPr lang="es-419" sz="2000" noProof="0" dirty="0" err="1" smtClean="0"/>
+              <a:t>parametros</a:t>
+            </a:r>
+            <a:r>
+              <a:rPr lang="es-419" sz="2000" noProof="0" dirty="0" smtClean="0"/>
+              <a:t> </a:t>
+            </a:r>
+            <a:r>
+              <a:rPr lang="es-419" sz="2000" noProof="0" dirty="0" err="1" smtClean="0"/>
+              <a:t>erroneos</a:t>
+            </a:r>
+            <a:endParaRPr lang="es-419" sz="2000" noProof="0" dirty="0" smtClean="0"/>
+          </a:p>
+          <a:p>
+            <a:pPr lvl="1"/>
+            <a:r>
+              <a:rPr lang="es-419" sz="2000" noProof="0" dirty="0" err="1" smtClean="0"/>
+              <a:t>Indice</a:t>
+            </a:r>
+            <a:r>
+              <a:rPr lang="es-419" sz="2000" noProof="0" dirty="0" smtClean="0"/>
+              <a:t> incorrecto en un </a:t>
+            </a:r>
+            <a:r>
+              <a:rPr lang="es-419" sz="2000" noProof="0" dirty="0" err="1" smtClean="0"/>
+              <a:t>loop</a:t>
+            </a:r>
+            <a:endParaRPr lang="es-419" sz="2000" noProof="0" dirty="0" smtClean="0"/>
+          </a:p>
+          <a:p>
+            <a:r>
+              <a:rPr lang="es-419" sz="2400" noProof="0" dirty="0" smtClean="0"/>
+              <a:t>Errores lógicos</a:t>
+            </a:r>
+          </a:p>
+          <a:p>
+            <a:pPr lvl="1"/>
+            <a:r>
+              <a:rPr lang="es-419" sz="2000" noProof="0" dirty="0" smtClean="0"/>
+              <a:t>Compila, liga &amp; corre, pero entrega una respuesta incorrecta</a:t>
+            </a:r>
+          </a:p>
+          <a:p>
+            <a:pPr lvl="1"/>
+            <a:r>
+              <a:rPr lang="es-419" sz="2000" noProof="0" dirty="0" err="1" smtClean="0"/>
+              <a:t>E.g</a:t>
+            </a:r>
+            <a:r>
+              <a:rPr lang="es-419" sz="2000" noProof="0" dirty="0" smtClean="0"/>
+              <a:t>., entrega varianza en vez de SD a </a:t>
+            </a:r>
+            <a:r>
+              <a:rPr lang="es-419" sz="2000" noProof="0" dirty="0" err="1" smtClean="0">
+                <a:latin typeface="Courier New" panose="02070309020205020404" pitchFamily="49" charset="0"/>
+                <a:cs typeface="Courier New" panose="02070309020205020404" pitchFamily="49" charset="0"/>
+              </a:rPr>
+              <a:t>dnorm</a:t>
+            </a:r>
+            <a:r>
+              <a:rPr lang="es-419" sz="2000" noProof="0" dirty="0" smtClean="0"/>
+              <a:t>.</a:t>
+            </a:r>
+          </a:p>
+          <a:p>
+            <a:r>
+              <a:rPr lang="es-419" sz="2400" dirty="0" err="1" smtClean="0"/>
+              <a:t>If</a:t>
+            </a:r>
+            <a:r>
+              <a:rPr lang="es-419" sz="2400" dirty="0" smtClean="0"/>
+              <a:t> </a:t>
+            </a:r>
+            <a:r>
+              <a:rPr lang="es-419" sz="2400" dirty="0" err="1" smtClean="0"/>
+              <a:t>you</a:t>
+            </a:r>
+            <a:r>
+              <a:rPr lang="es-419" sz="2400" dirty="0" smtClean="0"/>
+              <a:t> </a:t>
+            </a:r>
+            <a:r>
+              <a:rPr lang="es-419" sz="2400" dirty="0" err="1" smtClean="0"/>
+              <a:t>get</a:t>
+            </a:r>
+            <a:r>
+              <a:rPr lang="es-419" sz="2400" dirty="0" smtClean="0"/>
+              <a:t> </a:t>
+            </a:r>
+            <a:r>
+              <a:rPr lang="es-419" sz="2400" dirty="0" err="1" smtClean="0"/>
+              <a:t>this</a:t>
+            </a:r>
+            <a:r>
+              <a:rPr lang="es-419" sz="2400" dirty="0" smtClean="0"/>
+              <a:t> error:</a:t>
+            </a:r>
+          </a:p>
+          <a:p>
+            <a:pPr marL="0" indent="0">
+              <a:buNone/>
+            </a:pPr>
+            <a:r>
+              <a:rPr lang="es-419" sz="1900" dirty="0" err="1" smtClean="0">
+                <a:latin typeface="Courier New" panose="02070309020205020404" pitchFamily="49" charset="0"/>
+                <a:cs typeface="Courier New" panose="02070309020205020404" pitchFamily="49" charset="0"/>
+              </a:rPr>
+              <a:t>cannot</a:t>
+            </a:r>
+            <a:r>
+              <a:rPr lang="es-419" sz="1900" dirty="0" smtClean="0">
+                <a:latin typeface="Courier New" panose="02070309020205020404" pitchFamily="49" charset="0"/>
+                <a:cs typeface="Courier New" panose="02070309020205020404" pitchFamily="49" charset="0"/>
+              </a:rPr>
+              <a:t> </a:t>
+            </a:r>
+            <a:r>
+              <a:rPr lang="es-419" sz="1900" dirty="0">
+                <a:latin typeface="Courier New" panose="02070309020205020404" pitchFamily="49" charset="0"/>
+                <a:cs typeface="Courier New" panose="02070309020205020404" pitchFamily="49" charset="0"/>
+              </a:rPr>
+              <a:t>open output file </a:t>
+            </a:r>
+            <a:r>
+              <a:rPr lang="es-419" sz="1900" dirty="0" err="1">
+                <a:latin typeface="Courier New" panose="02070309020205020404" pitchFamily="49" charset="0"/>
+                <a:cs typeface="Courier New" panose="02070309020205020404" pitchFamily="49" charset="0"/>
+              </a:rPr>
+              <a:t>tmb_models</a:t>
+            </a:r>
+            <a:r>
+              <a:rPr lang="es-419" sz="1900" dirty="0">
+                <a:latin typeface="Courier New" panose="02070309020205020404" pitchFamily="49" charset="0"/>
+                <a:cs typeface="Courier New" panose="02070309020205020404" pitchFamily="49" charset="0"/>
+              </a:rPr>
+              <a:t>/bevholt2.dll: </a:t>
+            </a:r>
+            <a:r>
+              <a:rPr lang="es-419" sz="1900" dirty="0" err="1">
+                <a:latin typeface="Courier New" panose="02070309020205020404" pitchFamily="49" charset="0"/>
+                <a:cs typeface="Courier New" panose="02070309020205020404" pitchFamily="49" charset="0"/>
+              </a:rPr>
+              <a:t>Permission</a:t>
+            </a:r>
+            <a:r>
+              <a:rPr lang="es-419" sz="1900" dirty="0">
+                <a:latin typeface="Courier New" panose="02070309020205020404" pitchFamily="49" charset="0"/>
+                <a:cs typeface="Courier New" panose="02070309020205020404" pitchFamily="49" charset="0"/>
+              </a:rPr>
+              <a:t> </a:t>
+            </a:r>
+            <a:r>
+              <a:rPr lang="es-419" sz="1900" dirty="0" err="1" smtClean="0">
+                <a:latin typeface="Courier New" panose="02070309020205020404" pitchFamily="49" charset="0"/>
+                <a:cs typeface="Courier New" panose="02070309020205020404" pitchFamily="49" charset="0"/>
+              </a:rPr>
+              <a:t>denied</a:t>
+            </a:r>
+            <a:endParaRPr lang="es-419" sz="1900" dirty="0" smtClean="0">
+              <a:latin typeface="Courier New" panose="02070309020205020404" pitchFamily="49" charset="0"/>
+              <a:cs typeface="Courier New" panose="02070309020205020404" pitchFamily="49" charset="0"/>
+            </a:endParaRPr>
+          </a:p>
+          <a:p>
+            <a:pPr marL="0" indent="0">
+              <a:buNone/>
+            </a:pPr>
+            <a:r>
+              <a:rPr lang="es-419" sz="1900" dirty="0" smtClean="0">
+                <a:latin typeface="Courier New" panose="02070309020205020404" pitchFamily="49" charset="0"/>
+                <a:cs typeface="Courier New" panose="02070309020205020404" pitchFamily="49" charset="0"/>
+              </a:rPr>
+              <a:t>collect2.exe</a:t>
+            </a:r>
+            <a:r>
+              <a:rPr lang="es-419" sz="1900" dirty="0">
+                <a:latin typeface="Courier New" panose="02070309020205020404" pitchFamily="49" charset="0"/>
+                <a:cs typeface="Courier New" panose="02070309020205020404" pitchFamily="49" charset="0"/>
+              </a:rPr>
+              <a:t>: error: </a:t>
+            </a:r>
+            <a:r>
+              <a:rPr lang="es-419" sz="1900" dirty="0" err="1">
+                <a:latin typeface="Courier New" panose="02070309020205020404" pitchFamily="49" charset="0"/>
+                <a:cs typeface="Courier New" panose="02070309020205020404" pitchFamily="49" charset="0"/>
+              </a:rPr>
+              <a:t>ld</a:t>
+            </a:r>
+            <a:r>
+              <a:rPr lang="es-419" sz="1900" dirty="0">
+                <a:latin typeface="Courier New" panose="02070309020205020404" pitchFamily="49" charset="0"/>
+                <a:cs typeface="Courier New" panose="02070309020205020404" pitchFamily="49" charset="0"/>
+              </a:rPr>
+              <a:t> </a:t>
+            </a:r>
+            <a:r>
+              <a:rPr lang="es-419" sz="1900" dirty="0" err="1">
+                <a:latin typeface="Courier New" panose="02070309020205020404" pitchFamily="49" charset="0"/>
+                <a:cs typeface="Courier New" panose="02070309020205020404" pitchFamily="49" charset="0"/>
+              </a:rPr>
+              <a:t>returned</a:t>
+            </a:r>
+            <a:r>
+              <a:rPr lang="es-419" sz="1900" dirty="0">
+                <a:latin typeface="Courier New" panose="02070309020205020404" pitchFamily="49" charset="0"/>
+                <a:cs typeface="Courier New" panose="02070309020205020404" pitchFamily="49" charset="0"/>
+              </a:rPr>
+              <a:t> 1 </a:t>
+            </a:r>
+            <a:r>
+              <a:rPr lang="es-419" sz="1900" dirty="0" err="1">
+                <a:latin typeface="Courier New" panose="02070309020205020404" pitchFamily="49" charset="0"/>
+                <a:cs typeface="Courier New" panose="02070309020205020404" pitchFamily="49" charset="0"/>
+              </a:rPr>
+              <a:t>exit</a:t>
+            </a:r>
+            <a:r>
+              <a:rPr lang="es-419" sz="1900" dirty="0">
+                <a:latin typeface="Courier New" panose="02070309020205020404" pitchFamily="49" charset="0"/>
+                <a:cs typeface="Courier New" panose="02070309020205020404" pitchFamily="49" charset="0"/>
+              </a:rPr>
+              <a:t> </a:t>
+            </a:r>
+            <a:r>
+              <a:rPr lang="es-419" sz="1900" dirty="0" smtClean="0">
+                <a:latin typeface="Courier New" panose="02070309020205020404" pitchFamily="49" charset="0"/>
+                <a:cs typeface="Courier New" panose="02070309020205020404" pitchFamily="49" charset="0"/>
+              </a:rPr>
+              <a:t>status</a:t>
+            </a:r>
+          </a:p>
+          <a:p>
+            <a:pPr marL="0" indent="0">
+              <a:buNone/>
+            </a:pPr>
             <a:r>
               <a:rPr lang="en-US" sz="2400" dirty="0"/>
-              <a:t> de </a:t>
-            </a:r>
-            <a:r>
-              <a:rPr lang="en-US" sz="2400" dirty="0" err="1"/>
-              <a:t>compilación</a:t>
-            </a:r>
-            <a:endParaRPr lang="en-US" sz="2400" dirty="0"/>
-          </a:p>
-          <a:p>
-            <a:pPr lvl="1"/>
-            <a:r>
-              <a:rPr lang="en-US" sz="2000" dirty="0" err="1"/>
-              <a:t>Falla</a:t>
-            </a:r>
-            <a:r>
-              <a:rPr lang="en-US" sz="2000" dirty="0"/>
-              <a:t> con </a:t>
-            </a:r>
-            <a:r>
-              <a:rPr lang="en-US" sz="2000" dirty="0" err="1"/>
-              <a:t>errores</a:t>
-            </a:r>
-            <a:r>
-              <a:rPr lang="en-US" sz="2000" dirty="0"/>
-              <a:t> al </a:t>
-            </a:r>
-            <a:r>
-              <a:rPr lang="en-US" sz="2000" dirty="0" err="1"/>
-              <a:t>compilar</a:t>
-            </a:r>
-            <a:endParaRPr lang="en-US" sz="2000" dirty="0"/>
-          </a:p>
-          <a:p>
-            <a:pPr lvl="1"/>
-            <a:r>
-              <a:rPr lang="en-US" sz="2000" dirty="0"/>
-              <a:t>E.g., </a:t>
-            </a:r>
-            <a:r>
-              <a:rPr lang="en-US" sz="2000" dirty="0" err="1"/>
-              <a:t>falta</a:t>
-            </a:r>
-            <a:r>
-              <a:rPr lang="en-US" sz="2000" dirty="0"/>
-              <a:t> ‘)’ or ‘;’ o ‘Pred’ </a:t>
-            </a:r>
-            <a:r>
-              <a:rPr lang="en-US" sz="2000" dirty="0" err="1"/>
-              <a:t>en</a:t>
-            </a:r>
-            <a:r>
-              <a:rPr lang="en-US" sz="2000" dirty="0"/>
-              <a:t> </a:t>
-            </a:r>
-            <a:r>
-              <a:rPr lang="en-US" sz="2000" dirty="0" err="1"/>
-              <a:t>vez</a:t>
-            </a:r>
-            <a:r>
-              <a:rPr lang="en-US" sz="2000" dirty="0"/>
-              <a:t> de ‘pred’</a:t>
-            </a:r>
-          </a:p>
-          <a:p>
-            <a:pPr lvl="1"/>
-            <a:r>
-              <a:rPr lang="en-US" sz="2000" dirty="0" err="1"/>
-              <a:t>Uso</a:t>
-            </a:r>
-            <a:r>
-              <a:rPr lang="en-US" sz="2000" dirty="0"/>
-              <a:t> de un </a:t>
-            </a:r>
-            <a:r>
-              <a:rPr lang="en-US" sz="2000" dirty="0" err="1"/>
-              <a:t>tipo</a:t>
-            </a:r>
-            <a:r>
-              <a:rPr lang="en-US" sz="2000" dirty="0"/>
-              <a:t> </a:t>
-            </a:r>
-            <a:r>
-              <a:rPr lang="en-US" sz="2000" dirty="0" err="1"/>
-              <a:t>inadecuado</a:t>
-            </a:r>
-            <a:r>
-              <a:rPr lang="en-US" sz="2000" dirty="0"/>
-              <a:t>: int </a:t>
-            </a:r>
-            <a:r>
-              <a:rPr lang="en-US" sz="2000" dirty="0" err="1"/>
-              <a:t>en</a:t>
-            </a:r>
-            <a:r>
-              <a:rPr lang="en-US" sz="2000" dirty="0"/>
-              <a:t> </a:t>
-            </a:r>
-            <a:r>
-              <a:rPr lang="en-US" sz="2000" dirty="0" err="1"/>
-              <a:t>vez</a:t>
-            </a:r>
-            <a:r>
-              <a:rPr lang="en-US" sz="2000" dirty="0"/>
-              <a:t> de Type</a:t>
-            </a:r>
-          </a:p>
-          <a:p>
-            <a:r>
-              <a:rPr lang="en-US" sz="2400" dirty="0" err="1"/>
-              <a:t>Errores</a:t>
-            </a:r>
-            <a:r>
-              <a:rPr lang="en-US" sz="2400" dirty="0"/>
-              <a:t> de </a:t>
-            </a:r>
-            <a:r>
-              <a:rPr lang="en-US" sz="2400" dirty="0" err="1"/>
-              <a:t>ejecución</a:t>
-            </a:r>
-            <a:endParaRPr lang="en-US" sz="2400" dirty="0"/>
-          </a:p>
-          <a:p>
-            <a:pPr lvl="1"/>
-            <a:r>
-              <a:rPr lang="en-US" sz="2000" dirty="0" err="1"/>
-              <a:t>Compila</a:t>
-            </a:r>
-            <a:r>
-              <a:rPr lang="en-US" sz="2000" dirty="0"/>
-              <a:t>, </a:t>
-            </a:r>
-            <a:r>
-              <a:rPr lang="en-US" sz="2000" dirty="0" err="1"/>
-              <a:t>pero</a:t>
-            </a:r>
-            <a:r>
-              <a:rPr lang="en-US" sz="2000" dirty="0"/>
-              <a:t> </a:t>
-            </a:r>
-            <a:r>
-              <a:rPr lang="en-US" sz="2000" dirty="0" err="1"/>
-              <a:t>falla</a:t>
-            </a:r>
-            <a:r>
-              <a:rPr lang="en-US" sz="2000" dirty="0"/>
-              <a:t> </a:t>
-            </a:r>
-            <a:r>
-              <a:rPr lang="en-US" sz="2000" dirty="0" err="1"/>
-              <a:t>en</a:t>
-            </a:r>
-            <a:r>
-              <a:rPr lang="en-US" sz="2000" dirty="0"/>
-              <a:t> </a:t>
-            </a:r>
-            <a:r>
-              <a:rPr lang="en-US" sz="2000" dirty="0" err="1"/>
-              <a:t>MakeADFun</a:t>
-            </a:r>
-            <a:endParaRPr lang="en-US" sz="2000" dirty="0"/>
-          </a:p>
-          <a:p>
-            <a:pPr lvl="1"/>
-            <a:r>
-              <a:rPr lang="en-US" sz="2000" dirty="0" err="1"/>
-              <a:t>E.g</a:t>
-            </a:r>
-            <a:r>
-              <a:rPr lang="en-US" sz="2000" dirty="0"/>
-              <a:t>, </a:t>
-            </a:r>
-            <a:r>
-              <a:rPr lang="en-US" sz="2000" dirty="0" err="1"/>
-              <a:t>pasa</a:t>
-            </a:r>
-            <a:r>
-              <a:rPr lang="en-US" sz="2000" dirty="0"/>
-              <a:t> </a:t>
-            </a:r>
-            <a:r>
-              <a:rPr lang="en-US" sz="2000" dirty="0" err="1"/>
-              <a:t>datos</a:t>
-            </a:r>
-            <a:r>
-              <a:rPr lang="en-US" sz="2000" dirty="0"/>
-              <a:t>/</a:t>
-            </a:r>
-            <a:r>
-              <a:rPr lang="en-US" sz="2000" dirty="0" err="1"/>
-              <a:t>parametros</a:t>
-            </a:r>
-            <a:r>
-              <a:rPr lang="en-US" sz="2000" dirty="0"/>
-              <a:t> </a:t>
-            </a:r>
-            <a:r>
-              <a:rPr lang="en-US" sz="2000" dirty="0" err="1"/>
-              <a:t>erroneos</a:t>
-            </a:r>
-            <a:endParaRPr lang="en-US" sz="2000" dirty="0"/>
-          </a:p>
-          <a:p>
-            <a:pPr lvl="1"/>
-            <a:r>
-              <a:rPr lang="en-US" sz="2000" dirty="0" err="1"/>
-              <a:t>Indice</a:t>
-            </a:r>
-            <a:r>
-              <a:rPr lang="en-US" sz="2000" dirty="0"/>
-              <a:t> </a:t>
-            </a:r>
-            <a:r>
-              <a:rPr lang="en-US" sz="2000" dirty="0" err="1"/>
-              <a:t>incorrecto</a:t>
-            </a:r>
-            <a:r>
-              <a:rPr lang="en-US" sz="2000" dirty="0"/>
-              <a:t> </a:t>
-            </a:r>
-            <a:r>
-              <a:rPr lang="en-US" sz="2000" dirty="0" err="1"/>
-              <a:t>en</a:t>
-            </a:r>
-            <a:r>
-              <a:rPr lang="en-US" sz="2000" dirty="0"/>
-              <a:t> un loop</a:t>
-            </a:r>
-          </a:p>
-          <a:p>
-            <a:r>
-              <a:rPr lang="en-US" sz="2400" dirty="0" err="1"/>
-              <a:t>Errores</a:t>
-            </a:r>
-            <a:r>
-              <a:rPr lang="en-US" sz="2400" dirty="0"/>
-              <a:t> </a:t>
-            </a:r>
-            <a:r>
-              <a:rPr lang="en-US" sz="2400" dirty="0" err="1"/>
-              <a:t>lógicos</a:t>
-            </a:r>
-            <a:endParaRPr lang="en-US" sz="2400" dirty="0"/>
-          </a:p>
-          <a:p>
-            <a:pPr lvl="1"/>
-            <a:r>
-              <a:rPr lang="en-US" sz="2000" dirty="0" err="1"/>
-              <a:t>Compila</a:t>
-            </a:r>
-            <a:r>
-              <a:rPr lang="en-US" sz="2000" dirty="0"/>
-              <a:t>, </a:t>
-            </a:r>
-            <a:r>
-              <a:rPr lang="en-US" sz="2000" dirty="0" err="1"/>
-              <a:t>liga</a:t>
-            </a:r>
-            <a:r>
-              <a:rPr lang="en-US" sz="2000" dirty="0"/>
-              <a:t> &amp; </a:t>
-            </a:r>
-            <a:r>
-              <a:rPr lang="en-US" sz="2000" dirty="0" err="1"/>
-              <a:t>corre</a:t>
-            </a:r>
-            <a:r>
-              <a:rPr lang="en-US" sz="2000" dirty="0"/>
-              <a:t>, </a:t>
-            </a:r>
-            <a:r>
-              <a:rPr lang="en-US" sz="2000" dirty="0" err="1"/>
-              <a:t>pero</a:t>
-            </a:r>
-            <a:r>
-              <a:rPr lang="en-US" sz="2000" dirty="0"/>
-              <a:t> </a:t>
-            </a:r>
-            <a:r>
-              <a:rPr lang="en-US" sz="2000" dirty="0" err="1"/>
-              <a:t>entrega</a:t>
-            </a:r>
-            <a:r>
-              <a:rPr lang="en-US" sz="2000" dirty="0"/>
-              <a:t> una </a:t>
-            </a:r>
-            <a:r>
-              <a:rPr lang="en-US" sz="2000" dirty="0" err="1"/>
-              <a:t>respuesta</a:t>
-            </a:r>
-            <a:r>
-              <a:rPr lang="en-US" sz="2000" dirty="0"/>
-              <a:t> </a:t>
-            </a:r>
-            <a:r>
-              <a:rPr lang="en-US" sz="2000" dirty="0" err="1"/>
-              <a:t>incorrecta</a:t>
-            </a:r>
-            <a:endParaRPr lang="en-US" sz="2000" dirty="0"/>
-          </a:p>
-          <a:p>
-            <a:pPr lvl="1"/>
-            <a:r>
-              <a:rPr lang="en-US" sz="2000" dirty="0"/>
-              <a:t>E.g., </a:t>
-            </a:r>
-            <a:r>
-              <a:rPr lang="en-US" sz="2000" dirty="0" err="1"/>
-              <a:t>entrega</a:t>
-            </a:r>
-            <a:r>
-              <a:rPr lang="en-US" sz="2000" dirty="0"/>
-              <a:t> </a:t>
-            </a:r>
-            <a:r>
-              <a:rPr lang="en-US" sz="2000" dirty="0" err="1"/>
-              <a:t>varianza</a:t>
-            </a:r>
-            <a:r>
-              <a:rPr lang="en-US" sz="2000" dirty="0"/>
-              <a:t> </a:t>
-            </a:r>
-            <a:r>
-              <a:rPr lang="en-US" sz="2000" dirty="0" err="1"/>
-              <a:t>en</a:t>
-            </a:r>
-            <a:r>
-              <a:rPr lang="en-US" sz="2000" dirty="0"/>
-              <a:t> </a:t>
-            </a:r>
-            <a:r>
-              <a:rPr lang="en-US" sz="2000" dirty="0" err="1"/>
-              <a:t>vez</a:t>
-            </a:r>
-            <a:r>
-              <a:rPr lang="en-US" sz="2000" dirty="0"/>
-              <a:t> de SD a </a:t>
-            </a:r>
-            <a:r>
-              <a:rPr lang="en-US" sz="2000" dirty="0" err="1">
+              <a:t>Run </a:t>
+            </a:r>
+            <a:r>
+              <a:rPr lang="en-US" sz="2400" dirty="0" smtClean="0"/>
+              <a:t>this and then recompile/link model: </a:t>
+            </a:r>
+            <a:r>
+              <a:rPr lang="en-US" sz="2400" dirty="0" err="1">
                 <a:latin typeface="Courier New" panose="02070309020205020404" pitchFamily="49" charset="0"/>
                 <a:cs typeface="Courier New" panose="02070309020205020404" pitchFamily="49" charset="0"/>
               </a:rPr>
-              <a:t>dnorm</a:t>
-            </a:r>
-            <a:r>
-              <a:rPr lang="en-US" sz="2000" dirty="0"/>
-              <a:t>.</a:t>
-            </a:r>
-          </a:p>
-          <a:p>
-            <a:r>
-              <a:rPr lang="en-US" sz="2400" dirty="0"/>
-              <a:t>[</a:t>
-            </a:r>
-            <a:r>
-              <a:rPr lang="en-US" sz="2400" dirty="0" err="1"/>
-              <a:t>Demostrar</a:t>
-            </a:r>
-            <a:r>
-              <a:rPr lang="en-US" sz="2400" dirty="0"/>
-              <a:t> </a:t>
-            </a:r>
-            <a:r>
-              <a:rPr lang="en-US" sz="2400" dirty="0" err="1"/>
-              <a:t>en</a:t>
-            </a:r>
-            <a:r>
-              <a:rPr lang="en-US" sz="2400" dirty="0"/>
-              <a:t> R con </a:t>
-            </a:r>
-            <a:r>
-              <a:rPr lang="en-US" sz="2400" dirty="0" err="1"/>
-              <a:t>el</a:t>
-            </a:r>
-            <a:r>
-              <a:rPr lang="en-US" sz="2400" dirty="0"/>
-              <a:t> </a:t>
-            </a:r>
-            <a:r>
-              <a:rPr lang="en-US" sz="2400" dirty="0" err="1"/>
-              <a:t>modelo</a:t>
-            </a:r>
-            <a:r>
-              <a:rPr lang="en-US" sz="2400" dirty="0"/>
-              <a:t> </a:t>
-            </a:r>
-            <a:r>
-              <a:rPr lang="en-US" sz="2400" dirty="0" err="1"/>
-              <a:t>vonbert</a:t>
-            </a:r>
-            <a:r>
-              <a:rPr lang="en-US" sz="2400" dirty="0"/>
-              <a:t>]</a:t>
-            </a:r>
+              <a:t>dyn.unload</a:t>
+            </a:r>
+            <a:r>
+              <a:rPr lang="en-US" sz="2400" dirty="0">
+                <a:latin typeface="Courier New" panose="02070309020205020404" pitchFamily="49" charset="0"/>
+                <a:cs typeface="Courier New" panose="02070309020205020404" pitchFamily="49" charset="0"/>
+              </a:rPr>
+              <a:t>(</a:t>
+            </a:r>
+            <a:r>
+              <a:rPr lang="en-US" sz="2400" dirty="0" err="1">
+                <a:latin typeface="Courier New" panose="02070309020205020404" pitchFamily="49" charset="0"/>
+                <a:cs typeface="Courier New" panose="02070309020205020404" pitchFamily="49" charset="0"/>
+              </a:rPr>
+              <a:t>dynlib</a:t>
+            </a:r>
+            <a:r>
+              <a:rPr lang="en-US" sz="2400" dirty="0">
+                <a:latin typeface="Courier New" panose="02070309020205020404" pitchFamily="49" charset="0"/>
+                <a:cs typeface="Courier New" panose="02070309020205020404" pitchFamily="49" charset="0"/>
+              </a:rPr>
+              <a:t>("</a:t>
+            </a:r>
+            <a:r>
+              <a:rPr lang="en-US" sz="2400" dirty="0" err="1">
+                <a:latin typeface="Courier New" panose="02070309020205020404" pitchFamily="49" charset="0"/>
+                <a:cs typeface="Courier New" panose="02070309020205020404" pitchFamily="49" charset="0"/>
+              </a:rPr>
+              <a:t>tmb_models</a:t>
+            </a:r>
+            <a:r>
+              <a:rPr lang="en-US" sz="2400" dirty="0">
+                <a:latin typeface="Courier New" panose="02070309020205020404" pitchFamily="49" charset="0"/>
+                <a:cs typeface="Courier New" panose="02070309020205020404" pitchFamily="49" charset="0"/>
+              </a:rPr>
+              <a:t>/bevholt2"))</a:t>
+            </a:r>
+            <a:endParaRPr lang="es-419" sz="2400" noProof="0" dirty="0">
+              <a:latin typeface="Courier New" panose="02070309020205020404" pitchFamily="49" charset="0"/>
+              <a:cs typeface="Courier New" panose="02070309020205020404" pitchFamily="49" charset="0"/>
+            </a:endParaRPr>
           </a:p>
         </p:txBody>
       </p:sp>
@@ -17873,7 +17454,7 @@
           <p:cNvPr id="4" name="Slide Number Placeholder 3">
             <a:extLst>
               <a:ext uri="{FF2B5EF4-FFF2-40B4-BE49-F238E27FC236}">
-                <a16:creationId xmlns:a16="http://schemas.microsoft.com/office/drawing/2014/main" id="{20256E1C-B475-465D-9F38-0C54343DE43C}"/>
+                <a16:creationId xmlns:a16="http://schemas.microsoft.com/office/drawing/2014/main" xmlns="" id="{20256E1C-B475-465D-9F38-0C54343DE43C}"/>
               </a:ext>
             </a:extLst>
           </p:cNvPr>
@@ -17893,6 +17474,58 @@
               <a:rPr lang="en-US" smtClean="0"/>
               <a:t>20</a:t>
             </a:fld>
+            <a:endParaRPr lang="en-US"/>
+          </a:p>
+        </p:txBody>
+      </p:sp>
+      <p:sp>
+        <p:nvSpPr>
+          <p:cNvPr id="5" name="Rectangle 4">
+            <a:extLst>
+              <a:ext uri="{FF2B5EF4-FFF2-40B4-BE49-F238E27FC236}">
+                <a16:creationId xmlns:a16="http://schemas.microsoft.com/office/drawing/2014/main" xmlns="" id="{6682D64B-91A5-4913-97EA-B4BDBD5550B3}"/>
+              </a:ext>
+            </a:extLst>
+          </p:cNvPr>
+          <p:cNvSpPr/>
+          <p:nvPr/>
+        </p:nvSpPr>
+        <p:spPr>
+          <a:xfrm>
+            <a:off x="1382859" y="5862605"/>
+            <a:ext cx="1090375" cy="303064"/>
+          </a:xfrm>
+          <a:prstGeom prst="rect">
+            <a:avLst/>
+          </a:prstGeom>
+          <a:noFill/>
+          <a:ln w="38100">
+            <a:solidFill>
+              <a:srgbClr val="FF0000"/>
+            </a:solidFill>
+          </a:ln>
+        </p:spPr>
+        <p:style>
+          <a:lnRef idx="2">
+            <a:schemeClr val="accent1">
+              <a:shade val="50000"/>
+            </a:schemeClr>
+          </a:lnRef>
+          <a:fillRef idx="1">
+            <a:schemeClr val="accent1"/>
+          </a:fillRef>
+          <a:effectRef idx="0">
+            <a:schemeClr val="accent1"/>
+          </a:effectRef>
+          <a:fontRef idx="minor">
+            <a:schemeClr val="lt1"/>
+          </a:fontRef>
+        </p:style>
+        <p:txBody>
+          <a:bodyPr rtlCol="0" anchor="ctr"/>
+          <a:lstStyle/>
+          <a:p>
+            <a:pPr algn="ctr"/>
             <a:endParaRPr lang="en-US"/>
           </a:p>
         </p:txBody>
@@ -17932,7 +17565,7 @@
           <p:cNvPr id="2" name="Title 1">
             <a:extLst>
               <a:ext uri="{FF2B5EF4-FFF2-40B4-BE49-F238E27FC236}">
-                <a16:creationId xmlns:a16="http://schemas.microsoft.com/office/drawing/2014/main" id="{4A3AFD99-5EC9-4170-980F-5DC4F7A5005E}"/>
+                <a16:creationId xmlns:a16="http://schemas.microsoft.com/office/drawing/2014/main" xmlns="" id="{4A3AFD99-5EC9-4170-980F-5DC4F7A5005E}"/>
               </a:ext>
             </a:extLst>
           </p:cNvPr>
@@ -17949,18 +17582,10 @@
           <a:lstStyle/>
           <a:p>
             <a:r>
-              <a:rPr lang="en-US" dirty="0" err="1"/>
-              <a:t>Depuración</a:t>
-            </a:r>
-            <a:r>
-              <a:rPr lang="en-US" dirty="0"/>
-              <a:t> II: </a:t>
-            </a:r>
-            <a:r>
-              <a:rPr lang="en-US" dirty="0" err="1"/>
-              <a:t>Estrategias</a:t>
-            </a:r>
-            <a:endParaRPr lang="en-US" dirty="0"/>
+              <a:rPr lang="es-419" noProof="0" dirty="0" smtClean="0"/>
+              <a:t>Depuración II: Estrategias</a:t>
+            </a:r>
+            <a:endParaRPr lang="es-419" noProof="0" dirty="0"/>
           </a:p>
         </p:txBody>
       </p:sp>
@@ -17969,7 +17594,7 @@
           <p:cNvPr id="3" name="Content Placeholder 2">
             <a:extLst>
               <a:ext uri="{FF2B5EF4-FFF2-40B4-BE49-F238E27FC236}">
-                <a16:creationId xmlns:a16="http://schemas.microsoft.com/office/drawing/2014/main" id="{08AE225E-52FD-45B5-AC76-227D50F42E6C}"/>
+                <a16:creationId xmlns:a16="http://schemas.microsoft.com/office/drawing/2014/main" xmlns="" id="{08AE225E-52FD-45B5-AC76-227D50F42E6C}"/>
               </a:ext>
             </a:extLst>
           </p:cNvPr>
@@ -17991,251 +17616,33 @@
           <a:lstStyle/>
           <a:p>
             <a:r>
-              <a:rPr lang="en-US" sz="2800" dirty="0" err="1"/>
-              <a:t>Haga</a:t>
-            </a:r>
-            <a:r>
-              <a:rPr lang="en-US" sz="2800" dirty="0"/>
-              <a:t> </a:t>
-            </a:r>
-            <a:r>
-              <a:rPr lang="en-US" sz="2800" dirty="0" err="1"/>
-              <a:t>pequeños</a:t>
-            </a:r>
-            <a:r>
-              <a:rPr lang="en-US" sz="2800" dirty="0"/>
-              <a:t> </a:t>
-            </a:r>
-            <a:r>
-              <a:rPr lang="en-US" sz="2800" dirty="0" err="1"/>
-              <a:t>cambios</a:t>
-            </a:r>
-            <a:r>
-              <a:rPr lang="en-US" sz="2800" dirty="0"/>
-              <a:t>, recompile con </a:t>
-            </a:r>
-            <a:r>
-              <a:rPr lang="en-US" sz="2800" dirty="0" err="1"/>
-              <a:t>frecuencia</a:t>
-            </a:r>
-            <a:endParaRPr lang="en-US" sz="2800" dirty="0"/>
-          </a:p>
-          <a:p>
-            <a:r>
-              <a:rPr lang="en-US" sz="2800" dirty="0" err="1"/>
-              <a:t>Cuando</a:t>
-            </a:r>
-            <a:r>
-              <a:rPr lang="en-US" sz="2800" dirty="0"/>
-              <a:t> </a:t>
-            </a:r>
-            <a:r>
-              <a:rPr lang="en-US" sz="2800" dirty="0" err="1"/>
-              <a:t>fallan</a:t>
-            </a:r>
-            <a:r>
-              <a:rPr lang="en-US" sz="2800" dirty="0"/>
-              <a:t> las </a:t>
-            </a:r>
-            <a:r>
-              <a:rPr lang="en-US" sz="2800" dirty="0" err="1"/>
-              <a:t>compilaciones</a:t>
-            </a:r>
-            <a:r>
-              <a:rPr lang="en-US" sz="2800" dirty="0"/>
-              <a:t>, </a:t>
-            </a:r>
-            <a:r>
-              <a:rPr lang="en-US" sz="2800" dirty="0" err="1"/>
-              <a:t>concéntrese</a:t>
-            </a:r>
-            <a:r>
-              <a:rPr lang="en-US" sz="2800" dirty="0"/>
-              <a:t> </a:t>
-            </a:r>
-            <a:r>
-              <a:rPr lang="en-US" sz="2800" dirty="0" err="1"/>
-              <a:t>en</a:t>
-            </a:r>
-            <a:r>
-              <a:rPr lang="en-US" sz="2800" dirty="0"/>
-              <a:t> los </a:t>
-            </a:r>
-            <a:r>
-              <a:rPr lang="en-US" sz="2800" dirty="0" err="1"/>
-              <a:t>primeros</a:t>
-            </a:r>
-            <a:r>
-              <a:rPr lang="en-US" sz="2800" dirty="0"/>
-              <a:t> </a:t>
-            </a:r>
-            <a:r>
-              <a:rPr lang="en-US" sz="2800" dirty="0" err="1"/>
-              <a:t>errores</a:t>
-            </a:r>
-            <a:endParaRPr lang="en-US" sz="2800" dirty="0"/>
-          </a:p>
-          <a:p>
-            <a:r>
-              <a:rPr lang="en-US" sz="2800" dirty="0"/>
-              <a:t>Para </a:t>
-            </a:r>
-            <a:r>
-              <a:rPr lang="en-US" sz="2800" dirty="0" err="1"/>
-              <a:t>errores</a:t>
-            </a:r>
-            <a:r>
-              <a:rPr lang="en-US" sz="2800" dirty="0"/>
-              <a:t> de </a:t>
-            </a:r>
-            <a:r>
-              <a:rPr lang="en-US" sz="2800" dirty="0" err="1"/>
-              <a:t>ejecución</a:t>
-            </a:r>
-            <a:r>
-              <a:rPr lang="en-US" sz="2800" dirty="0"/>
-              <a:t>, </a:t>
-            </a:r>
-            <a:r>
-              <a:rPr lang="en-US" sz="2800" dirty="0" err="1"/>
-              <a:t>omita</a:t>
-            </a:r>
-            <a:r>
-              <a:rPr lang="en-US" sz="2800" dirty="0"/>
-              <a:t> </a:t>
-            </a:r>
-            <a:r>
-              <a:rPr lang="en-US" sz="2800" dirty="0" err="1"/>
-              <a:t>secciones</a:t>
-            </a:r>
-            <a:r>
-              <a:rPr lang="en-US" sz="2800" dirty="0"/>
-              <a:t> para </a:t>
-            </a:r>
-            <a:r>
-              <a:rPr lang="en-US" sz="2800" dirty="0" err="1"/>
-              <a:t>probar</a:t>
-            </a:r>
-            <a:r>
-              <a:rPr lang="en-US" sz="2800" dirty="0"/>
-              <a:t> y </a:t>
-            </a:r>
-            <a:r>
-              <a:rPr lang="en-US" sz="2800" dirty="0" err="1"/>
-              <a:t>reemplace</a:t>
-            </a:r>
-            <a:r>
-              <a:rPr lang="en-US" sz="2800" dirty="0"/>
-              <a:t> con </a:t>
-            </a:r>
-            <a:r>
-              <a:rPr lang="en-US" sz="2800" dirty="0" err="1"/>
-              <a:t>código</a:t>
-            </a:r>
-            <a:r>
-              <a:rPr lang="en-US" sz="2800" dirty="0"/>
-              <a:t> </a:t>
-            </a:r>
-            <a:r>
-              <a:rPr lang="en-US" sz="2800" dirty="0" err="1"/>
-              <a:t>más</a:t>
-            </a:r>
-            <a:r>
-              <a:rPr lang="en-US" sz="2800" dirty="0"/>
-              <a:t> simple (</a:t>
-            </a:r>
-            <a:r>
-              <a:rPr lang="en-US" sz="2800" dirty="0" err="1"/>
-              <a:t>típicamente</a:t>
-            </a:r>
-            <a:r>
-              <a:rPr lang="en-US" sz="2800" dirty="0"/>
-              <a:t> hay un </a:t>
-            </a:r>
-            <a:r>
-              <a:rPr lang="en-US" sz="2800" dirty="0" err="1"/>
-              <a:t>índice</a:t>
-            </a:r>
-            <a:r>
-              <a:rPr lang="en-US" sz="2800" dirty="0"/>
-              <a:t> </a:t>
-            </a:r>
-            <a:r>
-              <a:rPr lang="en-US" sz="2800" dirty="0" err="1"/>
-              <a:t>incorrecto</a:t>
-            </a:r>
-            <a:r>
-              <a:rPr lang="en-US" sz="2800" dirty="0"/>
-              <a:t>)</a:t>
-            </a:r>
-          </a:p>
-          <a:p>
-            <a:r>
-              <a:rPr lang="en-US" sz="2800" dirty="0"/>
-              <a:t>Use macros de REPORT para </a:t>
-            </a:r>
-            <a:r>
-              <a:rPr lang="en-US" sz="2800" dirty="0" err="1"/>
-              <a:t>imprimir</a:t>
-            </a:r>
-            <a:r>
-              <a:rPr lang="en-US" sz="2800" dirty="0"/>
-              <a:t> pasos </a:t>
-            </a:r>
-            <a:r>
-              <a:rPr lang="en-US" sz="2800" dirty="0" err="1"/>
-              <a:t>intermedios</a:t>
-            </a:r>
-            <a:r>
-              <a:rPr lang="en-US" sz="2800" dirty="0"/>
-              <a:t> </a:t>
-            </a:r>
-            <a:r>
-              <a:rPr lang="en-US" sz="2800" dirty="0" err="1"/>
-              <a:t>en</a:t>
-            </a:r>
-            <a:r>
-              <a:rPr lang="en-US" sz="2800" dirty="0"/>
-              <a:t> R (</a:t>
-            </a:r>
-            <a:r>
-              <a:rPr lang="en-US" sz="2800" dirty="0" err="1"/>
-              <a:t>más</a:t>
-            </a:r>
-            <a:r>
-              <a:rPr lang="en-US" sz="2800" dirty="0"/>
-              <a:t> </a:t>
-            </a:r>
-            <a:r>
-              <a:rPr lang="en-US" sz="2800" dirty="0" err="1"/>
-              <a:t>sobre</a:t>
-            </a:r>
-            <a:r>
-              <a:rPr lang="en-US" sz="2800" dirty="0"/>
-              <a:t> </a:t>
-            </a:r>
-            <a:r>
-              <a:rPr lang="en-US" sz="2800" dirty="0" err="1"/>
-              <a:t>esto</a:t>
-            </a:r>
-            <a:r>
-              <a:rPr lang="en-US" sz="2800" dirty="0"/>
-              <a:t> </a:t>
-            </a:r>
-            <a:r>
-              <a:rPr lang="en-US" sz="2800" dirty="0" err="1"/>
-              <a:t>luego</a:t>
-            </a:r>
-            <a:r>
-              <a:rPr lang="en-US" sz="2800" dirty="0"/>
-              <a:t>)</a:t>
+              <a:rPr lang="es-419" sz="2400" noProof="0" dirty="0" smtClean="0"/>
+              <a:t>Haga pequeños cambios, recompile con frecuencia</a:t>
+            </a:r>
+          </a:p>
+          <a:p>
+            <a:r>
+              <a:rPr lang="es-419" sz="2400" noProof="0" dirty="0" smtClean="0"/>
+              <a:t>Cuando fallan las compilaciones, concéntrese en los primeros errores</a:t>
+            </a:r>
+          </a:p>
+          <a:p>
+            <a:r>
+              <a:rPr lang="es-419" sz="2400" noProof="0" dirty="0" smtClean="0"/>
+              <a:t>Para errores de ejecución, omita secciones para probar y reemplace con código más simple (típicamente hay un índice incorrecto)</a:t>
+            </a:r>
+          </a:p>
+          <a:p>
+            <a:r>
+              <a:rPr lang="es-419" sz="2400" noProof="0" dirty="0" smtClean="0"/>
+              <a:t>Use macros de REPORT para imprimir pasos intermedios en R (más sobre esto luego)</a:t>
             </a:r>
           </a:p>
           <a:p>
             <a:pPr marL="0" indent="0">
               <a:buNone/>
             </a:pPr>
-            <a:endParaRPr lang="en-US" sz="2800" dirty="0"/>
+            <a:endParaRPr lang="es-419" sz="2400" noProof="0" dirty="0"/>
           </a:p>
         </p:txBody>
       </p:sp>
@@ -18244,7 +17651,7 @@
           <p:cNvPr id="4" name="Slide Number Placeholder 3">
             <a:extLst>
               <a:ext uri="{FF2B5EF4-FFF2-40B4-BE49-F238E27FC236}">
-                <a16:creationId xmlns:a16="http://schemas.microsoft.com/office/drawing/2014/main" id="{A4B146B1-D646-4211-BBAD-02430D9F6C6B}"/>
+                <a16:creationId xmlns:a16="http://schemas.microsoft.com/office/drawing/2014/main" xmlns="" id="{A4B146B1-D646-4211-BBAD-02430D9F6C6B}"/>
               </a:ext>
             </a:extLst>
           </p:cNvPr>
@@ -18273,7 +17680,7 @@
           <p:cNvPr id="5" name="TextBox 4">
             <a:extLst>
               <a:ext uri="{FF2B5EF4-FFF2-40B4-BE49-F238E27FC236}">
-                <a16:creationId xmlns:a16="http://schemas.microsoft.com/office/drawing/2014/main" id="{6CF94A00-5A58-42DE-ACD8-8654CE375C6C}"/>
+                <a16:creationId xmlns:a16="http://schemas.microsoft.com/office/drawing/2014/main" xmlns="" id="{6CF94A00-5A58-42DE-ACD8-8654CE375C6C}"/>
               </a:ext>
             </a:extLst>
           </p:cNvPr>
@@ -18282,7 +17689,7 @@
         </p:nvSpPr>
         <p:spPr>
           <a:xfrm>
-            <a:off x="959224" y="5294957"/>
+            <a:off x="996855" y="4584664"/>
             <a:ext cx="7001435" cy="1384995"/>
           </a:xfrm>
           <a:prstGeom prst="rect">
@@ -18370,7 +17777,7 @@
           <p:cNvPr id="2" name="Title 1">
             <a:extLst>
               <a:ext uri="{FF2B5EF4-FFF2-40B4-BE49-F238E27FC236}">
-                <a16:creationId xmlns:a16="http://schemas.microsoft.com/office/drawing/2014/main" id="{A4C0A032-5131-4136-B0D0-F02A96DF2C5E}"/>
+                <a16:creationId xmlns:a16="http://schemas.microsoft.com/office/drawing/2014/main" xmlns="" id="{A4C0A032-5131-4136-B0D0-F02A96DF2C5E}"/>
               </a:ext>
             </a:extLst>
           </p:cNvPr>
@@ -18387,44 +17794,41 @@
           <a:lstStyle/>
           <a:p>
             <a:r>
-              <a:rPr lang="en-US" dirty="0"/>
+              <a:rPr lang="es-419" noProof="0" dirty="0" smtClean="0"/>
               <a:t>Demo: </a:t>
             </a:r>
             <a:r>
-              <a:rPr lang="en-US" dirty="0" err="1"/>
+              <a:rPr lang="es-419" noProof="0" dirty="0" err="1" smtClean="0"/>
               <a:t>Vectorice</a:t>
             </a:r>
             <a:r>
-              <a:rPr lang="en-US" dirty="0"/>
-              <a:t> </a:t>
-            </a:r>
-            <a:r>
-              <a:rPr lang="en-US" dirty="0" err="1"/>
-              <a:t>el</a:t>
-            </a:r>
-            <a:r>
-              <a:rPr lang="en-US" dirty="0"/>
-              <a:t> </a:t>
-            </a:r>
-            <a:r>
-              <a:rPr lang="en-US" dirty="0" err="1"/>
-              <a:t>modelo</a:t>
-            </a:r>
-            <a:r>
-              <a:rPr lang="en-US" dirty="0"/>
-              <a:t> </a:t>
-            </a:r>
-            <a:r>
-              <a:rPr lang="en-US" dirty="0" err="1"/>
+              <a:rPr lang="es-419" noProof="0" dirty="0" smtClean="0"/>
+              <a:t> el modelo </a:t>
+            </a:r>
+            <a:r>
+              <a:rPr lang="es-419" noProof="0" dirty="0" err="1" smtClean="0"/>
               <a:t>bevholt</a:t>
             </a:r>
+            <a:r>
+              <a:rPr lang="es-419" noProof="0" dirty="0" smtClean="0"/>
+              <a:t/>
+            </a:r>
             <a:br>
-              <a:rPr lang="en-US" dirty="0"/>
+              <a:rPr lang="es-419" noProof="0" dirty="0" smtClean="0"/>
             </a:br>
             <a:r>
-              <a:rPr lang="en-US" dirty="0"/>
-              <a:t>(and break it)</a:t>
-            </a:r>
+              <a:rPr lang="es-419" noProof="0" dirty="0" smtClean="0"/>
+              <a:t>(and break </a:t>
+            </a:r>
+            <a:r>
+              <a:rPr lang="es-419" noProof="0" dirty="0" err="1" smtClean="0"/>
+              <a:t>it</a:t>
+            </a:r>
+            <a:r>
+              <a:rPr lang="es-419" noProof="0" dirty="0" smtClean="0"/>
+              <a:t>)</a:t>
+            </a:r>
+            <a:endParaRPr lang="es-419" noProof="0" dirty="0"/>
           </a:p>
         </p:txBody>
       </p:sp>
@@ -18433,7 +17837,7 @@
           <p:cNvPr id="3" name="Content Placeholder 2">
             <a:extLst>
               <a:ext uri="{FF2B5EF4-FFF2-40B4-BE49-F238E27FC236}">
-                <a16:creationId xmlns:a16="http://schemas.microsoft.com/office/drawing/2014/main" id="{8FF41869-ADC1-41AC-8083-CC18B0E33174}"/>
+                <a16:creationId xmlns:a16="http://schemas.microsoft.com/office/drawing/2014/main" xmlns="" id="{8FF41869-ADC1-41AC-8083-CC18B0E33174}"/>
               </a:ext>
             </a:extLst>
           </p:cNvPr>
@@ -18455,190 +17859,49 @@
           <a:lstStyle/>
           <a:p>
             <a:r>
-              <a:rPr lang="en-US" dirty="0" err="1"/>
-              <a:t>Remueva</a:t>
-            </a:r>
-            <a:r>
-              <a:rPr lang="en-US" dirty="0"/>
-              <a:t> </a:t>
-            </a:r>
-            <a:r>
-              <a:rPr lang="en-US" dirty="0" err="1"/>
-              <a:t>el</a:t>
-            </a:r>
-            <a:r>
-              <a:rPr lang="en-US" dirty="0"/>
-              <a:t> </a:t>
-            </a:r>
-            <a:r>
-              <a:rPr lang="en-US" dirty="0" err="1"/>
-              <a:t>ciclo</a:t>
-            </a:r>
-            <a:r>
-              <a:rPr lang="en-US" dirty="0"/>
-              <a:t> </a:t>
-            </a:r>
-            <a:r>
-              <a:rPr lang="en-US" dirty="0" err="1"/>
-              <a:t>en</a:t>
-            </a:r>
-            <a:r>
-              <a:rPr lang="en-US" dirty="0"/>
-              <a:t> </a:t>
-            </a:r>
-            <a:r>
-              <a:rPr lang="en-US" dirty="0" err="1"/>
-              <a:t>el</a:t>
-            </a:r>
-            <a:r>
-              <a:rPr lang="en-US" dirty="0"/>
-              <a:t> </a:t>
-            </a:r>
-            <a:r>
-              <a:rPr lang="en-US" dirty="0" err="1"/>
-              <a:t>modelo</a:t>
-            </a:r>
-            <a:r>
-              <a:rPr lang="en-US" dirty="0"/>
-              <a:t> de </a:t>
-            </a:r>
-            <a:r>
-              <a:rPr lang="en-US" dirty="0" err="1"/>
+              <a:rPr lang="es-419" noProof="0" dirty="0" smtClean="0"/>
+              <a:t>Remueva el ciclo en el modelo de </a:t>
+            </a:r>
+            <a:r>
+              <a:rPr lang="es-419" noProof="0" dirty="0" err="1" smtClean="0"/>
               <a:t>bevholt</a:t>
             </a:r>
-            <a:endParaRPr lang="en-US" dirty="0"/>
-          </a:p>
-          <a:p>
-            <a:r>
-              <a:rPr lang="en-US" dirty="0" err="1"/>
-              <a:t>En</a:t>
-            </a:r>
-            <a:r>
-              <a:rPr lang="en-US" dirty="0"/>
-              <a:t> </a:t>
-            </a:r>
-            <a:r>
-              <a:rPr lang="en-US" dirty="0" err="1"/>
-              <a:t>vez</a:t>
-            </a:r>
-            <a:r>
-              <a:rPr lang="en-US" dirty="0"/>
-              <a:t> de </a:t>
-            </a:r>
-            <a:r>
-              <a:rPr lang="en-US" dirty="0" err="1"/>
-              <a:t>ello</a:t>
-            </a:r>
-            <a:r>
-              <a:rPr lang="en-US" dirty="0"/>
-              <a:t> </a:t>
-            </a:r>
-            <a:r>
-              <a:rPr lang="en-US" dirty="0" err="1"/>
+            <a:endParaRPr lang="es-419" noProof="0" dirty="0" smtClean="0"/>
+          </a:p>
+          <a:p>
+            <a:r>
+              <a:rPr lang="es-419" noProof="0" dirty="0" smtClean="0"/>
+              <a:t>En vez de ello </a:t>
+            </a:r>
+            <a:r>
+              <a:rPr lang="es-419" noProof="0" dirty="0" err="1" smtClean="0"/>
               <a:t>vectorice</a:t>
             </a:r>
             <a:r>
-              <a:rPr lang="en-US" dirty="0"/>
-              <a:t> los </a:t>
-            </a:r>
-            <a:r>
-              <a:rPr lang="en-US" dirty="0" err="1"/>
-              <a:t>cálculos</a:t>
-            </a:r>
-            <a:r>
-              <a:rPr lang="en-US" dirty="0"/>
-              <a:t> para las </a:t>
-            </a:r>
-            <a:r>
-              <a:rPr lang="en-US" dirty="0" err="1"/>
-              <a:t>predicciones</a:t>
-            </a:r>
-            <a:endParaRPr lang="en-US" dirty="0"/>
-          </a:p>
-          <a:p>
-            <a:r>
-              <a:rPr lang="en-US" dirty="0"/>
-              <a:t>Recompile, </a:t>
-            </a:r>
-            <a:r>
-              <a:rPr lang="en-US" dirty="0" err="1"/>
-              <a:t>ligue</a:t>
-            </a:r>
-            <a:r>
-              <a:rPr lang="en-US" dirty="0"/>
-              <a:t> y </a:t>
-            </a:r>
-            <a:r>
-              <a:rPr lang="en-US" dirty="0" err="1"/>
-              <a:t>construya</a:t>
-            </a:r>
-            <a:r>
-              <a:rPr lang="en-US" dirty="0"/>
-              <a:t> un nuevo </a:t>
-            </a:r>
-            <a:r>
-              <a:rPr lang="en-US" dirty="0" err="1"/>
-              <a:t>objeto</a:t>
-            </a:r>
-            <a:endParaRPr lang="en-US" dirty="0"/>
-          </a:p>
-          <a:p>
-            <a:r>
-              <a:rPr lang="en-US" dirty="0" err="1"/>
-              <a:t>Asegúrese</a:t>
-            </a:r>
-            <a:r>
-              <a:rPr lang="en-US" dirty="0"/>
-              <a:t> que las </a:t>
-            </a:r>
-            <a:r>
-              <a:rPr lang="en-US" dirty="0" err="1"/>
-              <a:t>versiones</a:t>
-            </a:r>
-            <a:r>
-              <a:rPr lang="en-US" dirty="0"/>
-              <a:t> previa/posterior del </a:t>
-            </a:r>
-            <a:r>
-              <a:rPr lang="en-US" dirty="0" err="1"/>
-              <a:t>modelo</a:t>
-            </a:r>
-            <a:r>
-              <a:rPr lang="en-US" dirty="0"/>
-              <a:t> </a:t>
-            </a:r>
-            <a:r>
-              <a:rPr lang="en-US" dirty="0" err="1"/>
-              <a:t>entregan</a:t>
-            </a:r>
-            <a:r>
-              <a:rPr lang="en-US" dirty="0"/>
-              <a:t> los </a:t>
-            </a:r>
-            <a:r>
-              <a:rPr lang="en-US" dirty="0" err="1"/>
-              <a:t>mismos</a:t>
-            </a:r>
-            <a:r>
-              <a:rPr lang="en-US" dirty="0"/>
-              <a:t> </a:t>
-            </a:r>
-            <a:r>
-              <a:rPr lang="en-US" dirty="0" err="1"/>
-              <a:t>valores</a:t>
-            </a:r>
-            <a:r>
-              <a:rPr lang="en-US" dirty="0"/>
-              <a:t> de </a:t>
-            </a:r>
-            <a:r>
-              <a:rPr lang="en-US" dirty="0" err="1"/>
+              <a:rPr lang="es-419" noProof="0" dirty="0" smtClean="0"/>
+              <a:t> los cálculos para las predicciones</a:t>
+            </a:r>
+          </a:p>
+          <a:p>
+            <a:r>
+              <a:rPr lang="es-419" noProof="0" dirty="0" smtClean="0"/>
+              <a:t>Recompile, ligue y construya un nuevo objeto</a:t>
+            </a:r>
+          </a:p>
+          <a:p>
+            <a:r>
+              <a:rPr lang="es-419" noProof="0" dirty="0" smtClean="0"/>
+              <a:t>Asegúrese que las versiones previa/posterior del modelo entregan los mismos valores de </a:t>
+            </a:r>
+            <a:r>
+              <a:rPr lang="es-419" noProof="0" dirty="0" err="1" smtClean="0"/>
               <a:t>fn</a:t>
             </a:r>
             <a:r>
-              <a:rPr lang="en-US" dirty="0"/>
+              <a:rPr lang="es-419" noProof="0" dirty="0" smtClean="0"/>
               <a:t> y gr.</a:t>
             </a:r>
+            <a:endParaRPr lang="es-419" noProof="0" dirty="0"/>
           </a:p>
         </p:txBody>
       </p:sp>
@@ -18647,7 +17910,7 @@
           <p:cNvPr id="4" name="Slide Number Placeholder 3">
             <a:extLst>
               <a:ext uri="{FF2B5EF4-FFF2-40B4-BE49-F238E27FC236}">
-                <a16:creationId xmlns:a16="http://schemas.microsoft.com/office/drawing/2014/main" id="{C8207F6D-2182-42B5-ABD6-A59BE920F503}"/>
+                <a16:creationId xmlns:a16="http://schemas.microsoft.com/office/drawing/2014/main" xmlns="" id="{C8207F6D-2182-42B5-ABD6-A59BE920F503}"/>
               </a:ext>
             </a:extLst>
           </p:cNvPr>
@@ -18706,7 +17969,7 @@
           <p:cNvPr id="2" name="Title 1">
             <a:extLst>
               <a:ext uri="{FF2B5EF4-FFF2-40B4-BE49-F238E27FC236}">
-                <a16:creationId xmlns:a16="http://schemas.microsoft.com/office/drawing/2014/main" id="{CDED879C-2C85-48F7-B111-4135323DC7AE}"/>
+                <a16:creationId xmlns:a16="http://schemas.microsoft.com/office/drawing/2014/main" xmlns="" id="{CDED879C-2C85-48F7-B111-4135323DC7AE}"/>
               </a:ext>
             </a:extLst>
           </p:cNvPr>
@@ -18723,10 +17986,10 @@
           <a:lstStyle/>
           <a:p>
             <a:r>
-              <a:rPr lang="en-US" dirty="0" err="1"/>
+              <a:rPr lang="es-419" noProof="0" dirty="0" smtClean="0"/>
               <a:t>Resumiendo</a:t>
             </a:r>
-            <a:endParaRPr lang="en-US" dirty="0"/>
+            <a:endParaRPr lang="es-419" noProof="0" dirty="0"/>
           </a:p>
         </p:txBody>
       </p:sp>
@@ -18735,7 +17998,7 @@
           <p:cNvPr id="3" name="Content Placeholder 2">
             <a:extLst>
               <a:ext uri="{FF2B5EF4-FFF2-40B4-BE49-F238E27FC236}">
-                <a16:creationId xmlns:a16="http://schemas.microsoft.com/office/drawing/2014/main" id="{5047B20F-1502-42CD-8F6E-2AC5EF28CD6A}"/>
+                <a16:creationId xmlns:a16="http://schemas.microsoft.com/office/drawing/2014/main" xmlns="" id="{5047B20F-1502-42CD-8F6E-2AC5EF28CD6A}"/>
               </a:ext>
             </a:extLst>
           </p:cNvPr>
@@ -18757,315 +18020,152 @@
           <a:lstStyle/>
           <a:p>
             <a:r>
-              <a:rPr lang="en-US" sz="2800" dirty="0" err="1"/>
-              <a:t>Flujo</a:t>
-            </a:r>
-            <a:r>
-              <a:rPr lang="en-US" sz="2800" dirty="0"/>
-              <a:t> de </a:t>
-            </a:r>
-            <a:r>
-              <a:rPr lang="en-US" sz="2800" dirty="0" err="1"/>
-              <a:t>trabajo</a:t>
-            </a:r>
-            <a:r>
-              <a:rPr lang="en-US" sz="2800" dirty="0"/>
-              <a:t> para TMB: </a:t>
+              <a:rPr lang="es-419" sz="2400" noProof="0" dirty="0" smtClean="0"/>
+              <a:t>Flujo de trabajo para TMB: </a:t>
             </a:r>
           </a:p>
           <a:p>
             <a:pPr lvl="1"/>
             <a:r>
-              <a:rPr lang="en-US" sz="2400" dirty="0"/>
-              <a:t>El </a:t>
-            </a:r>
-            <a:r>
-              <a:rPr lang="en-US" sz="2400" dirty="0" err="1"/>
-              <a:t>Templete</a:t>
-            </a:r>
-            <a:r>
-              <a:rPr lang="en-US" sz="2400" dirty="0"/>
+              <a:rPr lang="es-419" sz="2000" noProof="0" dirty="0" smtClean="0"/>
+              <a:t>El Templete calcula NLL dado parámetros y datos</a:t>
+            </a:r>
+          </a:p>
+          <a:p>
+            <a:pPr lvl="1"/>
+            <a:r>
+              <a:rPr lang="es-419" sz="2000" noProof="0" dirty="0" smtClean="0"/>
+              <a:t>Compílelo, líguelo, construya un </a:t>
+            </a:r>
+            <a:r>
+              <a:rPr lang="es-419" sz="2000" u="sng" noProof="0" dirty="0" err="1" smtClean="0"/>
+              <a:t>obj</a:t>
+            </a:r>
+            <a:r>
+              <a:rPr lang="es-419" sz="2000" noProof="0" dirty="0" smtClean="0"/>
+              <a:t> con datos</a:t>
+            </a:r>
+          </a:p>
+          <a:p>
+            <a:pPr lvl="1"/>
+            <a:r>
+              <a:rPr lang="es-419" sz="2000" noProof="0" dirty="0" smtClean="0"/>
+              <a:t>Use las funciones </a:t>
+            </a:r>
+            <a:r>
+              <a:rPr lang="es-419" sz="2000" noProof="0" dirty="0" err="1" smtClean="0">
+                <a:latin typeface="Courier New" panose="02070309020205020404" pitchFamily="49" charset="0"/>
+                <a:cs typeface="Courier New" panose="02070309020205020404" pitchFamily="49" charset="0"/>
+              </a:rPr>
+              <a:t>obj$fn</a:t>
+            </a:r>
+            <a:r>
+              <a:rPr lang="es-419" sz="2000" noProof="0" dirty="0" smtClean="0">
+                <a:latin typeface="Courier New" panose="02070309020205020404" pitchFamily="49" charset="0"/>
+                <a:cs typeface="Courier New" panose="02070309020205020404" pitchFamily="49" charset="0"/>
+              </a:rPr>
+              <a:t> y</a:t>
+            </a:r>
+            <a:r>
+              <a:rPr lang="es-419" sz="2000" noProof="0" dirty="0" smtClean="0"/>
               <a:t> </a:t>
             </a:r>
             <a:r>
-              <a:rPr lang="en-US" sz="2400" dirty="0" err="1"/>
-              <a:t>calcula</a:t>
-            </a:r>
-            <a:r>
-              <a:rPr lang="en-US" sz="2400" dirty="0"/>
-              <a:t> NLL dado </a:t>
-            </a:r>
-            <a:r>
-              <a:rPr lang="en-US" sz="2400" dirty="0" err="1"/>
-              <a:t>parámetros</a:t>
-            </a:r>
-            <a:r>
-              <a:rPr lang="en-US" sz="2400" dirty="0"/>
-              <a:t> y </a:t>
-            </a:r>
-            <a:r>
-              <a:rPr lang="en-US" sz="2400" dirty="0" err="1"/>
-              <a:t>datos</a:t>
-            </a:r>
-            <a:endParaRPr lang="en-US" sz="2400" dirty="0"/>
+              <a:rPr lang="es-419" sz="2000" noProof="0" dirty="0" err="1" smtClean="0">
+                <a:latin typeface="Courier New" panose="02070309020205020404" pitchFamily="49" charset="0"/>
+                <a:cs typeface="Courier New" panose="02070309020205020404" pitchFamily="49" charset="0"/>
+              </a:rPr>
+              <a:t>obj$gr</a:t>
+            </a:r>
+            <a:r>
+              <a:rPr lang="es-419" sz="2000" noProof="0" dirty="0" smtClean="0"/>
+              <a:t> para obtener los </a:t>
+            </a:r>
+            <a:r>
+              <a:rPr lang="es-419" sz="2000" noProof="0" dirty="0" err="1" smtClean="0"/>
+              <a:t>MLEs</a:t>
+            </a:r>
+            <a:endParaRPr lang="es-419" sz="2000" noProof="0" dirty="0" smtClean="0"/>
+          </a:p>
+          <a:p>
+            <a:r>
+              <a:rPr lang="es-419" sz="2400" noProof="0" dirty="0" smtClean="0"/>
+              <a:t>Templetes de TMB:</a:t>
+            </a:r>
           </a:p>
           <a:p>
             <a:pPr lvl="1"/>
             <a:r>
-              <a:rPr lang="en-US" sz="2400" dirty="0" err="1"/>
-              <a:t>Compílelo</a:t>
-            </a:r>
-            <a:r>
-              <a:rPr lang="en-US" sz="2400" dirty="0"/>
-              <a:t>, </a:t>
-            </a:r>
-            <a:r>
-              <a:rPr lang="en-US" sz="2400" dirty="0" err="1"/>
-              <a:t>líguelo</a:t>
-            </a:r>
-            <a:r>
-              <a:rPr lang="en-US" sz="2400" dirty="0"/>
-              <a:t>, </a:t>
-            </a:r>
-            <a:r>
-              <a:rPr lang="en-US" sz="2400" dirty="0" err="1"/>
-              <a:t>construya</a:t>
-            </a:r>
-            <a:r>
-              <a:rPr lang="en-US" sz="2400" dirty="0"/>
-              <a:t> un </a:t>
-            </a:r>
-            <a:r>
-              <a:rPr lang="en-US" sz="2400" u="sng" dirty="0"/>
-              <a:t>obj</a:t>
-            </a:r>
-            <a:r>
-              <a:rPr lang="en-US" sz="2400" dirty="0"/>
-              <a:t> con </a:t>
-            </a:r>
-            <a:r>
-              <a:rPr lang="en-US" sz="2400" dirty="0" err="1"/>
-              <a:t>datos</a:t>
-            </a:r>
-            <a:endParaRPr lang="en-US" sz="2400" dirty="0"/>
+              <a:rPr lang="es-419" sz="2000" noProof="0" dirty="0" smtClean="0"/>
+              <a:t>Sección de DATA </a:t>
+            </a:r>
+            <a:r>
+              <a:rPr lang="es-419" sz="2000" noProof="0" dirty="0" err="1" smtClean="0"/>
+              <a:t>require</a:t>
+            </a:r>
+            <a:r>
+              <a:rPr lang="es-419" sz="2000" noProof="0" dirty="0" smtClean="0"/>
+              <a:t> que coincida con la lista de </a:t>
+            </a:r>
+            <a:r>
+              <a:rPr lang="es-419" sz="2000" noProof="0" dirty="0" err="1" smtClean="0"/>
+              <a:t>de</a:t>
+            </a:r>
+            <a:r>
+              <a:rPr lang="es-419" sz="2000" noProof="0" dirty="0" smtClean="0"/>
+              <a:t> datos de ingreso</a:t>
+            </a:r>
           </a:p>
           <a:p>
             <a:pPr lvl="1"/>
             <a:r>
-              <a:rPr lang="en-US" sz="2400" dirty="0"/>
-              <a:t>Use las </a:t>
-            </a:r>
-            <a:r>
-              <a:rPr lang="en-US" sz="2400" dirty="0" err="1"/>
-              <a:t>funciones</a:t>
-            </a:r>
-            <a:r>
-              <a:rPr lang="en-US" sz="2400" dirty="0"/>
-              <a:t> </a:t>
-            </a:r>
-            <a:r>
-              <a:rPr lang="en-US" sz="2400" dirty="0" err="1">
-                <a:latin typeface="Courier New" panose="02070309020205020404" pitchFamily="49" charset="0"/>
-                <a:cs typeface="Courier New" panose="02070309020205020404" pitchFamily="49" charset="0"/>
-              </a:rPr>
-              <a:t>obj$fn</a:t>
-            </a:r>
-            <a:r>
-              <a:rPr lang="en-US" sz="2400" dirty="0">
-                <a:latin typeface="Courier New" panose="02070309020205020404" pitchFamily="49" charset="0"/>
-                <a:cs typeface="Courier New" panose="02070309020205020404" pitchFamily="49" charset="0"/>
-              </a:rPr>
-              <a:t> y</a:t>
-            </a:r>
-            <a:r>
-              <a:rPr lang="en-US" sz="2400" dirty="0"/>
-              <a:t> </a:t>
-            </a:r>
-            <a:r>
-              <a:rPr lang="en-US" sz="2400" dirty="0" err="1">
-                <a:latin typeface="Courier New" panose="02070309020205020404" pitchFamily="49" charset="0"/>
-                <a:cs typeface="Courier New" panose="02070309020205020404" pitchFamily="49" charset="0"/>
-              </a:rPr>
-              <a:t>obj$gr</a:t>
-            </a:r>
-            <a:r>
-              <a:rPr lang="en-US" sz="2400" dirty="0"/>
-              <a:t> para </a:t>
-            </a:r>
-            <a:r>
-              <a:rPr lang="en-US" sz="2400" dirty="0" err="1"/>
-              <a:t>obtener</a:t>
-            </a:r>
-            <a:r>
-              <a:rPr lang="en-US" sz="2400" dirty="0"/>
-              <a:t> los MLEs</a:t>
-            </a:r>
-          </a:p>
-          <a:p>
-            <a:r>
-              <a:rPr lang="en-US" sz="2800" dirty="0" err="1"/>
-              <a:t>Templetes</a:t>
-            </a:r>
-            <a:r>
-              <a:rPr lang="en-US" sz="2800" dirty="0"/>
-              <a:t> de TMB:</a:t>
+              <a:rPr lang="es-419" sz="2000" noProof="0" dirty="0" err="1" smtClean="0"/>
+              <a:t>PARAMETERs</a:t>
+            </a:r>
+            <a:r>
+              <a:rPr lang="es-419" sz="2000" noProof="0" dirty="0" smtClean="0"/>
+              <a:t> requiere que coincida con la lista de parámetros de entrada</a:t>
             </a:r>
           </a:p>
           <a:p>
             <a:pPr lvl="1"/>
             <a:r>
-              <a:rPr lang="en-US" sz="2400" dirty="0" err="1"/>
-              <a:t>Sección</a:t>
-            </a:r>
-            <a:r>
-              <a:rPr lang="en-US" sz="2400" dirty="0"/>
-              <a:t> de DATA require que </a:t>
-            </a:r>
-            <a:r>
-              <a:rPr lang="en-US" sz="2400" dirty="0" err="1"/>
-              <a:t>coincida</a:t>
-            </a:r>
-            <a:r>
-              <a:rPr lang="en-US" sz="2400" dirty="0"/>
-              <a:t> con la </a:t>
-            </a:r>
-            <a:r>
-              <a:rPr lang="en-US" sz="2400" dirty="0" err="1"/>
-              <a:t>lista</a:t>
-            </a:r>
-            <a:r>
-              <a:rPr lang="en-US" sz="2400" dirty="0"/>
-              <a:t> de </a:t>
-            </a:r>
-            <a:r>
-              <a:rPr lang="en-US" sz="2400" dirty="0" err="1"/>
-              <a:t>de</a:t>
-            </a:r>
-            <a:r>
-              <a:rPr lang="en-US" sz="2400" dirty="0"/>
-              <a:t> </a:t>
-            </a:r>
-            <a:r>
-              <a:rPr lang="en-US" sz="2400" dirty="0" err="1"/>
-              <a:t>datos</a:t>
-            </a:r>
-            <a:r>
-              <a:rPr lang="en-US" sz="2400" dirty="0"/>
-              <a:t> de </a:t>
-            </a:r>
-            <a:r>
-              <a:rPr lang="en-US" sz="2400" dirty="0" err="1"/>
-              <a:t>ingreso</a:t>
-            </a:r>
-            <a:endParaRPr lang="en-US" sz="2400" dirty="0"/>
+              <a:rPr lang="es-419" sz="2000" noProof="0" dirty="0" smtClean="0"/>
+              <a:t>Calcula valores esperados &amp; NLL; usando variables </a:t>
+            </a:r>
+            <a:r>
+              <a:rPr lang="es-419" sz="2000" noProof="0" dirty="0" err="1" smtClean="0"/>
+              <a:t>Type</a:t>
+            </a:r>
+            <a:endParaRPr lang="es-419" sz="2000" noProof="0" dirty="0" smtClean="0"/>
           </a:p>
           <a:p>
             <a:pPr lvl="1"/>
             <a:r>
-              <a:rPr lang="en-US" sz="2400" dirty="0"/>
-              <a:t>PARAMETERs </a:t>
-            </a:r>
-            <a:r>
-              <a:rPr lang="en-US" sz="2400" dirty="0" err="1"/>
-              <a:t>requiere</a:t>
-            </a:r>
-            <a:r>
-              <a:rPr lang="en-US" sz="2400" dirty="0"/>
-              <a:t> que </a:t>
-            </a:r>
-            <a:r>
-              <a:rPr lang="en-US" sz="2400" dirty="0" err="1"/>
-              <a:t>coincida</a:t>
-            </a:r>
-            <a:r>
-              <a:rPr lang="en-US" sz="2400" dirty="0"/>
-              <a:t> con la </a:t>
-            </a:r>
-            <a:r>
-              <a:rPr lang="en-US" sz="2400" dirty="0" err="1"/>
-              <a:t>lista</a:t>
-            </a:r>
-            <a:r>
-              <a:rPr lang="en-US" sz="2400" dirty="0"/>
-              <a:t> de </a:t>
-            </a:r>
-            <a:r>
-              <a:rPr lang="en-US" sz="2400" dirty="0" err="1"/>
-              <a:t>parámetros</a:t>
-            </a:r>
-            <a:r>
-              <a:rPr lang="en-US" sz="2400" dirty="0"/>
-              <a:t> de entrada</a:t>
-            </a:r>
+              <a:rPr lang="es-419" sz="2000" noProof="0" dirty="0" smtClean="0"/>
+              <a:t>REPORT cantidades de </a:t>
+            </a:r>
+            <a:r>
+              <a:rPr lang="es-419" sz="2000" noProof="0" dirty="0" err="1" smtClean="0"/>
+              <a:t>interest</a:t>
+            </a:r>
+            <a:endParaRPr lang="es-419" sz="2000" noProof="0" dirty="0" smtClean="0"/>
           </a:p>
           <a:p>
             <a:pPr lvl="1"/>
             <a:r>
-              <a:rPr lang="en-US" sz="2400" dirty="0" err="1"/>
-              <a:t>Calcula</a:t>
-            </a:r>
-            <a:r>
-              <a:rPr lang="en-US" sz="2400" dirty="0"/>
-              <a:t> </a:t>
-            </a:r>
-            <a:r>
-              <a:rPr lang="en-US" sz="2400" dirty="0" err="1"/>
-              <a:t>valores</a:t>
-            </a:r>
-            <a:r>
-              <a:rPr lang="en-US" sz="2400" dirty="0"/>
-              <a:t> </a:t>
-            </a:r>
-            <a:r>
-              <a:rPr lang="en-US" sz="2400" dirty="0" err="1"/>
-              <a:t>esperados</a:t>
-            </a:r>
-            <a:r>
-              <a:rPr lang="en-US" sz="2400" dirty="0"/>
-              <a:t> &amp; NLL; </a:t>
-            </a:r>
-            <a:r>
-              <a:rPr lang="en-US" sz="2400" dirty="0" err="1"/>
-              <a:t>usando</a:t>
-            </a:r>
-            <a:r>
-              <a:rPr lang="en-US" sz="2400" dirty="0"/>
-              <a:t> variables Type</a:t>
-            </a:r>
-          </a:p>
-          <a:p>
-            <a:pPr lvl="1"/>
-            <a:r>
-              <a:rPr lang="en-US" sz="2400" dirty="0"/>
-              <a:t>REPORT </a:t>
-            </a:r>
-            <a:r>
-              <a:rPr lang="en-US" sz="2400" dirty="0" err="1"/>
-              <a:t>cantidades</a:t>
-            </a:r>
-            <a:r>
-              <a:rPr lang="en-US" sz="2400" dirty="0"/>
-              <a:t> de interest</a:t>
-            </a:r>
-          </a:p>
-          <a:p>
-            <a:pPr lvl="1"/>
-            <a:r>
-              <a:rPr lang="en-US" sz="2400" dirty="0" err="1"/>
-              <a:t>Retorna</a:t>
-            </a:r>
-            <a:r>
-              <a:rPr lang="en-US" sz="2400" dirty="0"/>
-              <a:t> </a:t>
-            </a:r>
-            <a:r>
-              <a:rPr lang="en-US" sz="2400" dirty="0" err="1"/>
+              <a:rPr lang="es-419" sz="2000" noProof="0" dirty="0" smtClean="0"/>
+              <a:t>Retorna </a:t>
+            </a:r>
+            <a:r>
+              <a:rPr lang="es-419" sz="2000" noProof="0" dirty="0" err="1" smtClean="0"/>
               <a:t>nll</a:t>
             </a:r>
             <a:r>
-              <a:rPr lang="en-US" sz="2400" dirty="0"/>
+              <a:rPr lang="es-419" sz="2000" noProof="0" dirty="0" smtClean="0"/>
               <a:t>;</a:t>
             </a:r>
+            <a:endParaRPr lang="es-419" sz="2000" noProof="0" dirty="0"/>
           </a:p>
         </p:txBody>
       </p:sp>
@@ -19074,7 +18174,7 @@
           <p:cNvPr id="4" name="Slide Number Placeholder 3">
             <a:extLst>
               <a:ext uri="{FF2B5EF4-FFF2-40B4-BE49-F238E27FC236}">
-                <a16:creationId xmlns:a16="http://schemas.microsoft.com/office/drawing/2014/main" id="{791EB712-85CC-402E-9580-9F63B7D49DC6}"/>
+                <a16:creationId xmlns:a16="http://schemas.microsoft.com/office/drawing/2014/main" xmlns="" id="{791EB712-85CC-402E-9580-9F63B7D49DC6}"/>
               </a:ext>
             </a:extLst>
           </p:cNvPr>
@@ -19133,7 +18233,7 @@
           <p:cNvPr id="2" name="Title 1">
             <a:extLst>
               <a:ext uri="{FF2B5EF4-FFF2-40B4-BE49-F238E27FC236}">
-                <a16:creationId xmlns:a16="http://schemas.microsoft.com/office/drawing/2014/main" id="{C305EC72-15CE-4B00-BB57-5E7705803EED}"/>
+                <a16:creationId xmlns:a16="http://schemas.microsoft.com/office/drawing/2014/main" xmlns="" id="{C305EC72-15CE-4B00-BB57-5E7705803EED}"/>
               </a:ext>
             </a:extLst>
           </p:cNvPr>
@@ -19150,29 +18250,10 @@
           <a:lstStyle/>
           <a:p>
             <a:r>
-              <a:rPr lang="en-US" dirty="0" err="1"/>
-              <a:t>Flujo</a:t>
-            </a:r>
-            <a:r>
-              <a:rPr lang="en-US" dirty="0"/>
-              <a:t> de </a:t>
-            </a:r>
-            <a:r>
-              <a:rPr lang="en-US" dirty="0" err="1"/>
-              <a:t>trabajo</a:t>
-            </a:r>
-            <a:r>
-              <a:rPr lang="en-US" dirty="0"/>
-              <a:t> </a:t>
-            </a:r>
-            <a:r>
-              <a:rPr lang="en-US" dirty="0" err="1"/>
-              <a:t>en</a:t>
-            </a:r>
-            <a:r>
-              <a:rPr lang="en-US" dirty="0"/>
-              <a:t> TMB</a:t>
-            </a:r>
+              <a:rPr lang="es-419" noProof="0" dirty="0" smtClean="0"/>
+              <a:t>Flujo de trabajo en TMB</a:t>
+            </a:r>
+            <a:endParaRPr lang="es-419" noProof="0" dirty="0"/>
           </a:p>
         </p:txBody>
       </p:sp>
@@ -19181,7 +18262,7 @@
           <p:cNvPr id="3" name="Content Placeholder 2">
             <a:extLst>
               <a:ext uri="{FF2B5EF4-FFF2-40B4-BE49-F238E27FC236}">
-                <a16:creationId xmlns:a16="http://schemas.microsoft.com/office/drawing/2014/main" id="{BB4D8C47-9076-4FDD-8B83-105302E9F40C}"/>
+                <a16:creationId xmlns:a16="http://schemas.microsoft.com/office/drawing/2014/main" xmlns="" id="{BB4D8C47-9076-4FDD-8B83-105302E9F40C}"/>
               </a:ext>
             </a:extLst>
           </p:cNvPr>
@@ -19210,34 +18291,46 @@
               <a:buAutoNum type="arabicPeriod"/>
             </a:pPr>
             <a:r>
-              <a:rPr lang="en-US" i="1" dirty="0" err="1"/>
-              <a:t>Compila</a:t>
-            </a:r>
-            <a:r>
-              <a:rPr lang="en-US" i="1" dirty="0"/>
-              <a:t> </a:t>
-            </a:r>
-            <a:r>
-              <a:rPr lang="en-US" dirty="0"/>
-              <a:t>a “template” C++ to create a .</a:t>
-            </a:r>
-            <a:r>
-              <a:rPr lang="en-US" dirty="0" err="1"/>
+              <a:rPr lang="es-419" i="1" noProof="0" dirty="0" smtClean="0"/>
+              <a:t>Compila </a:t>
+            </a:r>
+            <a:r>
+              <a:rPr lang="es-419" noProof="0" dirty="0" smtClean="0"/>
+              <a:t>a “</a:t>
+            </a:r>
+            <a:r>
+              <a:rPr lang="es-419" noProof="0" dirty="0" err="1" smtClean="0"/>
+              <a:t>template</a:t>
+            </a:r>
+            <a:r>
+              <a:rPr lang="es-419" noProof="0" dirty="0" smtClean="0"/>
+              <a:t>” C++ to </a:t>
+            </a:r>
+            <a:r>
+              <a:rPr lang="es-419" noProof="0" dirty="0" err="1" smtClean="0"/>
+              <a:t>create</a:t>
+            </a:r>
+            <a:r>
+              <a:rPr lang="es-419" noProof="0" dirty="0" smtClean="0"/>
+              <a:t> a .</a:t>
+            </a:r>
+            <a:r>
+              <a:rPr lang="es-419" noProof="0" dirty="0" err="1" smtClean="0"/>
               <a:t>dll</a:t>
             </a:r>
             <a:r>
-              <a:rPr lang="en-US" dirty="0"/>
+              <a:rPr lang="es-419" noProof="0" dirty="0" smtClean="0"/>
               <a:t> file (</a:t>
             </a:r>
             <a:r>
-              <a:rPr lang="en-US" sz="2600" dirty="0">
+              <a:rPr lang="es-419" sz="2600" noProof="0" dirty="0" smtClean="0">
                 <a:latin typeface="Courier New" panose="02070309020205020404" pitchFamily="49" charset="0"/>
                 <a:cs typeface="Courier New" panose="02070309020205020404" pitchFamily="49" charset="0"/>
               </a:rPr>
               <a:t>compile</a:t>
             </a:r>
             <a:r>
-              <a:rPr lang="en-US" dirty="0"/>
+              <a:rPr lang="es-419" noProof="0" dirty="0" smtClean="0"/>
               <a:t>)</a:t>
             </a:r>
           </a:p>
@@ -19248,22 +18341,38 @@
               <a:buAutoNum type="arabicPeriod"/>
             </a:pPr>
             <a:r>
-              <a:rPr lang="en-US" i="1" dirty="0"/>
+              <a:rPr lang="es-419" i="1" noProof="0" dirty="0" smtClean="0"/>
               <a:t>Link</a:t>
             </a:r>
             <a:r>
-              <a:rPr lang="en-US" dirty="0"/>
-              <a:t> R to this library (</a:t>
-            </a:r>
-            <a:r>
-              <a:rPr lang="en-US" sz="2600" dirty="0" err="1">
+              <a:rPr lang="es-419" noProof="0" dirty="0" smtClean="0"/>
+              <a:t> R to </a:t>
+            </a:r>
+            <a:r>
+              <a:rPr lang="es-419" noProof="0" dirty="0" err="1" smtClean="0"/>
+              <a:t>this</a:t>
+            </a:r>
+            <a:r>
+              <a:rPr lang="es-419" noProof="0" dirty="0" smtClean="0"/>
+              <a:t> </a:t>
+            </a:r>
+            <a:r>
+              <a:rPr lang="es-419" noProof="0" dirty="0" err="1" smtClean="0"/>
+              <a:t>library</a:t>
+            </a:r>
+            <a:r>
+              <a:rPr lang="es-419" noProof="0" dirty="0" smtClean="0"/>
+              <a:t> (</a:t>
+            </a:r>
+            <a:r>
+              <a:rPr lang="es-419" sz="2600" noProof="0" dirty="0" err="1" smtClean="0">
                 <a:latin typeface="Courier New" panose="02070309020205020404" pitchFamily="49" charset="0"/>
                 <a:cs typeface="Courier New" panose="02070309020205020404" pitchFamily="49" charset="0"/>
               </a:rPr>
               <a:t>dyn.load</a:t>
             </a:r>
             <a:r>
-              <a:rPr lang="en-US" dirty="0"/>
+              <a:rPr lang="es-419" noProof="0" dirty="0" smtClean="0"/>
               <a:t>)</a:t>
             </a:r>
           </a:p>
@@ -19274,117 +18383,360 @@
               <a:buAutoNum type="arabicPeriod"/>
             </a:pPr>
             <a:r>
-              <a:rPr lang="en-US" i="1" dirty="0"/>
+              <a:rPr lang="es-419" i="1" noProof="0" dirty="0" err="1" smtClean="0"/>
               <a:t>Build</a:t>
             </a:r>
             <a:r>
-              <a:rPr lang="en-US" dirty="0"/>
-              <a:t> a TMB object by passing data and parameters (</a:t>
-            </a:r>
-            <a:r>
-              <a:rPr lang="en-US" sz="2600" dirty="0" err="1">
+              <a:rPr lang="es-419" noProof="0" dirty="0" smtClean="0"/>
+              <a:t> a TMB </a:t>
+            </a:r>
+            <a:r>
+              <a:rPr lang="es-419" noProof="0" dirty="0" err="1" smtClean="0"/>
+              <a:t>object</a:t>
+            </a:r>
+            <a:r>
+              <a:rPr lang="es-419" noProof="0" dirty="0" smtClean="0"/>
+              <a:t> </a:t>
+            </a:r>
+            <a:r>
+              <a:rPr lang="es-419" noProof="0" dirty="0" err="1" smtClean="0"/>
+              <a:t>by</a:t>
+            </a:r>
+            <a:r>
+              <a:rPr lang="es-419" noProof="0" dirty="0" smtClean="0"/>
+              <a:t> </a:t>
+            </a:r>
+            <a:r>
+              <a:rPr lang="es-419" noProof="0" dirty="0" err="1" smtClean="0"/>
+              <a:t>passing</a:t>
+            </a:r>
+            <a:r>
+              <a:rPr lang="es-419" noProof="0" dirty="0" smtClean="0"/>
+              <a:t> data and </a:t>
+            </a:r>
+            <a:r>
+              <a:rPr lang="es-419" noProof="0" dirty="0" err="1" smtClean="0"/>
+              <a:t>parameters</a:t>
+            </a:r>
+            <a:r>
+              <a:rPr lang="es-419" noProof="0" dirty="0" smtClean="0"/>
+              <a:t> (</a:t>
+            </a:r>
+            <a:r>
+              <a:rPr lang="es-419" sz="2600" noProof="0" dirty="0" err="1" smtClean="0">
                 <a:latin typeface="Courier New" panose="02070309020205020404" pitchFamily="49" charset="0"/>
                 <a:cs typeface="Courier New" panose="02070309020205020404" pitchFamily="49" charset="0"/>
               </a:rPr>
               <a:t>MakeADFun</a:t>
             </a:r>
             <a:r>
-              <a:rPr lang="en-US" dirty="0"/>
+              <a:rPr lang="es-419" noProof="0" dirty="0" smtClean="0"/>
               <a:t>)</a:t>
             </a:r>
           </a:p>
           <a:p>
             <a:r>
-              <a:rPr lang="en-US" dirty="0"/>
-              <a:t>The returned </a:t>
-            </a:r>
-            <a:r>
-              <a:rPr lang="en-US" i="1" dirty="0"/>
+              <a:rPr lang="es-419" noProof="0" dirty="0" err="1" smtClean="0"/>
+              <a:t>The</a:t>
+            </a:r>
+            <a:r>
+              <a:rPr lang="es-419" noProof="0" dirty="0" smtClean="0"/>
+              <a:t> </a:t>
+            </a:r>
+            <a:r>
+              <a:rPr lang="es-419" noProof="0" dirty="0" err="1" smtClean="0"/>
+              <a:t>returned</a:t>
+            </a:r>
+            <a:r>
+              <a:rPr lang="es-419" noProof="0" dirty="0" smtClean="0"/>
+              <a:t> </a:t>
+            </a:r>
+            <a:r>
+              <a:rPr lang="es-419" i="1" noProof="0" dirty="0" err="1" smtClean="0"/>
               <a:t>object</a:t>
             </a:r>
             <a:r>
-              <a:rPr lang="en-US" dirty="0"/>
+              <a:rPr lang="es-419" noProof="0" dirty="0" smtClean="0"/>
               <a:t> (</a:t>
             </a:r>
             <a:r>
-              <a:rPr lang="en-US" sz="2600" dirty="0" err="1">
+              <a:rPr lang="es-419" sz="2600" noProof="0" dirty="0" err="1" smtClean="0">
                 <a:latin typeface="Courier New" panose="02070309020205020404" pitchFamily="49" charset="0"/>
                 <a:cs typeface="Courier New" panose="02070309020205020404" pitchFamily="49" charset="0"/>
               </a:rPr>
               <a:t>obj</a:t>
             </a:r>
             <a:r>
-              <a:rPr lang="en-US" dirty="0"/>
-              <a:t>) is an R list with many elements, including </a:t>
-            </a:r>
-            <a:r>
-              <a:rPr lang="en-US" sz="2600" dirty="0" err="1">
+              <a:rPr lang="es-419" noProof="0" dirty="0" smtClean="0"/>
+              <a:t>) </a:t>
+            </a:r>
+            <a:r>
+              <a:rPr lang="es-419" noProof="0" dirty="0" err="1" smtClean="0"/>
+              <a:t>is</a:t>
+            </a:r>
+            <a:r>
+              <a:rPr lang="es-419" noProof="0" dirty="0" smtClean="0"/>
+              <a:t> </a:t>
+            </a:r>
+            <a:r>
+              <a:rPr lang="es-419" noProof="0" dirty="0" err="1" smtClean="0"/>
+              <a:t>an</a:t>
+            </a:r>
+            <a:r>
+              <a:rPr lang="es-419" noProof="0" dirty="0" smtClean="0"/>
+              <a:t> R </a:t>
+            </a:r>
+            <a:r>
+              <a:rPr lang="es-419" noProof="0" dirty="0" err="1" smtClean="0"/>
+              <a:t>list</a:t>
+            </a:r>
+            <a:r>
+              <a:rPr lang="es-419" noProof="0" dirty="0" smtClean="0"/>
+              <a:t> </a:t>
+            </a:r>
+            <a:r>
+              <a:rPr lang="es-419" noProof="0" dirty="0" err="1" smtClean="0"/>
+              <a:t>with</a:t>
+            </a:r>
+            <a:r>
+              <a:rPr lang="es-419" noProof="0" dirty="0" smtClean="0"/>
+              <a:t> </a:t>
+            </a:r>
+            <a:r>
+              <a:rPr lang="es-419" noProof="0" dirty="0" err="1" smtClean="0"/>
+              <a:t>many</a:t>
+            </a:r>
+            <a:r>
+              <a:rPr lang="es-419" noProof="0" dirty="0" smtClean="0"/>
+              <a:t> </a:t>
+            </a:r>
+            <a:r>
+              <a:rPr lang="es-419" noProof="0" dirty="0" err="1" smtClean="0"/>
+              <a:t>elements</a:t>
+            </a:r>
+            <a:r>
+              <a:rPr lang="es-419" noProof="0" dirty="0" smtClean="0"/>
+              <a:t>, </a:t>
+            </a:r>
+            <a:r>
+              <a:rPr lang="es-419" noProof="0" dirty="0" err="1" smtClean="0"/>
+              <a:t>including</a:t>
+            </a:r>
+            <a:r>
+              <a:rPr lang="es-419" noProof="0" dirty="0" smtClean="0"/>
+              <a:t> </a:t>
+            </a:r>
+            <a:r>
+              <a:rPr lang="es-419" sz="2600" noProof="0" dirty="0" err="1" smtClean="0">
                 <a:latin typeface="Courier New" panose="02070309020205020404" pitchFamily="49" charset="0"/>
                 <a:cs typeface="Courier New" panose="02070309020205020404" pitchFamily="49" charset="0"/>
               </a:rPr>
               <a:t>fn</a:t>
             </a:r>
             <a:r>
-              <a:rPr lang="en-US" dirty="0"/>
+              <a:rPr lang="es-419" noProof="0" dirty="0" smtClean="0"/>
               <a:t> and </a:t>
             </a:r>
             <a:r>
-              <a:rPr lang="en-US" sz="2600" dirty="0">
+              <a:rPr lang="es-419" sz="2600" noProof="0" dirty="0" smtClean="0">
                 <a:latin typeface="Courier New" panose="02070309020205020404" pitchFamily="49" charset="0"/>
                 <a:cs typeface="Courier New" panose="02070309020205020404" pitchFamily="49" charset="0"/>
               </a:rPr>
               <a:t>gr</a:t>
             </a:r>
             <a:r>
-              <a:rPr lang="en-US" dirty="0"/>
+              <a:rPr lang="es-419" noProof="0" dirty="0" smtClean="0"/>
               <a:t> </a:t>
             </a:r>
             <a:r>
-              <a:rPr lang="en-US" b="1" dirty="0"/>
+              <a:rPr lang="es-419" b="1" noProof="0" dirty="0" err="1" smtClean="0"/>
               <a:t>functions</a:t>
             </a:r>
             <a:r>
-              <a:rPr lang="en-US" dirty="0"/>
+              <a:rPr lang="es-419" noProof="0" dirty="0" smtClean="0"/>
               <a:t>.</a:t>
             </a:r>
           </a:p>
           <a:p>
             <a:r>
-              <a:rPr lang="en-US" dirty="0"/>
-              <a:t>Calling </a:t>
-            </a:r>
-            <a:r>
-              <a:rPr lang="en-US" sz="2600" dirty="0" err="1">
+              <a:rPr lang="es-419" noProof="0" dirty="0" err="1" smtClean="0"/>
+              <a:t>Calling</a:t>
+            </a:r>
+            <a:r>
+              <a:rPr lang="es-419" noProof="0" dirty="0" smtClean="0"/>
+              <a:t> </a:t>
+            </a:r>
+            <a:r>
+              <a:rPr lang="es-419" sz="2600" noProof="0" dirty="0" err="1" smtClean="0">
                 <a:latin typeface="Courier New" panose="02070309020205020404" pitchFamily="49" charset="0"/>
                 <a:cs typeface="Courier New" panose="02070309020205020404" pitchFamily="49" charset="0"/>
               </a:rPr>
               <a:t>obj$fn</a:t>
             </a:r>
             <a:r>
-              <a:rPr lang="en-US" sz="2600" dirty="0">
+              <a:rPr lang="es-419" sz="2600" noProof="0" dirty="0" smtClean="0">
                 <a:latin typeface="Courier New" panose="02070309020205020404" pitchFamily="49" charset="0"/>
                 <a:cs typeface="Courier New" panose="02070309020205020404" pitchFamily="49" charset="0"/>
               </a:rPr>
-              <a:t>(pars)</a:t>
-            </a:r>
-            <a:r>
-              <a:rPr lang="en-US" dirty="0"/>
-              <a:t> passes the parameters to the .</a:t>
-            </a:r>
-            <a:r>
-              <a:rPr lang="en-US" dirty="0" err="1"/>
+              <a:t>(</a:t>
+            </a:r>
+            <a:r>
+              <a:rPr lang="es-419" sz="2600" noProof="0" dirty="0" err="1" smtClean="0">
+                <a:latin typeface="Courier New" panose="02070309020205020404" pitchFamily="49" charset="0"/>
+                <a:cs typeface="Courier New" panose="02070309020205020404" pitchFamily="49" charset="0"/>
+              </a:rPr>
+              <a:t>pars</a:t>
+            </a:r>
+            <a:r>
+              <a:rPr lang="es-419" sz="2600" noProof="0" dirty="0" smtClean="0">
+                <a:latin typeface="Courier New" panose="02070309020205020404" pitchFamily="49" charset="0"/>
+                <a:cs typeface="Courier New" panose="02070309020205020404" pitchFamily="49" charset="0"/>
+              </a:rPr>
+              <a:t>)</a:t>
+            </a:r>
+            <a:r>
+              <a:rPr lang="es-419" noProof="0" dirty="0" smtClean="0"/>
+              <a:t> </a:t>
+            </a:r>
+            <a:r>
+              <a:rPr lang="es-419" noProof="0" dirty="0" err="1" smtClean="0"/>
+              <a:t>passes</a:t>
+            </a:r>
+            <a:r>
+              <a:rPr lang="es-419" noProof="0" dirty="0" smtClean="0"/>
+              <a:t> </a:t>
+            </a:r>
+            <a:r>
+              <a:rPr lang="es-419" noProof="0" dirty="0" err="1" smtClean="0"/>
+              <a:t>the</a:t>
+            </a:r>
+            <a:r>
+              <a:rPr lang="es-419" noProof="0" dirty="0" smtClean="0"/>
+              <a:t> </a:t>
+            </a:r>
+            <a:r>
+              <a:rPr lang="es-419" noProof="0" dirty="0" err="1" smtClean="0"/>
+              <a:t>parameters</a:t>
+            </a:r>
+            <a:r>
+              <a:rPr lang="es-419" noProof="0" dirty="0" smtClean="0"/>
+              <a:t> to </a:t>
+            </a:r>
+            <a:r>
+              <a:rPr lang="es-419" noProof="0" dirty="0" err="1" smtClean="0"/>
+              <a:t>the</a:t>
+            </a:r>
+            <a:r>
+              <a:rPr lang="es-419" noProof="0" dirty="0" smtClean="0"/>
+              <a:t> .</a:t>
+            </a:r>
+            <a:r>
+              <a:rPr lang="es-419" noProof="0" dirty="0" err="1" smtClean="0"/>
               <a:t>dll</a:t>
             </a:r>
             <a:r>
-              <a:rPr lang="en-US" dirty="0"/>
-              <a:t> file which calculates the answer, then returns it to R</a:t>
-            </a:r>
-          </a:p>
-          <a:p>
-            <a:r>
-              <a:rPr lang="en-US" b="1" dirty="0"/>
-              <a:t>R does NO calculations, the C++ (TMB) model does</a:t>
-            </a:r>
+              <a:rPr lang="es-419" noProof="0" dirty="0" smtClean="0"/>
+              <a:t> file </a:t>
+            </a:r>
+            <a:r>
+              <a:rPr lang="es-419" noProof="0" dirty="0" err="1" smtClean="0"/>
+              <a:t>which</a:t>
+            </a:r>
+            <a:r>
+              <a:rPr lang="es-419" noProof="0" dirty="0" smtClean="0"/>
+              <a:t> </a:t>
+            </a:r>
+            <a:r>
+              <a:rPr lang="es-419" noProof="0" dirty="0" err="1" smtClean="0"/>
+              <a:t>calculates</a:t>
+            </a:r>
+            <a:r>
+              <a:rPr lang="es-419" noProof="0" dirty="0" smtClean="0"/>
+              <a:t> </a:t>
+            </a:r>
+            <a:r>
+              <a:rPr lang="es-419" noProof="0" dirty="0" err="1" smtClean="0"/>
+              <a:t>the</a:t>
+            </a:r>
+            <a:r>
+              <a:rPr lang="es-419" noProof="0" dirty="0" smtClean="0"/>
+              <a:t> </a:t>
+            </a:r>
+            <a:r>
+              <a:rPr lang="es-419" noProof="0" dirty="0" err="1" smtClean="0"/>
+              <a:t>answer</a:t>
+            </a:r>
+            <a:r>
+              <a:rPr lang="es-419" noProof="0" dirty="0" smtClean="0"/>
+              <a:t>, </a:t>
+            </a:r>
+            <a:r>
+              <a:rPr lang="es-419" noProof="0" dirty="0" err="1" smtClean="0"/>
+              <a:t>then</a:t>
+            </a:r>
+            <a:r>
+              <a:rPr lang="es-419" noProof="0" dirty="0" smtClean="0"/>
+              <a:t> </a:t>
+            </a:r>
+            <a:r>
+              <a:rPr lang="es-419" noProof="0" dirty="0" err="1" smtClean="0"/>
+              <a:t>returns</a:t>
+            </a:r>
+            <a:r>
+              <a:rPr lang="es-419" noProof="0" dirty="0" smtClean="0"/>
+              <a:t> </a:t>
+            </a:r>
+            <a:r>
+              <a:rPr lang="es-419" noProof="0" dirty="0" err="1" smtClean="0"/>
+              <a:t>it</a:t>
+            </a:r>
+            <a:r>
+              <a:rPr lang="es-419" noProof="0" dirty="0" smtClean="0"/>
+              <a:t> to R</a:t>
+            </a:r>
+          </a:p>
+          <a:p>
+            <a:r>
+              <a:rPr lang="es-419" b="1" noProof="0" dirty="0" smtClean="0"/>
+              <a:t>R </a:t>
+            </a:r>
+            <a:r>
+              <a:rPr lang="es-419" b="1" noProof="0" dirty="0" err="1" smtClean="0"/>
+              <a:t>does</a:t>
+            </a:r>
+            <a:r>
+              <a:rPr lang="es-419" b="1" noProof="0" dirty="0" smtClean="0"/>
+              <a:t> NO </a:t>
+            </a:r>
+            <a:r>
+              <a:rPr lang="es-419" b="1" noProof="0" dirty="0" err="1" smtClean="0"/>
+              <a:t>calculations</a:t>
+            </a:r>
+            <a:r>
+              <a:rPr lang="es-419" b="1" noProof="0" dirty="0" smtClean="0"/>
+              <a:t>, </a:t>
+            </a:r>
+            <a:r>
+              <a:rPr lang="es-419" b="1" noProof="0" dirty="0" err="1" smtClean="0"/>
+              <a:t>the</a:t>
+            </a:r>
+            <a:r>
+              <a:rPr lang="es-419" b="1" noProof="0" dirty="0" smtClean="0"/>
+              <a:t> C++ (TMB) </a:t>
+            </a:r>
+            <a:r>
+              <a:rPr lang="es-419" b="1" noProof="0" dirty="0" err="1" smtClean="0"/>
+              <a:t>model</a:t>
+            </a:r>
+            <a:r>
+              <a:rPr lang="es-419" b="1" noProof="0" dirty="0" smtClean="0"/>
+              <a:t> </a:t>
+            </a:r>
+            <a:r>
+              <a:rPr lang="es-419" b="1" noProof="0" dirty="0" err="1" smtClean="0"/>
+              <a:t>does</a:t>
+            </a:r>
+            <a:endParaRPr lang="es-419" b="1" noProof="0" dirty="0"/>
           </a:p>
         </p:txBody>
       </p:sp>
@@ -19393,7 +18745,7 @@
           <p:cNvPr id="4" name="Slide Number Placeholder 3">
             <a:extLst>
               <a:ext uri="{FF2B5EF4-FFF2-40B4-BE49-F238E27FC236}">
-                <a16:creationId xmlns:a16="http://schemas.microsoft.com/office/drawing/2014/main" id="{A3CD5854-8CD6-47BC-BC76-EB6C25B5F754}"/>
+                <a16:creationId xmlns:a16="http://schemas.microsoft.com/office/drawing/2014/main" xmlns="" id="{A3CD5854-8CD6-47BC-BC76-EB6C25B5F754}"/>
               </a:ext>
             </a:extLst>
           </p:cNvPr>
@@ -19452,7 +18804,7 @@
           <p:cNvPr id="4" name="Picture 2" descr="C:\Users\James.Thorson\Desktop\UW Hideaway\Meetings and Presentations\2014-11-04 -- TMB seminar at CAPAM\TMB_components.png">
             <a:extLst>
               <a:ext uri="{FF2B5EF4-FFF2-40B4-BE49-F238E27FC236}">
-                <a16:creationId xmlns:a16="http://schemas.microsoft.com/office/drawing/2014/main" id="{1405FDEC-DAAF-47A2-B21B-87A37D485C76}"/>
+                <a16:creationId xmlns:a16="http://schemas.microsoft.com/office/drawing/2014/main" xmlns="" id="{1405FDEC-DAAF-47A2-B21B-87A37D485C76}"/>
               </a:ext>
             </a:extLst>
           </p:cNvPr>
@@ -19497,7 +18849,7 @@
           <p:cNvPr id="2" name="Slide Number Placeholder 1">
             <a:extLst>
               <a:ext uri="{FF2B5EF4-FFF2-40B4-BE49-F238E27FC236}">
-                <a16:creationId xmlns:a16="http://schemas.microsoft.com/office/drawing/2014/main" id="{F477D321-D8D4-4E71-A7CE-BD8C6B0D375B}"/>
+                <a16:creationId xmlns:a16="http://schemas.microsoft.com/office/drawing/2014/main" xmlns="" id="{F477D321-D8D4-4E71-A7CE-BD8C6B0D375B}"/>
               </a:ext>
             </a:extLst>
           </p:cNvPr>
@@ -19526,7 +18878,7 @@
           <p:cNvPr id="3" name="TextBox 2">
             <a:extLst>
               <a:ext uri="{FF2B5EF4-FFF2-40B4-BE49-F238E27FC236}">
-                <a16:creationId xmlns:a16="http://schemas.microsoft.com/office/drawing/2014/main" id="{769CE334-E718-4DBD-BE6A-9074CC75470D}"/>
+                <a16:creationId xmlns:a16="http://schemas.microsoft.com/office/drawing/2014/main" xmlns="" id="{769CE334-E718-4DBD-BE6A-9074CC75470D}"/>
               </a:ext>
             </a:extLst>
           </p:cNvPr>
@@ -19592,7 +18944,7 @@
           <p:cNvPr id="2" name="Title 1">
             <a:extLst>
               <a:ext uri="{FF2B5EF4-FFF2-40B4-BE49-F238E27FC236}">
-                <a16:creationId xmlns:a16="http://schemas.microsoft.com/office/drawing/2014/main" id="{3F043F25-3445-4283-9EA5-0B766F727EED}"/>
+                <a16:creationId xmlns:a16="http://schemas.microsoft.com/office/drawing/2014/main" xmlns="" id="{3F043F25-3445-4283-9EA5-0B766F727EED}"/>
               </a:ext>
             </a:extLst>
           </p:cNvPr>
@@ -19614,18 +18966,10 @@
           <a:lstStyle/>
           <a:p>
             <a:r>
-              <a:rPr lang="en-US" dirty="0" err="1"/>
-              <a:t>Sección</a:t>
-            </a:r>
-            <a:r>
-              <a:rPr lang="en-US" dirty="0"/>
-              <a:t> de </a:t>
-            </a:r>
-            <a:r>
-              <a:rPr lang="en-US" dirty="0" err="1"/>
-              <a:t>Templetes</a:t>
-            </a:r>
-            <a:endParaRPr lang="en-US" dirty="0"/>
+              <a:rPr lang="es-419" noProof="0" dirty="0" smtClean="0"/>
+              <a:t>Sección de Templetes</a:t>
+            </a:r>
+            <a:endParaRPr lang="es-419" noProof="0" dirty="0"/>
           </a:p>
         </p:txBody>
       </p:sp>
@@ -19634,7 +18978,7 @@
           <p:cNvPr id="3" name="Content Placeholder 2">
             <a:extLst>
               <a:ext uri="{FF2B5EF4-FFF2-40B4-BE49-F238E27FC236}">
-                <a16:creationId xmlns:a16="http://schemas.microsoft.com/office/drawing/2014/main" id="{38BCF4BB-EEAA-4937-8347-874FDFF7E367}"/>
+                <a16:creationId xmlns:a16="http://schemas.microsoft.com/office/drawing/2014/main" xmlns="" id="{38BCF4BB-EEAA-4937-8347-874FDFF7E367}"/>
               </a:ext>
             </a:extLst>
           </p:cNvPr>
@@ -19661,80 +19005,24 @@
               <a:buNone/>
             </a:pPr>
             <a:r>
-              <a:rPr lang="en-US" dirty="0"/>
-              <a:t>Los </a:t>
-            </a:r>
-            <a:r>
-              <a:rPr lang="en-US" dirty="0" err="1"/>
-              <a:t>modelos</a:t>
-            </a:r>
-            <a:r>
-              <a:rPr lang="en-US" dirty="0"/>
-              <a:t> de TMB se escribe </a:t>
-            </a:r>
-            <a:r>
-              <a:rPr lang="en-US" dirty="0" err="1"/>
-              <a:t>usando</a:t>
-            </a:r>
-            <a:r>
-              <a:rPr lang="en-US" dirty="0"/>
-              <a:t> una </a:t>
-            </a:r>
-            <a:r>
-              <a:rPr lang="en-US" dirty="0" err="1"/>
-              <a:t>coódigo</a:t>
-            </a:r>
-            <a:r>
-              <a:rPr lang="en-US" dirty="0"/>
-              <a:t> de C++ </a:t>
-            </a:r>
-            <a:r>
-              <a:rPr lang="en-US" dirty="0" err="1"/>
-              <a:t>simplificado</a:t>
-            </a:r>
-            <a:r>
-              <a:rPr lang="en-US" dirty="0"/>
-              <a:t>. Este archive “</a:t>
-            </a:r>
-            <a:r>
-              <a:rPr lang="en-US" dirty="0" err="1"/>
-              <a:t>templete</a:t>
-            </a:r>
-            <a:r>
-              <a:rPr lang="en-US" dirty="0"/>
-              <a:t>” (.</a:t>
-            </a:r>
-            <a:r>
-              <a:rPr lang="en-US" dirty="0" err="1"/>
+              <a:rPr lang="es-419" noProof="0" dirty="0" smtClean="0"/>
+              <a:t>Los modelos de TMB se escribe usando una </a:t>
+            </a:r>
+            <a:r>
+              <a:rPr lang="es-419" noProof="0" dirty="0" smtClean="0"/>
+              <a:t>código </a:t>
+            </a:r>
+            <a:r>
+              <a:rPr lang="es-419" noProof="0" dirty="0" smtClean="0"/>
+              <a:t>de C++ simplificado. Este archive “templete” (.</a:t>
+            </a:r>
+            <a:r>
+              <a:rPr lang="es-419" noProof="0" dirty="0" err="1" smtClean="0"/>
               <a:t>cpp</a:t>
             </a:r>
             <a:r>
-              <a:rPr lang="en-US" dirty="0"/>
-              <a:t>) </a:t>
-            </a:r>
-            <a:r>
-              <a:rPr lang="en-US" dirty="0" err="1"/>
-              <a:t>tiene</a:t>
-            </a:r>
-            <a:r>
-              <a:rPr lang="en-US" dirty="0"/>
-              <a:t> las </a:t>
-            </a:r>
-            <a:r>
-              <a:rPr lang="en-US" dirty="0" err="1"/>
-              <a:t>siguientes</a:t>
-            </a:r>
-            <a:r>
-              <a:rPr lang="en-US" dirty="0"/>
-              <a:t> </a:t>
-            </a:r>
-            <a:r>
-              <a:rPr lang="en-US" dirty="0" err="1"/>
-              <a:t>partes</a:t>
-            </a:r>
-            <a:r>
-              <a:rPr lang="en-US" dirty="0"/>
-              <a:t>:</a:t>
+              <a:rPr lang="es-419" noProof="0" dirty="0" smtClean="0"/>
+              <a:t>) tiene las siguientes partes:</a:t>
             </a:r>
           </a:p>
           <a:p>
@@ -19744,20 +19032,12 @@
               <a:buAutoNum type="arabicPeriod"/>
             </a:pPr>
             <a:r>
-              <a:rPr lang="en-US" dirty="0" err="1"/>
-              <a:t>Importa</a:t>
-            </a:r>
-            <a:r>
-              <a:rPr lang="en-US" dirty="0"/>
-              <a:t> data </a:t>
-            </a:r>
-            <a:r>
-              <a:rPr lang="en-US" u="sng" dirty="0" err="1"/>
-              <a:t>desde</a:t>
-            </a:r>
-            <a:r>
-              <a:rPr lang="en-US" u="sng" dirty="0"/>
-              <a:t> R</a:t>
+              <a:rPr lang="es-419" noProof="0" dirty="0" smtClean="0"/>
+              <a:t>Importa data </a:t>
+            </a:r>
+            <a:r>
+              <a:rPr lang="es-419" u="sng" noProof="0" dirty="0" smtClean="0"/>
+              <a:t>desde R</a:t>
             </a:r>
           </a:p>
           <a:p>
@@ -19767,20 +19047,8 @@
               <a:buAutoNum type="arabicPeriod"/>
             </a:pPr>
             <a:r>
-              <a:rPr lang="en-US" dirty="0" err="1"/>
-              <a:t>Declara</a:t>
-            </a:r>
-            <a:r>
-              <a:rPr lang="en-US" dirty="0"/>
-              <a:t> </a:t>
-            </a:r>
-            <a:r>
-              <a:rPr lang="en-US" dirty="0" err="1"/>
-              <a:t>parámetros</a:t>
-            </a:r>
-            <a:r>
-              <a:rPr lang="en-US" dirty="0"/>
-              <a:t> [x]</a:t>
+              <a:rPr lang="es-419" noProof="0" dirty="0" smtClean="0"/>
+              <a:t>Declara parámetros [x]</a:t>
             </a:r>
           </a:p>
           <a:p>
@@ -19790,12 +19058,8 @@
               <a:buAutoNum type="arabicPeriod"/>
             </a:pPr>
             <a:r>
-              <a:rPr lang="en-US" dirty="0" err="1"/>
-              <a:t>Calcula</a:t>
-            </a:r>
-            <a:r>
-              <a:rPr lang="en-US" dirty="0"/>
-              <a:t>:</a:t>
+              <a:rPr lang="es-419" noProof="0" dirty="0" smtClean="0"/>
+              <a:t>Calcula:</a:t>
             </a:r>
           </a:p>
           <a:p>
@@ -19805,34 +19069,9 @@
               <a:buAutoNum type="arabicPeriod"/>
             </a:pPr>
             <a:r>
-              <a:rPr lang="en-US" dirty="0" err="1"/>
-              <a:t>Esperado</a:t>
-            </a:r>
-            <a:r>
-              <a:rPr lang="en-US" dirty="0"/>
-              <a:t> por </a:t>
-            </a:r>
-            <a:r>
-              <a:rPr lang="en-US" dirty="0" err="1"/>
-              <a:t>el</a:t>
-            </a:r>
-            <a:r>
-              <a:rPr lang="en-US" dirty="0"/>
-              <a:t> </a:t>
-            </a:r>
-            <a:r>
-              <a:rPr lang="en-US" dirty="0" err="1"/>
-              <a:t>modelo</a:t>
-            </a:r>
-            <a:r>
-              <a:rPr lang="en-US" dirty="0"/>
-              <a:t>, dado los </a:t>
-            </a:r>
-            <a:r>
-              <a:rPr lang="en-US" dirty="0" err="1"/>
-              <a:t>parámetros</a:t>
-            </a:r>
-            <a:endParaRPr lang="en-US" dirty="0"/>
+              <a:rPr lang="es-419" noProof="0" dirty="0" smtClean="0"/>
+              <a:t>Esperado por el modelo, dado los parámetros</a:t>
+            </a:r>
           </a:p>
           <a:p>
             <a:pPr marL="914400" lvl="1" indent="-457200">
@@ -19841,16 +19080,16 @@
               <a:buAutoNum type="arabicPeriod"/>
             </a:pPr>
             <a:r>
-              <a:rPr lang="en-US" dirty="0"/>
-              <a:t>La log-</a:t>
-            </a:r>
-            <a:r>
-              <a:rPr lang="en-US" dirty="0" err="1"/>
-              <a:t>verosimilitud</a:t>
-            </a:r>
-            <a:r>
-              <a:rPr lang="en-US" dirty="0"/>
-              <a:t> (NLL) [f(x)]</a:t>
+              <a:rPr lang="es-419" noProof="0" dirty="0" smtClean="0"/>
+              <a:t>La </a:t>
+            </a:r>
+            <a:r>
+              <a:rPr lang="es-419" noProof="0" dirty="0" smtClean="0"/>
+              <a:t>-log-verosimilitud </a:t>
+            </a:r>
+            <a:r>
+              <a:rPr lang="es-419" noProof="0" dirty="0" smtClean="0"/>
+              <a:t>(NLL) [f(x)]</a:t>
             </a:r>
           </a:p>
           <a:p>
@@ -19860,28 +19099,12 @@
               <a:buAutoNum type="arabicPeriod"/>
             </a:pPr>
             <a:r>
-              <a:rPr lang="en-US" dirty="0" err="1"/>
-              <a:t>Reporta</a:t>
-            </a:r>
-            <a:r>
-              <a:rPr lang="en-US" dirty="0"/>
-              <a:t> de Vuelta </a:t>
-            </a:r>
-            <a:r>
-              <a:rPr lang="en-US" dirty="0" err="1"/>
-              <a:t>valores</a:t>
-            </a:r>
-            <a:r>
-              <a:rPr lang="en-US" dirty="0"/>
-              <a:t> </a:t>
-            </a:r>
-            <a:r>
-              <a:rPr lang="en-US" u="sng" dirty="0" err="1"/>
-              <a:t>hacia</a:t>
-            </a:r>
-            <a:r>
-              <a:rPr lang="en-US" u="sng" dirty="0"/>
-              <a:t> R</a:t>
+              <a:rPr lang="es-419" noProof="0" dirty="0" smtClean="0"/>
+              <a:t>Reporta de Vuelta valores </a:t>
+            </a:r>
+            <a:r>
+              <a:rPr lang="es-419" u="sng" noProof="0" dirty="0" smtClean="0"/>
+              <a:t>hacia R</a:t>
             </a:r>
           </a:p>
           <a:p>
@@ -19891,21 +19114,14 @@
               <a:buAutoNum type="arabicPeriod"/>
             </a:pPr>
             <a:r>
-              <a:rPr lang="en-US" dirty="0" err="1"/>
+              <a:rPr lang="es-419" noProof="0" dirty="0" err="1" smtClean="0"/>
               <a:t>Returna</a:t>
             </a:r>
             <a:r>
-              <a:rPr lang="en-US" dirty="0"/>
-              <a:t> </a:t>
-            </a:r>
-            <a:r>
-              <a:rPr lang="en-US" dirty="0" err="1"/>
-              <a:t>el</a:t>
-            </a:r>
-            <a:r>
-              <a:rPr lang="en-US" dirty="0"/>
-              <a:t> NLL</a:t>
-            </a:r>
+              <a:rPr lang="es-419" noProof="0" dirty="0" smtClean="0"/>
+              <a:t> el NLL</a:t>
+            </a:r>
+            <a:endParaRPr lang="es-419" noProof="0" dirty="0"/>
           </a:p>
         </p:txBody>
       </p:sp>
@@ -19914,7 +19130,7 @@
           <p:cNvPr id="4" name="Slide Number Placeholder 3">
             <a:extLst>
               <a:ext uri="{FF2B5EF4-FFF2-40B4-BE49-F238E27FC236}">
-                <a16:creationId xmlns:a16="http://schemas.microsoft.com/office/drawing/2014/main" id="{9A78A00C-8338-45E0-A869-06F027BCD1FB}"/>
+                <a16:creationId xmlns:a16="http://schemas.microsoft.com/office/drawing/2014/main" xmlns="" id="{9A78A00C-8338-45E0-A869-06F027BCD1FB}"/>
               </a:ext>
             </a:extLst>
           </p:cNvPr>
@@ -19973,7 +19189,7 @@
           <p:cNvPr id="2" name="Title 1">
             <a:extLst>
               <a:ext uri="{FF2B5EF4-FFF2-40B4-BE49-F238E27FC236}">
-                <a16:creationId xmlns:a16="http://schemas.microsoft.com/office/drawing/2014/main" id="{A1BF717C-21CD-4B1D-8E3B-872C40126A2F}"/>
+                <a16:creationId xmlns:a16="http://schemas.microsoft.com/office/drawing/2014/main" xmlns="" id="{A1BF717C-21CD-4B1D-8E3B-872C40126A2F}"/>
               </a:ext>
             </a:extLst>
           </p:cNvPr>
@@ -19990,21 +19206,10 @@
           <a:lstStyle/>
           <a:p>
             <a:r>
-              <a:rPr lang="en-US" dirty="0" err="1"/>
-              <a:t>Curso</a:t>
-            </a:r>
-            <a:r>
-              <a:rPr lang="en-US" dirty="0"/>
-              <a:t> </a:t>
-            </a:r>
-            <a:r>
-              <a:rPr lang="en-US" dirty="0" err="1"/>
-              <a:t>básico</a:t>
-            </a:r>
-            <a:r>
-              <a:rPr lang="en-US" dirty="0"/>
-              <a:t> de C++</a:t>
-            </a:r>
+              <a:rPr lang="es-419" noProof="0" dirty="0" smtClean="0"/>
+              <a:t>Curso básico de C++</a:t>
+            </a:r>
+            <a:endParaRPr lang="es-419" noProof="0" dirty="0"/>
           </a:p>
         </p:txBody>
       </p:sp>
@@ -20013,7 +19218,7 @@
           <p:cNvPr id="3" name="Content Placeholder 2">
             <a:extLst>
               <a:ext uri="{FF2B5EF4-FFF2-40B4-BE49-F238E27FC236}">
-                <a16:creationId xmlns:a16="http://schemas.microsoft.com/office/drawing/2014/main" id="{0A2E0527-1EFB-4179-9765-0421A8814AD5}"/>
+                <a16:creationId xmlns:a16="http://schemas.microsoft.com/office/drawing/2014/main" xmlns="" id="{0A2E0527-1EFB-4179-9765-0421A8814AD5}"/>
               </a:ext>
             </a:extLst>
           </p:cNvPr>
@@ -20024,258 +19229,55 @@
             <p:ph idx="1"/>
           </p:nvPr>
         </p:nvSpPr>
-        <p:spPr/>
+        <p:spPr>
+          <a:xfrm>
+            <a:off x="457200" y="1200150"/>
+            <a:ext cx="8229600" cy="4530725"/>
+          </a:xfrm>
+        </p:spPr>
         <p:txBody>
           <a:bodyPr/>
           <a:lstStyle/>
           <a:p>
             <a:r>
-              <a:rPr lang="en-US" dirty="0"/>
-              <a:t>Para </a:t>
-            </a:r>
-            <a:r>
-              <a:rPr lang="en-US" dirty="0" err="1"/>
-              <a:t>escribir</a:t>
-            </a:r>
-            <a:r>
-              <a:rPr lang="en-US" dirty="0"/>
-              <a:t> </a:t>
-            </a:r>
-            <a:r>
-              <a:rPr lang="en-US" dirty="0" err="1"/>
-              <a:t>modelos</a:t>
-            </a:r>
-            <a:r>
-              <a:rPr lang="en-US" dirty="0"/>
-              <a:t> </a:t>
-            </a:r>
-            <a:r>
-              <a:rPr lang="en-US" dirty="0" err="1"/>
-              <a:t>en</a:t>
-            </a:r>
-            <a:r>
-              <a:rPr lang="en-US" dirty="0"/>
-              <a:t> se </a:t>
-            </a:r>
-            <a:r>
-              <a:rPr lang="en-US" dirty="0" err="1"/>
-              <a:t>utiliza</a:t>
-            </a:r>
-            <a:r>
-              <a:rPr lang="en-US" dirty="0"/>
-              <a:t> C++</a:t>
-            </a:r>
-          </a:p>
-          <a:p>
-            <a:r>
-              <a:rPr lang="en-US" dirty="0"/>
-              <a:t>C++ es </a:t>
-            </a:r>
-            <a:r>
-              <a:rPr lang="en-US" dirty="0" err="1"/>
-              <a:t>más</a:t>
-            </a:r>
-            <a:r>
-              <a:rPr lang="en-US" dirty="0"/>
-              <a:t> </a:t>
-            </a:r>
-            <a:r>
-              <a:rPr lang="en-US" dirty="0" err="1"/>
-              <a:t>rápido</a:t>
-            </a:r>
-            <a:r>
-              <a:rPr lang="en-US" dirty="0"/>
-              <a:t> que R, </a:t>
-            </a:r>
-            <a:r>
-              <a:rPr lang="en-US" dirty="0" err="1"/>
-              <a:t>pero</a:t>
-            </a:r>
-            <a:r>
-              <a:rPr lang="en-US" dirty="0"/>
-              <a:t> </a:t>
-            </a:r>
-            <a:r>
-              <a:rPr lang="en-US" dirty="0" err="1"/>
-              <a:t>más</a:t>
-            </a:r>
-            <a:r>
-              <a:rPr lang="en-US" dirty="0"/>
-              <a:t> </a:t>
-            </a:r>
-            <a:r>
-              <a:rPr lang="en-US" dirty="0" err="1"/>
-              <a:t>estricto</a:t>
-            </a:r>
-            <a:endParaRPr lang="en-US" dirty="0"/>
-          </a:p>
-          <a:p>
-            <a:r>
-              <a:rPr lang="en-US" dirty="0"/>
-              <a:t>A </a:t>
-            </a:r>
-            <a:r>
-              <a:rPr lang="en-US" dirty="0" err="1"/>
-              <a:t>diferencia</a:t>
-            </a:r>
-            <a:r>
-              <a:rPr lang="en-US" dirty="0"/>
-              <a:t> de R, los </a:t>
-            </a:r>
-            <a:r>
-              <a:rPr lang="en-US" dirty="0" err="1"/>
-              <a:t>archivos</a:t>
-            </a:r>
-            <a:r>
-              <a:rPr lang="en-US" dirty="0"/>
-              <a:t> son </a:t>
-            </a:r>
-            <a:r>
-              <a:rPr lang="en-US" dirty="0" err="1"/>
-              <a:t>compilados</a:t>
-            </a:r>
-            <a:endParaRPr lang="en-US" dirty="0"/>
-          </a:p>
-          <a:p>
-            <a:r>
-              <a:rPr lang="en-US" dirty="0"/>
-              <a:t>C++ es </a:t>
-            </a:r>
-            <a:r>
-              <a:rPr lang="en-US" dirty="0" err="1"/>
-              <a:t>muy</a:t>
-            </a:r>
-            <a:r>
-              <a:rPr lang="en-US" dirty="0"/>
-              <a:t> </a:t>
-            </a:r>
-            <a:r>
-              <a:rPr lang="en-US" dirty="0" err="1"/>
-              <a:t>complejo</a:t>
-            </a:r>
-            <a:r>
-              <a:rPr lang="en-US" dirty="0"/>
-              <a:t>, </a:t>
-            </a:r>
-            <a:r>
-              <a:rPr lang="en-US" dirty="0" err="1"/>
-              <a:t>usaremos</a:t>
-            </a:r>
-            <a:r>
-              <a:rPr lang="en-US" dirty="0"/>
-              <a:t> solo lo </a:t>
-            </a:r>
-            <a:r>
-              <a:rPr lang="en-US" dirty="0" err="1"/>
-              <a:t>básico</a:t>
-            </a:r>
-            <a:endParaRPr lang="en-US" dirty="0"/>
-          </a:p>
-          <a:p>
-            <a:r>
-              <a:rPr lang="en-US" dirty="0"/>
-              <a:t>TMB </a:t>
-            </a:r>
-            <a:r>
-              <a:rPr lang="en-US" dirty="0" err="1"/>
-              <a:t>provee</a:t>
-            </a:r>
-            <a:r>
-              <a:rPr lang="en-US" dirty="0"/>
-              <a:t> de atajos </a:t>
-            </a:r>
-            <a:r>
-              <a:rPr lang="en-US" dirty="0" err="1"/>
-              <a:t>en</a:t>
-            </a:r>
-            <a:r>
-              <a:rPr lang="en-US" dirty="0"/>
-              <a:t> </a:t>
-            </a:r>
-            <a:r>
-              <a:rPr lang="en-US" dirty="0" err="1"/>
-              <a:t>el</a:t>
-            </a:r>
-            <a:r>
-              <a:rPr lang="en-US" dirty="0"/>
-              <a:t> </a:t>
-            </a:r>
-            <a:r>
-              <a:rPr lang="en-US" dirty="0" err="1"/>
-              <a:t>templete</a:t>
-            </a:r>
-            <a:r>
-              <a:rPr lang="en-US" dirty="0"/>
-              <a:t> para </a:t>
-            </a:r>
-            <a:r>
-              <a:rPr lang="en-US" dirty="0" err="1"/>
-              <a:t>hacerle</a:t>
-            </a:r>
-            <a:r>
-              <a:rPr lang="en-US" dirty="0"/>
-              <a:t> la </a:t>
-            </a:r>
-            <a:r>
-              <a:rPr lang="en-US" dirty="0" err="1"/>
-              <a:t>vida</a:t>
-            </a:r>
-            <a:r>
-              <a:rPr lang="en-US" dirty="0"/>
-              <a:t> </a:t>
-            </a:r>
-            <a:r>
-              <a:rPr lang="en-US" dirty="0" err="1"/>
-              <a:t>más</a:t>
-            </a:r>
-            <a:r>
-              <a:rPr lang="en-US" dirty="0"/>
-              <a:t> </a:t>
-            </a:r>
-            <a:r>
-              <a:rPr lang="en-US" dirty="0" err="1"/>
-              <a:t>fácil</a:t>
-            </a:r>
-            <a:r>
-              <a:rPr lang="en-US" dirty="0"/>
-              <a:t> a los </a:t>
-            </a:r>
-            <a:r>
-              <a:rPr lang="en-US" dirty="0" err="1"/>
-              <a:t>usuarios</a:t>
-            </a:r>
-            <a:endParaRPr lang="en-US" dirty="0"/>
-          </a:p>
-          <a:p>
-            <a:r>
-              <a:rPr lang="en-US" dirty="0" err="1"/>
-              <a:t>Aqui</a:t>
-            </a:r>
-            <a:r>
-              <a:rPr lang="en-US" dirty="0"/>
-              <a:t> </a:t>
-            </a:r>
-            <a:r>
-              <a:rPr lang="en-US" dirty="0" err="1"/>
-              <a:t>revisamos</a:t>
-            </a:r>
-            <a:r>
-              <a:rPr lang="en-US" dirty="0"/>
-              <a:t> lo </a:t>
-            </a:r>
-            <a:r>
-              <a:rPr lang="en-US" dirty="0" err="1"/>
-              <a:t>básico</a:t>
-            </a:r>
-            <a:r>
-              <a:rPr lang="en-US" dirty="0"/>
-              <a:t> </a:t>
-            </a:r>
-            <a:r>
-              <a:rPr lang="en-US" dirty="0" err="1"/>
-              <a:t>necesario</a:t>
-            </a:r>
-            <a:endParaRPr lang="en-US" dirty="0"/>
+              <a:rPr lang="es-419" noProof="0" dirty="0" smtClean="0"/>
+              <a:t>Para escribir modelos en se utiliza C++</a:t>
+            </a:r>
+          </a:p>
+          <a:p>
+            <a:r>
+              <a:rPr lang="es-419" noProof="0" dirty="0" smtClean="0"/>
+              <a:t>C++ es más rápido que R, pero más estricto</a:t>
+            </a:r>
+          </a:p>
+          <a:p>
+            <a:r>
+              <a:rPr lang="es-419" noProof="0" dirty="0" smtClean="0"/>
+              <a:t>A diferencia de R, los archivos son compilados</a:t>
+            </a:r>
+          </a:p>
+          <a:p>
+            <a:r>
+              <a:rPr lang="es-419" noProof="0" dirty="0" smtClean="0"/>
+              <a:t>C++ es muy complejo, usaremos solo lo básico</a:t>
+            </a:r>
+          </a:p>
+          <a:p>
+            <a:r>
+              <a:rPr lang="es-419" noProof="0" dirty="0" smtClean="0"/>
+              <a:t>TMB provee de atajos en el templete para hacerle la vida más fácil a los usuarios</a:t>
+            </a:r>
+          </a:p>
+          <a:p>
+            <a:r>
+              <a:rPr lang="es-419" noProof="0" dirty="0" smtClean="0"/>
+              <a:t>Aquí </a:t>
+            </a:r>
+            <a:r>
+              <a:rPr lang="es-419" noProof="0" dirty="0" smtClean="0"/>
+              <a:t>revisamos lo básico necesario</a:t>
+            </a:r>
+            <a:endParaRPr lang="es-419" noProof="0" dirty="0"/>
           </a:p>
         </p:txBody>
       </p:sp>
@@ -20284,7 +19286,7 @@
           <p:cNvPr id="4" name="Slide Number Placeholder 3">
             <a:extLst>
               <a:ext uri="{FF2B5EF4-FFF2-40B4-BE49-F238E27FC236}">
-                <a16:creationId xmlns:a16="http://schemas.microsoft.com/office/drawing/2014/main" id="{847535A9-AED1-4941-8B67-2AA5BFA45802}"/>
+                <a16:creationId xmlns:a16="http://schemas.microsoft.com/office/drawing/2014/main" xmlns="" id="{847535A9-AED1-4941-8B67-2AA5BFA45802}"/>
               </a:ext>
             </a:extLst>
           </p:cNvPr>
@@ -20343,7 +19345,7 @@
           <p:cNvPr id="3" name="Content Placeholder 2">
             <a:extLst>
               <a:ext uri="{FF2B5EF4-FFF2-40B4-BE49-F238E27FC236}">
-                <a16:creationId xmlns:a16="http://schemas.microsoft.com/office/drawing/2014/main" id="{BEFE63AA-2FCE-4092-916A-23E9294069B2}"/>
+                <a16:creationId xmlns:a16="http://schemas.microsoft.com/office/drawing/2014/main" xmlns="" id="{BEFE63AA-2FCE-4092-916A-23E9294069B2}"/>
               </a:ext>
             </a:extLst>
           </p:cNvPr>
@@ -20356,7 +19358,7 @@
         </p:nvSpPr>
         <p:spPr>
           <a:xfrm>
-            <a:off x="628650" y="1469363"/>
+            <a:off x="612322" y="1191778"/>
             <a:ext cx="7886700" cy="4761442"/>
           </a:xfrm>
         </p:spPr>
@@ -20367,312 +19369,128 @@
           <a:lstStyle/>
           <a:p>
             <a:r>
-              <a:rPr lang="en-US" dirty="0"/>
-              <a:t>Las </a:t>
-            </a:r>
-            <a:r>
-              <a:rPr lang="en-US" dirty="0" err="1"/>
-              <a:t>declaraciones</a:t>
-            </a:r>
-            <a:r>
-              <a:rPr lang="en-US" dirty="0"/>
-              <a:t> </a:t>
-            </a:r>
-            <a:r>
-              <a:rPr lang="en-US" dirty="0" err="1"/>
-              <a:t>en</a:t>
-            </a:r>
-            <a:r>
-              <a:rPr lang="en-US" dirty="0"/>
-              <a:t> C++ </a:t>
-            </a:r>
-            <a:r>
-              <a:rPr lang="en-US" dirty="0" err="1"/>
-              <a:t>deben</a:t>
-            </a:r>
-            <a:r>
-              <a:rPr lang="en-US" dirty="0"/>
-              <a:t> </a:t>
-            </a:r>
-            <a:r>
-              <a:rPr lang="en-US" dirty="0" err="1"/>
-              <a:t>terminar</a:t>
-            </a:r>
-            <a:r>
-              <a:rPr lang="en-US" dirty="0"/>
-              <a:t> con “;”</a:t>
-            </a:r>
-          </a:p>
-          <a:p>
-            <a:r>
-              <a:rPr lang="en-US" dirty="0" err="1"/>
-              <a:t>Asignación</a:t>
-            </a:r>
-            <a:r>
-              <a:rPr lang="en-US" dirty="0"/>
-              <a:t> </a:t>
-            </a:r>
-            <a:r>
-              <a:rPr lang="en-US" b="1" dirty="0"/>
+              <a:rPr lang="es-419" noProof="0" dirty="0" smtClean="0"/>
+              <a:t>Las declaraciones en C++ deben terminar con “;”</a:t>
+            </a:r>
+          </a:p>
+          <a:p>
+            <a:r>
+              <a:rPr lang="es-419" noProof="0" dirty="0" smtClean="0"/>
+              <a:t>Asignación </a:t>
+            </a:r>
+            <a:r>
+              <a:rPr lang="es-419" b="1" noProof="0" dirty="0" smtClean="0"/>
               <a:t>solo</a:t>
             </a:r>
             <a:r>
-              <a:rPr lang="en-US" dirty="0"/>
-              <a:t> con “=“; “x -= 1“ is “x = x-1” </a:t>
-            </a:r>
-          </a:p>
-          <a:p>
-            <a:r>
-              <a:rPr lang="en-US" dirty="0" err="1"/>
-              <a:t>Operadores</a:t>
-            </a:r>
-            <a:r>
-              <a:rPr lang="en-US" dirty="0"/>
-              <a:t> </a:t>
-            </a:r>
-            <a:r>
-              <a:rPr lang="en-US" dirty="0" err="1"/>
-              <a:t>matemáticas</a:t>
-            </a:r>
-            <a:r>
-              <a:rPr lang="en-US" dirty="0"/>
-              <a:t> y </a:t>
-            </a:r>
-            <a:r>
-              <a:rPr lang="en-US" dirty="0" err="1"/>
-              <a:t>funciones</a:t>
-            </a:r>
-            <a:r>
-              <a:rPr lang="en-US" dirty="0"/>
-              <a:t> son los </a:t>
-            </a:r>
-            <a:r>
-              <a:rPr lang="en-US" dirty="0" err="1"/>
-              <a:t>mismos</a:t>
-            </a:r>
-            <a:r>
-              <a:rPr lang="en-US" dirty="0"/>
-              <a:t>: +, /, *, &gt;, &gt;=, ==, &amp;, sin, cos, log, exp</a:t>
-            </a:r>
-          </a:p>
-          <a:p>
-            <a:r>
-              <a:rPr lang="en-US" dirty="0"/>
-              <a:t>Pero “^” no </a:t>
-            </a:r>
-            <a:r>
-              <a:rPr lang="en-US" dirty="0" err="1"/>
-              <a:t>funciona</a:t>
-            </a:r>
-            <a:r>
-              <a:rPr lang="en-US" dirty="0"/>
-              <a:t>; use </a:t>
-            </a:r>
-            <a:r>
-              <a:rPr lang="en-US" dirty="0">
+              <a:rPr lang="es-419" noProof="0" dirty="0" smtClean="0"/>
+              <a:t> con “=“; “x -= 1“ </a:t>
+            </a:r>
+            <a:r>
+              <a:rPr lang="es-419" noProof="0" dirty="0" err="1" smtClean="0"/>
+              <a:t>is</a:t>
+            </a:r>
+            <a:r>
+              <a:rPr lang="es-419" noProof="0" dirty="0" smtClean="0"/>
+              <a:t> “x = x-1” </a:t>
+            </a:r>
+          </a:p>
+          <a:p>
+            <a:r>
+              <a:rPr lang="es-419" noProof="0" dirty="0" smtClean="0"/>
+              <a:t>Operadores matemáticas y funciones son los mismos: +, /, *, &gt;, &gt;=, ==, &amp;, sin, </a:t>
+            </a:r>
+            <a:r>
+              <a:rPr lang="es-419" noProof="0" dirty="0" err="1" smtClean="0"/>
+              <a:t>cos</a:t>
+            </a:r>
+            <a:r>
+              <a:rPr lang="es-419" noProof="0" dirty="0" smtClean="0"/>
+              <a:t>, log, </a:t>
+            </a:r>
+            <a:r>
+              <a:rPr lang="es-419" noProof="0" dirty="0" err="1" smtClean="0"/>
+              <a:t>exp</a:t>
+            </a:r>
+            <a:endParaRPr lang="es-419" noProof="0" dirty="0" smtClean="0"/>
+          </a:p>
+          <a:p>
+            <a:r>
+              <a:rPr lang="es-419" noProof="0" dirty="0" smtClean="0"/>
+              <a:t>Pero “^” no funciona; use </a:t>
+            </a:r>
+            <a:r>
+              <a:rPr lang="es-419" noProof="0" dirty="0" err="1" smtClean="0">
                 <a:latin typeface="Courier New" panose="02070309020205020404" pitchFamily="49" charset="0"/>
                 <a:cs typeface="Courier New" panose="02070309020205020404" pitchFamily="49" charset="0"/>
               </a:rPr>
-              <a:t>pow(</a:t>
-            </a:r>
-            <a:r>
-              <a:rPr lang="en-US" dirty="0" err="1">
+              <a:t>pow</a:t>
+            </a:r>
+            <a:r>
+              <a:rPr lang="es-419" noProof="0" dirty="0" smtClean="0">
                 <a:latin typeface="Courier New" panose="02070309020205020404" pitchFamily="49" charset="0"/>
                 <a:cs typeface="Courier New" panose="02070309020205020404" pitchFamily="49" charset="0"/>
               </a:rPr>
+              <a:t>(</a:t>
+            </a:r>
+            <a:r>
+              <a:rPr lang="es-419" noProof="0" dirty="0" err="1" smtClean="0">
+                <a:latin typeface="Courier New" panose="02070309020205020404" pitchFamily="49" charset="0"/>
+                <a:cs typeface="Courier New" panose="02070309020205020404" pitchFamily="49" charset="0"/>
+              </a:rPr>
               <a:t>x,p</a:t>
             </a:r>
             <a:r>
-              <a:rPr lang="en-US" dirty="0">
+              <a:rPr lang="es-419" noProof="0" dirty="0" smtClean="0">
                 <a:latin typeface="Courier New" panose="02070309020205020404" pitchFamily="49" charset="0"/>
                 <a:cs typeface="Courier New" panose="02070309020205020404" pitchFamily="49" charset="0"/>
               </a:rPr>
               <a:t>)</a:t>
             </a:r>
             <a:r>
-              <a:rPr lang="en-US" dirty="0"/>
+              <a:rPr lang="es-419" noProof="0" dirty="0" smtClean="0"/>
               <a:t> para </a:t>
             </a:r>
             <a:r>
-              <a:rPr lang="en-US" dirty="0" err="1"/>
+              <a:rPr lang="es-419" noProof="0" dirty="0" err="1" smtClean="0"/>
               <a:t>x^p</a:t>
             </a:r>
-            <a:endParaRPr lang="en-US" dirty="0"/>
-          </a:p>
-          <a:p>
-            <a:r>
-              <a:rPr lang="en-US" dirty="0" err="1"/>
-              <a:t>Declaraciones</a:t>
-            </a:r>
-            <a:r>
-              <a:rPr lang="en-US" dirty="0"/>
-              <a:t> “if”  </a:t>
-            </a:r>
-            <a:r>
-              <a:rPr lang="en-US" dirty="0" err="1"/>
-              <a:t>están</a:t>
-            </a:r>
-            <a:r>
-              <a:rPr lang="en-US" dirty="0"/>
-              <a:t> </a:t>
-            </a:r>
-            <a:r>
-              <a:rPr lang="en-US" dirty="0" err="1"/>
-              <a:t>permitidas</a:t>
-            </a:r>
-            <a:r>
-              <a:rPr lang="en-US" dirty="0"/>
-              <a:t> </a:t>
-            </a:r>
-            <a:r>
-              <a:rPr lang="en-US" dirty="0" err="1"/>
-              <a:t>pero</a:t>
-            </a:r>
-            <a:r>
-              <a:rPr lang="en-US" dirty="0"/>
-              <a:t> NO para </a:t>
-            </a:r>
-            <a:r>
-              <a:rPr lang="en-US" dirty="0" err="1"/>
-              <a:t>el</a:t>
-            </a:r>
-            <a:r>
-              <a:rPr lang="en-US" dirty="0"/>
-              <a:t> </a:t>
-            </a:r>
-            <a:r>
-              <a:rPr lang="en-US" dirty="0" err="1"/>
-              <a:t>cálculo</a:t>
-            </a:r>
-            <a:r>
-              <a:rPr lang="en-US" dirty="0"/>
-              <a:t> de NLL (</a:t>
-            </a:r>
-            <a:r>
-              <a:rPr lang="en-US" dirty="0" err="1"/>
-              <a:t>más</a:t>
-            </a:r>
-            <a:r>
-              <a:rPr lang="en-US" dirty="0"/>
-              <a:t> </a:t>
-            </a:r>
-            <a:r>
-              <a:rPr lang="en-US" dirty="0" err="1"/>
-              <a:t>sobre</a:t>
-            </a:r>
-            <a:r>
-              <a:rPr lang="en-US" dirty="0"/>
-              <a:t> </a:t>
-            </a:r>
-            <a:r>
-              <a:rPr lang="en-US" dirty="0" err="1"/>
-              <a:t>esto</a:t>
-            </a:r>
-            <a:r>
-              <a:rPr lang="en-US" dirty="0"/>
-              <a:t> </a:t>
-            </a:r>
-            <a:r>
-              <a:rPr lang="en-US" dirty="0" err="1"/>
-              <a:t>luego</a:t>
-            </a:r>
-            <a:r>
-              <a:rPr lang="en-US" dirty="0"/>
-              <a:t>)</a:t>
-            </a:r>
-          </a:p>
-          <a:p>
-            <a:r>
-              <a:rPr lang="en-US" dirty="0"/>
-              <a:t>Los </a:t>
-            </a:r>
-            <a:r>
-              <a:rPr lang="en-US" dirty="0" err="1"/>
-              <a:t>ciclos</a:t>
-            </a:r>
-            <a:r>
-              <a:rPr lang="en-US" dirty="0"/>
-              <a:t> son </a:t>
-            </a:r>
-            <a:r>
-              <a:rPr lang="en-US" dirty="0" err="1"/>
-              <a:t>similares</a:t>
-            </a:r>
-            <a:r>
-              <a:rPr lang="en-US" dirty="0"/>
-              <a:t> </a:t>
-            </a:r>
-            <a:r>
-              <a:rPr lang="en-US" dirty="0" err="1"/>
-              <a:t>pero</a:t>
-            </a:r>
-            <a:r>
-              <a:rPr lang="en-US" dirty="0"/>
-              <a:t> se </a:t>
-            </a:r>
-            <a:r>
-              <a:rPr lang="en-US" dirty="0" err="1"/>
-              <a:t>indexan</a:t>
-            </a:r>
-            <a:r>
-              <a:rPr lang="en-US" dirty="0"/>
-              <a:t> </a:t>
-            </a:r>
-            <a:r>
-              <a:rPr lang="en-US" dirty="0" err="1"/>
-              <a:t>en</a:t>
-            </a:r>
-            <a:r>
-              <a:rPr lang="en-US" dirty="0"/>
-              <a:t> forma </a:t>
-            </a:r>
-            <a:r>
-              <a:rPr lang="en-US" dirty="0" err="1"/>
-              <a:t>diferente</a:t>
-            </a:r>
-            <a:endParaRPr lang="en-US" dirty="0"/>
-          </a:p>
-          <a:p>
-            <a:r>
-              <a:rPr lang="en-US" dirty="0" err="1"/>
-              <a:t>Indexación</a:t>
-            </a:r>
-            <a:r>
-              <a:rPr lang="en-US" dirty="0"/>
-              <a:t> de </a:t>
-            </a:r>
-            <a:r>
-              <a:rPr lang="en-US" dirty="0" err="1"/>
-              <a:t>vectores</a:t>
-            </a:r>
-            <a:r>
-              <a:rPr lang="en-US" dirty="0"/>
-              <a:t> es possible </a:t>
-            </a:r>
-            <a:r>
-              <a:rPr lang="en-US" dirty="0" err="1"/>
-              <a:t>pero</a:t>
-            </a:r>
-            <a:r>
-              <a:rPr lang="en-US" dirty="0"/>
-              <a:t> no es tan flexible </a:t>
-            </a:r>
-            <a:r>
-              <a:rPr lang="en-US" dirty="0" err="1"/>
-              <a:t>como</a:t>
-            </a:r>
-            <a:r>
-              <a:rPr lang="en-US" dirty="0"/>
-              <a:t> </a:t>
-            </a:r>
-            <a:r>
-              <a:rPr lang="en-US" dirty="0" err="1"/>
-              <a:t>en</a:t>
-            </a:r>
-            <a:r>
-              <a:rPr lang="en-US" dirty="0"/>
-              <a:t> R</a:t>
-            </a:r>
+            <a:endParaRPr lang="es-419" noProof="0" dirty="0" smtClean="0"/>
+          </a:p>
+          <a:p>
+            <a:r>
+              <a:rPr lang="es-419" noProof="0" dirty="0" smtClean="0"/>
+              <a:t>Declaraciones “</a:t>
+            </a:r>
+            <a:r>
+              <a:rPr lang="es-419" noProof="0" dirty="0" err="1" smtClean="0"/>
+              <a:t>if</a:t>
+            </a:r>
+            <a:r>
+              <a:rPr lang="es-419" noProof="0" dirty="0" smtClean="0"/>
+              <a:t>”  están permitidas pero NO para el cálculo de NLL (más sobre esto luego)</a:t>
+            </a:r>
+          </a:p>
+          <a:p>
+            <a:r>
+              <a:rPr lang="es-419" noProof="0" dirty="0" smtClean="0"/>
+              <a:t>Los ciclos son similares pero se indexan en forma diferente</a:t>
+            </a:r>
+          </a:p>
+          <a:p>
+            <a:r>
+              <a:rPr lang="es-419" noProof="0" dirty="0" smtClean="0"/>
+              <a:t>Indexación de vectores es </a:t>
+            </a:r>
+            <a:r>
+              <a:rPr lang="es-419" noProof="0" dirty="0" smtClean="0"/>
+              <a:t>posible </a:t>
+            </a:r>
+            <a:r>
+              <a:rPr lang="es-419" noProof="0" dirty="0" smtClean="0"/>
+              <a:t>pero no es tan flexible como en R</a:t>
+            </a:r>
+            <a:endParaRPr lang="es-419" noProof="0" dirty="0"/>
           </a:p>
         </p:txBody>
       </p:sp>
@@ -20681,7 +19499,7 @@
           <p:cNvPr id="4" name="Slide Number Placeholder 3">
             <a:extLst>
               <a:ext uri="{FF2B5EF4-FFF2-40B4-BE49-F238E27FC236}">
-                <a16:creationId xmlns:a16="http://schemas.microsoft.com/office/drawing/2014/main" id="{92EF13B0-A221-4341-B259-C019FD4C1CE1}"/>
+                <a16:creationId xmlns:a16="http://schemas.microsoft.com/office/drawing/2014/main" xmlns="" id="{92EF13B0-A221-4341-B259-C019FD4C1CE1}"/>
               </a:ext>
             </a:extLst>
           </p:cNvPr>
@@ -20710,7 +19528,7 @@
           <p:cNvPr id="7" name="Title 1">
             <a:extLst>
               <a:ext uri="{FF2B5EF4-FFF2-40B4-BE49-F238E27FC236}">
-                <a16:creationId xmlns:a16="http://schemas.microsoft.com/office/drawing/2014/main" id="{76FFE61B-B50E-468E-9F42-5EF7D17E830E}"/>
+                <a16:creationId xmlns:a16="http://schemas.microsoft.com/office/drawing/2014/main" xmlns="" id="{76FFE61B-B50E-468E-9F42-5EF7D17E830E}"/>
               </a:ext>
             </a:extLst>
           </p:cNvPr>
@@ -20814,7 +19632,7 @@
           <p:cNvPr id="2" name="Title 1">
             <a:extLst>
               <a:ext uri="{FF2B5EF4-FFF2-40B4-BE49-F238E27FC236}">
-                <a16:creationId xmlns:a16="http://schemas.microsoft.com/office/drawing/2014/main" id="{E402554E-00C6-4F06-812B-9E49274440F5}"/>
+                <a16:creationId xmlns:a16="http://schemas.microsoft.com/office/drawing/2014/main" xmlns="" id="{E402554E-00C6-4F06-812B-9E49274440F5}"/>
               </a:ext>
             </a:extLst>
           </p:cNvPr>
@@ -20836,21 +19654,10 @@
           <a:lstStyle/>
           <a:p>
             <a:r>
-              <a:rPr lang="en-US" dirty="0" err="1"/>
-              <a:t>Revisión</a:t>
-            </a:r>
-            <a:r>
-              <a:rPr lang="en-US" dirty="0"/>
-              <a:t> del </a:t>
-            </a:r>
-            <a:r>
-              <a:rPr lang="en-US" dirty="0" err="1"/>
-              <a:t>tipo</a:t>
-            </a:r>
-            <a:r>
-              <a:rPr lang="en-US" dirty="0"/>
-              <a:t> de variables: R</a:t>
-            </a:r>
+              <a:rPr lang="es-419" noProof="0" dirty="0" smtClean="0"/>
+              <a:t>Revisión del tipo de variables: R</a:t>
+            </a:r>
+            <a:endParaRPr lang="es-419" noProof="0" dirty="0"/>
           </a:p>
         </p:txBody>
       </p:sp>
@@ -20859,7 +19666,7 @@
           <p:cNvPr id="3" name="Content Placeholder 2">
             <a:extLst>
               <a:ext uri="{FF2B5EF4-FFF2-40B4-BE49-F238E27FC236}">
-                <a16:creationId xmlns:a16="http://schemas.microsoft.com/office/drawing/2014/main" id="{78EBCC8C-831F-48B0-9F77-91A9A6DF4A7F}"/>
+                <a16:creationId xmlns:a16="http://schemas.microsoft.com/office/drawing/2014/main" xmlns="" id="{78EBCC8C-831F-48B0-9F77-91A9A6DF4A7F}"/>
               </a:ext>
             </a:extLst>
           </p:cNvPr>
@@ -20883,68 +19690,32 @@
           <a:lstStyle/>
           <a:p>
             <a:r>
-              <a:rPr lang="en-US" dirty="0"/>
-              <a:t>“Data type” = </a:t>
-            </a:r>
-            <a:r>
-              <a:rPr lang="en-US" dirty="0" err="1"/>
-              <a:t>posible</a:t>
-            </a:r>
-            <a:r>
-              <a:rPr lang="en-US" dirty="0"/>
-              <a:t> valor  que una variable </a:t>
-            </a:r>
-            <a:r>
-              <a:rPr lang="en-US" dirty="0" err="1"/>
-              <a:t>puede</a:t>
-            </a:r>
-            <a:r>
-              <a:rPr lang="en-US" dirty="0"/>
-              <a:t> </a:t>
-            </a:r>
-            <a:r>
-              <a:rPr lang="en-US" dirty="0" err="1"/>
-              <a:t>poseer</a:t>
-            </a:r>
-            <a:endParaRPr lang="en-US" dirty="0"/>
-          </a:p>
-          <a:p>
-            <a:r>
-              <a:rPr lang="en-US" dirty="0"/>
-              <a:t>R lo </a:t>
-            </a:r>
-            <a:r>
-              <a:rPr lang="en-US" dirty="0" err="1"/>
-              <a:t>asigna</a:t>
-            </a:r>
-            <a:r>
-              <a:rPr lang="en-US" dirty="0"/>
-              <a:t> </a:t>
-            </a:r>
-            <a:r>
-              <a:rPr lang="en-US" dirty="0" err="1"/>
+              <a:rPr lang="es-419" noProof="0" dirty="0" smtClean="0"/>
+              <a:t>“Data </a:t>
+            </a:r>
+            <a:r>
+              <a:rPr lang="es-419" noProof="0" dirty="0" err="1" smtClean="0"/>
+              <a:t>type</a:t>
+            </a:r>
+            <a:r>
+              <a:rPr lang="es-419" noProof="0" dirty="0" smtClean="0"/>
+              <a:t>” = posible valor que una variable puede poseer</a:t>
+            </a:r>
+          </a:p>
+          <a:p>
+            <a:r>
+              <a:rPr lang="es-419" noProof="0" dirty="0" smtClean="0"/>
+              <a:t>R lo asigna </a:t>
+            </a:r>
+            <a:r>
+              <a:rPr lang="es-419" noProof="0" dirty="0" err="1" smtClean="0"/>
               <a:t>automaticamente</a:t>
             </a:r>
             <a:r>
-              <a:rPr lang="en-US" dirty="0"/>
-              <a:t> (</a:t>
-            </a:r>
-            <a:r>
-              <a:rPr lang="en-US" dirty="0" err="1"/>
-              <a:t>puede</a:t>
-            </a:r>
-            <a:r>
-              <a:rPr lang="en-US" dirty="0"/>
-              <a:t> ser </a:t>
-            </a:r>
-            <a:r>
-              <a:rPr lang="en-US" dirty="0" err="1"/>
-              <a:t>cambiado</a:t>
-            </a:r>
-            <a:r>
-              <a:rPr lang="en-US" dirty="0"/>
-              <a:t>)</a:t>
-            </a:r>
+              <a:rPr lang="es-419" noProof="0" dirty="0" smtClean="0"/>
+              <a:t> (puede ser cambiado)</a:t>
+            </a:r>
+            <a:endParaRPr lang="es-419" noProof="0" dirty="0"/>
           </a:p>
         </p:txBody>
       </p:sp>
@@ -20953,7 +19724,7 @@
           <p:cNvPr id="9" name="Slide Number Placeholder 8">
             <a:extLst>
               <a:ext uri="{FF2B5EF4-FFF2-40B4-BE49-F238E27FC236}">
-                <a16:creationId xmlns:a16="http://schemas.microsoft.com/office/drawing/2014/main" id="{0B820F8F-A42C-4B49-A780-CF8288FD8A05}"/>
+                <a16:creationId xmlns:a16="http://schemas.microsoft.com/office/drawing/2014/main" xmlns="" id="{0B820F8F-A42C-4B49-A780-CF8288FD8A05}"/>
               </a:ext>
             </a:extLst>
           </p:cNvPr>
@@ -20982,7 +19753,7 @@
           <p:cNvPr id="10" name="Rectangle 5">
             <a:extLst>
               <a:ext uri="{FF2B5EF4-FFF2-40B4-BE49-F238E27FC236}">
-                <a16:creationId xmlns:a16="http://schemas.microsoft.com/office/drawing/2014/main" id="{23F8F24B-D86B-440B-BE80-E0B349048E8A}"/>
+                <a16:creationId xmlns:a16="http://schemas.microsoft.com/office/drawing/2014/main" xmlns="" id="{23F8F24B-D86B-440B-BE80-E0B349048E8A}"/>
               </a:ext>
             </a:extLst>
           </p:cNvPr>
@@ -21990,7 +20761,7 @@
           <p:cNvPr id="4" name="TextBox 3">
             <a:extLst>
               <a:ext uri="{FF2B5EF4-FFF2-40B4-BE49-F238E27FC236}">
-                <a16:creationId xmlns:a16="http://schemas.microsoft.com/office/drawing/2014/main" id="{F01FD813-5E80-415D-82E3-93891E58BF7F}"/>
+                <a16:creationId xmlns:a16="http://schemas.microsoft.com/office/drawing/2014/main" xmlns="" id="{F01FD813-5E80-415D-82E3-93891E58BF7F}"/>
               </a:ext>
             </a:extLst>
           </p:cNvPr>
@@ -22038,7 +20809,7 @@
           <p:cNvPr id="6" name="Straight Arrow Connector 5">
             <a:extLst>
               <a:ext uri="{FF2B5EF4-FFF2-40B4-BE49-F238E27FC236}">
-                <a16:creationId xmlns:a16="http://schemas.microsoft.com/office/drawing/2014/main" id="{A9F59917-9DC2-43C0-A999-76DDDA3C78AB}"/>
+                <a16:creationId xmlns:a16="http://schemas.microsoft.com/office/drawing/2014/main" xmlns="" id="{A9F59917-9DC2-43C0-A999-76DDDA3C78AB}"/>
               </a:ext>
             </a:extLst>
           </p:cNvPr>
@@ -22079,7 +20850,7 @@
           <p:cNvPr id="8" name="TextBox 7">
             <a:extLst>
               <a:ext uri="{FF2B5EF4-FFF2-40B4-BE49-F238E27FC236}">
-                <a16:creationId xmlns:a16="http://schemas.microsoft.com/office/drawing/2014/main" id="{77F18E76-C601-4772-BE07-48602F4176FC}"/>
+                <a16:creationId xmlns:a16="http://schemas.microsoft.com/office/drawing/2014/main" xmlns="" id="{77F18E76-C601-4772-BE07-48602F4176FC}"/>
               </a:ext>
             </a:extLst>
           </p:cNvPr>
@@ -22127,7 +20898,7 @@
           <p:cNvPr id="11" name="Straight Arrow Connector 10">
             <a:extLst>
               <a:ext uri="{FF2B5EF4-FFF2-40B4-BE49-F238E27FC236}">
-                <a16:creationId xmlns:a16="http://schemas.microsoft.com/office/drawing/2014/main" id="{B20759DD-C161-4E3C-B396-E20E7A6AF34F}"/>
+                <a16:creationId xmlns:a16="http://schemas.microsoft.com/office/drawing/2014/main" xmlns="" id="{B20759DD-C161-4E3C-B396-E20E7A6AF34F}"/>
               </a:ext>
             </a:extLst>
           </p:cNvPr>
@@ -22198,7 +20969,7 @@
           <p:cNvPr id="3" name="Content Placeholder 2">
             <a:extLst>
               <a:ext uri="{FF2B5EF4-FFF2-40B4-BE49-F238E27FC236}">
-                <a16:creationId xmlns:a16="http://schemas.microsoft.com/office/drawing/2014/main" id="{4F4A0A5E-864E-4A59-8547-DD62937FF4D6}"/>
+                <a16:creationId xmlns:a16="http://schemas.microsoft.com/office/drawing/2014/main" xmlns="" id="{4F4A0A5E-864E-4A59-8547-DD62937FF4D6}"/>
               </a:ext>
             </a:extLst>
           </p:cNvPr>
@@ -22220,141 +20991,32 @@
           <a:lstStyle/>
           <a:p>
             <a:r>
-              <a:rPr lang="en-US" sz="2800" dirty="0" err="1"/>
+              <a:rPr lang="es-419" sz="2800" noProof="0" dirty="0" err="1" smtClean="0"/>
               <a:t>Asi</a:t>
             </a:r>
             <a:r>
-              <a:rPr lang="en-US" sz="2800" dirty="0"/>
-              <a:t> </a:t>
-            </a:r>
-            <a:r>
-              <a:rPr lang="en-US" sz="2800" dirty="0" err="1"/>
-              <a:t>como</a:t>
-            </a:r>
-            <a:r>
-              <a:rPr lang="en-US" sz="2800" dirty="0"/>
-              <a:t> </a:t>
-            </a:r>
-            <a:r>
-              <a:rPr lang="en-US" sz="2800" dirty="0" err="1"/>
-              <a:t>en</a:t>
-            </a:r>
-            <a:r>
-              <a:rPr lang="en-US" sz="2800" dirty="0"/>
-              <a:t> R, C++ </a:t>
-            </a:r>
-            <a:r>
-              <a:rPr lang="en-US" sz="2800" dirty="0" err="1"/>
-              <a:t>tiene</a:t>
-            </a:r>
-            <a:r>
-              <a:rPr lang="en-US" sz="2800" dirty="0"/>
-              <a:t> </a:t>
-            </a:r>
-            <a:r>
-              <a:rPr lang="en-US" sz="2800" dirty="0" err="1"/>
-              <a:t>vectores</a:t>
-            </a:r>
-            <a:r>
-              <a:rPr lang="en-US" sz="2800" dirty="0"/>
-              <a:t>, matrices, </a:t>
-            </a:r>
-            <a:r>
-              <a:rPr lang="en-US" sz="2800" dirty="0" err="1"/>
-              <a:t>arreglos</a:t>
-            </a:r>
-            <a:r>
-              <a:rPr lang="en-US" sz="2800" dirty="0"/>
-              <a:t>.</a:t>
-            </a:r>
-          </a:p>
-          <a:p>
-            <a:r>
-              <a:rPr lang="en-US" sz="2800" dirty="0"/>
-              <a:t>C++ es </a:t>
-            </a:r>
-            <a:r>
-              <a:rPr lang="en-US" sz="2800" dirty="0" err="1"/>
-              <a:t>más</a:t>
-            </a:r>
-            <a:r>
-              <a:rPr lang="en-US" sz="2800" dirty="0"/>
-              <a:t> </a:t>
-            </a:r>
-            <a:r>
-              <a:rPr lang="en-US" sz="2800" dirty="0" err="1"/>
-              <a:t>estricto</a:t>
-            </a:r>
-            <a:r>
-              <a:rPr lang="en-US" sz="2800" dirty="0"/>
-              <a:t>: </a:t>
-            </a:r>
-            <a:r>
-              <a:rPr lang="en-US" sz="2800" dirty="0" err="1"/>
-              <a:t>Declaración</a:t>
-            </a:r>
-            <a:r>
-              <a:rPr lang="en-US" sz="2800" dirty="0"/>
-              <a:t> de </a:t>
-            </a:r>
-            <a:r>
-              <a:rPr lang="en-US" sz="2800" dirty="0" err="1"/>
-              <a:t>tipo</a:t>
-            </a:r>
-            <a:r>
-              <a:rPr lang="en-US" sz="2800" dirty="0"/>
-              <a:t> es </a:t>
-            </a:r>
-            <a:r>
-              <a:rPr lang="en-US" sz="2800" dirty="0" err="1"/>
-              <a:t>explícita</a:t>
-            </a:r>
-            <a:r>
-              <a:rPr lang="en-US" sz="2800" dirty="0"/>
-              <a:t> y </a:t>
-            </a:r>
-            <a:r>
-              <a:rPr lang="en-US" sz="2800" b="1" dirty="0"/>
+              <a:rPr lang="es-419" sz="2800" noProof="0" dirty="0" smtClean="0"/>
+              <a:t> como en R, C++ tiene vectores, matrices, arreglos.</a:t>
+            </a:r>
+          </a:p>
+          <a:p>
+            <a:r>
+              <a:rPr lang="es-419" sz="2800" noProof="0" dirty="0" smtClean="0"/>
+              <a:t>C++ es más estricto: Declaración de tipo es explícita y </a:t>
+            </a:r>
+            <a:r>
+              <a:rPr lang="es-419" sz="2800" b="1" noProof="0" dirty="0" smtClean="0"/>
               <a:t>NO</a:t>
             </a:r>
             <a:r>
-              <a:rPr lang="en-US" sz="2800" dirty="0"/>
-              <a:t> </a:t>
-            </a:r>
-            <a:r>
-              <a:rPr lang="en-US" sz="2800" dirty="0" err="1"/>
-              <a:t>puede</a:t>
-            </a:r>
-            <a:r>
-              <a:rPr lang="en-US" sz="2800" dirty="0"/>
-              <a:t> </a:t>
-            </a:r>
-            <a:r>
-              <a:rPr lang="en-US" sz="2800" dirty="0" err="1"/>
-              <a:t>cambiar</a:t>
-            </a:r>
-            <a:endParaRPr lang="en-US" sz="2800" dirty="0"/>
-          </a:p>
-          <a:p>
-            <a:r>
-              <a:rPr lang="en-US" sz="2800" dirty="0"/>
-              <a:t>Para TMB </a:t>
-            </a:r>
-            <a:r>
-              <a:rPr lang="en-US" sz="2800" dirty="0" err="1"/>
-              <a:t>usaremos</a:t>
-            </a:r>
-            <a:r>
-              <a:rPr lang="en-US" sz="2800" dirty="0"/>
-              <a:t> solo 2 </a:t>
-            </a:r>
-            <a:r>
-              <a:rPr lang="en-US" sz="2800" dirty="0" err="1"/>
-              <a:t>tipos</a:t>
-            </a:r>
-            <a:r>
-              <a:rPr lang="en-US" sz="2800" dirty="0"/>
-              <a:t>:	</a:t>
+              <a:rPr lang="es-419" sz="2800" noProof="0" dirty="0" smtClean="0"/>
+              <a:t> puede cambiar</a:t>
+            </a:r>
+          </a:p>
+          <a:p>
+            <a:r>
+              <a:rPr lang="es-419" sz="2800" noProof="0" dirty="0" smtClean="0"/>
+              <a:t>Para TMB usaremos solo 2 tipos:	</a:t>
             </a:r>
           </a:p>
           <a:p>
@@ -22363,67 +21025,31 @@
               <a:buAutoNum type="arabicPeriod"/>
             </a:pPr>
             <a:r>
-              <a:rPr lang="en-US" sz="2800" dirty="0" err="1"/>
-              <a:t>Enteros</a:t>
-            </a:r>
-            <a:r>
-              <a:rPr lang="en-US" sz="2800" dirty="0"/>
-              <a:t>: </a:t>
-            </a:r>
-            <a:r>
-              <a:rPr lang="en-US" sz="2800" dirty="0">
+              <a:rPr lang="es-419" sz="2800" noProof="0" dirty="0" smtClean="0"/>
+              <a:t>Enteros: </a:t>
+            </a:r>
+            <a:r>
+              <a:rPr lang="es-419" sz="2800" noProof="0" dirty="0" err="1" smtClean="0">
                 <a:latin typeface="Courier New" panose="02070309020205020404" pitchFamily="49" charset="0"/>
                 <a:cs typeface="Courier New" panose="02070309020205020404" pitchFamily="49" charset="0"/>
               </a:rPr>
-              <a:t>int </a:t>
-            </a:r>
-            <a:r>
-              <a:rPr lang="en-US" sz="2800" dirty="0" err="1">
+              <a:t>int</a:t>
+            </a:r>
+            <a:r>
+              <a:rPr lang="es-419" sz="2800" noProof="0" dirty="0" smtClean="0">
                 <a:latin typeface="Courier New" panose="02070309020205020404" pitchFamily="49" charset="0"/>
                 <a:cs typeface="Courier New" panose="02070309020205020404" pitchFamily="49" charset="0"/>
               </a:rPr>
-              <a:t>i</a:t>
-            </a:r>
-            <a:r>
-              <a:rPr lang="en-US" sz="2800" dirty="0">
-                <a:latin typeface="Courier New" panose="02070309020205020404" pitchFamily="49" charset="0"/>
-                <a:cs typeface="Courier New" panose="02070309020205020404" pitchFamily="49" charset="0"/>
-              </a:rPr>
-              <a:t>=0;</a:t>
-            </a:r>
-            <a:endParaRPr lang="en-US" sz="2800" dirty="0"/>
+              <a:t> i=0;</a:t>
+            </a:r>
+            <a:endParaRPr lang="es-419" sz="2800" noProof="0" dirty="0" smtClean="0"/>
           </a:p>
           <a:p>
             <a:pPr lvl="1"/>
             <a:r>
-              <a:rPr lang="en-US" sz="2400" dirty="0" err="1"/>
-              <a:t>Usado</a:t>
-            </a:r>
-            <a:r>
-              <a:rPr lang="en-US" sz="2400" dirty="0"/>
-              <a:t> </a:t>
-            </a:r>
-            <a:r>
-              <a:rPr lang="en-US" sz="2400" dirty="0" err="1"/>
-              <a:t>en</a:t>
-            </a:r>
-            <a:r>
-              <a:rPr lang="en-US" sz="2400" dirty="0"/>
-              <a:t> </a:t>
-            </a:r>
-            <a:r>
-              <a:rPr lang="en-US" sz="2400" dirty="0" err="1"/>
-              <a:t>ciclos</a:t>
-            </a:r>
-            <a:r>
-              <a:rPr lang="en-US" sz="2400" dirty="0"/>
-              <a:t> y para </a:t>
-            </a:r>
-            <a:r>
-              <a:rPr lang="en-US" sz="2400" dirty="0" err="1"/>
-              <a:t>indexar</a:t>
-            </a:r>
-            <a:endParaRPr lang="en-US" sz="2400" dirty="0"/>
+              <a:rPr lang="es-419" sz="2400" noProof="0" dirty="0" smtClean="0"/>
+              <a:t>Usado en ciclos y para indexar</a:t>
+            </a:r>
           </a:p>
           <a:p>
             <a:pPr marL="514350" indent="-514350">
@@ -22431,86 +21057,54 @@
               <a:buAutoNum type="arabicPeriod"/>
             </a:pPr>
             <a:r>
-              <a:rPr lang="en-US" sz="2800" dirty="0"/>
+              <a:rPr lang="es-419" sz="2800" noProof="0" dirty="0" smtClean="0"/>
               <a:t>“</a:t>
             </a:r>
             <a:r>
-              <a:rPr lang="en-US" sz="2800" b="1" dirty="0"/>
+              <a:rPr lang="es-419" sz="2800" b="1" noProof="0" dirty="0" err="1" smtClean="0"/>
               <a:t>Type</a:t>
             </a:r>
             <a:r>
-              <a:rPr lang="en-US" sz="2800" dirty="0"/>
-              <a:t>” type: </a:t>
-            </a:r>
-            <a:r>
-              <a:rPr lang="en-US" sz="2800" dirty="0">
+              <a:rPr lang="es-419" sz="2800" noProof="0" dirty="0" smtClean="0"/>
+              <a:t>” </a:t>
+            </a:r>
+            <a:r>
+              <a:rPr lang="es-419" sz="2800" noProof="0" dirty="0" err="1" smtClean="0"/>
+              <a:t>type</a:t>
+            </a:r>
+            <a:r>
+              <a:rPr lang="es-419" sz="2800" noProof="0" dirty="0" smtClean="0"/>
+              <a:t>: </a:t>
+            </a:r>
+            <a:r>
+              <a:rPr lang="es-419" sz="2800" noProof="0" dirty="0" err="1" smtClean="0">
                 <a:latin typeface="Courier New" panose="02070309020205020404" pitchFamily="49" charset="0"/>
                 <a:cs typeface="Courier New" panose="02070309020205020404" pitchFamily="49" charset="0"/>
               </a:rPr>
-              <a:t>Type sigma;</a:t>
+              <a:t>Type</a:t>
+            </a:r>
+            <a:r>
+              <a:rPr lang="es-419" sz="2800" noProof="0" dirty="0" smtClean="0">
+                <a:latin typeface="Courier New" panose="02070309020205020404" pitchFamily="49" charset="0"/>
+                <a:cs typeface="Courier New" panose="02070309020205020404" pitchFamily="49" charset="0"/>
+              </a:rPr>
+              <a:t> sigma;</a:t>
             </a:r>
           </a:p>
           <a:p>
             <a:pPr lvl="1"/>
             <a:r>
-              <a:rPr lang="en-US" sz="2400" dirty="0"/>
-              <a:t>Para </a:t>
-            </a:r>
-            <a:r>
-              <a:rPr lang="en-US" sz="2400" dirty="0" err="1"/>
-              <a:t>todo</a:t>
-            </a:r>
-            <a:r>
-              <a:rPr lang="en-US" sz="2400" dirty="0"/>
-              <a:t> </a:t>
-            </a:r>
-            <a:r>
-              <a:rPr lang="en-US" sz="2400" dirty="0" err="1"/>
-              <a:t>el</a:t>
-            </a:r>
-            <a:r>
-              <a:rPr lang="en-US" sz="2400" dirty="0"/>
-              <a:t> resto</a:t>
+              <a:rPr lang="es-419" sz="2400" noProof="0" dirty="0" smtClean="0"/>
+              <a:t>Para todo el resto</a:t>
             </a:r>
           </a:p>
           <a:p>
             <a:pPr lvl="1"/>
             <a:r>
-              <a:rPr lang="en-US" sz="2400" dirty="0"/>
-              <a:t>Es </a:t>
-            </a:r>
-            <a:r>
-              <a:rPr lang="en-US" sz="2400" dirty="0" err="1"/>
-              <a:t>más</a:t>
-            </a:r>
-            <a:r>
-              <a:rPr lang="en-US" sz="2400" dirty="0"/>
-              <a:t> </a:t>
-            </a:r>
-            <a:r>
-              <a:rPr lang="en-US" sz="2400" dirty="0" err="1"/>
-              <a:t>sencillo</a:t>
-            </a:r>
-            <a:r>
-              <a:rPr lang="en-US" sz="2400" dirty="0"/>
-              <a:t> que los </a:t>
-            </a:r>
-            <a:r>
-              <a:rPr lang="en-US" sz="2400" dirty="0" err="1"/>
-              <a:t>tipos</a:t>
-            </a:r>
-            <a:r>
-              <a:rPr lang="en-US" sz="2400" dirty="0"/>
-              <a:t> </a:t>
-            </a:r>
-            <a:r>
-              <a:rPr lang="en-US" sz="2400" dirty="0" err="1"/>
-              <a:t>en</a:t>
-            </a:r>
-            <a:r>
-              <a:rPr lang="en-US" sz="2400" dirty="0"/>
-              <a:t> ADMB</a:t>
-            </a:r>
+              <a:rPr lang="es-419" sz="2400" noProof="0" dirty="0" smtClean="0"/>
+              <a:t>Es más sencillo que los tipos en ADMB</a:t>
+            </a:r>
+            <a:endParaRPr lang="es-419" sz="2400" noProof="0" dirty="0"/>
           </a:p>
         </p:txBody>
       </p:sp>
@@ -22519,7 +21113,7 @@
           <p:cNvPr id="4" name="Slide Number Placeholder 3">
             <a:extLst>
               <a:ext uri="{FF2B5EF4-FFF2-40B4-BE49-F238E27FC236}">
-                <a16:creationId xmlns:a16="http://schemas.microsoft.com/office/drawing/2014/main" id="{E2BFAE74-53C5-4ABA-B594-1912EBA11865}"/>
+                <a16:creationId xmlns:a16="http://schemas.microsoft.com/office/drawing/2014/main" xmlns="" id="{E2BFAE74-53C5-4ABA-B594-1912EBA11865}"/>
               </a:ext>
             </a:extLst>
           </p:cNvPr>
@@ -22548,7 +21142,7 @@
           <p:cNvPr id="5" name="Title 1">
             <a:extLst>
               <a:ext uri="{FF2B5EF4-FFF2-40B4-BE49-F238E27FC236}">
-                <a16:creationId xmlns:a16="http://schemas.microsoft.com/office/drawing/2014/main" id="{39305FBB-DD4A-4A32-AFD4-668F4E5E7C84}"/>
+                <a16:creationId xmlns:a16="http://schemas.microsoft.com/office/drawing/2014/main" xmlns="" id="{39305FBB-DD4A-4A32-AFD4-668F4E5E7C84}"/>
               </a:ext>
             </a:extLst>
           </p:cNvPr>
@@ -22614,7 +21208,7 @@
           <p:cNvPr id="6" name="TextBox 5">
             <a:extLst>
               <a:ext uri="{FF2B5EF4-FFF2-40B4-BE49-F238E27FC236}">
-                <a16:creationId xmlns:a16="http://schemas.microsoft.com/office/drawing/2014/main" id="{007332CD-83A9-446F-B5C6-D208CB36828F}"/>
+                <a16:creationId xmlns:a16="http://schemas.microsoft.com/office/drawing/2014/main" xmlns="" id="{007332CD-83A9-446F-B5C6-D208CB36828F}"/>
               </a:ext>
             </a:extLst>
           </p:cNvPr>
@@ -22690,7 +21284,7 @@
           <p:cNvPr id="7" name="Straight Arrow Connector 6">
             <a:extLst>
               <a:ext uri="{FF2B5EF4-FFF2-40B4-BE49-F238E27FC236}">
-                <a16:creationId xmlns:a16="http://schemas.microsoft.com/office/drawing/2014/main" id="{B41E7DD0-7471-4C9A-A2F9-E1C3EFD31F3F}"/>
+                <a16:creationId xmlns:a16="http://schemas.microsoft.com/office/drawing/2014/main" xmlns="" id="{B41E7DD0-7471-4C9A-A2F9-E1C3EFD31F3F}"/>
               </a:ext>
             </a:extLst>
           </p:cNvPr>
@@ -22731,7 +21325,7 @@
           <p:cNvPr id="8" name="Straight Arrow Connector 7">
             <a:extLst>
               <a:ext uri="{FF2B5EF4-FFF2-40B4-BE49-F238E27FC236}">
-                <a16:creationId xmlns:a16="http://schemas.microsoft.com/office/drawing/2014/main" id="{BA512D5F-2E00-4D07-A8DE-D946917D5EE5}"/>
+                <a16:creationId xmlns:a16="http://schemas.microsoft.com/office/drawing/2014/main" xmlns="" id="{BA512D5F-2E00-4D07-A8DE-D946917D5EE5}"/>
               </a:ext>
             </a:extLst>
           </p:cNvPr>
